--- a/Documentation/Wireframes/CashPool_CardDeposit.pptx
+++ b/Documentation/Wireframes/CashPool_CardDeposit.pptx
@@ -246,7 +246,7 @@
           <a:p>
             <a:fld id="{71AC5D09-1254-4553-8506-F9EC30576ABC}" type="datetimeFigureOut">
               <a:rPr lang="en-US" smtClean="0"/>
-              <a:t>8/19/2014</a:t>
+              <a:t>8/23/2014</a:t>
             </a:fld>
             <a:endParaRPr lang="en-US"/>
           </a:p>
@@ -4015,14 +4015,14 @@
           <p:nvPr>
             <p:extLst>
               <p:ext uri="{D42A27DB-BD31-4B8C-83A1-F6EECF244321}">
-                <p14:modId xmlns:p14="http://schemas.microsoft.com/office/powerpoint/2010/main" val="214301627"/>
+                <p14:modId xmlns:p14="http://schemas.microsoft.com/office/powerpoint/2010/main" val="1417509446"/>
               </p:ext>
             </p:extLst>
           </p:nvPr>
         </p:nvGraphicFramePr>
         <p:xfrm>
           <a:off x="179512" y="862032"/>
-          <a:ext cx="1512168" cy="5648960"/>
+          <a:ext cx="1512168" cy="5933440"/>
         </p:xfrm>
         <a:graphic>
           <a:graphicData uri="http://schemas.openxmlformats.org/drawingml/2006/table">
@@ -4055,14 +4055,14 @@
                     <a:lstStyle/>
                     <a:p>
                       <a:r>
-                        <a:rPr lang="en-US" sz="1200" dirty="0" smtClean="0"/>
+                        <a:rPr lang="en-US" sz="1000" dirty="0" smtClean="0"/>
                         <a:t>+ Cash</a:t>
                       </a:r>
                       <a:r>
-                        <a:rPr lang="en-US" sz="1200" baseline="0" dirty="0" smtClean="0"/>
+                        <a:rPr lang="en-US" sz="1000" baseline="0" dirty="0" smtClean="0"/>
                         <a:t> Pool</a:t>
                       </a:r>
-                      <a:endParaRPr lang="en-US" sz="1200" dirty="0" smtClean="0"/>
+                      <a:endParaRPr lang="en-US" sz="1000" dirty="0" smtClean="0"/>
                     </a:p>
                   </a:txBody>
                   <a:tcPr/>
@@ -4076,7 +4076,7 @@
                     <a:p>
                       <a:pPr algn="r"/>
                       <a:r>
-                        <a:rPr lang="en-US" sz="1200" dirty="0" smtClean="0"/>
+                        <a:rPr lang="en-US" sz="1000" dirty="0" smtClean="0"/>
                         <a:t>GT Bank</a:t>
                       </a:r>
                     </a:p>
@@ -4092,7 +4092,7 @@
                     <a:p>
                       <a:pPr algn="r"/>
                       <a:r>
-                        <a:rPr lang="en-US" sz="1200" dirty="0" smtClean="0"/>
+                        <a:rPr lang="en-US" sz="1000" dirty="0" smtClean="0"/>
                         <a:t>Skye</a:t>
                       </a:r>
                     </a:p>
@@ -4108,7 +4108,7 @@
                     <a:p>
                       <a:pPr algn="r"/>
                       <a:r>
-                        <a:rPr lang="en-US" sz="1200" dirty="0" smtClean="0"/>
+                        <a:rPr lang="en-US" sz="1000" dirty="0" smtClean="0"/>
                         <a:t>First Bank</a:t>
                       </a:r>
                     </a:p>
@@ -4124,7 +4124,7 @@
                     <a:p>
                       <a:pPr algn="r"/>
                       <a:r>
-                        <a:rPr lang="en-US" sz="1200" dirty="0" smtClean="0"/>
+                        <a:rPr lang="en-US" sz="1000" dirty="0" smtClean="0"/>
                         <a:t>UBA</a:t>
                       </a:r>
                     </a:p>
@@ -4140,7 +4140,7 @@
                     <a:p>
                       <a:pPr algn="r"/>
                       <a:r>
-                        <a:rPr lang="en-US" sz="1200" dirty="0" smtClean="0"/>
+                        <a:rPr lang="en-US" sz="1000" dirty="0" smtClean="0"/>
                         <a:t>Zenith</a:t>
                       </a:r>
                     </a:p>
@@ -4156,7 +4156,7 @@
                     <a:p>
                       <a:pPr algn="r"/>
                       <a:r>
-                        <a:rPr lang="en-US" sz="1200" dirty="0" smtClean="0"/>
+                        <a:rPr lang="en-US" sz="1000" dirty="0" smtClean="0"/>
                         <a:t>FCMB</a:t>
                       </a:r>
                     </a:p>
@@ -4172,14 +4172,14 @@
                     <a:p>
                       <a:pPr algn="r"/>
                       <a:r>
-                        <a:rPr lang="en-US" sz="1200" dirty="0" smtClean="0"/>
+                        <a:rPr lang="en-US" sz="1000" dirty="0" smtClean="0"/>
                         <a:t>Diamond</a:t>
                       </a:r>
                       <a:r>
-                        <a:rPr lang="en-US" sz="1200" baseline="0" dirty="0" smtClean="0"/>
+                        <a:rPr lang="en-US" sz="1000" baseline="0" dirty="0" smtClean="0"/>
                         <a:t> Bank</a:t>
                       </a:r>
-                      <a:endParaRPr lang="en-US" sz="1200" dirty="0" smtClean="0"/>
+                      <a:endParaRPr lang="en-US" sz="1000" dirty="0" smtClean="0"/>
                     </a:p>
                   </a:txBody>
                   <a:tcPr/>
@@ -4191,10 +4191,12 @@
                     <a:bodyPr/>
                     <a:lstStyle/>
                     <a:p>
-                      <a:r>
-                        <a:rPr lang="en-US" sz="1200" dirty="0" smtClean="0"/>
-                        <a:t>+ Card Deposits</a:t>
-                      </a:r>
+                      <a:pPr algn="r"/>
+                      <a:r>
+                        <a:rPr lang="en-US" sz="1000" dirty="0" smtClean="0"/>
+                        <a:t>Access Bank</a:t>
+                      </a:r>
+                      <a:endParaRPr lang="en-US" sz="1000" dirty="0" smtClean="0"/>
                     </a:p>
                   </a:txBody>
                   <a:tcPr/>
@@ -4206,12 +4208,10 @@
                     <a:bodyPr/>
                     <a:lstStyle/>
                     <a:p>
-                      <a:pPr algn="r"/>
-                      <a:r>
-                        <a:rPr lang="en-US" sz="1200" dirty="0" err="1" smtClean="0"/>
-                        <a:t>InterSwitch</a:t>
-                      </a:r>
-                      <a:endParaRPr lang="en-US" sz="1200" dirty="0" smtClean="0"/>
+                      <a:r>
+                        <a:rPr lang="en-US" sz="1000" dirty="0" smtClean="0"/>
+                        <a:t>+ Card Deposits</a:t>
+                      </a:r>
                     </a:p>
                   </a:txBody>
                   <a:tcPr/>
@@ -4223,10 +4223,12 @@
                     <a:bodyPr/>
                     <a:lstStyle/>
                     <a:p>
-                      <a:r>
-                        <a:rPr lang="en-US" sz="1200" dirty="0" smtClean="0"/>
-                        <a:t>+ Airtime</a:t>
-                      </a:r>
+                      <a:pPr algn="r"/>
+                      <a:r>
+                        <a:rPr lang="en-US" sz="1000" dirty="0" err="1" smtClean="0"/>
+                        <a:t>InterSwitch</a:t>
+                      </a:r>
+                      <a:endParaRPr lang="en-US" sz="1000" dirty="0" smtClean="0"/>
                     </a:p>
                   </a:txBody>
                   <a:tcPr/>
@@ -4238,16 +4240,10 @@
                     <a:bodyPr/>
                     <a:lstStyle/>
                     <a:p>
-                      <a:pPr algn="r"/>
-                      <a:r>
-                        <a:rPr lang="en-US" sz="1200" dirty="0" smtClean="0"/>
-                        <a:t>Each Mobile</a:t>
-                      </a:r>
-                      <a:r>
-                        <a:rPr lang="en-US" sz="1200" baseline="0" dirty="0" smtClean="0"/>
-                        <a:t> Operator</a:t>
-                      </a:r>
-                      <a:endParaRPr lang="en-US" sz="1200" dirty="0" smtClean="0"/>
+                      <a:r>
+                        <a:rPr lang="en-US" sz="1000" dirty="0" smtClean="0"/>
+                        <a:t>+ Airtime</a:t>
+                      </a:r>
                     </a:p>
                   </a:txBody>
                   <a:tcPr/>
@@ -4259,11 +4255,16 @@
                     <a:bodyPr/>
                     <a:lstStyle/>
                     <a:p>
-                      <a:pPr algn="l"/>
-                      <a:r>
-                        <a:rPr lang="en-US" sz="1200" dirty="0" smtClean="0"/>
-                        <a:t>+ Merchants</a:t>
-                      </a:r>
+                      <a:pPr algn="r"/>
+                      <a:r>
+                        <a:rPr lang="en-US" sz="1000" dirty="0" smtClean="0"/>
+                        <a:t>Each Mobile</a:t>
+                      </a:r>
+                      <a:r>
+                        <a:rPr lang="en-US" sz="1000" baseline="0" dirty="0" smtClean="0"/>
+                        <a:t> Operator</a:t>
+                      </a:r>
+                      <a:endParaRPr lang="en-US" sz="1000" dirty="0" smtClean="0"/>
                     </a:p>
                   </a:txBody>
                   <a:tcPr/>
@@ -4275,9 +4276,25 @@
                     <a:bodyPr/>
                     <a:lstStyle/>
                     <a:p>
+                      <a:pPr algn="l"/>
+                      <a:r>
+                        <a:rPr lang="en-US" sz="1000" dirty="0" smtClean="0"/>
+                        <a:t>+ Merchants</a:t>
+                      </a:r>
+                    </a:p>
+                  </a:txBody>
+                  <a:tcPr/>
+                </a:tc>
+              </a:tr>
+              <a:tr h="370840">
+                <a:tc>
+                  <a:txBody>
+                    <a:bodyPr/>
+                    <a:lstStyle/>
+                    <a:p>
                       <a:pPr algn="r"/>
                       <a:r>
-                        <a:rPr lang="en-US" sz="1200" dirty="0" smtClean="0"/>
+                        <a:rPr lang="en-US" sz="1000" dirty="0" smtClean="0"/>
                         <a:t>Each Merchant</a:t>
                       </a:r>
                     </a:p>
@@ -4298,14 +4315,14 @@
           <p:nvPr>
             <p:extLst>
               <p:ext uri="{D42A27DB-BD31-4B8C-83A1-F6EECF244321}">
-                <p14:modId xmlns:p14="http://schemas.microsoft.com/office/powerpoint/2010/main" val="1488261473"/>
+                <p14:modId xmlns:p14="http://schemas.microsoft.com/office/powerpoint/2010/main" val="2185956858"/>
               </p:ext>
             </p:extLst>
           </p:nvPr>
         </p:nvGraphicFramePr>
         <p:xfrm>
           <a:off x="1751586" y="862032"/>
-          <a:ext cx="7056783" cy="2630170"/>
+          <a:ext cx="7056777" cy="2613025"/>
         </p:xfrm>
         <a:graphic>
           <a:graphicData uri="http://schemas.openxmlformats.org/drawingml/2006/table">
@@ -4314,15 +4331,17 @@
                 <a:tableStyleId>{5C22544A-7EE6-4342-B048-85BDC9FD1C3A}</a:tableStyleId>
               </a:tblPr>
               <a:tblGrid>
-                <a:gridCol w="784087"/>
-                <a:gridCol w="784087"/>
-                <a:gridCol w="784087"/>
-                <a:gridCol w="784087"/>
-                <a:gridCol w="784087"/>
-                <a:gridCol w="784087"/>
-                <a:gridCol w="552060"/>
-                <a:gridCol w="792088"/>
-                <a:gridCol w="1008113"/>
+                <a:gridCol w="641525"/>
+                <a:gridCol w="641525"/>
+                <a:gridCol w="641525"/>
+                <a:gridCol w="641525"/>
+                <a:gridCol w="641525"/>
+                <a:gridCol w="641525"/>
+                <a:gridCol w="641525"/>
+                <a:gridCol w="641525"/>
+                <a:gridCol w="451685"/>
+                <a:gridCol w="648072"/>
+                <a:gridCol w="824820"/>
               </a:tblGrid>
               <a:tr h="370840">
                 <a:tc>
@@ -4332,15 +4351,22 @@
                     <a:p>
                       <a:pPr algn="ctr" fontAlgn="b"/>
                       <a:r>
-                        <a:rPr lang="en-US" sz="1100" b="1" i="0" u="none" strike="noStrike" dirty="0">
+                        <a:rPr lang="en-US" sz="800" b="1" i="0" u="none" strike="noStrike" dirty="0" smtClean="0">
                           <a:solidFill>
                             <a:srgbClr val="FFFFFF"/>
                           </a:solidFill>
                           <a:effectLst/>
                           <a:latin typeface="Arial" panose="020B0604020202020204" pitchFamily="34" charset="0"/>
                         </a:rPr>
-                        <a:t>Date</a:t>
-                      </a:r>
+                        <a:t>Date/Time</a:t>
+                      </a:r>
+                      <a:endParaRPr lang="en-US" sz="800" b="1" i="0" u="none" strike="noStrike" dirty="0">
+                        <a:solidFill>
+                          <a:srgbClr val="FFFFFF"/>
+                        </a:solidFill>
+                        <a:effectLst/>
+                        <a:latin typeface="Arial" panose="020B0604020202020204" pitchFamily="34" charset="0"/>
+                      </a:endParaRPr>
                     </a:p>
                   </a:txBody>
                   <a:tcPr marL="9525" marR="9525" marT="9525" marB="0" anchor="b"/>
@@ -4352,7 +4378,7 @@
                     <a:p>
                       <a:pPr algn="ctr" fontAlgn="b"/>
                       <a:r>
-                        <a:rPr lang="en-US" sz="1100" b="1" i="0" u="none" strike="noStrike">
+                        <a:rPr lang="en-US" sz="800" b="1" i="0" u="none" strike="noStrike" dirty="0">
                           <a:solidFill>
                             <a:srgbClr val="FFFFFF"/>
                           </a:solidFill>
@@ -4372,15 +4398,22 @@
                     <a:p>
                       <a:pPr algn="ctr" fontAlgn="b"/>
                       <a:r>
-                        <a:rPr lang="en-US" sz="1100" b="1" i="0" u="none" strike="noStrike">
+                        <a:rPr lang="en-US" sz="800" b="1" i="0" u="none" strike="noStrike" dirty="0" smtClean="0">
                           <a:solidFill>
                             <a:srgbClr val="FFFFFF"/>
                           </a:solidFill>
                           <a:effectLst/>
                           <a:latin typeface="Arial" panose="020B0604020202020204" pitchFamily="34" charset="0"/>
                         </a:rPr>
-                        <a:t>Bank Deposit Slip Number</a:t>
-                      </a:r>
+                        <a:t>Matching ID</a:t>
+                      </a:r>
+                      <a:endParaRPr lang="en-US" sz="800" b="1" i="0" u="none" strike="noStrike" dirty="0">
+                        <a:solidFill>
+                          <a:srgbClr val="FFFFFF"/>
+                        </a:solidFill>
+                        <a:effectLst/>
+                        <a:latin typeface="Arial" panose="020B0604020202020204" pitchFamily="34" charset="0"/>
+                      </a:endParaRPr>
                     </a:p>
                   </a:txBody>
                   <a:tcPr marL="9525" marR="9525" marT="9525" marB="0" anchor="b"/>
@@ -4392,7 +4425,44 @@
                     <a:p>
                       <a:pPr algn="ctr" fontAlgn="b"/>
                       <a:r>
-                        <a:rPr lang="en-US" sz="1100" b="1" i="0" u="none" strike="noStrike">
+                        <a:rPr lang="en-US" sz="800" b="1" i="0" u="none" strike="noStrike" dirty="0" smtClean="0">
+                          <a:solidFill>
+                            <a:srgbClr val="FFFFFF"/>
+                          </a:solidFill>
+                          <a:effectLst/>
+                          <a:latin typeface="Arial" panose="020B0604020202020204" pitchFamily="34" charset="0"/>
+                        </a:rPr>
+                        <a:t>Paga </a:t>
+                      </a:r>
+                      <a:r>
+                        <a:rPr lang="en-US" sz="800" b="1" i="0" u="none" strike="noStrike" dirty="0" err="1" smtClean="0">
+                          <a:solidFill>
+                            <a:srgbClr val="FFFFFF"/>
+                          </a:solidFill>
+                          <a:effectLst/>
+                          <a:latin typeface="Arial" panose="020B0604020202020204" pitchFamily="34" charset="0"/>
+                        </a:rPr>
+                        <a:t>AccountID</a:t>
+                      </a:r>
+                      <a:endParaRPr lang="en-US" sz="800" b="1" i="0" u="none" strike="noStrike" dirty="0">
+                        <a:solidFill>
+                          <a:srgbClr val="FFFFFF"/>
+                        </a:solidFill>
+                        <a:effectLst/>
+                        <a:latin typeface="Arial" panose="020B0604020202020204" pitchFamily="34" charset="0"/>
+                      </a:endParaRPr>
+                    </a:p>
+                  </a:txBody>
+                  <a:tcPr marL="9525" marR="9525" marT="9525" marB="0" anchor="b"/>
+                </a:tc>
+                <a:tc>
+                  <a:txBody>
+                    <a:bodyPr/>
+                    <a:lstStyle/>
+                    <a:p>
+                      <a:pPr algn="ctr" fontAlgn="b"/>
+                      <a:r>
+                        <a:rPr lang="en-US" sz="800" b="1" i="0" u="none" strike="noStrike" dirty="0">
                           <a:solidFill>
                             <a:srgbClr val="FFFFFF"/>
                           </a:solidFill>
@@ -4412,7 +4482,44 @@
                     <a:p>
                       <a:pPr algn="ctr" fontAlgn="b"/>
                       <a:r>
-                        <a:rPr lang="en-US" sz="1100" b="1" i="0" u="none" strike="noStrike">
+                        <a:rPr lang="en-US" sz="800" b="1" i="0" u="none" strike="noStrike" smtClean="0">
+                          <a:solidFill>
+                            <a:srgbClr val="FFFFFF"/>
+                          </a:solidFill>
+                          <a:effectLst/>
+                          <a:latin typeface="Arial" panose="020B0604020202020204" pitchFamily="34" charset="0"/>
+                        </a:rPr>
+                        <a:t>Financial Transaction </a:t>
+                      </a:r>
+                      <a:r>
+                        <a:rPr lang="en-US" sz="800" b="1" i="0" u="none" strike="noStrike" dirty="0" smtClean="0">
+                          <a:solidFill>
+                            <a:srgbClr val="FFFFFF"/>
+                          </a:solidFill>
+                          <a:effectLst/>
+                          <a:latin typeface="Arial" panose="020B0604020202020204" pitchFamily="34" charset="0"/>
+                        </a:rPr>
+                        <a:t>ID</a:t>
+                      </a:r>
+                      <a:endParaRPr lang="en-US" sz="800" b="1" i="0" u="none" strike="noStrike" dirty="0">
+                        <a:solidFill>
+                          <a:srgbClr val="FFFFFF"/>
+                        </a:solidFill>
+                        <a:effectLst/>
+                        <a:latin typeface="Arial" panose="020B0604020202020204" pitchFamily="34" charset="0"/>
+                      </a:endParaRPr>
+                    </a:p>
+                  </a:txBody>
+                  <a:tcPr marL="9525" marR="9525" marT="9525" marB="0" anchor="b"/>
+                </a:tc>
+                <a:tc>
+                  <a:txBody>
+                    <a:bodyPr/>
+                    <a:lstStyle/>
+                    <a:p>
+                      <a:pPr algn="ctr" fontAlgn="b"/>
+                      <a:r>
+                        <a:rPr lang="en-US" sz="800" b="1" i="0" u="none" strike="noStrike" dirty="0">
                           <a:solidFill>
                             <a:srgbClr val="FFFFFF"/>
                           </a:solidFill>
@@ -4432,7 +4539,7 @@
                     <a:p>
                       <a:pPr algn="ctr" fontAlgn="b"/>
                       <a:r>
-                        <a:rPr lang="en-US" sz="1100" b="1" i="0" u="none" strike="noStrike" dirty="0" smtClean="0">
+                        <a:rPr lang="en-US" sz="800" b="1" i="0" u="none" strike="noStrike" dirty="0" smtClean="0">
                           <a:solidFill>
                             <a:srgbClr val="FFFFFF"/>
                           </a:solidFill>
@@ -4441,7 +4548,7 @@
                         </a:rPr>
                         <a:t>Credits</a:t>
                       </a:r>
-                      <a:endParaRPr lang="en-US" sz="1100" b="1" i="0" u="none" strike="noStrike" dirty="0">
+                      <a:endParaRPr lang="en-US" sz="800" b="1" i="0" u="none" strike="noStrike" dirty="0">
                         <a:solidFill>
                           <a:srgbClr val="FFFFFF"/>
                         </a:solidFill>
@@ -4459,7 +4566,7 @@
                     <a:p>
                       <a:pPr algn="ctr" fontAlgn="b"/>
                       <a:r>
-                        <a:rPr lang="en-US" sz="1100" b="1" i="0" u="none" strike="noStrike" dirty="0" smtClean="0">
+                        <a:rPr lang="en-US" sz="800" b="1" i="0" u="none" strike="noStrike" dirty="0" smtClean="0">
                           <a:solidFill>
                             <a:srgbClr val="FFFFFF"/>
                           </a:solidFill>
@@ -4479,7 +4586,7 @@
                     <a:p>
                       <a:pPr algn="ctr" fontAlgn="b"/>
                       <a:r>
-                        <a:rPr lang="en-US" sz="1100" b="1" i="0" u="none" strike="noStrike" dirty="0" smtClean="0">
+                        <a:rPr lang="en-US" sz="800" b="1" i="0" u="none" strike="noStrike" dirty="0" smtClean="0">
                           <a:solidFill>
                             <a:srgbClr val="FFFFFF"/>
                           </a:solidFill>
@@ -4488,7 +4595,7 @@
                         </a:rPr>
                         <a:t>Debits</a:t>
                       </a:r>
-                      <a:endParaRPr lang="en-US" sz="1100" b="1" i="0" u="none" strike="noStrike" dirty="0">
+                      <a:endParaRPr lang="en-US" sz="800" b="1" i="0" u="none" strike="noStrike" dirty="0">
                         <a:solidFill>
                           <a:srgbClr val="FFFFFF"/>
                         </a:solidFill>
@@ -4506,7 +4613,7 @@
                     <a:p>
                       <a:pPr algn="ctr" fontAlgn="b"/>
                       <a:r>
-                        <a:rPr lang="en-US" sz="1100" b="1" i="0" u="none" strike="noStrike" dirty="0">
+                        <a:rPr lang="en-US" sz="800" b="1" i="0" u="none" strike="noStrike" dirty="0">
                           <a:solidFill>
                             <a:srgbClr val="FFFFFF"/>
                           </a:solidFill>
@@ -4593,6 +4700,25 @@
                     <a:lstStyle/>
                     <a:p>
                       <a:pPr algn="l" fontAlgn="b"/>
+                      <a:endParaRPr lang="en-US" sz="1000" b="0" i="0" u="none" strike="noStrike">
+                        <a:solidFill>
+                          <a:schemeClr val="bg1">
+                            <a:lumMod val="65000"/>
+                          </a:schemeClr>
+                        </a:solidFill>
+                        <a:effectLst/>
+                        <a:latin typeface="+mj-lt"/>
+                      </a:endParaRPr>
+                    </a:p>
+                  </a:txBody>
+                  <a:tcPr marL="9525" marR="9525" marT="9525" marB="0" anchor="b"/>
+                </a:tc>
+                <a:tc>
+                  <a:txBody>
+                    <a:bodyPr/>
+                    <a:lstStyle/>
+                    <a:p>
+                      <a:pPr algn="l" fontAlgn="b"/>
                       <a:r>
                         <a:rPr lang="en-US" sz="1000" b="0" i="0" u="none" strike="noStrike">
                           <a:solidFill>
@@ -4615,6 +4741,25 @@
                     <a:lstStyle/>
                     <a:p>
                       <a:pPr algn="l" fontAlgn="b"/>
+                      <a:endParaRPr lang="en-US" sz="1000" b="0" i="0" u="none" strike="noStrike">
+                        <a:solidFill>
+                          <a:schemeClr val="bg1">
+                            <a:lumMod val="65000"/>
+                          </a:schemeClr>
+                        </a:solidFill>
+                        <a:effectLst/>
+                        <a:latin typeface="+mj-lt"/>
+                      </a:endParaRPr>
+                    </a:p>
+                  </a:txBody>
+                  <a:tcPr marL="9525" marR="9525" marT="9525" marB="0" anchor="b"/>
+                </a:tc>
+                <a:tc>
+                  <a:txBody>
+                    <a:bodyPr/>
+                    <a:lstStyle/>
+                    <a:p>
+                      <a:pPr algn="l" fontAlgn="b"/>
                       <a:r>
                         <a:rPr lang="en-US" sz="1000" b="0" i="0" u="none" strike="noStrike">
                           <a:solidFill>
@@ -4711,7 +4856,7 @@
                     <a:p>
                       <a:pPr algn="r" fontAlgn="b"/>
                       <a:r>
-                        <a:rPr lang="en-US" sz="1000" b="0" i="0" u="none" strike="noStrike">
+                        <a:rPr lang="en-US" sz="1000" b="0" i="0" u="none" strike="noStrike" dirty="0">
                           <a:solidFill>
                             <a:schemeClr val="bg1">
                               <a:lumMod val="65000"/>
@@ -4800,6 +4945,25 @@
                     <a:lstStyle/>
                     <a:p>
                       <a:pPr algn="l" fontAlgn="b"/>
+                      <a:endParaRPr lang="en-US" sz="1000" b="0" i="0" u="none" strike="noStrike" dirty="0">
+                        <a:solidFill>
+                          <a:schemeClr val="bg1">
+                            <a:lumMod val="65000"/>
+                          </a:schemeClr>
+                        </a:solidFill>
+                        <a:effectLst/>
+                        <a:latin typeface="+mj-lt"/>
+                      </a:endParaRPr>
+                    </a:p>
+                  </a:txBody>
+                  <a:tcPr marL="9525" marR="9525" marT="9525" marB="0" anchor="b"/>
+                </a:tc>
+                <a:tc>
+                  <a:txBody>
+                    <a:bodyPr/>
+                    <a:lstStyle/>
+                    <a:p>
+                      <a:pPr algn="l" fontAlgn="b"/>
                       <a:r>
                         <a:rPr lang="en-US" sz="1000" b="0" i="0" u="none" strike="noStrike" dirty="0">
                           <a:solidFill>
@@ -4822,6 +4986,25 @@
                     <a:lstStyle/>
                     <a:p>
                       <a:pPr algn="l" fontAlgn="b"/>
+                      <a:endParaRPr lang="en-US" sz="1000" b="0" i="0" u="none" strike="noStrike" dirty="0">
+                        <a:solidFill>
+                          <a:schemeClr val="bg1">
+                            <a:lumMod val="65000"/>
+                          </a:schemeClr>
+                        </a:solidFill>
+                        <a:effectLst/>
+                        <a:latin typeface="+mj-lt"/>
+                      </a:endParaRPr>
+                    </a:p>
+                  </a:txBody>
+                  <a:tcPr marL="9525" marR="9525" marT="9525" marB="0" anchor="b"/>
+                </a:tc>
+                <a:tc>
+                  <a:txBody>
+                    <a:bodyPr/>
+                    <a:lstStyle/>
+                    <a:p>
+                      <a:pPr algn="l" fontAlgn="b"/>
                       <a:r>
                         <a:rPr lang="en-US" sz="1000" b="0" i="0" u="none" strike="noStrike" dirty="0">
                           <a:solidFill>
@@ -5001,6 +5184,23 @@
                     <a:lstStyle/>
                     <a:p>
                       <a:pPr algn="l" fontAlgn="b"/>
+                      <a:endParaRPr lang="en-US" sz="1000" b="0" i="0" u="none" strike="noStrike" dirty="0">
+                        <a:solidFill>
+                          <a:srgbClr val="000000"/>
+                        </a:solidFill>
+                        <a:effectLst/>
+                        <a:latin typeface="+mj-lt"/>
+                      </a:endParaRPr>
+                    </a:p>
+                  </a:txBody>
+                  <a:tcPr marL="9525" marR="9525" marT="9525" marB="0" anchor="b"/>
+                </a:tc>
+                <a:tc>
+                  <a:txBody>
+                    <a:bodyPr/>
+                    <a:lstStyle/>
+                    <a:p>
+                      <a:pPr algn="l" fontAlgn="b"/>
                       <a:r>
                         <a:rPr lang="en-US" sz="1000" b="0" i="0" u="none" strike="noStrike" dirty="0" err="1">
                           <a:solidFill>
@@ -5031,6 +5231,23 @@
                     <a:lstStyle/>
                     <a:p>
                       <a:pPr algn="l" fontAlgn="b"/>
+                      <a:endParaRPr lang="en-US" sz="1000" b="0" i="0" u="none" strike="noStrike" dirty="0">
+                        <a:solidFill>
+                          <a:srgbClr val="000000"/>
+                        </a:solidFill>
+                        <a:effectLst/>
+                        <a:latin typeface="+mj-lt"/>
+                      </a:endParaRPr>
+                    </a:p>
+                  </a:txBody>
+                  <a:tcPr marL="9525" marR="9525" marT="9525" marB="0" anchor="b"/>
+                </a:tc>
+                <a:tc>
+                  <a:txBody>
+                    <a:bodyPr/>
+                    <a:lstStyle/>
+                    <a:p>
+                      <a:pPr algn="l" fontAlgn="b"/>
                       <a:r>
                         <a:rPr lang="en-US" sz="1000" b="0" i="0" u="none" strike="noStrike" dirty="0">
                           <a:solidFill>
@@ -5192,6 +5409,23 @@
                     <a:lstStyle/>
                     <a:p>
                       <a:pPr algn="l" fontAlgn="b"/>
+                      <a:endParaRPr lang="en-US" sz="1000" b="0" i="0" u="none" strike="noStrike">
+                        <a:solidFill>
+                          <a:srgbClr val="000000"/>
+                        </a:solidFill>
+                        <a:effectLst/>
+                        <a:latin typeface="+mj-lt"/>
+                      </a:endParaRPr>
+                    </a:p>
+                  </a:txBody>
+                  <a:tcPr marL="9525" marR="9525" marT="9525" marB="0" anchor="b"/>
+                </a:tc>
+                <a:tc>
+                  <a:txBody>
+                    <a:bodyPr/>
+                    <a:lstStyle/>
+                    <a:p>
+                      <a:pPr algn="l" fontAlgn="b"/>
                       <a:r>
                         <a:rPr lang="en-US" sz="1000" b="0" i="0" u="none" strike="noStrike">
                           <a:solidFill>
@@ -5212,6 +5446,23 @@
                     <a:lstStyle/>
                     <a:p>
                       <a:pPr algn="l" fontAlgn="b"/>
+                      <a:endParaRPr lang="en-US" sz="1000" b="0" i="0" u="none" strike="noStrike">
+                        <a:solidFill>
+                          <a:srgbClr val="000000"/>
+                        </a:solidFill>
+                        <a:effectLst/>
+                        <a:latin typeface="+mj-lt"/>
+                      </a:endParaRPr>
+                    </a:p>
+                  </a:txBody>
+                  <a:tcPr marL="9525" marR="9525" marT="9525" marB="0" anchor="b"/>
+                </a:tc>
+                <a:tc>
+                  <a:txBody>
+                    <a:bodyPr/>
+                    <a:lstStyle/>
+                    <a:p>
+                      <a:pPr algn="l" fontAlgn="b"/>
                       <a:r>
                         <a:rPr lang="en-US" sz="1000" b="0" i="0" u="none" strike="noStrike">
                           <a:solidFill>
@@ -5367,6 +5618,23 @@
                     <a:lstStyle/>
                     <a:p>
                       <a:pPr algn="l" fontAlgn="b"/>
+                      <a:endParaRPr lang="en-US" sz="1000" b="0" i="0" u="none" strike="noStrike" dirty="0">
+                        <a:solidFill>
+                          <a:srgbClr val="000000"/>
+                        </a:solidFill>
+                        <a:effectLst/>
+                        <a:latin typeface="+mj-lt"/>
+                      </a:endParaRPr>
+                    </a:p>
+                  </a:txBody>
+                  <a:tcPr marL="9525" marR="9525" marT="9525" marB="0" anchor="b"/>
+                </a:tc>
+                <a:tc>
+                  <a:txBody>
+                    <a:bodyPr/>
+                    <a:lstStyle/>
+                    <a:p>
+                      <a:pPr algn="l" fontAlgn="b"/>
                       <a:r>
                         <a:rPr lang="en-US" sz="1000" b="0" i="0" u="none" strike="noStrike">
                           <a:solidFill>
@@ -5377,6 +5645,23 @@
                         </a:rPr>
                         <a:t>ING Systems (4)</a:t>
                       </a:r>
+                    </a:p>
+                  </a:txBody>
+                  <a:tcPr marL="9525" marR="9525" marT="9525" marB="0" anchor="b"/>
+                </a:tc>
+                <a:tc>
+                  <a:txBody>
+                    <a:bodyPr/>
+                    <a:lstStyle/>
+                    <a:p>
+                      <a:pPr algn="l" fontAlgn="b"/>
+                      <a:endParaRPr lang="en-US" sz="1000" b="0" i="0" u="none" strike="noStrike" dirty="0">
+                        <a:solidFill>
+                          <a:srgbClr val="000000"/>
+                        </a:solidFill>
+                        <a:effectLst/>
+                        <a:latin typeface="+mj-lt"/>
+                      </a:endParaRPr>
                     </a:p>
                   </a:txBody>
                   <a:tcPr marL="9525" marR="9525" marT="9525" marB="0" anchor="b"/>
@@ -5868,7 +6153,7 @@
         <p:spPr>
           <a:xfrm>
             <a:off x="9122946" y="567597"/>
-            <a:ext cx="1014717" cy="695866"/>
+            <a:ext cx="1014717" cy="989196"/>
           </a:xfrm>
           <a:prstGeom prst="borderCallout1">
             <a:avLst>
@@ -5901,14 +6186,53 @@
           <a:p>
             <a:pPr algn="ctr"/>
             <a:r>
-              <a:rPr lang="en-US" sz="1200" dirty="0" smtClean="0"/>
+              <a:rPr lang="en-US" sz="800" dirty="0" smtClean="0"/>
               <a:t>Find specific </a:t>
             </a:r>
             <a:r>
-              <a:rPr lang="en-US" sz="1200" dirty="0" err="1" smtClean="0"/>
+              <a:rPr lang="en-US" sz="800" dirty="0" err="1" smtClean="0"/>
               <a:t>tx</a:t>
             </a:r>
-            <a:endParaRPr lang="en-US" sz="1200" dirty="0"/>
+            <a:r>
+              <a:rPr lang="en-US" sz="800" dirty="0"/>
+              <a:t> </a:t>
+            </a:r>
+            <a:r>
+              <a:rPr lang="en-US" sz="800" dirty="0" smtClean="0"/>
+              <a:t>by account name, </a:t>
+            </a:r>
+            <a:r>
+              <a:rPr lang="en-US" sz="800" dirty="0" err="1" smtClean="0"/>
+              <a:t>paga</a:t>
+            </a:r>
+            <a:r>
+              <a:rPr lang="en-US" sz="800" dirty="0" smtClean="0"/>
+              <a:t> account ID,</a:t>
+            </a:r>
+          </a:p>
+          <a:p>
+            <a:pPr algn="ctr"/>
+            <a:r>
+              <a:rPr lang="en-US" sz="800" dirty="0" smtClean="0"/>
+              <a:t>Ref no., </a:t>
+            </a:r>
+            <a:r>
+              <a:rPr lang="en-US" sz="800" dirty="0" err="1" smtClean="0"/>
+              <a:t>tx</a:t>
+            </a:r>
+            <a:r>
+              <a:rPr lang="en-US" sz="800" dirty="0" smtClean="0"/>
+              <a:t> </a:t>
+            </a:r>
+            <a:r>
+              <a:rPr lang="en-US" sz="800" dirty="0" err="1" smtClean="0"/>
+              <a:t>num</a:t>
+            </a:r>
+            <a:r>
+              <a:rPr lang="en-US" sz="800" dirty="0" smtClean="0"/>
+              <a:t>, etc.</a:t>
+            </a:r>
+            <a:endParaRPr lang="en-US" sz="800" dirty="0"/>
           </a:p>
         </p:txBody>
       </p:sp>
@@ -10754,15 +11078,7 @@
             <a:pPr algn="ctr"/>
             <a:r>
               <a:rPr lang="en-US" sz="1200" dirty="0" smtClean="0"/>
-              <a:t>If there are flagged transactions, open the process flagged transactions </a:t>
-            </a:r>
-            <a:r>
-              <a:rPr lang="en-US" sz="1200" dirty="0" smtClean="0"/>
-              <a:t>screen for the correct recon type, </a:t>
-            </a:r>
-            <a:r>
-              <a:rPr lang="en-US" sz="1200" dirty="0" smtClean="0"/>
-              <a:t>otherwise go straight to Finalize Recon </a:t>
+              <a:t>If there are flagged transactions, open the process flagged transactions screen for the correct recon type, otherwise go straight to Finalize Recon </a:t>
             </a:r>
             <a:endParaRPr lang="en-US" sz="1200" dirty="0"/>
           </a:p>
@@ -11996,13 +12312,8 @@
           <a:p>
             <a:r>
               <a:rPr lang="en-US" dirty="0" smtClean="0"/>
-              <a:t>Process Flagged </a:t>
+              <a:t>Process Flagged Transactions: Cash Pool Recon</a:t>
             </a:r>
-            <a:r>
-              <a:rPr lang="en-US" dirty="0" smtClean="0"/>
-              <a:t>Transactions: Cash Pool Recon</a:t>
-            </a:r>
-            <a:endParaRPr lang="en-US" dirty="0" smtClean="0"/>
           </a:p>
           <a:p>
             <a:r>
@@ -12483,7 +12794,6 @@
               <a:rPr lang="en-US" sz="1000" dirty="0" smtClean="0"/>
               <a:t>.</a:t>
             </a:r>
-            <a:endParaRPr lang="en-US" sz="1000" dirty="0" smtClean="0"/>
           </a:p>
           <a:p>
             <a:endParaRPr lang="en-US" sz="1000" dirty="0" smtClean="0"/>
@@ -12956,11 +13266,6 @@
                   </a:rPr>
                   <a:t>Show Statement Transactions</a:t>
                 </a:r>
-                <a:endParaRPr lang="en-US" sz="1200" dirty="0" smtClean="0">
-                  <a:latin typeface="Segoe UI" pitchFamily="34" charset="0"/>
-                  <a:ea typeface="Segoe UI" pitchFamily="34" charset="0"/>
-                  <a:cs typeface="Segoe UI" pitchFamily="34" charset="0"/>
-                </a:endParaRPr>
               </a:p>
             </p:txBody>
           </p:sp>
@@ -13116,11 +13421,6 @@
                 </a:rPr>
                 <a:t>Show General Ledger Transactions</a:t>
               </a:r>
-              <a:endParaRPr lang="en-US" sz="1200" dirty="0" smtClean="0">
-                <a:latin typeface="Segoe UI" pitchFamily="34" charset="0"/>
-                <a:ea typeface="Segoe UI" pitchFamily="34" charset="0"/>
-                <a:cs typeface="Segoe UI" pitchFamily="34" charset="0"/>
-              </a:endParaRPr>
             </a:p>
           </p:txBody>
         </p:sp>
@@ -13821,11 +14121,7 @@
           <a:p>
             <a:r>
               <a:rPr lang="en-US" sz="1100" dirty="0"/>
-              <a:t>3095298/SENSAT DIGITAL SYSTEM/0420VN</a:t>
-            </a:r>
-            <a:r>
-              <a:rPr lang="en-US" sz="1100" dirty="0"/>
-              <a:t> </a:t>
+              <a:t>3095298/SENSAT DIGITAL SYSTEM/0420VN </a:t>
             </a:r>
             <a:endParaRPr lang="en-US" sz="1100" dirty="0">
               <a:solidFill>
@@ -15225,13 +15521,8 @@
           <a:p>
             <a:r>
               <a:rPr lang="en-US" dirty="0" smtClean="0"/>
-              <a:t>Process Flagged </a:t>
+              <a:t>Process Flagged Transactions: Card Recon</a:t>
             </a:r>
-            <a:r>
-              <a:rPr lang="en-US" dirty="0" smtClean="0"/>
-              <a:t>Transactions: Card Recon</a:t>
-            </a:r>
-            <a:endParaRPr lang="en-US" dirty="0" smtClean="0"/>
           </a:p>
           <a:p>
             <a:r>
@@ -15414,11 +15705,7 @@
                     <a:p>
                       <a:r>
                         <a:rPr lang="en-US" sz="1200" dirty="0" smtClean="0"/>
-                        <a:t>User Name or Card </a:t>
-                      </a:r>
-                      <a:r>
-                        <a:rPr lang="en-US" sz="1200" dirty="0" smtClean="0"/>
-                        <a:t>Number</a:t>
+                        <a:t>User Name or Card Number</a:t>
                       </a:r>
                       <a:endParaRPr lang="en-US" sz="1200" dirty="0"/>
                     </a:p>
@@ -15840,11 +16127,6 @@
                   </a:rPr>
                   <a:t>Show Statement Transactions</a:t>
                 </a:r>
-                <a:endParaRPr lang="en-US" sz="1200" dirty="0" smtClean="0">
-                  <a:latin typeface="Segoe UI" pitchFamily="34" charset="0"/>
-                  <a:ea typeface="Segoe UI" pitchFamily="34" charset="0"/>
-                  <a:cs typeface="Segoe UI" pitchFamily="34" charset="0"/>
-                </a:endParaRPr>
               </a:p>
             </p:txBody>
           </p:sp>
@@ -16000,11 +16282,6 @@
                 </a:rPr>
                 <a:t>Show General Ledger Transactions</a:t>
               </a:r>
-              <a:endParaRPr lang="en-US" sz="1200" dirty="0" smtClean="0">
-                <a:latin typeface="Segoe UI" pitchFamily="34" charset="0"/>
-                <a:ea typeface="Segoe UI" pitchFamily="34" charset="0"/>
-                <a:cs typeface="Segoe UI" pitchFamily="34" charset="0"/>
-              </a:endParaRPr>
             </a:p>
           </p:txBody>
         </p:sp>
@@ -16578,11 +16855,7 @@
           <a:p>
             <a:r>
               <a:rPr lang="en-US" sz="1100" dirty="0"/>
-              <a:t>3095298/SENSAT DIGITAL SYSTEM/0420VN</a:t>
-            </a:r>
-            <a:r>
-              <a:rPr lang="en-US" sz="1100" dirty="0"/>
-              <a:t> </a:t>
+              <a:t>3095298/SENSAT DIGITAL SYSTEM/0420VN </a:t>
             </a:r>
             <a:endParaRPr lang="en-US" sz="1100" dirty="0">
               <a:solidFill>
@@ -17842,13 +18115,8 @@
           <a:p>
             <a:r>
               <a:rPr lang="en-US" dirty="0" smtClean="0"/>
-              <a:t>Finalize Reconciliation – </a:t>
+              <a:t>Finalize Reconciliation – Card Recon</a:t>
             </a:r>
-            <a:r>
-              <a:rPr lang="en-US" dirty="0" smtClean="0"/>
-              <a:t>Card Recon</a:t>
-            </a:r>
-            <a:endParaRPr lang="en-US" dirty="0" smtClean="0"/>
           </a:p>
         </p:txBody>
       </p:sp>
@@ -18552,14 +18820,12 @@
               <a:rPr lang="en-US" sz="1000" dirty="0" smtClean="0"/>
               <a:t>To be refunded items never made to the GL.</a:t>
             </a:r>
-            <a:endParaRPr lang="en-US" sz="1000" dirty="0" smtClean="0"/>
           </a:p>
           <a:p>
             <a:r>
               <a:rPr lang="en-US" sz="1000" dirty="0" smtClean="0"/>
               <a:t> </a:t>
             </a:r>
-            <a:endParaRPr lang="en-US" sz="1000" dirty="0" smtClean="0"/>
           </a:p>
         </p:txBody>
       </p:sp>
@@ -18860,11 +19126,7 @@
                     <a:p>
                       <a:r>
                         <a:rPr lang="en-US" sz="1200" dirty="0" smtClean="0"/>
-                        <a:t>Cleared </a:t>
-                      </a:r>
-                      <a:r>
-                        <a:rPr lang="en-US" sz="1200" dirty="0" smtClean="0"/>
-                        <a:t>Amount</a:t>
+                        <a:t>Cleared Amount</a:t>
                       </a:r>
                       <a:endParaRPr lang="en-US" sz="1200" dirty="0"/>
                     </a:p>
@@ -19029,7 +19291,6 @@
                         <a:rPr lang="en-US" sz="1100" dirty="0" smtClean="0"/>
                         <a:t>Amount Mismatch</a:t>
                       </a:r>
-                      <a:endParaRPr lang="en-US" sz="1100" dirty="0" smtClean="0"/>
                     </a:p>
                   </a:txBody>
                   <a:tcPr/>
@@ -19760,13 +20021,8 @@
           <a:p>
             <a:r>
               <a:rPr lang="en-US" dirty="0" smtClean="0"/>
-              <a:t>Finalize Reconciliation </a:t>
+              <a:t>Finalize Reconciliation – Cash Pool</a:t>
             </a:r>
-            <a:r>
-              <a:rPr lang="en-US" dirty="0" smtClean="0"/>
-              <a:t>– Cash Pool</a:t>
-            </a:r>
-            <a:endParaRPr lang="en-US" dirty="0" smtClean="0"/>
           </a:p>
         </p:txBody>
       </p:sp>
@@ -22916,31 +23172,31 @@
 
 <file path=customXml/item1.xml><?xml version="1.0" encoding="utf-8"?>
 <Control xmlns="http://schemas.microsoft.com/VisualStudio/2011/storyboarding/control">
-  <Id Name="System.Storyboarding.Common.DatePicker" Revision="1" Stencil="System.Storyboarding.Common" StencilVersion="0.1"/>
+  <Id Name="System.Storyboarding.WindowsAppIcons.Filter" Revision="1" Stencil="System.Storyboarding.WindowsAppIcons" StencilVersion="0.1"/>
 </Control>
 </file>
 
 <file path=customXml/item10.xml><?xml version="1.0" encoding="utf-8"?>
 <Control xmlns="http://schemas.microsoft.com/VisualStudio/2011/storyboarding/control">
-  <Id Name="System.Storyboarding.Common.ScrollbarVertical" Revision="1" Stencil="System.Storyboarding.Common" StencilVersion="0.1"/>
+  <Id Name="03ad4d9b-4b9d-44ba-9033-0000952eba9d" RevisionId="77940bd2-b573-4b5a-acef-50d9302aaf3c" Stencil="172d6d98-e5c9-42e9-a209-79f7a94bbd38" StencilRevisionId="00000000-0000-0000-0000-000000000000" StencilVersion="0.0"/>
 </Control>
 </file>
 
 <file path=customXml/item11.xml><?xml version="1.0" encoding="utf-8"?>
 <Control xmlns="http://schemas.microsoft.com/VisualStudio/2011/storyboarding/control">
-  <Id Name="System.Storyboarding.Common.ScrollbarVertical" Revision="1" Stencil="System.Storyboarding.Common" StencilVersion="0.1"/>
+  <Id Name="System.Storyboarding.WindowsApps.WindowsAppsEditBox" Revision="1" Stencil="System.Storyboarding.WindowsApps" StencilVersion="0.1"/>
 </Control>
 </file>
 
 <file path=customXml/item12.xml><?xml version="1.0" encoding="utf-8"?>
 <Control xmlns="http://schemas.microsoft.com/VisualStudio/2011/storyboarding/control">
-  <Id Name="System.Storyboarding.Annotation.StickyNote" Revision="1" Stencil="System.Storyboarding.Annotation" StencilVersion="0.1"/>
+  <Id Name="System.Storyboarding.WindowsAppIcons.Search" Revision="1" Stencil="System.Storyboarding.WindowsAppIcons" StencilVersion="0.1"/>
 </Control>
 </file>
 
 <file path=customXml/item13.xml><?xml version="1.0" encoding="utf-8"?>
 <Control xmlns="http://schemas.microsoft.com/VisualStudio/2011/storyboarding/control">
-  <Id Name="System.Storyboarding.Common.CheckBoxChecked" Revision="1" Stencil="System.Storyboarding.Common" StencilVersion="0.1"/>
+  <Id Name="System.Storyboarding.Common.DatePicker" Revision="1" Stencil="System.Storyboarding.Common" StencilVersion="0.1"/>
 </Control>
 </file>
 
@@ -22952,31 +23208,31 @@
 
 <file path=customXml/item15.xml><?xml version="1.0" encoding="utf-8"?>
 <Control xmlns="http://schemas.microsoft.com/VisualStudio/2011/storyboarding/control">
-  <Id Name="System.Storyboarding.Annotation.StickyNote" Revision="1" Stencil="System.Storyboarding.Annotation" StencilVersion="0.1"/>
+  <Id Name="2af01176-85ee-4929-8d41-a331980c979e" RevisionId="be170569-95d9-41cc-85ac-d2bbd0fbf029" Stencil="172d6d98-e5c9-42e9-a209-79f7a94bbd38" StencilRevisionId="00000000-0000-0000-0000-000000000000" StencilVersion="0.0"/>
 </Control>
 </file>
 
 <file path=customXml/item16.xml><?xml version="1.0" encoding="utf-8"?>
 <Control xmlns="http://schemas.microsoft.com/VisualStudio/2011/storyboarding/control">
-  <Id Name="System.Storyboarding.Annotation.AnimatedRectangleCallout" Revision="1" Stencil="System.Storyboarding.Annotation" StencilVersion="0.1"/>
+  <Id Name="System.Storyboarding.WindowsAppIcons.Save" Revision="1" Stencil="System.Storyboarding.WindowsAppIcons" StencilVersion="0.1"/>
 </Control>
 </file>
 
 <file path=customXml/item17.xml><?xml version="1.0" encoding="utf-8"?>
 <Control xmlns="http://schemas.microsoft.com/VisualStudio/2011/storyboarding/control">
-  <Id Name="System.Storyboarding.Annotation.StickyNote" Revision="1" Stencil="System.Storyboarding.Annotation" StencilVersion="0.1"/>
+  <Id Name="System.Storyboarding.Common.CheckBoxUnchecked" Revision="1" Stencil="System.Storyboarding.Common" StencilVersion="0.1"/>
 </Control>
 </file>
 
 <file path=customXml/item18.xml><?xml version="1.0" encoding="utf-8"?>
 <Control xmlns="http://schemas.microsoft.com/VisualStudio/2011/storyboarding/control">
-  <Id Name="System.Storyboarding.WindowsDesktop.Group" Revision="1" Stencil="System.Storyboarding.WindowsDesktop" StencilVersion="0.1"/>
+  <Id Name="System.Storyboarding.WindowsApps.WindowsAppsEditBox" Revision="1" Stencil="System.Storyboarding.WindowsApps" StencilVersion="0.1"/>
 </Control>
 </file>
 
 <file path=customXml/item19.xml><?xml version="1.0" encoding="utf-8"?>
 <Control xmlns="http://schemas.microsoft.com/VisualStudio/2011/storyboarding/control">
-  <Id Name="System.Storyboarding.WindowsApps.WindowsAppsEditBox" Revision="1" Stencil="System.Storyboarding.WindowsApps" StencilVersion="0.1"/>
+  <Id Name="System.Storyboarding.Annotation.AnimatedRectangleCallout" Revision="1" Stencil="System.Storyboarding.Annotation" StencilVersion="0.1"/>
 </Control>
 </file>
 
@@ -22988,25 +23244,25 @@
 
 <file path=customXml/item20.xml><?xml version="1.0" encoding="utf-8"?>
 <Control xmlns="http://schemas.microsoft.com/VisualStudio/2011/storyboarding/control">
-  <Id Name="System.Storyboarding.WindowsApps.WindowsAppsEditBox" Revision="1" Stencil="System.Storyboarding.WindowsApps" StencilVersion="0.1"/>
+  <Id Name="System.Storyboarding.Common.DatePicker" Revision="1" Stencil="System.Storyboarding.Common" StencilVersion="0.1"/>
 </Control>
 </file>
 
 <file path=customXml/item21.xml><?xml version="1.0" encoding="utf-8"?>
 <Control xmlns="http://schemas.microsoft.com/VisualStudio/2011/storyboarding/control">
-  <Id Name="System.Storyboarding.WindowsApps.WindowsAppsEditBox" Revision="1" Stencil="System.Storyboarding.WindowsApps" StencilVersion="0.1"/>
+  <Id Name="03ad4d9b-4b9d-44ba-9033-0000952eba9d" RevisionId="77940bd2-b573-4b5a-acef-50d9302aaf3c" Stencil="172d6d98-e5c9-42e9-a209-79f7a94bbd38" StencilRevisionId="00000000-0000-0000-0000-000000000000" StencilVersion="0.0"/>
 </Control>
 </file>
 
 <file path=customXml/item22.xml><?xml version="1.0" encoding="utf-8"?>
 <Control xmlns="http://schemas.microsoft.com/VisualStudio/2011/storyboarding/control">
-  <Id Name="2af01176-85ee-4929-8d41-a331980c979e" RevisionId="be170569-95d9-41cc-85ac-d2bbd0fbf029" Stencil="172d6d98-e5c9-42e9-a209-79f7a94bbd38" StencilRevisionId="00000000-0000-0000-0000-000000000000" StencilVersion="0.0"/>
+  <Id Name="System.Storyboarding.Annotation.StickyNote" Revision="1" Stencil="System.Storyboarding.Annotation" StencilVersion="0.1"/>
 </Control>
 </file>
 
 <file path=customXml/item23.xml><?xml version="1.0" encoding="utf-8"?>
 <Control xmlns="http://schemas.microsoft.com/VisualStudio/2011/storyboarding/control">
-  <Id Name="System.Storyboarding.WindowsApps.WindowsAppsComboBox" Revision="1" Stencil="System.Storyboarding.WindowsApps" StencilVersion="0.1"/>
+  <Id Name="System.Storyboarding.Annotation.StickyNote" Revision="1" Stencil="System.Storyboarding.Annotation" StencilVersion="0.1"/>
 </Control>
 </file>
 
@@ -23018,43 +23274,43 @@
 
 <file path=customXml/item25.xml><?xml version="1.0" encoding="utf-8"?>
 <Control xmlns="http://schemas.microsoft.com/VisualStudio/2011/storyboarding/control">
-  <Id Name="System.Storyboarding.WindowsApps.WindowsAppsEditBox" Revision="1" Stencil="System.Storyboarding.WindowsApps" StencilVersion="0.1"/>
+  <Id Name="System.Storyboarding.Annotation.StickyNote" Revision="1" Stencil="System.Storyboarding.Annotation" StencilVersion="0.1"/>
 </Control>
 </file>
 
 <file path=customXml/item26.xml><?xml version="1.0" encoding="utf-8"?>
 <Control xmlns="http://schemas.microsoft.com/VisualStudio/2011/storyboarding/control">
-  <Id Name="f7a94b64-51d6-472a-8bb4-f2cc047935d1" RevisionId="4b37df06-a36b-4383-9074-55517f1335fc" Stencil="172d6d98-e5c9-42e9-a209-79f7a94bbd38" StencilRevisionId="00000000-0000-0000-0000-000000000000" StencilVersion="0.0"/>
+  <Id Name="2af01176-85ee-4929-8d41-a331980c979e" RevisionId="be170569-95d9-41cc-85ac-d2bbd0fbf029" Stencil="172d6d98-e5c9-42e9-a209-79f7a94bbd38" StencilRevisionId="00000000-0000-0000-0000-000000000000" StencilVersion="0.0"/>
 </Control>
 </file>
 
 <file path=customXml/item27.xml><?xml version="1.0" encoding="utf-8"?>
 <Control xmlns="http://schemas.microsoft.com/VisualStudio/2011/storyboarding/control">
-  <Id Name="System.Storyboarding.WindowsAppIcons.Save" Revision="1" Stencil="System.Storyboarding.WindowsAppIcons" StencilVersion="0.1"/>
+  <Id Name="System.Storyboarding.WindowsApps.WindowsAppsEditBox" Revision="1" Stencil="System.Storyboarding.WindowsApps" StencilVersion="0.1"/>
 </Control>
 </file>
 
 <file path=customXml/item28.xml><?xml version="1.0" encoding="utf-8"?>
 <Control xmlns="http://schemas.microsoft.com/VisualStudio/2011/storyboarding/control">
-  <Id Name="System.Storyboarding.Annotation.AnimatedRectangleCallout" Revision="1" Stencil="System.Storyboarding.Annotation" StencilVersion="0.1"/>
+  <Id Name="System.Storyboarding.WindowsAppIcons.Save" Revision="1" Stencil="System.Storyboarding.WindowsAppIcons" StencilVersion="0.1"/>
 </Control>
 </file>
 
 <file path=customXml/item29.xml><?xml version="1.0" encoding="utf-8"?>
 <Control xmlns="http://schemas.microsoft.com/VisualStudio/2011/storyboarding/control">
-  <Id Name="System.Storyboarding.Common.CheckBoxChecked" Revision="1" Stencil="System.Storyboarding.Common" StencilVersion="0.1"/>
+  <Id Name="System.Storyboarding.Common.DatePicker" Revision="1" Stencil="System.Storyboarding.Common" StencilVersion="0.1"/>
 </Control>
 </file>
 
 <file path=customXml/item3.xml><?xml version="1.0" encoding="utf-8"?>
 <Control xmlns="http://schemas.microsoft.com/VisualStudio/2011/storyboarding/control">
-  <Id Name="03ad4d9b-4b9d-44ba-9033-0000952eba9d" RevisionId="77940bd2-b573-4b5a-acef-50d9302aaf3c" Stencil="172d6d98-e5c9-42e9-a209-79f7a94bbd38" StencilRevisionId="00000000-0000-0000-0000-000000000000" StencilVersion="0.0"/>
+  <Id Name="System.Storyboarding.Annotation.AnimatedRectangleCallout" Revision="1" Stencil="System.Storyboarding.Annotation" StencilVersion="0.1"/>
 </Control>
 </file>
 
 <file path=customXml/item30.xml><?xml version="1.0" encoding="utf-8"?>
 <Control xmlns="http://schemas.microsoft.com/VisualStudio/2011/storyboarding/control">
-  <Id Name="System.Storyboarding.Common.CheckBoxUnchecked" Revision="1" Stencil="System.Storyboarding.Common" StencilVersion="0.1"/>
+  <Id Name="System.Storyboarding.WindowsAppIcons.Search" Revision="1" Stencil="System.Storyboarding.WindowsAppIcons" StencilVersion="0.1"/>
 </Control>
 </file>
 
@@ -23066,13 +23322,13 @@
 
 <file path=customXml/item32.xml><?xml version="1.0" encoding="utf-8"?>
 <Control xmlns="http://schemas.microsoft.com/VisualStudio/2011/storyboarding/control">
-  <Id Name="System.Storyboarding.Annotation.AnimatedRectangleCallout" Revision="1" Stencil="System.Storyboarding.Annotation" StencilVersion="0.1"/>
+  <Id Name="System.Storyboarding.WindowsApps.WindowsAppsComboBox" Revision="1" Stencil="System.Storyboarding.WindowsApps" StencilVersion="0.1"/>
 </Control>
 </file>
 
 <file path=customXml/item33.xml><?xml version="1.0" encoding="utf-8"?>
 <Control xmlns="http://schemas.microsoft.com/VisualStudio/2011/storyboarding/control">
-  <Id Name="System.Storyboarding.Annotation.StickyNote" Revision="1" Stencil="System.Storyboarding.Annotation" StencilVersion="0.1"/>
+  <Id Name="System.Storyboarding.Annotation.AnimatedRectangleCallout" Revision="1" Stencil="System.Storyboarding.Annotation" StencilVersion="0.1"/>
 </Control>
 </file>
 
@@ -23084,102 +23340,102 @@
 
 <file path=customXml/item35.xml><?xml version="1.0" encoding="utf-8"?>
 <Control xmlns="http://schemas.microsoft.com/VisualStudio/2011/storyboarding/control">
-  <Id Name="System.Storyboarding.WindowsApps.WindowsAppsEditBox" Revision="1" Stencil="System.Storyboarding.WindowsApps" StencilVersion="0.1"/>
+  <Id Name="System.Storyboarding.Common.ScrollbarVertical" Revision="1" Stencil="System.Storyboarding.Common" StencilVersion="0.1"/>
 </Control>
 </file>
 
 <file path=customXml/item36.xml><?xml version="1.0" encoding="utf-8"?>
 <Control xmlns="http://schemas.microsoft.com/VisualStudio/2011/storyboarding/control">
-  <Id Name="System.Storyboarding.WindowsApps.WindowsAppsEditBox" Revision="1" Stencil="System.Storyboarding.WindowsApps" StencilVersion="0.1"/>
+  <Id Name="System.Storyboarding.Annotation.StickyNote" Revision="1" Stencil="System.Storyboarding.Annotation" StencilVersion="0.1"/>
 </Control>
 </file>
 
 <file path=customXml/item37.xml><?xml version="1.0" encoding="utf-8"?>
 <Control xmlns="http://schemas.microsoft.com/VisualStudio/2011/storyboarding/control">
-  <Id Name="System.Storyboarding.WindowsApps.WindowsAppsComboBox" Revision="1" Stencil="System.Storyboarding.WindowsApps" StencilVersion="0.1"/>
+  <Id Name="System.Storyboarding.WindowsDesktop.Group" Revision="1" Stencil="System.Storyboarding.WindowsDesktop" StencilVersion="0.1"/>
 </Control>
 </file>
 
 <file path=customXml/item38.xml><?xml version="1.0" encoding="utf-8"?>
 <Control xmlns="http://schemas.microsoft.com/VisualStudio/2011/storyboarding/control">
-  <Id Name="2af01176-85ee-4929-8d41-a331980c979e" RevisionId="be170569-95d9-41cc-85ac-d2bbd0fbf029" Stencil="172d6d98-e5c9-42e9-a209-79f7a94bbd38" StencilRevisionId="00000000-0000-0000-0000-000000000000" StencilVersion="0.0"/>
+  <Id Name="System.Storyboarding.Common.CheckBoxChecked" Revision="1" Stencil="System.Storyboarding.Common" StencilVersion="0.1"/>
 </Control>
 </file>
 
 <file path=customXml/item39.xml><?xml version="1.0" encoding="utf-8"?>
 <Control xmlns="http://schemas.microsoft.com/VisualStudio/2011/storyboarding/control">
-  <Id Name="System.Storyboarding.WindowsApps.WindowsAppsEditBox" Revision="1" Stencil="System.Storyboarding.WindowsApps" StencilVersion="0.1"/>
+  <Id Name="System.Storyboarding.WindowsDesktop.Group" Revision="1" Stencil="System.Storyboarding.WindowsDesktop" StencilVersion="0.1"/>
 </Control>
 </file>
 
 <file path=customXml/item4.xml><?xml version="1.0" encoding="utf-8"?>
 <Control xmlns="http://schemas.microsoft.com/VisualStudio/2011/storyboarding/control">
-  <Id Name="System.Storyboarding.WindowsAppIcons.Search" Revision="1" Stencil="System.Storyboarding.WindowsAppIcons" StencilVersion="0.1"/>
+  <Id Name="System.Storyboarding.Common.CheckBoxChecked" Revision="1" Stencil="System.Storyboarding.Common" StencilVersion="0.1"/>
 </Control>
 </file>
 
 <file path=customXml/item40.xml><?xml version="1.0" encoding="utf-8"?>
 <Control xmlns="http://schemas.microsoft.com/VisualStudio/2011/storyboarding/control">
-  <Id Name="System.Storyboarding.WindowsApps.WindowsAppsEditBox" Revision="1" Stencil="System.Storyboarding.WindowsApps" StencilVersion="0.1"/>
+  <Id Name="f7a94b64-51d6-472a-8bb4-f2cc047935d1" RevisionId="4b37df06-a36b-4383-9074-55517f1335fc" Stencil="172d6d98-e5c9-42e9-a209-79f7a94bbd38" StencilRevisionId="00000000-0000-0000-0000-000000000000" StencilVersion="0.0"/>
 </Control>
 </file>
 
 <file path=customXml/item41.xml><?xml version="1.0" encoding="utf-8"?>
 <Control xmlns="http://schemas.microsoft.com/VisualStudio/2011/storyboarding/control">
-  <Id Name="System.Storyboarding.WindowsAppIcons.Save" Revision="1" Stencil="System.Storyboarding.WindowsAppIcons" StencilVersion="0.1"/>
+  <Id Name="System.Storyboarding.WindowsApps.WindowsAppsEditBox" Revision="1" Stencil="System.Storyboarding.WindowsApps" StencilVersion="0.1"/>
 </Control>
 </file>
 
 <file path=customXml/item42.xml><?xml version="1.0" encoding="utf-8"?>
 <Control xmlns="http://schemas.microsoft.com/VisualStudio/2011/storyboarding/control">
-  <Id Name="f7a94b64-51d6-472a-8bb4-f2cc047935d1" RevisionId="4b37df06-a36b-4383-9074-55517f1335fc" Stencil="172d6d98-e5c9-42e9-a209-79f7a94bbd38" StencilRevisionId="00000000-0000-0000-0000-000000000000" StencilVersion="0.0"/>
+  <Id Name="System.Storyboarding.WindowsApps.WindowsAppsEditBox" Revision="1" Stencil="System.Storyboarding.WindowsApps" StencilVersion="0.1"/>
 </Control>
 </file>
 
 <file path=customXml/item43.xml><?xml version="1.0" encoding="utf-8"?>
 <Control xmlns="http://schemas.microsoft.com/VisualStudio/2011/storyboarding/control">
-  <Id Name="System.Storyboarding.Annotation.AnimatedRectangleCallout" Revision="1" Stencil="System.Storyboarding.Annotation" StencilVersion="0.1"/>
+  <Id Name="System.Storyboarding.WindowsApps.WindowsAppsEditBox" Revision="1" Stencil="System.Storyboarding.WindowsApps" StencilVersion="0.1"/>
 </Control>
 </file>
 
 <file path=customXml/item44.xml><?xml version="1.0" encoding="utf-8"?>
 <Control xmlns="http://schemas.microsoft.com/VisualStudio/2011/storyboarding/control">
-  <Id Name="System.Storyboarding.WindowsDesktop.Group" Revision="1" Stencil="System.Storyboarding.WindowsDesktop" StencilVersion="0.1"/>
+  <Id Name="f7a94b64-51d6-472a-8bb4-f2cc047935d1" RevisionId="4b37df06-a36b-4383-9074-55517f1335fc" Stencil="172d6d98-e5c9-42e9-a209-79f7a94bbd38" StencilRevisionId="00000000-0000-0000-0000-000000000000" StencilVersion="0.0"/>
 </Control>
 </file>
 
 <file path=customXml/item5.xml><?xml version="1.0" encoding="utf-8"?>
 <Control xmlns="http://schemas.microsoft.com/VisualStudio/2011/storyboarding/control">
-  <Id Name="03ad4d9b-4b9d-44ba-9033-0000952eba9d" RevisionId="77940bd2-b573-4b5a-acef-50d9302aaf3c" Stencil="172d6d98-e5c9-42e9-a209-79f7a94bbd38" StencilRevisionId="00000000-0000-0000-0000-000000000000" StencilVersion="0.0"/>
+  <Id Name="System.Storyboarding.Common.ScrollbarVertical" Revision="1" Stencil="System.Storyboarding.Common" StencilVersion="0.1"/>
 </Control>
 </file>
 
 <file path=customXml/item6.xml><?xml version="1.0" encoding="utf-8"?>
 <Control xmlns="http://schemas.microsoft.com/VisualStudio/2011/storyboarding/control">
-  <Id Name="System.Storyboarding.WindowsAppIcons.Search" Revision="1" Stencil="System.Storyboarding.WindowsAppIcons" StencilVersion="0.1"/>
+  <Id Name="System.Storyboarding.WindowsApps.WindowsAppsEditBox" Revision="1" Stencil="System.Storyboarding.WindowsApps" StencilVersion="0.1"/>
 </Control>
 </file>
 
 <file path=customXml/item7.xml><?xml version="1.0" encoding="utf-8"?>
 <Control xmlns="http://schemas.microsoft.com/VisualStudio/2011/storyboarding/control">
-  <Id Name="System.Storyboarding.WindowsAppIcons.Filter" Revision="1" Stencil="System.Storyboarding.WindowsAppIcons" StencilVersion="0.1"/>
+  <Id Name="System.Storyboarding.Annotation.AnimatedRectangleCallout" Revision="1" Stencil="System.Storyboarding.Annotation" StencilVersion="0.1"/>
 </Control>
 </file>
 
 <file path=customXml/item8.xml><?xml version="1.0" encoding="utf-8"?>
 <Control xmlns="http://schemas.microsoft.com/VisualStudio/2011/storyboarding/control">
-  <Id Name="System.Storyboarding.Common.DatePicker" Revision="1" Stencil="System.Storyboarding.Common" StencilVersion="0.1"/>
+  <Id Name="System.Storyboarding.WindowsApps.WindowsAppsComboBox" Revision="1" Stencil="System.Storyboarding.WindowsApps" StencilVersion="0.1"/>
 </Control>
 </file>
 
 <file path=customXml/item9.xml><?xml version="1.0" encoding="utf-8"?>
 <Control xmlns="http://schemas.microsoft.com/VisualStudio/2011/storyboarding/control">
-  <Id Name="System.Storyboarding.Common.DatePicker" Revision="1" Stencil="System.Storyboarding.Common" StencilVersion="0.1"/>
+  <Id Name="System.Storyboarding.WindowsApps.WindowsAppsEditBox" Revision="1" Stencil="System.Storyboarding.WindowsApps" StencilVersion="0.1"/>
 </Control>
 </file>
 
 <file path=customXml/itemProps1.xml><?xml version="1.0" encoding="utf-8"?>
-<ds:datastoreItem xmlns:ds="http://schemas.openxmlformats.org/officeDocument/2006/customXml" ds:itemID="{5A4D65C3-0019-4CD6-A56C-AB596FC47CB6}">
+<ds:datastoreItem xmlns:ds="http://schemas.openxmlformats.org/officeDocument/2006/customXml" ds:itemID="{B0273885-341F-462A-A3D2-EB18E7C12B15}">
   <ds:schemaRefs>
     <ds:schemaRef ds:uri="http://schemas.microsoft.com/VisualStudio/2011/storyboarding/control"/>
   </ds:schemaRefs>
@@ -23187,7 +23443,7 @@
 </file>
 
 <file path=customXml/itemProps10.xml><?xml version="1.0" encoding="utf-8"?>
-<ds:datastoreItem xmlns:ds="http://schemas.openxmlformats.org/officeDocument/2006/customXml" ds:itemID="{914D39F0-13C3-468F-9078-CF1ED7F441C1}">
+<ds:datastoreItem xmlns:ds="http://schemas.openxmlformats.org/officeDocument/2006/customXml" ds:itemID="{6090C64C-C352-4038-A71D-A3C89F9ECB15}">
   <ds:schemaRefs>
     <ds:schemaRef ds:uri="http://schemas.microsoft.com/VisualStudio/2011/storyboarding/control"/>
   </ds:schemaRefs>
@@ -23195,7 +23451,7 @@
 </file>
 
 <file path=customXml/itemProps11.xml><?xml version="1.0" encoding="utf-8"?>
-<ds:datastoreItem xmlns:ds="http://schemas.openxmlformats.org/officeDocument/2006/customXml" ds:itemID="{F89AE9EA-6036-4D28-9121-37D44922D0F5}">
+<ds:datastoreItem xmlns:ds="http://schemas.openxmlformats.org/officeDocument/2006/customXml" ds:itemID="{15CD1028-5137-452F-BAD5-3BB93B44D55D}">
   <ds:schemaRefs>
     <ds:schemaRef ds:uri="http://schemas.microsoft.com/VisualStudio/2011/storyboarding/control"/>
   </ds:schemaRefs>
@@ -23203,7 +23459,7 @@
 </file>
 
 <file path=customXml/itemProps12.xml><?xml version="1.0" encoding="utf-8"?>
-<ds:datastoreItem xmlns:ds="http://schemas.openxmlformats.org/officeDocument/2006/customXml" ds:itemID="{7416464E-8551-42D6-B6EB-33E82126C8C1}">
+<ds:datastoreItem xmlns:ds="http://schemas.openxmlformats.org/officeDocument/2006/customXml" ds:itemID="{E600EE04-8BD9-4784-99F5-2819D436EF6F}">
   <ds:schemaRefs>
     <ds:schemaRef ds:uri="http://schemas.microsoft.com/VisualStudio/2011/storyboarding/control"/>
   </ds:schemaRefs>
@@ -23211,7 +23467,7 @@
 </file>
 
 <file path=customXml/itemProps13.xml><?xml version="1.0" encoding="utf-8"?>
-<ds:datastoreItem xmlns:ds="http://schemas.openxmlformats.org/officeDocument/2006/customXml" ds:itemID="{2C03665D-061C-437D-A364-6607BBD4CECC}">
+<ds:datastoreItem xmlns:ds="http://schemas.openxmlformats.org/officeDocument/2006/customXml" ds:itemID="{B6264D59-F002-44C9-8E3B-BCC427475F6C}">
   <ds:schemaRefs>
     <ds:schemaRef ds:uri="http://schemas.microsoft.com/VisualStudio/2011/storyboarding/control"/>
   </ds:schemaRefs>
@@ -23227,7 +23483,7 @@
 </file>
 
 <file path=customXml/itemProps15.xml><?xml version="1.0" encoding="utf-8"?>
-<ds:datastoreItem xmlns:ds="http://schemas.openxmlformats.org/officeDocument/2006/customXml" ds:itemID="{126EFAD7-375C-454A-8434-49558D790875}">
+<ds:datastoreItem xmlns:ds="http://schemas.openxmlformats.org/officeDocument/2006/customXml" ds:itemID="{D5217FB4-7C36-404C-B8C0-89B1C48778AE}">
   <ds:schemaRefs>
     <ds:schemaRef ds:uri="http://schemas.microsoft.com/VisualStudio/2011/storyboarding/control"/>
   </ds:schemaRefs>
@@ -23235,7 +23491,7 @@
 </file>
 
 <file path=customXml/itemProps16.xml><?xml version="1.0" encoding="utf-8"?>
-<ds:datastoreItem xmlns:ds="http://schemas.openxmlformats.org/officeDocument/2006/customXml" ds:itemID="{D041A205-8782-453A-9DA5-BCD6307F604C}">
+<ds:datastoreItem xmlns:ds="http://schemas.openxmlformats.org/officeDocument/2006/customXml" ds:itemID="{1A85E73C-9BE8-4062-997F-4CAE0C255006}">
   <ds:schemaRefs>
     <ds:schemaRef ds:uri="http://schemas.microsoft.com/VisualStudio/2011/storyboarding/control"/>
   </ds:schemaRefs>
@@ -23243,7 +23499,7 @@
 </file>
 
 <file path=customXml/itemProps17.xml><?xml version="1.0" encoding="utf-8"?>
-<ds:datastoreItem xmlns:ds="http://schemas.openxmlformats.org/officeDocument/2006/customXml" ds:itemID="{8B371429-EF57-48DB-88FB-1618CBF6AA32}">
+<ds:datastoreItem xmlns:ds="http://schemas.openxmlformats.org/officeDocument/2006/customXml" ds:itemID="{D71D3424-4636-469B-A8BA-E9AB6145E82C}">
   <ds:schemaRefs>
     <ds:schemaRef ds:uri="http://schemas.microsoft.com/VisualStudio/2011/storyboarding/control"/>
   </ds:schemaRefs>
@@ -23251,7 +23507,7 @@
 </file>
 
 <file path=customXml/itemProps18.xml><?xml version="1.0" encoding="utf-8"?>
-<ds:datastoreItem xmlns:ds="http://schemas.openxmlformats.org/officeDocument/2006/customXml" ds:itemID="{26C4A927-1BBC-493C-B118-8C5F5B4EE2FD}">
+<ds:datastoreItem xmlns:ds="http://schemas.openxmlformats.org/officeDocument/2006/customXml" ds:itemID="{A5488CF7-C05E-41FE-86C4-195AC108C9BA}">
   <ds:schemaRefs>
     <ds:schemaRef ds:uri="http://schemas.microsoft.com/VisualStudio/2011/storyboarding/control"/>
   </ds:schemaRefs>
@@ -23259,7 +23515,7 @@
 </file>
 
 <file path=customXml/itemProps19.xml><?xml version="1.0" encoding="utf-8"?>
-<ds:datastoreItem xmlns:ds="http://schemas.openxmlformats.org/officeDocument/2006/customXml" ds:itemID="{15CD1028-5137-452F-BAD5-3BB93B44D55D}">
+<ds:datastoreItem xmlns:ds="http://schemas.openxmlformats.org/officeDocument/2006/customXml" ds:itemID="{11C33365-CEEA-4B7B-9395-9553AD6320F7}">
   <ds:schemaRefs>
     <ds:schemaRef ds:uri="http://schemas.microsoft.com/VisualStudio/2011/storyboarding/control"/>
   </ds:schemaRefs>
@@ -23275,6 +23531,62 @@
 </file>
 
 <file path=customXml/itemProps20.xml><?xml version="1.0" encoding="utf-8"?>
+<ds:datastoreItem xmlns:ds="http://schemas.openxmlformats.org/officeDocument/2006/customXml" ds:itemID="{075698AD-C9E8-493A-B6B1-D397B0A80F13}">
+  <ds:schemaRefs>
+    <ds:schemaRef ds:uri="http://schemas.microsoft.com/VisualStudio/2011/storyboarding/control"/>
+  </ds:schemaRefs>
+</ds:datastoreItem>
+</file>
+
+<file path=customXml/itemProps21.xml><?xml version="1.0" encoding="utf-8"?>
+<ds:datastoreItem xmlns:ds="http://schemas.openxmlformats.org/officeDocument/2006/customXml" ds:itemID="{EB713E7C-7146-48D2-BEA2-BBB31A5A0441}">
+  <ds:schemaRefs>
+    <ds:schemaRef ds:uri="http://schemas.microsoft.com/VisualStudio/2011/storyboarding/control"/>
+  </ds:schemaRefs>
+</ds:datastoreItem>
+</file>
+
+<file path=customXml/itemProps22.xml><?xml version="1.0" encoding="utf-8"?>
+<ds:datastoreItem xmlns:ds="http://schemas.openxmlformats.org/officeDocument/2006/customXml" ds:itemID="{7416464E-8551-42D6-B6EB-33E82126C8C1}">
+  <ds:schemaRefs>
+    <ds:schemaRef ds:uri="http://schemas.microsoft.com/VisualStudio/2011/storyboarding/control"/>
+  </ds:schemaRefs>
+</ds:datastoreItem>
+</file>
+
+<file path=customXml/itemProps23.xml><?xml version="1.0" encoding="utf-8"?>
+<ds:datastoreItem xmlns:ds="http://schemas.openxmlformats.org/officeDocument/2006/customXml" ds:itemID="{8B371429-EF57-48DB-88FB-1618CBF6AA32}">
+  <ds:schemaRefs>
+    <ds:schemaRef ds:uri="http://schemas.microsoft.com/VisualStudio/2011/storyboarding/control"/>
+  </ds:schemaRefs>
+</ds:datastoreItem>
+</file>
+
+<file path=customXml/itemProps24.xml><?xml version="1.0" encoding="utf-8"?>
+<ds:datastoreItem xmlns:ds="http://schemas.openxmlformats.org/officeDocument/2006/customXml" ds:itemID="{1C1B10A8-4A1C-4B72-8E86-6F825E2955B1}">
+  <ds:schemaRefs>
+    <ds:schemaRef ds:uri="http://schemas.microsoft.com/VisualStudio/2011/storyboarding/control"/>
+  </ds:schemaRefs>
+</ds:datastoreItem>
+</file>
+
+<file path=customXml/itemProps25.xml><?xml version="1.0" encoding="utf-8"?>
+<ds:datastoreItem xmlns:ds="http://schemas.openxmlformats.org/officeDocument/2006/customXml" ds:itemID="{18316B09-4A43-4F44-9599-C21C29C8D0F9}">
+  <ds:schemaRefs>
+    <ds:schemaRef ds:uri="http://schemas.microsoft.com/VisualStudio/2011/storyboarding/control"/>
+  </ds:schemaRefs>
+</ds:datastoreItem>
+</file>
+
+<file path=customXml/itemProps26.xml><?xml version="1.0" encoding="utf-8"?>
+<ds:datastoreItem xmlns:ds="http://schemas.openxmlformats.org/officeDocument/2006/customXml" ds:itemID="{1FF35713-C734-4162-A7A2-5AA54D882D4D}">
+  <ds:schemaRefs>
+    <ds:schemaRef ds:uri="http://schemas.microsoft.com/VisualStudio/2011/storyboarding/control"/>
+  </ds:schemaRefs>
+</ds:datastoreItem>
+</file>
+
+<file path=customXml/itemProps27.xml><?xml version="1.0" encoding="utf-8"?>
 <ds:datastoreItem xmlns:ds="http://schemas.openxmlformats.org/officeDocument/2006/customXml" ds:itemID="{0909C5DE-EB0D-464A-8C30-AC8168945B16}">
   <ds:schemaRefs>
     <ds:schemaRef ds:uri="http://schemas.microsoft.com/VisualStudio/2011/storyboarding/control"/>
@@ -23282,7 +23594,135 @@
 </ds:datastoreItem>
 </file>
 
-<file path=customXml/itemProps21.xml><?xml version="1.0" encoding="utf-8"?>
+<file path=customXml/itemProps28.xml><?xml version="1.0" encoding="utf-8"?>
+<ds:datastoreItem xmlns:ds="http://schemas.openxmlformats.org/officeDocument/2006/customXml" ds:itemID="{D47B9877-8121-4A5C-8672-EBAD68E41FC8}">
+  <ds:schemaRefs>
+    <ds:schemaRef ds:uri="http://schemas.microsoft.com/VisualStudio/2011/storyboarding/control"/>
+  </ds:schemaRefs>
+</ds:datastoreItem>
+</file>
+
+<file path=customXml/itemProps29.xml><?xml version="1.0" encoding="utf-8"?>
+<ds:datastoreItem xmlns:ds="http://schemas.openxmlformats.org/officeDocument/2006/customXml" ds:itemID="{5A4D65C3-0019-4CD6-A56C-AB596FC47CB6}">
+  <ds:schemaRefs>
+    <ds:schemaRef ds:uri="http://schemas.microsoft.com/VisualStudio/2011/storyboarding/control"/>
+  </ds:schemaRefs>
+</ds:datastoreItem>
+</file>
+
+<file path=customXml/itemProps3.xml><?xml version="1.0" encoding="utf-8"?>
+<ds:datastoreItem xmlns:ds="http://schemas.openxmlformats.org/officeDocument/2006/customXml" ds:itemID="{D041A205-8782-453A-9DA5-BCD6307F604C}">
+  <ds:schemaRefs>
+    <ds:schemaRef ds:uri="http://schemas.microsoft.com/VisualStudio/2011/storyboarding/control"/>
+  </ds:schemaRefs>
+</ds:datastoreItem>
+</file>
+
+<file path=customXml/itemProps30.xml><?xml version="1.0" encoding="utf-8"?>
+<ds:datastoreItem xmlns:ds="http://schemas.openxmlformats.org/officeDocument/2006/customXml" ds:itemID="{F4ED7C87-B6C1-4398-921C-6C1FDFBC2F12}">
+  <ds:schemaRefs>
+    <ds:schemaRef ds:uri="http://schemas.microsoft.com/VisualStudio/2011/storyboarding/control"/>
+  </ds:schemaRefs>
+</ds:datastoreItem>
+</file>
+
+<file path=customXml/itemProps31.xml><?xml version="1.0" encoding="utf-8"?>
+<ds:datastoreItem xmlns:ds="http://schemas.openxmlformats.org/officeDocument/2006/customXml" ds:itemID="{126EFAD7-375C-454A-8434-49558D790875}">
+  <ds:schemaRefs>
+    <ds:schemaRef ds:uri="http://schemas.microsoft.com/VisualStudio/2011/storyboarding/control"/>
+  </ds:schemaRefs>
+</ds:datastoreItem>
+</file>
+
+<file path=customXml/itemProps32.xml><?xml version="1.0" encoding="utf-8"?>
+<ds:datastoreItem xmlns:ds="http://schemas.openxmlformats.org/officeDocument/2006/customXml" ds:itemID="{D5E218A4-BD81-4546-A030-4D062A9D32A0}">
+  <ds:schemaRefs>
+    <ds:schemaRef ds:uri="http://schemas.microsoft.com/VisualStudio/2011/storyboarding/control"/>
+  </ds:schemaRefs>
+</ds:datastoreItem>
+</file>
+
+<file path=customXml/itemProps33.xml><?xml version="1.0" encoding="utf-8"?>
+<ds:datastoreItem xmlns:ds="http://schemas.openxmlformats.org/officeDocument/2006/customXml" ds:itemID="{D77F9BE1-E5DE-43BF-B0C5-DD18A05CBE05}">
+  <ds:schemaRefs>
+    <ds:schemaRef ds:uri="http://schemas.microsoft.com/VisualStudio/2011/storyboarding/control"/>
+  </ds:schemaRefs>
+</ds:datastoreItem>
+</file>
+
+<file path=customXml/itemProps34.xml><?xml version="1.0" encoding="utf-8"?>
+<ds:datastoreItem xmlns:ds="http://schemas.openxmlformats.org/officeDocument/2006/customXml" ds:itemID="{C440B9D1-59F5-4E93-99BA-31F612705752}">
+  <ds:schemaRefs>
+    <ds:schemaRef ds:uri="http://schemas.microsoft.com/VisualStudio/2011/storyboarding/control"/>
+  </ds:schemaRefs>
+</ds:datastoreItem>
+</file>
+
+<file path=customXml/itemProps35.xml><?xml version="1.0" encoding="utf-8"?>
+<ds:datastoreItem xmlns:ds="http://schemas.openxmlformats.org/officeDocument/2006/customXml" ds:itemID="{914D39F0-13C3-468F-9078-CF1ED7F441C1}">
+  <ds:schemaRefs>
+    <ds:schemaRef ds:uri="http://schemas.microsoft.com/VisualStudio/2011/storyboarding/control"/>
+  </ds:schemaRefs>
+</ds:datastoreItem>
+</file>
+
+<file path=customXml/itemProps36.xml><?xml version="1.0" encoding="utf-8"?>
+<ds:datastoreItem xmlns:ds="http://schemas.openxmlformats.org/officeDocument/2006/customXml" ds:itemID="{A241BFA6-927C-4EF6-8003-57E10DB61ABD}">
+  <ds:schemaRefs>
+    <ds:schemaRef ds:uri="http://schemas.microsoft.com/VisualStudio/2011/storyboarding/control"/>
+  </ds:schemaRefs>
+</ds:datastoreItem>
+</file>
+
+<file path=customXml/itemProps37.xml><?xml version="1.0" encoding="utf-8"?>
+<ds:datastoreItem xmlns:ds="http://schemas.openxmlformats.org/officeDocument/2006/customXml" ds:itemID="{B0904329-59C2-44A5-AFEA-401E295AF044}">
+  <ds:schemaRefs>
+    <ds:schemaRef ds:uri="http://schemas.microsoft.com/VisualStudio/2011/storyboarding/control"/>
+  </ds:schemaRefs>
+</ds:datastoreItem>
+</file>
+
+<file path=customXml/itemProps38.xml><?xml version="1.0" encoding="utf-8"?>
+<ds:datastoreItem xmlns:ds="http://schemas.openxmlformats.org/officeDocument/2006/customXml" ds:itemID="{2C03665D-061C-437D-A364-6607BBD4CECC}">
+  <ds:schemaRefs>
+    <ds:schemaRef ds:uri="http://schemas.microsoft.com/VisualStudio/2011/storyboarding/control"/>
+  </ds:schemaRefs>
+</ds:datastoreItem>
+</file>
+
+<file path=customXml/itemProps39.xml><?xml version="1.0" encoding="utf-8"?>
+<ds:datastoreItem xmlns:ds="http://schemas.openxmlformats.org/officeDocument/2006/customXml" ds:itemID="{26C4A927-1BBC-493C-B118-8C5F5B4EE2FD}">
+  <ds:schemaRefs>
+    <ds:schemaRef ds:uri="http://schemas.microsoft.com/VisualStudio/2011/storyboarding/control"/>
+  </ds:schemaRefs>
+</ds:datastoreItem>
+</file>
+
+<file path=customXml/itemProps4.xml><?xml version="1.0" encoding="utf-8"?>
+<ds:datastoreItem xmlns:ds="http://schemas.openxmlformats.org/officeDocument/2006/customXml" ds:itemID="{F7B2038E-CD36-4E5C-9495-7CB99E8BEC09}">
+  <ds:schemaRefs>
+    <ds:schemaRef ds:uri="http://schemas.microsoft.com/VisualStudio/2011/storyboarding/control"/>
+  </ds:schemaRefs>
+</ds:datastoreItem>
+</file>
+
+<file path=customXml/itemProps40.xml><?xml version="1.0" encoding="utf-8"?>
+<ds:datastoreItem xmlns:ds="http://schemas.openxmlformats.org/officeDocument/2006/customXml" ds:itemID="{73CF1057-C731-45E3-ABF5-D83CE428C19D}">
+  <ds:schemaRefs>
+    <ds:schemaRef ds:uri="http://schemas.microsoft.com/VisualStudio/2011/storyboarding/control"/>
+  </ds:schemaRefs>
+</ds:datastoreItem>
+</file>
+
+<file path=customXml/itemProps41.xml><?xml version="1.0" encoding="utf-8"?>
+<ds:datastoreItem xmlns:ds="http://schemas.openxmlformats.org/officeDocument/2006/customXml" ds:itemID="{FBB57F93-A30D-4334-B6B4-BA4B6C0CB304}">
+  <ds:schemaRefs>
+    <ds:schemaRef ds:uri="http://schemas.microsoft.com/VisualStudio/2011/storyboarding/control"/>
+  </ds:schemaRefs>
+</ds:datastoreItem>
+</file>
+
+<file path=customXml/itemProps42.xml><?xml version="1.0" encoding="utf-8"?>
 <ds:datastoreItem xmlns:ds="http://schemas.openxmlformats.org/officeDocument/2006/customXml" ds:itemID="{959A000C-E585-439F-B645-BFCCB3A28948}">
   <ds:schemaRefs>
     <ds:schemaRef ds:uri="http://schemas.microsoft.com/VisualStudio/2011/storyboarding/control"/>
@@ -23290,23 +23730,31 @@
 </ds:datastoreItem>
 </file>
 
-<file path=customXml/itemProps22.xml><?xml version="1.0" encoding="utf-8"?>
-<ds:datastoreItem xmlns:ds="http://schemas.openxmlformats.org/officeDocument/2006/customXml" ds:itemID="{D5217FB4-7C36-404C-B8C0-89B1C48778AE}">
+<file path=customXml/itemProps43.xml><?xml version="1.0" encoding="utf-8"?>
+<ds:datastoreItem xmlns:ds="http://schemas.openxmlformats.org/officeDocument/2006/customXml" ds:itemID="{A3650C13-256B-4C2A-890A-A31C00DF7823}">
   <ds:schemaRefs>
     <ds:schemaRef ds:uri="http://schemas.microsoft.com/VisualStudio/2011/storyboarding/control"/>
   </ds:schemaRefs>
 </ds:datastoreItem>
 </file>
 
-<file path=customXml/itemProps23.xml><?xml version="1.0" encoding="utf-8"?>
-<ds:datastoreItem xmlns:ds="http://schemas.openxmlformats.org/officeDocument/2006/customXml" ds:itemID="{D5E218A4-BD81-4546-A030-4D062A9D32A0}">
+<file path=customXml/itemProps44.xml><?xml version="1.0" encoding="utf-8"?>
+<ds:datastoreItem xmlns:ds="http://schemas.openxmlformats.org/officeDocument/2006/customXml" ds:itemID="{EB310673-AE6D-457F-B065-E26CB97B2FBC}">
   <ds:schemaRefs>
     <ds:schemaRef ds:uri="http://schemas.microsoft.com/VisualStudio/2011/storyboarding/control"/>
   </ds:schemaRefs>
 </ds:datastoreItem>
 </file>
 
-<file path=customXml/itemProps24.xml><?xml version="1.0" encoding="utf-8"?>
+<file path=customXml/itemProps5.xml><?xml version="1.0" encoding="utf-8"?>
+<ds:datastoreItem xmlns:ds="http://schemas.openxmlformats.org/officeDocument/2006/customXml" ds:itemID="{F89AE9EA-6036-4D28-9121-37D44922D0F5}">
+  <ds:schemaRefs>
+    <ds:schemaRef ds:uri="http://schemas.microsoft.com/VisualStudio/2011/storyboarding/control"/>
+  </ds:schemaRefs>
+</ds:datastoreItem>
+</file>
+
+<file path=customXml/itemProps6.xml><?xml version="1.0" encoding="utf-8"?>
 <ds:datastoreItem xmlns:ds="http://schemas.openxmlformats.org/officeDocument/2006/customXml" ds:itemID="{84D473BB-BA7F-4027-9C4E-A00D65AC41B0}">
   <ds:schemaRefs>
     <ds:schemaRef ds:uri="http://schemas.microsoft.com/VisualStudio/2011/storyboarding/control"/>
@@ -23314,71 +23762,7 @@
 </ds:datastoreItem>
 </file>
 
-<file path=customXml/itemProps25.xml><?xml version="1.0" encoding="utf-8"?>
-<ds:datastoreItem xmlns:ds="http://schemas.openxmlformats.org/officeDocument/2006/customXml" ds:itemID="{1C1B10A8-4A1C-4B72-8E86-6F825E2955B1}">
-  <ds:schemaRefs>
-    <ds:schemaRef ds:uri="http://schemas.microsoft.com/VisualStudio/2011/storyboarding/control"/>
-  </ds:schemaRefs>
-</ds:datastoreItem>
-</file>
-
-<file path=customXml/itemProps26.xml><?xml version="1.0" encoding="utf-8"?>
-<ds:datastoreItem xmlns:ds="http://schemas.openxmlformats.org/officeDocument/2006/customXml" ds:itemID="{73CF1057-C731-45E3-ABF5-D83CE428C19D}">
-  <ds:schemaRefs>
-    <ds:schemaRef ds:uri="http://schemas.microsoft.com/VisualStudio/2011/storyboarding/control"/>
-  </ds:schemaRefs>
-</ds:datastoreItem>
-</file>
-
-<file path=customXml/itemProps27.xml><?xml version="1.0" encoding="utf-8"?>
-<ds:datastoreItem xmlns:ds="http://schemas.openxmlformats.org/officeDocument/2006/customXml" ds:itemID="{1A85E73C-9BE8-4062-997F-4CAE0C255006}">
-  <ds:schemaRefs>
-    <ds:schemaRef ds:uri="http://schemas.microsoft.com/VisualStudio/2011/storyboarding/control"/>
-  </ds:schemaRefs>
-</ds:datastoreItem>
-</file>
-
-<file path=customXml/itemProps28.xml><?xml version="1.0" encoding="utf-8"?>
-<ds:datastoreItem xmlns:ds="http://schemas.openxmlformats.org/officeDocument/2006/customXml" ds:itemID="{D77F9BE1-E5DE-43BF-B0C5-DD18A05CBE05}">
-  <ds:schemaRefs>
-    <ds:schemaRef ds:uri="http://schemas.microsoft.com/VisualStudio/2011/storyboarding/control"/>
-  </ds:schemaRefs>
-</ds:datastoreItem>
-</file>
-
-<file path=customXml/itemProps29.xml><?xml version="1.0" encoding="utf-8"?>
-<ds:datastoreItem xmlns:ds="http://schemas.openxmlformats.org/officeDocument/2006/customXml" ds:itemID="{F7B2038E-CD36-4E5C-9495-7CB99E8BEC09}">
-  <ds:schemaRefs>
-    <ds:schemaRef ds:uri="http://schemas.microsoft.com/VisualStudio/2011/storyboarding/control"/>
-  </ds:schemaRefs>
-</ds:datastoreItem>
-</file>
-
-<file path=customXml/itemProps3.xml><?xml version="1.0" encoding="utf-8"?>
-<ds:datastoreItem xmlns:ds="http://schemas.openxmlformats.org/officeDocument/2006/customXml" ds:itemID="{EB713E7C-7146-48D2-BEA2-BBB31A5A0441}">
-  <ds:schemaRefs>
-    <ds:schemaRef ds:uri="http://schemas.microsoft.com/VisualStudio/2011/storyboarding/control"/>
-  </ds:schemaRefs>
-</ds:datastoreItem>
-</file>
-
-<file path=customXml/itemProps30.xml><?xml version="1.0" encoding="utf-8"?>
-<ds:datastoreItem xmlns:ds="http://schemas.openxmlformats.org/officeDocument/2006/customXml" ds:itemID="{D71D3424-4636-469B-A8BA-E9AB6145E82C}">
-  <ds:schemaRefs>
-    <ds:schemaRef ds:uri="http://schemas.microsoft.com/VisualStudio/2011/storyboarding/control"/>
-  </ds:schemaRefs>
-</ds:datastoreItem>
-</file>
-
-<file path=customXml/itemProps31.xml><?xml version="1.0" encoding="utf-8"?>
-<ds:datastoreItem xmlns:ds="http://schemas.openxmlformats.org/officeDocument/2006/customXml" ds:itemID="{A241BFA6-927C-4EF6-8003-57E10DB61ABD}">
-  <ds:schemaRefs>
-    <ds:schemaRef ds:uri="http://schemas.microsoft.com/VisualStudio/2011/storyboarding/control"/>
-  </ds:schemaRefs>
-</ds:datastoreItem>
-</file>
-
-<file path=customXml/itemProps32.xml><?xml version="1.0" encoding="utf-8"?>
+<file path=customXml/itemProps7.xml><?xml version="1.0" encoding="utf-8"?>
 <ds:datastoreItem xmlns:ds="http://schemas.openxmlformats.org/officeDocument/2006/customXml" ds:itemID="{73258906-5B90-4F9D-843C-5ADD1287EE53}">
   <ds:schemaRefs>
     <ds:schemaRef ds:uri="http://schemas.microsoft.com/VisualStudio/2011/storyboarding/control"/>
@@ -23386,39 +23770,7 @@
 </ds:datastoreItem>
 </file>
 
-<file path=customXml/itemProps33.xml><?xml version="1.0" encoding="utf-8"?>
-<ds:datastoreItem xmlns:ds="http://schemas.openxmlformats.org/officeDocument/2006/customXml" ds:itemID="{18316B09-4A43-4F44-9599-C21C29C8D0F9}">
-  <ds:schemaRefs>
-    <ds:schemaRef ds:uri="http://schemas.microsoft.com/VisualStudio/2011/storyboarding/control"/>
-  </ds:schemaRefs>
-</ds:datastoreItem>
-</file>
-
-<file path=customXml/itemProps34.xml><?xml version="1.0" encoding="utf-8"?>
-<ds:datastoreItem xmlns:ds="http://schemas.openxmlformats.org/officeDocument/2006/customXml" ds:itemID="{A3650C13-256B-4C2A-890A-A31C00DF7823}">
-  <ds:schemaRefs>
-    <ds:schemaRef ds:uri="http://schemas.microsoft.com/VisualStudio/2011/storyboarding/control"/>
-  </ds:schemaRefs>
-</ds:datastoreItem>
-</file>
-
-<file path=customXml/itemProps35.xml><?xml version="1.0" encoding="utf-8"?>
-<ds:datastoreItem xmlns:ds="http://schemas.openxmlformats.org/officeDocument/2006/customXml" ds:itemID="{A5488CF7-C05E-41FE-86C4-195AC108C9BA}">
-  <ds:schemaRefs>
-    <ds:schemaRef ds:uri="http://schemas.microsoft.com/VisualStudio/2011/storyboarding/control"/>
-  </ds:schemaRefs>
-</ds:datastoreItem>
-</file>
-
-<file path=customXml/itemProps36.xml><?xml version="1.0" encoding="utf-8"?>
-<ds:datastoreItem xmlns:ds="http://schemas.openxmlformats.org/officeDocument/2006/customXml" ds:itemID="{C440B9D1-59F5-4E93-99BA-31F612705752}">
-  <ds:schemaRefs>
-    <ds:schemaRef ds:uri="http://schemas.microsoft.com/VisualStudio/2011/storyboarding/control"/>
-  </ds:schemaRefs>
-</ds:datastoreItem>
-</file>
-
-<file path=customXml/itemProps37.xml><?xml version="1.0" encoding="utf-8"?>
+<file path=customXml/itemProps8.xml><?xml version="1.0" encoding="utf-8"?>
 <ds:datastoreItem xmlns:ds="http://schemas.openxmlformats.org/officeDocument/2006/customXml" ds:itemID="{671B2219-7BB9-410E-8E61-FAF513D1D6E4}">
   <ds:schemaRefs>
     <ds:schemaRef ds:uri="http://schemas.microsoft.com/VisualStudio/2011/storyboarding/control"/>
@@ -23426,106 +23778,10 @@
 </ds:datastoreItem>
 </file>
 
-<file path=customXml/itemProps38.xml><?xml version="1.0" encoding="utf-8"?>
-<ds:datastoreItem xmlns:ds="http://schemas.openxmlformats.org/officeDocument/2006/customXml" ds:itemID="{1FF35713-C734-4162-A7A2-5AA54D882D4D}">
-  <ds:schemaRefs>
-    <ds:schemaRef ds:uri="http://schemas.microsoft.com/VisualStudio/2011/storyboarding/control"/>
-  </ds:schemaRefs>
-</ds:datastoreItem>
-</file>
-
-<file path=customXml/itemProps39.xml><?xml version="1.0" encoding="utf-8"?>
-<ds:datastoreItem xmlns:ds="http://schemas.openxmlformats.org/officeDocument/2006/customXml" ds:itemID="{FBB57F93-A30D-4334-B6B4-BA4B6C0CB304}">
-  <ds:schemaRefs>
-    <ds:schemaRef ds:uri="http://schemas.microsoft.com/VisualStudio/2011/storyboarding/control"/>
-  </ds:schemaRefs>
-</ds:datastoreItem>
-</file>
-
-<file path=customXml/itemProps4.xml><?xml version="1.0" encoding="utf-8"?>
-<ds:datastoreItem xmlns:ds="http://schemas.openxmlformats.org/officeDocument/2006/customXml" ds:itemID="{E600EE04-8BD9-4784-99F5-2819D436EF6F}">
-  <ds:schemaRefs>
-    <ds:schemaRef ds:uri="http://schemas.microsoft.com/VisualStudio/2011/storyboarding/control"/>
-  </ds:schemaRefs>
-</ds:datastoreItem>
-</file>
-
-<file path=customXml/itemProps40.xml><?xml version="1.0" encoding="utf-8"?>
+<file path=customXml/itemProps9.xml><?xml version="1.0" encoding="utf-8"?>
 <ds:datastoreItem xmlns:ds="http://schemas.openxmlformats.org/officeDocument/2006/customXml" ds:itemID="{B8D388F9-F664-4C87-974C-7A1E6B9CD7CD}">
   <ds:schemaRefs>
     <ds:schemaRef ds:uri="http://schemas.microsoft.com/VisualStudio/2011/storyboarding/control"/>
   </ds:schemaRefs>
 </ds:datastoreItem>
-</file>
-
-<file path=customXml/itemProps41.xml><?xml version="1.0" encoding="utf-8"?>
-<ds:datastoreItem xmlns:ds="http://schemas.openxmlformats.org/officeDocument/2006/customXml" ds:itemID="{D47B9877-8121-4A5C-8672-EBAD68E41FC8}">
-  <ds:schemaRefs>
-    <ds:schemaRef ds:uri="http://schemas.microsoft.com/VisualStudio/2011/storyboarding/control"/>
-  </ds:schemaRefs>
-</ds:datastoreItem>
-</file>
-
-<file path=customXml/itemProps42.xml><?xml version="1.0" encoding="utf-8"?>
-<ds:datastoreItem xmlns:ds="http://schemas.openxmlformats.org/officeDocument/2006/customXml" ds:itemID="{EB310673-AE6D-457F-B065-E26CB97B2FBC}">
-  <ds:schemaRefs>
-    <ds:schemaRef ds:uri="http://schemas.microsoft.com/VisualStudio/2011/storyboarding/control"/>
-  </ds:schemaRefs>
-</ds:datastoreItem>
-</file>
-
-<file path=customXml/itemProps43.xml><?xml version="1.0" encoding="utf-8"?>
-<ds:datastoreItem xmlns:ds="http://schemas.openxmlformats.org/officeDocument/2006/customXml" ds:itemID="{11C33365-CEEA-4B7B-9395-9553AD6320F7}">
-  <ds:schemaRefs>
-    <ds:schemaRef ds:uri="http://schemas.microsoft.com/VisualStudio/2011/storyboarding/control"/>
-  </ds:schemaRefs>
-</ds:datastoreItem>
-</file>
-
-<file path=customXml/itemProps44.xml><?xml version="1.0" encoding="utf-8"?>
-<ds:datastoreItem xmlns:ds="http://schemas.openxmlformats.org/officeDocument/2006/customXml" ds:itemID="{B0904329-59C2-44A5-AFEA-401E295AF044}">
-  <ds:schemaRefs>
-    <ds:schemaRef ds:uri="http://schemas.microsoft.com/VisualStudio/2011/storyboarding/control"/>
-  </ds:schemaRefs>
-</ds:datastoreItem>
-</file>
-
-<file path=customXml/itemProps5.xml><?xml version="1.0" encoding="utf-8"?>
-<ds:datastoreItem xmlns:ds="http://schemas.openxmlformats.org/officeDocument/2006/customXml" ds:itemID="{6090C64C-C352-4038-A71D-A3C89F9ECB15}">
-  <ds:schemaRefs>
-    <ds:schemaRef ds:uri="http://schemas.microsoft.com/VisualStudio/2011/storyboarding/control"/>
-  </ds:schemaRefs>
-</ds:datastoreItem>
-</file>
-
-<file path=customXml/itemProps6.xml><?xml version="1.0" encoding="utf-8"?>
-<ds:datastoreItem xmlns:ds="http://schemas.openxmlformats.org/officeDocument/2006/customXml" ds:itemID="{F4ED7C87-B6C1-4398-921C-6C1FDFBC2F12}">
-  <ds:schemaRefs>
-    <ds:schemaRef ds:uri="http://schemas.microsoft.com/VisualStudio/2011/storyboarding/control"/>
-  </ds:schemaRefs>
-</ds:datastoreItem>
-</file>
-
-<file path=customXml/itemProps7.xml><?xml version="1.0" encoding="utf-8"?>
-<ds:datastoreItem xmlns:ds="http://schemas.openxmlformats.org/officeDocument/2006/customXml" ds:itemID="{B0273885-341F-462A-A3D2-EB18E7C12B15}">
-  <ds:schemaRefs>
-    <ds:schemaRef ds:uri="http://schemas.microsoft.com/VisualStudio/2011/storyboarding/control"/>
-  </ds:schemaRefs>
-</ds:datastoreItem>
-</file>
-
-<file path=customXml/itemProps8.xml><?xml version="1.0" encoding="utf-8"?>
-<ds:datastoreItem xmlns:ds="http://schemas.openxmlformats.org/officeDocument/2006/customXml" ds:itemID="{075698AD-C9E8-493A-B6B1-D397B0A80F13}">
-  <ds:schemaRefs>
-    <ds:schemaRef ds:uri="http://schemas.microsoft.com/VisualStudio/2011/storyboarding/control"/>
-  </ds:schemaRefs>
-</ds:datastoreItem>
-</file>
-
-<file path=customXml/itemProps9.xml><?xml version="1.0" encoding="utf-8"?>
-<ds:datastoreItem xmlns:ds="http://schemas.openxmlformats.org/officeDocument/2006/customXml" ds:itemID="{B6264D59-F002-44C9-8E3B-BCC427475F6C}">
-  <ds:schemaRefs>
-    <ds:schemaRef ds:uri="http://schemas.microsoft.com/VisualStudio/2011/storyboarding/control"/>
-  </ds:schemaRefs>
-</ds:datastoreItem>
 </file>
--- a/Documentation/Wireframes/CashPool_CardDeposit.pptx
+++ b/Documentation/Wireframes/CashPool_CardDeposit.pptx
@@ -2,21 +2,22 @@
 <file path=ppt/presentation.xml><?xml version="1.0" encoding="utf-8"?>
 <p:presentation xmlns:a="http://schemas.openxmlformats.org/drawingml/2006/main" xmlns:r="http://schemas.openxmlformats.org/officeDocument/2006/relationships" xmlns:p="http://schemas.openxmlformats.org/presentationml/2006/main" saveSubsetFonts="1">
   <p:sldMasterIdLst>
-    <p:sldMasterId id="2147483648" r:id="rId45"/>
+    <p:sldMasterId id="2147483648" r:id="rId62"/>
   </p:sldMasterIdLst>
   <p:notesMasterIdLst>
-    <p:notesMasterId r:id="rId55"/>
+    <p:notesMasterId r:id="rId73"/>
   </p:notesMasterIdLst>
   <p:sldIdLst>
-    <p:sldId id="262" r:id="rId46"/>
-    <p:sldId id="261" r:id="rId47"/>
-    <p:sldId id="266" r:id="rId48"/>
-    <p:sldId id="265" r:id="rId49"/>
-    <p:sldId id="267" r:id="rId50"/>
-    <p:sldId id="268" r:id="rId51"/>
-    <p:sldId id="264" r:id="rId52"/>
-    <p:sldId id="270" r:id="rId53"/>
-    <p:sldId id="269" r:id="rId54"/>
+    <p:sldId id="262" r:id="rId63"/>
+    <p:sldId id="261" r:id="rId64"/>
+    <p:sldId id="271" r:id="rId65"/>
+    <p:sldId id="266" r:id="rId66"/>
+    <p:sldId id="265" r:id="rId67"/>
+    <p:sldId id="267" r:id="rId68"/>
+    <p:sldId id="268" r:id="rId69"/>
+    <p:sldId id="264" r:id="rId70"/>
+    <p:sldId id="270" r:id="rId71"/>
+    <p:sldId id="269" r:id="rId72"/>
   </p:sldIdLst>
   <p:sldSz cx="9144000" cy="6858000" type="screen4x3"/>
   <p:notesSz cx="6858000" cy="9144000"/>
@@ -663,7 +664,7 @@
           <a:p>
             <a:fld id="{930D8685-E301-4D3B-A0B6-F0CCEB09196E}" type="slidenum">
               <a:rPr lang="en-US" smtClean="0"/>
-              <a:t>3</a:t>
+              <a:t>4</a:t>
             </a:fld>
             <a:endParaRPr lang="en-US"/>
           </a:p>
@@ -4196,7 +4197,6 @@
                         <a:rPr lang="en-US" sz="1000" dirty="0" smtClean="0"/>
                         <a:t>Access Bank</a:t>
                       </a:r>
-                      <a:endParaRPr lang="en-US" sz="1000" dirty="0" smtClean="0"/>
                     </a:p>
                   </a:txBody>
                   <a:tcPr/>
@@ -4720,7 +4720,7 @@
                     <a:p>
                       <a:pPr algn="l" fontAlgn="b"/>
                       <a:r>
-                        <a:rPr lang="en-US" sz="1000" b="0" i="0" u="none" strike="noStrike">
+                        <a:rPr lang="en-US" sz="1000" b="0" i="0" u="none" strike="noStrike" dirty="0">
                           <a:solidFill>
                             <a:schemeClr val="bg1">
                               <a:lumMod val="65000"/>
@@ -5858,8 +5858,8 @@
         </p:nvSpPr>
         <p:spPr>
           <a:xfrm>
-            <a:off x="4427984" y="135090"/>
-            <a:ext cx="3611306" cy="338554"/>
+            <a:off x="4355976" y="107383"/>
+            <a:ext cx="3876434" cy="338554"/>
           </a:xfrm>
           <a:prstGeom prst="rect">
             <a:avLst/>
@@ -5879,7 +5879,15 @@
           <a:p>
             <a:r>
               <a:rPr lang="en-US" sz="1600" dirty="0" smtClean="0"/>
-              <a:t>Selected Account Name</a:t>
+              <a:t>{Cash Pool Account / Card deposit </a:t>
+            </a:r>
+            <a:r>
+              <a:rPr lang="en-US" sz="1600" dirty="0" err="1" smtClean="0"/>
+              <a:t>etc</a:t>
+            </a:r>
+            <a:r>
+              <a:rPr lang="en-US" sz="1600" dirty="0" smtClean="0"/>
+              <a:t>}</a:t>
             </a:r>
             <a:endParaRPr lang="en-US" sz="1600" dirty="0"/>
           </a:p>
@@ -5947,7 +5955,14 @@
                 <a:latin typeface="Tahoma" pitchFamily="34" charset="0"/>
                 <a:cs typeface="Tahoma" pitchFamily="34" charset="0"/>
               </a:rPr>
-              <a:t>Import Latest Data</a:t>
+              <a:t>Import </a:t>
+            </a:r>
+            <a:r>
+              <a:rPr lang="en-US" sz="1000" dirty="0" smtClean="0">
+                <a:latin typeface="Tahoma" pitchFamily="34" charset="0"/>
+                <a:cs typeface="Tahoma" pitchFamily="34" charset="0"/>
+              </a:rPr>
+              <a:t>External Data</a:t>
             </a:r>
             <a:endParaRPr lang="en-US" sz="1000" dirty="0">
               <a:latin typeface="Tahoma" pitchFamily="34" charset="0"/>
@@ -6250,7 +6265,7 @@
         </p:nvSpPr>
         <p:spPr bwMode="auto">
           <a:xfrm>
-            <a:off x="7265261" y="5955840"/>
+            <a:off x="7247202" y="6490898"/>
             <a:ext cx="1584176" cy="250697"/>
           </a:xfrm>
           <a:prstGeom prst="roundRect">
@@ -6475,7 +6490,7 @@
             <p:nvPr/>
           </p:nvPicPr>
           <p:blipFill>
-            <a:blip r:embed="rId10" cstate="print">
+            <a:blip r:embed="rId15" cstate="print">
               <a:extLst>
                 <a:ext uri="{28A0092B-C50C-407E-A947-70E740481C1C}">
                   <a14:useLocalDpi xmlns:a14="http://schemas.microsoft.com/office/drawing/2010/main" val="0"/>
@@ -6602,7 +6617,7 @@
             <p:nvPr/>
           </p:nvPicPr>
           <p:blipFill>
-            <a:blip r:embed="rId10" cstate="print">
+            <a:blip r:embed="rId15" cstate="print">
               <a:extLst>
                 <a:ext uri="{28A0092B-C50C-407E-A947-70E740481C1C}">
                   <a14:useLocalDpi xmlns:a14="http://schemas.microsoft.com/office/drawing/2010/main" val="0"/>
@@ -7077,10 +7092,1876 @@
           </p:txBody>
         </p:sp>
       </p:grpSp>
+      <p:sp>
+        <p:nvSpPr>
+          <p:cNvPr id="27" name="MouseClick"/>
+          <p:cNvSpPr/>
+          <p:nvPr>
+            <p:custDataLst>
+              <p:custData r:id="rId8"/>
+            </p:custDataLst>
+          </p:nvPr>
+        </p:nvSpPr>
+        <p:spPr>
+          <a:xfrm rot="20359169">
+            <a:off x="354686" y="323828"/>
+            <a:ext cx="151053" cy="247694"/>
+          </a:xfrm>
+          <a:custGeom>
+            <a:avLst/>
+            <a:gdLst>
+              <a:gd name="connsiteX0" fmla="*/ 0 w 592890"/>
+              <a:gd name="connsiteY0" fmla="*/ 806746 h 997971"/>
+              <a:gd name="connsiteX1" fmla="*/ 296445 w 592890"/>
+              <a:gd name="connsiteY1" fmla="*/ 0 h 997971"/>
+              <a:gd name="connsiteX2" fmla="*/ 592890 w 592890"/>
+              <a:gd name="connsiteY2" fmla="*/ 806746 h 997971"/>
+              <a:gd name="connsiteX3" fmla="*/ 386188 w 592890"/>
+              <a:gd name="connsiteY3" fmla="*/ 806746 h 997971"/>
+              <a:gd name="connsiteX4" fmla="*/ 386188 w 592890"/>
+              <a:gd name="connsiteY4" fmla="*/ 997971 h 997971"/>
+              <a:gd name="connsiteX5" fmla="*/ 206702 w 592890"/>
+              <a:gd name="connsiteY5" fmla="*/ 997971 h 997971"/>
+              <a:gd name="connsiteX6" fmla="*/ 206702 w 592890"/>
+              <a:gd name="connsiteY6" fmla="*/ 806746 h 997971"/>
+              <a:gd name="connsiteX7" fmla="*/ 0 w 592890"/>
+              <a:gd name="connsiteY7" fmla="*/ 806746 h 997971"/>
+              <a:gd name="connsiteX0" fmla="*/ 0 w 592890"/>
+              <a:gd name="connsiteY0" fmla="*/ 806746 h 997971"/>
+              <a:gd name="connsiteX1" fmla="*/ 296445 w 592890"/>
+              <a:gd name="connsiteY1" fmla="*/ 0 h 997971"/>
+              <a:gd name="connsiteX2" fmla="*/ 592890 w 592890"/>
+              <a:gd name="connsiteY2" fmla="*/ 806746 h 997971"/>
+              <a:gd name="connsiteX3" fmla="*/ 386188 w 592890"/>
+              <a:gd name="connsiteY3" fmla="*/ 766438 h 997971"/>
+              <a:gd name="connsiteX4" fmla="*/ 386188 w 592890"/>
+              <a:gd name="connsiteY4" fmla="*/ 997971 h 997971"/>
+              <a:gd name="connsiteX5" fmla="*/ 206702 w 592890"/>
+              <a:gd name="connsiteY5" fmla="*/ 997971 h 997971"/>
+              <a:gd name="connsiteX6" fmla="*/ 206702 w 592890"/>
+              <a:gd name="connsiteY6" fmla="*/ 806746 h 997971"/>
+              <a:gd name="connsiteX7" fmla="*/ 0 w 592890"/>
+              <a:gd name="connsiteY7" fmla="*/ 806746 h 997971"/>
+              <a:gd name="connsiteX0" fmla="*/ 0 w 592890"/>
+              <a:gd name="connsiteY0" fmla="*/ 806746 h 997971"/>
+              <a:gd name="connsiteX1" fmla="*/ 296445 w 592890"/>
+              <a:gd name="connsiteY1" fmla="*/ 0 h 997971"/>
+              <a:gd name="connsiteX2" fmla="*/ 592890 w 592890"/>
+              <a:gd name="connsiteY2" fmla="*/ 806746 h 997971"/>
+              <a:gd name="connsiteX3" fmla="*/ 386188 w 592890"/>
+              <a:gd name="connsiteY3" fmla="*/ 766438 h 997971"/>
+              <a:gd name="connsiteX4" fmla="*/ 386188 w 592890"/>
+              <a:gd name="connsiteY4" fmla="*/ 997971 h 997971"/>
+              <a:gd name="connsiteX5" fmla="*/ 206702 w 592890"/>
+              <a:gd name="connsiteY5" fmla="*/ 997971 h 997971"/>
+              <a:gd name="connsiteX6" fmla="*/ 206702 w 592890"/>
+              <a:gd name="connsiteY6" fmla="*/ 764057 h 997971"/>
+              <a:gd name="connsiteX7" fmla="*/ 0 w 592890"/>
+              <a:gd name="connsiteY7" fmla="*/ 806746 h 997971"/>
+              <a:gd name="connsiteX0" fmla="*/ 0 w 592890"/>
+              <a:gd name="connsiteY0" fmla="*/ 806746 h 997971"/>
+              <a:gd name="connsiteX1" fmla="*/ 296445 w 592890"/>
+              <a:gd name="connsiteY1" fmla="*/ 0 h 997971"/>
+              <a:gd name="connsiteX2" fmla="*/ 592890 w 592890"/>
+              <a:gd name="connsiteY2" fmla="*/ 806746 h 997971"/>
+              <a:gd name="connsiteX3" fmla="*/ 386188 w 592890"/>
+              <a:gd name="connsiteY3" fmla="*/ 766438 h 997971"/>
+              <a:gd name="connsiteX4" fmla="*/ 386188 w 592890"/>
+              <a:gd name="connsiteY4" fmla="*/ 997971 h 997971"/>
+              <a:gd name="connsiteX5" fmla="*/ 206702 w 592890"/>
+              <a:gd name="connsiteY5" fmla="*/ 997971 h 997971"/>
+              <a:gd name="connsiteX6" fmla="*/ 206702 w 592890"/>
+              <a:gd name="connsiteY6" fmla="*/ 735333 h 997971"/>
+              <a:gd name="connsiteX7" fmla="*/ 0 w 592890"/>
+              <a:gd name="connsiteY7" fmla="*/ 806746 h 997971"/>
+              <a:gd name="connsiteX0" fmla="*/ 0 w 592890"/>
+              <a:gd name="connsiteY0" fmla="*/ 806746 h 997971"/>
+              <a:gd name="connsiteX1" fmla="*/ 296445 w 592890"/>
+              <a:gd name="connsiteY1" fmla="*/ 0 h 997971"/>
+              <a:gd name="connsiteX2" fmla="*/ 592890 w 592890"/>
+              <a:gd name="connsiteY2" fmla="*/ 806746 h 997971"/>
+              <a:gd name="connsiteX3" fmla="*/ 386188 w 592890"/>
+              <a:gd name="connsiteY3" fmla="*/ 730570 h 997971"/>
+              <a:gd name="connsiteX4" fmla="*/ 386188 w 592890"/>
+              <a:gd name="connsiteY4" fmla="*/ 997971 h 997971"/>
+              <a:gd name="connsiteX5" fmla="*/ 206702 w 592890"/>
+              <a:gd name="connsiteY5" fmla="*/ 997971 h 997971"/>
+              <a:gd name="connsiteX6" fmla="*/ 206702 w 592890"/>
+              <a:gd name="connsiteY6" fmla="*/ 735333 h 997971"/>
+              <a:gd name="connsiteX7" fmla="*/ 0 w 592890"/>
+              <a:gd name="connsiteY7" fmla="*/ 806746 h 997971"/>
+            </a:gdLst>
+            <a:ahLst/>
+            <a:cxnLst>
+              <a:cxn ang="0">
+                <a:pos x="connsiteX0" y="connsiteY0"/>
+              </a:cxn>
+              <a:cxn ang="0">
+                <a:pos x="connsiteX1" y="connsiteY1"/>
+              </a:cxn>
+              <a:cxn ang="0">
+                <a:pos x="connsiteX2" y="connsiteY2"/>
+              </a:cxn>
+              <a:cxn ang="0">
+                <a:pos x="connsiteX3" y="connsiteY3"/>
+              </a:cxn>
+              <a:cxn ang="0">
+                <a:pos x="connsiteX4" y="connsiteY4"/>
+              </a:cxn>
+              <a:cxn ang="0">
+                <a:pos x="connsiteX5" y="connsiteY5"/>
+              </a:cxn>
+              <a:cxn ang="0">
+                <a:pos x="connsiteX6" y="connsiteY6"/>
+              </a:cxn>
+              <a:cxn ang="0">
+                <a:pos x="connsiteX7" y="connsiteY7"/>
+              </a:cxn>
+            </a:cxnLst>
+            <a:rect l="l" t="t" r="r" b="b"/>
+            <a:pathLst>
+              <a:path w="592890" h="997971">
+                <a:moveTo>
+                  <a:pt x="0" y="806746"/>
+                </a:moveTo>
+                <a:lnTo>
+                  <a:pt x="296445" y="0"/>
+                </a:lnTo>
+                <a:lnTo>
+                  <a:pt x="592890" y="806746"/>
+                </a:lnTo>
+                <a:lnTo>
+                  <a:pt x="386188" y="730570"/>
+                </a:lnTo>
+                <a:lnTo>
+                  <a:pt x="386188" y="997971"/>
+                </a:lnTo>
+                <a:lnTo>
+                  <a:pt x="206702" y="997971"/>
+                </a:lnTo>
+                <a:lnTo>
+                  <a:pt x="206702" y="735333"/>
+                </a:lnTo>
+                <a:lnTo>
+                  <a:pt x="0" y="806746"/>
+                </a:lnTo>
+                <a:close/>
+              </a:path>
+            </a:pathLst>
+          </a:custGeom>
+          <a:solidFill>
+            <a:srgbClr val="FFFFFF"/>
+          </a:solidFill>
+          <a:ln w="3175">
+            <a:solidFill>
+              <a:srgbClr val="000000">
+                <a:lumMod val="85000"/>
+                <a:lumOff val="15000"/>
+              </a:srgbClr>
+            </a:solidFill>
+          </a:ln>
+          <a:effectLst>
+            <a:glow rad="139700">
+              <a:srgbClr val="F79646">
+                <a:satMod val="175000"/>
+                <a:alpha val="40000"/>
+              </a:srgbClr>
+            </a:glow>
+            <a:outerShdw blurRad="25400" dist="25400" dir="2040000" algn="tl" rotWithShape="0">
+              <a:prstClr val="black">
+                <a:alpha val="20000"/>
+              </a:prstClr>
+            </a:outerShdw>
+          </a:effectLst>
+        </p:spPr>
+        <p:style>
+          <a:lnRef idx="2">
+            <a:srgbClr val="4F81BD">
+              <a:shade val="50000"/>
+            </a:srgbClr>
+          </a:lnRef>
+          <a:fillRef idx="1">
+            <a:srgbClr val="4F81BD"/>
+          </a:fillRef>
+          <a:effectRef idx="0">
+            <a:srgbClr val="4F81BD"/>
+          </a:effectRef>
+          <a:fontRef idx="minor">
+            <a:srgbClr val="000000"/>
+          </a:fontRef>
+        </p:style>
+        <p:txBody>
+          <a:bodyPr lIns="97531" tIns="48766" rIns="97531" bIns="48766" rtlCol="0" anchor="ctr"/>
+          <a:lstStyle>
+            <a:defPPr>
+              <a:defRPr lang="en-US"/>
+            </a:defPPr>
+            <a:lvl1pPr marL="0" algn="l" defTabSz="914400" rtl="0" eaLnBrk="1" latinLnBrk="0" hangingPunct="1">
+              <a:defRPr sz="1800" kern="1200">
+                <a:solidFill>
+                  <a:srgbClr val="000000"/>
+                </a:solidFill>
+                <a:latin typeface="+mn-lt"/>
+                <a:ea typeface="+mn-ea"/>
+                <a:cs typeface="+mn-cs"/>
+              </a:defRPr>
+            </a:lvl1pPr>
+            <a:lvl2pPr marL="457200" algn="l" defTabSz="914400" rtl="0" eaLnBrk="1" latinLnBrk="0" hangingPunct="1">
+              <a:defRPr sz="1800" kern="1200">
+                <a:solidFill>
+                  <a:srgbClr val="000000"/>
+                </a:solidFill>
+                <a:latin typeface="+mn-lt"/>
+                <a:ea typeface="+mn-ea"/>
+                <a:cs typeface="+mn-cs"/>
+              </a:defRPr>
+            </a:lvl2pPr>
+            <a:lvl3pPr marL="914400" algn="l" defTabSz="914400" rtl="0" eaLnBrk="1" latinLnBrk="0" hangingPunct="1">
+              <a:defRPr sz="1800" kern="1200">
+                <a:solidFill>
+                  <a:srgbClr val="000000"/>
+                </a:solidFill>
+                <a:latin typeface="+mn-lt"/>
+                <a:ea typeface="+mn-ea"/>
+                <a:cs typeface="+mn-cs"/>
+              </a:defRPr>
+            </a:lvl3pPr>
+            <a:lvl4pPr marL="1371600" algn="l" defTabSz="914400" rtl="0" eaLnBrk="1" latinLnBrk="0" hangingPunct="1">
+              <a:defRPr sz="1800" kern="1200">
+                <a:solidFill>
+                  <a:srgbClr val="000000"/>
+                </a:solidFill>
+                <a:latin typeface="+mn-lt"/>
+                <a:ea typeface="+mn-ea"/>
+                <a:cs typeface="+mn-cs"/>
+              </a:defRPr>
+            </a:lvl4pPr>
+            <a:lvl5pPr marL="1828800" algn="l" defTabSz="914400" rtl="0" eaLnBrk="1" latinLnBrk="0" hangingPunct="1">
+              <a:defRPr sz="1800" kern="1200">
+                <a:solidFill>
+                  <a:srgbClr val="000000"/>
+                </a:solidFill>
+                <a:latin typeface="+mn-lt"/>
+                <a:ea typeface="+mn-ea"/>
+                <a:cs typeface="+mn-cs"/>
+              </a:defRPr>
+            </a:lvl5pPr>
+            <a:lvl6pPr marL="2286000" algn="l" defTabSz="914400" rtl="0" eaLnBrk="1" latinLnBrk="0" hangingPunct="1">
+              <a:defRPr sz="1800" kern="1200">
+                <a:solidFill>
+                  <a:srgbClr val="000000"/>
+                </a:solidFill>
+                <a:latin typeface="+mn-lt"/>
+                <a:ea typeface="+mn-ea"/>
+                <a:cs typeface="+mn-cs"/>
+              </a:defRPr>
+            </a:lvl6pPr>
+            <a:lvl7pPr marL="2743200" algn="l" defTabSz="914400" rtl="0" eaLnBrk="1" latinLnBrk="0" hangingPunct="1">
+              <a:defRPr sz="1800" kern="1200">
+                <a:solidFill>
+                  <a:srgbClr val="000000"/>
+                </a:solidFill>
+                <a:latin typeface="+mn-lt"/>
+                <a:ea typeface="+mn-ea"/>
+                <a:cs typeface="+mn-cs"/>
+              </a:defRPr>
+            </a:lvl7pPr>
+            <a:lvl8pPr marL="3200400" algn="l" defTabSz="914400" rtl="0" eaLnBrk="1" latinLnBrk="0" hangingPunct="1">
+              <a:defRPr sz="1800" kern="1200">
+                <a:solidFill>
+                  <a:srgbClr val="000000"/>
+                </a:solidFill>
+                <a:latin typeface="+mn-lt"/>
+                <a:ea typeface="+mn-ea"/>
+                <a:cs typeface="+mn-cs"/>
+              </a:defRPr>
+            </a:lvl8pPr>
+            <a:lvl9pPr marL="3657600" algn="l" defTabSz="914400" rtl="0" eaLnBrk="1" latinLnBrk="0" hangingPunct="1">
+              <a:defRPr sz="1800" kern="1200">
+                <a:solidFill>
+                  <a:srgbClr val="000000"/>
+                </a:solidFill>
+                <a:latin typeface="+mn-lt"/>
+                <a:ea typeface="+mn-ea"/>
+                <a:cs typeface="+mn-cs"/>
+              </a:defRPr>
+            </a:lvl9pPr>
+          </a:lstStyle>
+          <a:p>
+            <a:pPr algn="ctr"/>
+            <a:endParaRPr lang="en-US" dirty="0"/>
+          </a:p>
+        </p:txBody>
+      </p:sp>
+      <p:grpSp>
+        <p:nvGrpSpPr>
+          <p:cNvPr id="28" name="StickyNote"/>
+          <p:cNvGrpSpPr/>
+          <p:nvPr>
+            <p:custDataLst>
+              <p:custData r:id="rId9"/>
+            </p:custDataLst>
+          </p:nvPr>
+        </p:nvGrpSpPr>
+        <p:grpSpPr>
+          <a:xfrm>
+            <a:off x="615949" y="-144349"/>
+            <a:ext cx="1433115" cy="617993"/>
+            <a:chOff x="3886200" y="2629127"/>
+            <a:chExt cx="1371600" cy="1485673"/>
+          </a:xfrm>
+        </p:grpSpPr>
+        <p:sp>
+          <p:nvSpPr>
+            <p:cNvPr id="29" name="Content"/>
+            <p:cNvSpPr>
+              <a:spLocks/>
+            </p:cNvSpPr>
+            <p:nvPr/>
+          </p:nvSpPr>
+          <p:spPr>
+            <a:xfrm>
+              <a:off x="3886200" y="2903362"/>
+              <a:ext cx="1371600" cy="1211438"/>
+            </a:xfrm>
+            <a:prstGeom prst="rect">
+              <a:avLst/>
+            </a:prstGeom>
+            <a:gradFill>
+              <a:gsLst>
+                <a:gs pos="100000">
+                  <a:srgbClr val="FFFF89"/>
+                </a:gs>
+                <a:gs pos="0">
+                  <a:srgbClr val="FFFF99"/>
+                </a:gs>
+              </a:gsLst>
+              <a:lin ang="5400000" scaled="0"/>
+            </a:gradFill>
+            <a:ln w="3175">
+              <a:solidFill>
+                <a:srgbClr val="FFFFFF">
+                  <a:lumMod val="50000"/>
+                </a:srgbClr>
+              </a:solidFill>
+            </a:ln>
+            <a:effectLst/>
+          </p:spPr>
+          <p:style>
+            <a:lnRef idx="2">
+              <a:srgbClr val="4F81BD">
+                <a:shade val="50000"/>
+              </a:srgbClr>
+            </a:lnRef>
+            <a:fillRef idx="1">
+              <a:srgbClr val="4F81BD"/>
+            </a:fillRef>
+            <a:effectRef idx="0">
+              <a:srgbClr val="4F81BD"/>
+            </a:effectRef>
+            <a:fontRef idx="minor">
+              <a:srgbClr val="000000"/>
+            </a:fontRef>
+          </p:style>
+          <p:txBody>
+            <a:bodyPr lIns="91440" tIns="137160" rIns="91440" bIns="45720" rtlCol="0" anchor="t" anchorCtr="0">
+              <a:normAutofit fontScale="92500" lnSpcReduction="10000"/>
+            </a:bodyPr>
+            <a:lstStyle/>
+            <a:p>
+              <a:r>
+                <a:rPr lang="en-US" sz="1200" dirty="0" smtClean="0">
+                  <a:solidFill>
+                    <a:sysClr val="windowText" lastClr="000000"/>
+                  </a:solidFill>
+                  <a:latin typeface="Segoe UI" pitchFamily="34" charset="0"/>
+                  <a:cs typeface="Segoe UI" pitchFamily="34" charset="0"/>
+                </a:rPr>
+                <a:t>Starts by choosing a bank</a:t>
+              </a:r>
+              <a:endParaRPr lang="en-US" sz="1200" dirty="0">
+                <a:solidFill>
+                  <a:sysClr val="windowText" lastClr="000000"/>
+                </a:solidFill>
+                <a:latin typeface="Segoe UI" pitchFamily="34" charset="0"/>
+                <a:cs typeface="Segoe UI" pitchFamily="34" charset="0"/>
+              </a:endParaRPr>
+            </a:p>
+          </p:txBody>
+        </p:sp>
+        <p:sp>
+          <p:nvSpPr>
+            <p:cNvPr id="30" name="Tape"/>
+            <p:cNvSpPr>
+              <a:spLocks/>
+            </p:cNvSpPr>
+            <p:nvPr/>
+          </p:nvSpPr>
+          <p:spPr>
+            <a:xfrm rot="401918">
+              <a:off x="4302186" y="2629127"/>
+              <a:ext cx="539626" cy="517933"/>
+            </a:xfrm>
+            <a:prstGeom prst="rect">
+              <a:avLst/>
+            </a:prstGeom>
+            <a:solidFill>
+              <a:srgbClr val="C00000"/>
+            </a:solidFill>
+            <a:ln w="3175" cap="flat" cmpd="sng" algn="ctr">
+              <a:solidFill>
+                <a:srgbClr val="FFFFFF">
+                  <a:lumMod val="50000"/>
+                </a:srgbClr>
+              </a:solidFill>
+              <a:prstDash val="solid"/>
+            </a:ln>
+            <a:effectLst/>
+          </p:spPr>
+          <p:txBody>
+            <a:bodyPr rot="0" spcFirstLastPara="0" vertOverflow="overflow" horzOverflow="overflow" vert="horz" wrap="square" lIns="45720" tIns="45720" rIns="91440" bIns="45720" numCol="1" spcCol="0" rtlCol="0" fromWordArt="0" anchor="ctr" anchorCtr="0" forceAA="0" compatLnSpc="1">
+              <a:prstTxWarp prst="textNoShape">
+                <a:avLst/>
+              </a:prstTxWarp>
+              <a:noAutofit/>
+            </a:bodyPr>
+            <a:lstStyle/>
+            <a:p>
+              <a:pPr marL="0" marR="0" indent="0" algn="ctr" defTabSz="914400" eaLnBrk="1" fontAlgn="auto" latinLnBrk="0" hangingPunct="1">
+                <a:lnSpc>
+                  <a:spcPct val="100000"/>
+                </a:lnSpc>
+                <a:spcBef>
+                  <a:spcPts val="0"/>
+                </a:spcBef>
+                <a:spcAft>
+                  <a:spcPts val="0"/>
+                </a:spcAft>
+                <a:buClrTx/>
+                <a:buSzTx/>
+                <a:buFontTx/>
+                <a:buNone/>
+                <a:tabLst/>
+              </a:pPr>
+              <a:endParaRPr kumimoji="0" lang="en-US" sz="800" b="0" i="0" u="none" strike="noStrike" kern="0" cap="none" spc="0" normalizeH="0" baseline="0" noProof="0" dirty="0" smtClean="0">
+                <a:ln>
+                  <a:noFill/>
+                </a:ln>
+                <a:solidFill>
+                  <a:srgbClr val="000000">
+                    <a:lumMod val="75000"/>
+                    <a:lumOff val="25000"/>
+                  </a:srgbClr>
+                </a:solidFill>
+                <a:effectLst/>
+                <a:uLnTx/>
+                <a:uFillTx/>
+                <a:latin typeface="Segoe UI"/>
+                <a:ea typeface="+mn-ea"/>
+                <a:cs typeface="+mn-cs"/>
+              </a:endParaRPr>
+            </a:p>
+          </p:txBody>
+        </p:sp>
+      </p:grpSp>
+      <p:sp>
+        <p:nvSpPr>
+          <p:cNvPr id="31" name="MouseClick"/>
+          <p:cNvSpPr/>
+          <p:nvPr>
+            <p:custDataLst>
+              <p:custData r:id="rId10"/>
+            </p:custDataLst>
+          </p:nvPr>
+        </p:nvSpPr>
+        <p:spPr>
+          <a:xfrm rot="20359169">
+            <a:off x="1234161" y="2514578"/>
+            <a:ext cx="151053" cy="247694"/>
+          </a:xfrm>
+          <a:custGeom>
+            <a:avLst/>
+            <a:gdLst>
+              <a:gd name="connsiteX0" fmla="*/ 0 w 592890"/>
+              <a:gd name="connsiteY0" fmla="*/ 806746 h 997971"/>
+              <a:gd name="connsiteX1" fmla="*/ 296445 w 592890"/>
+              <a:gd name="connsiteY1" fmla="*/ 0 h 997971"/>
+              <a:gd name="connsiteX2" fmla="*/ 592890 w 592890"/>
+              <a:gd name="connsiteY2" fmla="*/ 806746 h 997971"/>
+              <a:gd name="connsiteX3" fmla="*/ 386188 w 592890"/>
+              <a:gd name="connsiteY3" fmla="*/ 806746 h 997971"/>
+              <a:gd name="connsiteX4" fmla="*/ 386188 w 592890"/>
+              <a:gd name="connsiteY4" fmla="*/ 997971 h 997971"/>
+              <a:gd name="connsiteX5" fmla="*/ 206702 w 592890"/>
+              <a:gd name="connsiteY5" fmla="*/ 997971 h 997971"/>
+              <a:gd name="connsiteX6" fmla="*/ 206702 w 592890"/>
+              <a:gd name="connsiteY6" fmla="*/ 806746 h 997971"/>
+              <a:gd name="connsiteX7" fmla="*/ 0 w 592890"/>
+              <a:gd name="connsiteY7" fmla="*/ 806746 h 997971"/>
+              <a:gd name="connsiteX0" fmla="*/ 0 w 592890"/>
+              <a:gd name="connsiteY0" fmla="*/ 806746 h 997971"/>
+              <a:gd name="connsiteX1" fmla="*/ 296445 w 592890"/>
+              <a:gd name="connsiteY1" fmla="*/ 0 h 997971"/>
+              <a:gd name="connsiteX2" fmla="*/ 592890 w 592890"/>
+              <a:gd name="connsiteY2" fmla="*/ 806746 h 997971"/>
+              <a:gd name="connsiteX3" fmla="*/ 386188 w 592890"/>
+              <a:gd name="connsiteY3" fmla="*/ 766438 h 997971"/>
+              <a:gd name="connsiteX4" fmla="*/ 386188 w 592890"/>
+              <a:gd name="connsiteY4" fmla="*/ 997971 h 997971"/>
+              <a:gd name="connsiteX5" fmla="*/ 206702 w 592890"/>
+              <a:gd name="connsiteY5" fmla="*/ 997971 h 997971"/>
+              <a:gd name="connsiteX6" fmla="*/ 206702 w 592890"/>
+              <a:gd name="connsiteY6" fmla="*/ 806746 h 997971"/>
+              <a:gd name="connsiteX7" fmla="*/ 0 w 592890"/>
+              <a:gd name="connsiteY7" fmla="*/ 806746 h 997971"/>
+              <a:gd name="connsiteX0" fmla="*/ 0 w 592890"/>
+              <a:gd name="connsiteY0" fmla="*/ 806746 h 997971"/>
+              <a:gd name="connsiteX1" fmla="*/ 296445 w 592890"/>
+              <a:gd name="connsiteY1" fmla="*/ 0 h 997971"/>
+              <a:gd name="connsiteX2" fmla="*/ 592890 w 592890"/>
+              <a:gd name="connsiteY2" fmla="*/ 806746 h 997971"/>
+              <a:gd name="connsiteX3" fmla="*/ 386188 w 592890"/>
+              <a:gd name="connsiteY3" fmla="*/ 766438 h 997971"/>
+              <a:gd name="connsiteX4" fmla="*/ 386188 w 592890"/>
+              <a:gd name="connsiteY4" fmla="*/ 997971 h 997971"/>
+              <a:gd name="connsiteX5" fmla="*/ 206702 w 592890"/>
+              <a:gd name="connsiteY5" fmla="*/ 997971 h 997971"/>
+              <a:gd name="connsiteX6" fmla="*/ 206702 w 592890"/>
+              <a:gd name="connsiteY6" fmla="*/ 764057 h 997971"/>
+              <a:gd name="connsiteX7" fmla="*/ 0 w 592890"/>
+              <a:gd name="connsiteY7" fmla="*/ 806746 h 997971"/>
+              <a:gd name="connsiteX0" fmla="*/ 0 w 592890"/>
+              <a:gd name="connsiteY0" fmla="*/ 806746 h 997971"/>
+              <a:gd name="connsiteX1" fmla="*/ 296445 w 592890"/>
+              <a:gd name="connsiteY1" fmla="*/ 0 h 997971"/>
+              <a:gd name="connsiteX2" fmla="*/ 592890 w 592890"/>
+              <a:gd name="connsiteY2" fmla="*/ 806746 h 997971"/>
+              <a:gd name="connsiteX3" fmla="*/ 386188 w 592890"/>
+              <a:gd name="connsiteY3" fmla="*/ 766438 h 997971"/>
+              <a:gd name="connsiteX4" fmla="*/ 386188 w 592890"/>
+              <a:gd name="connsiteY4" fmla="*/ 997971 h 997971"/>
+              <a:gd name="connsiteX5" fmla="*/ 206702 w 592890"/>
+              <a:gd name="connsiteY5" fmla="*/ 997971 h 997971"/>
+              <a:gd name="connsiteX6" fmla="*/ 206702 w 592890"/>
+              <a:gd name="connsiteY6" fmla="*/ 735333 h 997971"/>
+              <a:gd name="connsiteX7" fmla="*/ 0 w 592890"/>
+              <a:gd name="connsiteY7" fmla="*/ 806746 h 997971"/>
+              <a:gd name="connsiteX0" fmla="*/ 0 w 592890"/>
+              <a:gd name="connsiteY0" fmla="*/ 806746 h 997971"/>
+              <a:gd name="connsiteX1" fmla="*/ 296445 w 592890"/>
+              <a:gd name="connsiteY1" fmla="*/ 0 h 997971"/>
+              <a:gd name="connsiteX2" fmla="*/ 592890 w 592890"/>
+              <a:gd name="connsiteY2" fmla="*/ 806746 h 997971"/>
+              <a:gd name="connsiteX3" fmla="*/ 386188 w 592890"/>
+              <a:gd name="connsiteY3" fmla="*/ 730570 h 997971"/>
+              <a:gd name="connsiteX4" fmla="*/ 386188 w 592890"/>
+              <a:gd name="connsiteY4" fmla="*/ 997971 h 997971"/>
+              <a:gd name="connsiteX5" fmla="*/ 206702 w 592890"/>
+              <a:gd name="connsiteY5" fmla="*/ 997971 h 997971"/>
+              <a:gd name="connsiteX6" fmla="*/ 206702 w 592890"/>
+              <a:gd name="connsiteY6" fmla="*/ 735333 h 997971"/>
+              <a:gd name="connsiteX7" fmla="*/ 0 w 592890"/>
+              <a:gd name="connsiteY7" fmla="*/ 806746 h 997971"/>
+            </a:gdLst>
+            <a:ahLst/>
+            <a:cxnLst>
+              <a:cxn ang="0">
+                <a:pos x="connsiteX0" y="connsiteY0"/>
+              </a:cxn>
+              <a:cxn ang="0">
+                <a:pos x="connsiteX1" y="connsiteY1"/>
+              </a:cxn>
+              <a:cxn ang="0">
+                <a:pos x="connsiteX2" y="connsiteY2"/>
+              </a:cxn>
+              <a:cxn ang="0">
+                <a:pos x="connsiteX3" y="connsiteY3"/>
+              </a:cxn>
+              <a:cxn ang="0">
+                <a:pos x="connsiteX4" y="connsiteY4"/>
+              </a:cxn>
+              <a:cxn ang="0">
+                <a:pos x="connsiteX5" y="connsiteY5"/>
+              </a:cxn>
+              <a:cxn ang="0">
+                <a:pos x="connsiteX6" y="connsiteY6"/>
+              </a:cxn>
+              <a:cxn ang="0">
+                <a:pos x="connsiteX7" y="connsiteY7"/>
+              </a:cxn>
+            </a:cxnLst>
+            <a:rect l="l" t="t" r="r" b="b"/>
+            <a:pathLst>
+              <a:path w="592890" h="997971">
+                <a:moveTo>
+                  <a:pt x="0" y="806746"/>
+                </a:moveTo>
+                <a:lnTo>
+                  <a:pt x="296445" y="0"/>
+                </a:lnTo>
+                <a:lnTo>
+                  <a:pt x="592890" y="806746"/>
+                </a:lnTo>
+                <a:lnTo>
+                  <a:pt x="386188" y="730570"/>
+                </a:lnTo>
+                <a:lnTo>
+                  <a:pt x="386188" y="997971"/>
+                </a:lnTo>
+                <a:lnTo>
+                  <a:pt x="206702" y="997971"/>
+                </a:lnTo>
+                <a:lnTo>
+                  <a:pt x="206702" y="735333"/>
+                </a:lnTo>
+                <a:lnTo>
+                  <a:pt x="0" y="806746"/>
+                </a:lnTo>
+                <a:close/>
+              </a:path>
+            </a:pathLst>
+          </a:custGeom>
+          <a:solidFill>
+            <a:srgbClr val="FFFFFF"/>
+          </a:solidFill>
+          <a:ln w="3175">
+            <a:solidFill>
+              <a:srgbClr val="000000">
+                <a:lumMod val="85000"/>
+                <a:lumOff val="15000"/>
+              </a:srgbClr>
+            </a:solidFill>
+          </a:ln>
+          <a:effectLst>
+            <a:glow rad="139700">
+              <a:srgbClr val="F79646">
+                <a:satMod val="175000"/>
+                <a:alpha val="40000"/>
+              </a:srgbClr>
+            </a:glow>
+            <a:outerShdw blurRad="25400" dist="25400" dir="2040000" algn="tl" rotWithShape="0">
+              <a:prstClr val="black">
+                <a:alpha val="20000"/>
+              </a:prstClr>
+            </a:outerShdw>
+          </a:effectLst>
+        </p:spPr>
+        <p:style>
+          <a:lnRef idx="2">
+            <a:srgbClr val="4F81BD">
+              <a:shade val="50000"/>
+            </a:srgbClr>
+          </a:lnRef>
+          <a:fillRef idx="1">
+            <a:srgbClr val="4F81BD"/>
+          </a:fillRef>
+          <a:effectRef idx="0">
+            <a:srgbClr val="4F81BD"/>
+          </a:effectRef>
+          <a:fontRef idx="minor">
+            <a:srgbClr val="000000"/>
+          </a:fontRef>
+        </p:style>
+        <p:txBody>
+          <a:bodyPr lIns="97531" tIns="48766" rIns="97531" bIns="48766" rtlCol="0" anchor="ctr"/>
+          <a:lstStyle>
+            <a:defPPr>
+              <a:defRPr lang="en-US"/>
+            </a:defPPr>
+            <a:lvl1pPr marL="0" algn="l" defTabSz="914400" rtl="0" eaLnBrk="1" latinLnBrk="0" hangingPunct="1">
+              <a:defRPr sz="1800" kern="1200">
+                <a:solidFill>
+                  <a:srgbClr val="000000"/>
+                </a:solidFill>
+                <a:latin typeface="+mn-lt"/>
+                <a:ea typeface="+mn-ea"/>
+                <a:cs typeface="+mn-cs"/>
+              </a:defRPr>
+            </a:lvl1pPr>
+            <a:lvl2pPr marL="457200" algn="l" defTabSz="914400" rtl="0" eaLnBrk="1" latinLnBrk="0" hangingPunct="1">
+              <a:defRPr sz="1800" kern="1200">
+                <a:solidFill>
+                  <a:srgbClr val="000000"/>
+                </a:solidFill>
+                <a:latin typeface="+mn-lt"/>
+                <a:ea typeface="+mn-ea"/>
+                <a:cs typeface="+mn-cs"/>
+              </a:defRPr>
+            </a:lvl2pPr>
+            <a:lvl3pPr marL="914400" algn="l" defTabSz="914400" rtl="0" eaLnBrk="1" latinLnBrk="0" hangingPunct="1">
+              <a:defRPr sz="1800" kern="1200">
+                <a:solidFill>
+                  <a:srgbClr val="000000"/>
+                </a:solidFill>
+                <a:latin typeface="+mn-lt"/>
+                <a:ea typeface="+mn-ea"/>
+                <a:cs typeface="+mn-cs"/>
+              </a:defRPr>
+            </a:lvl3pPr>
+            <a:lvl4pPr marL="1371600" algn="l" defTabSz="914400" rtl="0" eaLnBrk="1" latinLnBrk="0" hangingPunct="1">
+              <a:defRPr sz="1800" kern="1200">
+                <a:solidFill>
+                  <a:srgbClr val="000000"/>
+                </a:solidFill>
+                <a:latin typeface="+mn-lt"/>
+                <a:ea typeface="+mn-ea"/>
+                <a:cs typeface="+mn-cs"/>
+              </a:defRPr>
+            </a:lvl4pPr>
+            <a:lvl5pPr marL="1828800" algn="l" defTabSz="914400" rtl="0" eaLnBrk="1" latinLnBrk="0" hangingPunct="1">
+              <a:defRPr sz="1800" kern="1200">
+                <a:solidFill>
+                  <a:srgbClr val="000000"/>
+                </a:solidFill>
+                <a:latin typeface="+mn-lt"/>
+                <a:ea typeface="+mn-ea"/>
+                <a:cs typeface="+mn-cs"/>
+              </a:defRPr>
+            </a:lvl5pPr>
+            <a:lvl6pPr marL="2286000" algn="l" defTabSz="914400" rtl="0" eaLnBrk="1" latinLnBrk="0" hangingPunct="1">
+              <a:defRPr sz="1800" kern="1200">
+                <a:solidFill>
+                  <a:srgbClr val="000000"/>
+                </a:solidFill>
+                <a:latin typeface="+mn-lt"/>
+                <a:ea typeface="+mn-ea"/>
+                <a:cs typeface="+mn-cs"/>
+              </a:defRPr>
+            </a:lvl6pPr>
+            <a:lvl7pPr marL="2743200" algn="l" defTabSz="914400" rtl="0" eaLnBrk="1" latinLnBrk="0" hangingPunct="1">
+              <a:defRPr sz="1800" kern="1200">
+                <a:solidFill>
+                  <a:srgbClr val="000000"/>
+                </a:solidFill>
+                <a:latin typeface="+mn-lt"/>
+                <a:ea typeface="+mn-ea"/>
+                <a:cs typeface="+mn-cs"/>
+              </a:defRPr>
+            </a:lvl7pPr>
+            <a:lvl8pPr marL="3200400" algn="l" defTabSz="914400" rtl="0" eaLnBrk="1" latinLnBrk="0" hangingPunct="1">
+              <a:defRPr sz="1800" kern="1200">
+                <a:solidFill>
+                  <a:srgbClr val="000000"/>
+                </a:solidFill>
+                <a:latin typeface="+mn-lt"/>
+                <a:ea typeface="+mn-ea"/>
+                <a:cs typeface="+mn-cs"/>
+              </a:defRPr>
+            </a:lvl8pPr>
+            <a:lvl9pPr marL="3657600" algn="l" defTabSz="914400" rtl="0" eaLnBrk="1" latinLnBrk="0" hangingPunct="1">
+              <a:defRPr sz="1800" kern="1200">
+                <a:solidFill>
+                  <a:srgbClr val="000000"/>
+                </a:solidFill>
+                <a:latin typeface="+mn-lt"/>
+                <a:ea typeface="+mn-ea"/>
+                <a:cs typeface="+mn-cs"/>
+              </a:defRPr>
+            </a:lvl9pPr>
+          </a:lstStyle>
+          <a:p>
+            <a:pPr algn="ctr"/>
+            <a:endParaRPr lang="en-US" dirty="0"/>
+          </a:p>
+        </p:txBody>
+      </p:sp>
+      <p:grpSp>
+        <p:nvGrpSpPr>
+          <p:cNvPr id="34" name="StickyNote"/>
+          <p:cNvGrpSpPr/>
+          <p:nvPr>
+            <p:custDataLst>
+              <p:custData r:id="rId11"/>
+            </p:custDataLst>
+          </p:nvPr>
+        </p:nvGrpSpPr>
+        <p:grpSpPr>
+          <a:xfrm>
+            <a:off x="8509661" y="4360494"/>
+            <a:ext cx="1721926" cy="1371600"/>
+            <a:chOff x="4290086" y="2377820"/>
+            <a:chExt cx="1721926" cy="1371600"/>
+          </a:xfrm>
+        </p:grpSpPr>
+        <p:sp>
+          <p:nvSpPr>
+            <p:cNvPr id="37" name="Content"/>
+            <p:cNvSpPr/>
+            <p:nvPr/>
+          </p:nvSpPr>
+          <p:spPr>
+            <a:xfrm>
+              <a:off x="4640412" y="2377820"/>
+              <a:ext cx="1371600" cy="1371600"/>
+            </a:xfrm>
+            <a:prstGeom prst="rect">
+              <a:avLst/>
+            </a:prstGeom>
+            <a:gradFill>
+              <a:gsLst>
+                <a:gs pos="100000">
+                  <a:srgbClr val="FFFF89"/>
+                </a:gs>
+                <a:gs pos="0">
+                  <a:srgbClr val="FFFF99"/>
+                </a:gs>
+              </a:gsLst>
+              <a:lin ang="5400000" scaled="0"/>
+            </a:gradFill>
+            <a:ln w="3175">
+              <a:solidFill>
+                <a:srgbClr val="FFFFFF">
+                  <a:lumMod val="50000"/>
+                </a:srgbClr>
+              </a:solidFill>
+            </a:ln>
+            <a:effectLst/>
+          </p:spPr>
+          <p:style>
+            <a:lnRef idx="2">
+              <a:srgbClr val="4F81BD">
+                <a:shade val="50000"/>
+              </a:srgbClr>
+            </a:lnRef>
+            <a:fillRef idx="1">
+              <a:srgbClr val="4F81BD"/>
+            </a:fillRef>
+            <a:effectRef idx="0">
+              <a:srgbClr val="4F81BD"/>
+            </a:effectRef>
+            <a:fontRef idx="minor">
+              <a:srgbClr val="000000"/>
+            </a:fontRef>
+          </p:style>
+          <p:txBody>
+            <a:bodyPr lIns="91440" tIns="137160" rIns="91440" bIns="45720" rtlCol="0" anchor="t" anchorCtr="0">
+              <a:normAutofit/>
+            </a:bodyPr>
+            <a:lstStyle/>
+            <a:p>
+              <a:r>
+                <a:rPr lang="en-US" sz="1200" dirty="0" smtClean="0">
+                  <a:solidFill>
+                    <a:sysClr val="windowText" lastClr="000000"/>
+                  </a:solidFill>
+                  <a:latin typeface="Segoe UI" pitchFamily="34" charset="0"/>
+                  <a:cs typeface="Segoe UI" pitchFamily="34" charset="0"/>
+                </a:rPr>
+                <a:t>Import data for the bank if it doesn’t exist</a:t>
+              </a:r>
+              <a:endParaRPr lang="en-US" sz="1200" dirty="0">
+                <a:solidFill>
+                  <a:sysClr val="windowText" lastClr="000000"/>
+                </a:solidFill>
+                <a:latin typeface="Segoe UI" pitchFamily="34" charset="0"/>
+                <a:cs typeface="Segoe UI" pitchFamily="34" charset="0"/>
+              </a:endParaRPr>
+            </a:p>
+          </p:txBody>
+        </p:sp>
+        <p:sp>
+          <p:nvSpPr>
+            <p:cNvPr id="38" name="Tape"/>
+            <p:cNvSpPr/>
+            <p:nvPr/>
+          </p:nvSpPr>
+          <p:spPr>
+            <a:xfrm rot="401918">
+              <a:off x="4290086" y="2629127"/>
+              <a:ext cx="563828" cy="215444"/>
+            </a:xfrm>
+            <a:prstGeom prst="rect">
+              <a:avLst/>
+            </a:prstGeom>
+            <a:solidFill>
+              <a:srgbClr val="C00000"/>
+            </a:solidFill>
+            <a:ln w="3175" cap="flat" cmpd="sng" algn="ctr">
+              <a:solidFill>
+                <a:srgbClr val="FFFFFF">
+                  <a:lumMod val="50000"/>
+                </a:srgbClr>
+              </a:solidFill>
+              <a:prstDash val="solid"/>
+            </a:ln>
+            <a:effectLst/>
+          </p:spPr>
+          <p:txBody>
+            <a:bodyPr rot="0" spcFirstLastPara="0" vertOverflow="overflow" horzOverflow="overflow" vert="horz" wrap="square" lIns="45720" tIns="45720" rIns="91440" bIns="45720" numCol="1" spcCol="0" rtlCol="0" fromWordArt="0" anchor="ctr" anchorCtr="0" forceAA="0" compatLnSpc="1">
+              <a:prstTxWarp prst="textNoShape">
+                <a:avLst/>
+              </a:prstTxWarp>
+              <a:noAutofit/>
+            </a:bodyPr>
+            <a:lstStyle/>
+            <a:p>
+              <a:pPr marL="0" marR="0" indent="0" algn="ctr" defTabSz="914400" eaLnBrk="1" fontAlgn="auto" latinLnBrk="0" hangingPunct="1">
+                <a:lnSpc>
+                  <a:spcPct val="100000"/>
+                </a:lnSpc>
+                <a:spcBef>
+                  <a:spcPts val="0"/>
+                </a:spcBef>
+                <a:spcAft>
+                  <a:spcPts val="0"/>
+                </a:spcAft>
+                <a:buClrTx/>
+                <a:buSzTx/>
+                <a:buFontTx/>
+                <a:buNone/>
+                <a:tabLst/>
+              </a:pPr>
+              <a:endParaRPr kumimoji="0" lang="en-US" sz="800" b="0" i="0" u="none" strike="noStrike" kern="0" cap="none" spc="0" normalizeH="0" baseline="0" noProof="0" dirty="0" smtClean="0">
+                <a:ln>
+                  <a:noFill/>
+                </a:ln>
+                <a:solidFill>
+                  <a:srgbClr val="000000">
+                    <a:lumMod val="75000"/>
+                    <a:lumOff val="25000"/>
+                  </a:srgbClr>
+                </a:solidFill>
+                <a:effectLst/>
+                <a:uLnTx/>
+                <a:uFillTx/>
+                <a:latin typeface="Segoe UI"/>
+                <a:ea typeface="+mn-ea"/>
+                <a:cs typeface="+mn-cs"/>
+              </a:endParaRPr>
+            </a:p>
+          </p:txBody>
+        </p:sp>
+      </p:grpSp>
+      <p:sp>
+        <p:nvSpPr>
+          <p:cNvPr id="41" name="AutoShape 50"/>
+          <p:cNvSpPr>
+            <a:spLocks noChangeArrowheads="1"/>
+          </p:cNvSpPr>
+          <p:nvPr>
+            <p:custDataLst>
+              <p:tags r:id="rId12"/>
+            </p:custDataLst>
+          </p:nvPr>
+        </p:nvSpPr>
+        <p:spPr bwMode="auto">
+          <a:xfrm>
+            <a:off x="7282153" y="5951251"/>
+            <a:ext cx="1584176" cy="250697"/>
+          </a:xfrm>
+          <a:prstGeom prst="roundRect">
+            <a:avLst>
+              <a:gd name="adj" fmla="val 16667"/>
+            </a:avLst>
+          </a:prstGeom>
+          <a:gradFill rotWithShape="1">
+            <a:gsLst>
+              <a:gs pos="0">
+                <a:schemeClr val="bg1">
+                  <a:lumMod val="95000"/>
+                </a:schemeClr>
+              </a:gs>
+              <a:gs pos="100000">
+                <a:schemeClr val="bg1">
+                  <a:lumMod val="75000"/>
+                </a:schemeClr>
+              </a:gs>
+            </a:gsLst>
+            <a:lin ang="5400000"/>
+          </a:gradFill>
+          <a:ln w="9525">
+            <a:solidFill>
+              <a:schemeClr val="bg1">
+                <a:lumMod val="50000"/>
+              </a:schemeClr>
+            </a:solidFill>
+            <a:round/>
+            <a:headEnd/>
+            <a:tailEnd/>
+          </a:ln>
+        </p:spPr>
+        <p:txBody>
+          <a:bodyPr wrap="square" lIns="54000" tIns="36000" rIns="54000" bIns="36000" anchor="ctr">
+            <a:spAutoFit/>
+          </a:bodyPr>
+          <a:lstStyle/>
+          <a:p>
+            <a:pPr algn="ctr">
+              <a:defRPr/>
+            </a:pPr>
+            <a:r>
+              <a:rPr lang="en-US" sz="1000" dirty="0" smtClean="0">
+                <a:latin typeface="Tahoma" pitchFamily="34" charset="0"/>
+                <a:cs typeface="Tahoma" pitchFamily="34" charset="0"/>
+              </a:rPr>
+              <a:t>Import </a:t>
+            </a:r>
+            <a:r>
+              <a:rPr lang="en-US" sz="1000" dirty="0" smtClean="0">
+                <a:latin typeface="Tahoma" pitchFamily="34" charset="0"/>
+                <a:cs typeface="Tahoma" pitchFamily="34" charset="0"/>
+              </a:rPr>
+              <a:t>GL Data</a:t>
+            </a:r>
+            <a:endParaRPr lang="en-US" sz="1000" dirty="0">
+              <a:latin typeface="Tahoma" pitchFamily="34" charset="0"/>
+              <a:cs typeface="Tahoma" pitchFamily="34" charset="0"/>
+            </a:endParaRPr>
+          </a:p>
+        </p:txBody>
+      </p:sp>
     </p:spTree>
     <p:extLst>
       <p:ext uri="{BB962C8B-B14F-4D97-AF65-F5344CB8AC3E}">
         <p14:creationId xmlns:p14="http://schemas.microsoft.com/office/powerpoint/2010/main" val="544734123"/>
+      </p:ext>
+    </p:extLst>
+  </p:cSld>
+  <p:clrMapOvr>
+    <a:masterClrMapping/>
+  </p:clrMapOvr>
+  <p:timing>
+    <p:tnLst>
+      <p:par>
+        <p:cTn id="1" dur="indefinite" restart="never" nodeType="tmRoot">
+          <p:childTnLst>
+            <p:seq concurrent="1" nextAc="seek">
+              <p:cTn id="2" dur="indefinite" nodeType="mainSeq">
+                <p:childTnLst>
+                  <p:par>
+                    <p:cTn id="3" fill="hold">
+                      <p:stCondLst>
+                        <p:cond delay="indefinite"/>
+                      </p:stCondLst>
+                      <p:childTnLst>
+                        <p:par>
+                          <p:cTn id="4" fill="hold">
+                            <p:stCondLst>
+                              <p:cond delay="0"/>
+                            </p:stCondLst>
+                            <p:childTnLst>
+                              <p:par>
+                                <p:cTn id="5" presetID="0" presetClass="path" presetSubtype="0" accel="50000" decel="50000" fill="hold" grpId="0" nodeType="clickEffect">
+                                  <p:stCondLst>
+                                    <p:cond delay="0"/>
+                                  </p:stCondLst>
+                                  <p:childTnLst>
+                                    <p:animMotion origin="layout" path="M 1.38889E-6 2.22222E-6 C 0.00816 0.00116 0.01667 -0.00185 0.02483 0.00416 C 0.0309 0.00903 0.03594 0.02268 0.04149 0.03171 C 0.06354 0.06805 0.07292 0.12014 0.08559 0.18541 C 0.08923 0.22639 0.09149 0.26574 0.09149 0.30879 " pathEditMode="relative" rAng="0" ptsTypes="AAAAA">
+                                      <p:cBhvr>
+                                        <p:cTn id="6" dur="2000" fill="hold"/>
+                                        <p:tgtEl>
+                                          <p:spTgt spid="27"/>
+                                        </p:tgtEl>
+                                        <p:attrNameLst>
+                                          <p:attrName>ppt_x</p:attrName>
+                                          <p:attrName>ppt_y</p:attrName>
+                                        </p:attrNameLst>
+                                      </p:cBhvr>
+                                      <p:rCtr x="4566" y="15440"/>
+                                    </p:animMotion>
+                                  </p:childTnLst>
+                                </p:cTn>
+                              </p:par>
+                            </p:childTnLst>
+                          </p:cTn>
+                        </p:par>
+                        <p:par>
+                          <p:cTn id="7" fill="hold">
+                            <p:stCondLst>
+                              <p:cond delay="2000"/>
+                            </p:stCondLst>
+                            <p:childTnLst>
+                              <p:par>
+                                <p:cTn id="8" presetID="23" presetClass="exit" presetSubtype="32" fill="remove" grpId="1" nodeType="afterEffect">
+                                  <p:stCondLst>
+                                    <p:cond delay="0"/>
+                                  </p:stCondLst>
+                                  <p:childTnLst>
+                                    <p:anim calcmode="lin" valueType="num">
+                                      <p:cBhvr>
+                                        <p:cTn id="9" dur="100"/>
+                                        <p:tgtEl>
+                                          <p:spTgt spid="27"/>
+                                        </p:tgtEl>
+                                        <p:attrNameLst>
+                                          <p:attrName>ppt_w</p:attrName>
+                                        </p:attrNameLst>
+                                      </p:cBhvr>
+                                      <p:tavLst>
+                                        <p:tav tm="0">
+                                          <p:val>
+                                            <p:strVal val="ppt_w"/>
+                                          </p:val>
+                                        </p:tav>
+                                        <p:tav tm="100000">
+                                          <p:val>
+                                            <p:fltVal val="0"/>
+                                          </p:val>
+                                        </p:tav>
+                                      </p:tavLst>
+                                    </p:anim>
+                                    <p:anim calcmode="lin" valueType="num">
+                                      <p:cBhvr>
+                                        <p:cTn id="10" dur="100"/>
+                                        <p:tgtEl>
+                                          <p:spTgt spid="27"/>
+                                        </p:tgtEl>
+                                        <p:attrNameLst>
+                                          <p:attrName>ppt_h</p:attrName>
+                                        </p:attrNameLst>
+                                      </p:cBhvr>
+                                      <p:tavLst>
+                                        <p:tav tm="0">
+                                          <p:val>
+                                            <p:strVal val="ppt_h"/>
+                                          </p:val>
+                                        </p:tav>
+                                        <p:tav tm="100000">
+                                          <p:val>
+                                            <p:fltVal val="0"/>
+                                          </p:val>
+                                        </p:tav>
+                                      </p:tavLst>
+                                    </p:anim>
+                                    <p:set>
+                                      <p:cBhvr>
+                                        <p:cTn id="11" dur="1" fill="hold">
+                                          <p:stCondLst>
+                                            <p:cond delay="99"/>
+                                          </p:stCondLst>
+                                        </p:cTn>
+                                        <p:tgtEl>
+                                          <p:spTgt spid="27"/>
+                                        </p:tgtEl>
+                                        <p:attrNameLst>
+                                          <p:attrName>style.visibility</p:attrName>
+                                        </p:attrNameLst>
+                                      </p:cBhvr>
+                                      <p:to>
+                                        <p:strVal val="hidden"/>
+                                      </p:to>
+                                    </p:set>
+                                  </p:childTnLst>
+                                </p:cTn>
+                              </p:par>
+                            </p:childTnLst>
+                          </p:cTn>
+                        </p:par>
+                      </p:childTnLst>
+                    </p:cTn>
+                  </p:par>
+                  <p:par>
+                    <p:cTn id="12" fill="hold">
+                      <p:stCondLst>
+                        <p:cond delay="indefinite"/>
+                      </p:stCondLst>
+                      <p:childTnLst>
+                        <p:par>
+                          <p:cTn id="13" fill="hold">
+                            <p:stCondLst>
+                              <p:cond delay="0"/>
+                            </p:stCondLst>
+                            <p:childTnLst>
+                              <p:par>
+                                <p:cTn id="14" presetID="0" presetClass="path" presetSubtype="0" accel="50000" decel="50000" fill="hold" grpId="0" nodeType="clickEffect">
+                                  <p:stCondLst>
+                                    <p:cond delay="0"/>
+                                  </p:stCondLst>
+                                  <p:childTnLst>
+                                    <p:animMotion origin="layout" path="M -0.00469 -0.01065 C 0.06076 -0.0088 0.12847 -0.01319 0.19271 -0.00463 C 0.24166 0.00232 0.28159 0.02176 0.32586 0.03472 C 0.50121 0.08657 0.57569 0.16088 0.67552 0.25394 C 0.70555 0.3125 0.72222 0.36875 0.72222 0.43009 " pathEditMode="relative" rAng="0" ptsTypes="AAAAA">
+                                      <p:cBhvr>
+                                        <p:cTn id="15" dur="2000" fill="hold"/>
+                                        <p:tgtEl>
+                                          <p:spTgt spid="31"/>
+                                        </p:tgtEl>
+                                        <p:attrNameLst>
+                                          <p:attrName>ppt_x</p:attrName>
+                                          <p:attrName>ppt_y</p:attrName>
+                                        </p:attrNameLst>
+                                      </p:cBhvr>
+                                      <p:rCtr x="36337" y="22037"/>
+                                    </p:animMotion>
+                                  </p:childTnLst>
+                                </p:cTn>
+                              </p:par>
+                            </p:childTnLst>
+                          </p:cTn>
+                        </p:par>
+                        <p:par>
+                          <p:cTn id="16" fill="hold">
+                            <p:stCondLst>
+                              <p:cond delay="2000"/>
+                            </p:stCondLst>
+                            <p:childTnLst>
+                              <p:par>
+                                <p:cTn id="17" presetID="23" presetClass="exit" presetSubtype="32" fill="remove" grpId="1" nodeType="afterEffect">
+                                  <p:stCondLst>
+                                    <p:cond delay="0"/>
+                                  </p:stCondLst>
+                                  <p:childTnLst>
+                                    <p:anim calcmode="lin" valueType="num">
+                                      <p:cBhvr>
+                                        <p:cTn id="18" dur="100"/>
+                                        <p:tgtEl>
+                                          <p:spTgt spid="31"/>
+                                        </p:tgtEl>
+                                        <p:attrNameLst>
+                                          <p:attrName>ppt_w</p:attrName>
+                                        </p:attrNameLst>
+                                      </p:cBhvr>
+                                      <p:tavLst>
+                                        <p:tav tm="0">
+                                          <p:val>
+                                            <p:strVal val="ppt_w"/>
+                                          </p:val>
+                                        </p:tav>
+                                        <p:tav tm="100000">
+                                          <p:val>
+                                            <p:fltVal val="0"/>
+                                          </p:val>
+                                        </p:tav>
+                                      </p:tavLst>
+                                    </p:anim>
+                                    <p:anim calcmode="lin" valueType="num">
+                                      <p:cBhvr>
+                                        <p:cTn id="19" dur="100"/>
+                                        <p:tgtEl>
+                                          <p:spTgt spid="31"/>
+                                        </p:tgtEl>
+                                        <p:attrNameLst>
+                                          <p:attrName>ppt_h</p:attrName>
+                                        </p:attrNameLst>
+                                      </p:cBhvr>
+                                      <p:tavLst>
+                                        <p:tav tm="0">
+                                          <p:val>
+                                            <p:strVal val="ppt_h"/>
+                                          </p:val>
+                                        </p:tav>
+                                        <p:tav tm="100000">
+                                          <p:val>
+                                            <p:fltVal val="0"/>
+                                          </p:val>
+                                        </p:tav>
+                                      </p:tavLst>
+                                    </p:anim>
+                                    <p:set>
+                                      <p:cBhvr>
+                                        <p:cTn id="20" dur="1" fill="hold">
+                                          <p:stCondLst>
+                                            <p:cond delay="99"/>
+                                          </p:stCondLst>
+                                        </p:cTn>
+                                        <p:tgtEl>
+                                          <p:spTgt spid="31"/>
+                                        </p:tgtEl>
+                                        <p:attrNameLst>
+                                          <p:attrName>style.visibility</p:attrName>
+                                        </p:attrNameLst>
+                                      </p:cBhvr>
+                                      <p:to>
+                                        <p:strVal val="hidden"/>
+                                      </p:to>
+                                    </p:set>
+                                  </p:childTnLst>
+                                </p:cTn>
+                              </p:par>
+                            </p:childTnLst>
+                          </p:cTn>
+                        </p:par>
+                      </p:childTnLst>
+                    </p:cTn>
+                  </p:par>
+                </p:childTnLst>
+              </p:cTn>
+              <p:prevCondLst>
+                <p:cond evt="onPrev" delay="0">
+                  <p:tgtEl>
+                    <p:sldTgt/>
+                  </p:tgtEl>
+                </p:cond>
+              </p:prevCondLst>
+              <p:nextCondLst>
+                <p:cond evt="onNext" delay="0">
+                  <p:tgtEl>
+                    <p:sldTgt/>
+                  </p:tgtEl>
+                </p:cond>
+              </p:nextCondLst>
+            </p:seq>
+          </p:childTnLst>
+        </p:cTn>
+      </p:par>
+    </p:tnLst>
+    <p:bldLst>
+      <p:bldP spid="27" grpId="0" animBg="1"/>
+      <p:bldP spid="27" grpId="1" animBg="1"/>
+      <p:bldP spid="31" grpId="0" animBg="1"/>
+      <p:bldP spid="31" grpId="1" animBg="1"/>
+    </p:bldLst>
+  </p:timing>
+</p:sld>
+</file>
+
+<file path=ppt/slides/slide10.xml><?xml version="1.0" encoding="utf-8"?>
+<p:sld xmlns:a="http://schemas.openxmlformats.org/drawingml/2006/main" xmlns:r="http://schemas.openxmlformats.org/officeDocument/2006/relationships" xmlns:p="http://schemas.openxmlformats.org/presentationml/2006/main">
+  <p:cSld>
+    <p:spTree>
+      <p:nvGrpSpPr>
+        <p:cNvPr id="1" name=""/>
+        <p:cNvGrpSpPr/>
+        <p:nvPr/>
+      </p:nvGrpSpPr>
+      <p:grpSpPr>
+        <a:xfrm>
+          <a:off x="0" y="0"/>
+          <a:ext cx="0" cy="0"/>
+          <a:chOff x="0" y="0"/>
+          <a:chExt cx="0" cy="0"/>
+        </a:xfrm>
+      </p:grpSpPr>
+      <p:sp>
+        <p:nvSpPr>
+          <p:cNvPr id="2" name="TextBox 1"/>
+          <p:cNvSpPr txBox="1"/>
+          <p:nvPr/>
+        </p:nvSpPr>
+        <p:spPr>
+          <a:xfrm>
+            <a:off x="395536" y="332656"/>
+            <a:ext cx="4414991" cy="461665"/>
+          </a:xfrm>
+          <a:prstGeom prst="rect">
+            <a:avLst/>
+          </a:prstGeom>
+          <a:noFill/>
+        </p:spPr>
+        <p:txBody>
+          <a:bodyPr wrap="none" rtlCol="0">
+            <a:spAutoFit/>
+          </a:bodyPr>
+          <a:lstStyle/>
+          <a:p>
+            <a:r>
+              <a:rPr lang="en-US" dirty="0" smtClean="0"/>
+              <a:t>Manage Card Deposit Refunds</a:t>
+            </a:r>
+            <a:endParaRPr lang="en-US" dirty="0"/>
+          </a:p>
+        </p:txBody>
+      </p:sp>
+      <p:graphicFrame>
+        <p:nvGraphicFramePr>
+          <p:cNvPr id="3" name="Table 2"/>
+          <p:cNvGraphicFramePr>
+            <a:graphicFrameLocks noGrp="1"/>
+          </p:cNvGraphicFramePr>
+          <p:nvPr>
+            <p:extLst>
+              <p:ext uri="{D42A27DB-BD31-4B8C-83A1-F6EECF244321}">
+                <p14:modId xmlns:p14="http://schemas.microsoft.com/office/powerpoint/2010/main" val="220536979"/>
+              </p:ext>
+            </p:extLst>
+          </p:nvPr>
+        </p:nvGraphicFramePr>
+        <p:xfrm>
+          <a:off x="407470" y="1412776"/>
+          <a:ext cx="7776864" cy="2108200"/>
+        </p:xfrm>
+        <a:graphic>
+          <a:graphicData uri="http://schemas.openxmlformats.org/drawingml/2006/table">
+            <a:tbl>
+              <a:tblPr firstRow="1" bandRow="1">
+                <a:tableStyleId>{073A0DAA-6AF3-43AB-8588-CEC1D06C72B9}</a:tableStyleId>
+              </a:tblPr>
+              <a:tblGrid>
+                <a:gridCol w="972108"/>
+                <a:gridCol w="972108"/>
+                <a:gridCol w="972108"/>
+                <a:gridCol w="972108"/>
+                <a:gridCol w="972108"/>
+                <a:gridCol w="972108"/>
+                <a:gridCol w="972108"/>
+                <a:gridCol w="972108"/>
+              </a:tblGrid>
+              <a:tr h="370840">
+                <a:tc gridSpan="6">
+                  <a:txBody>
+                    <a:bodyPr/>
+                    <a:lstStyle/>
+                    <a:p>
+                      <a:r>
+                        <a:rPr lang="en-US" sz="1200" dirty="0" smtClean="0"/>
+                        <a:t>Card Deposit Refund Tracking</a:t>
+                      </a:r>
+                      <a:endParaRPr lang="en-US" sz="1200" dirty="0"/>
+                    </a:p>
+                  </a:txBody>
+                  <a:tcPr/>
+                </a:tc>
+                <a:tc hMerge="1">
+                  <a:txBody>
+                    <a:bodyPr/>
+                    <a:lstStyle/>
+                    <a:p>
+                      <a:endParaRPr lang="en-US" sz="1200" dirty="0"/>
+                    </a:p>
+                  </a:txBody>
+                  <a:tcPr/>
+                </a:tc>
+                <a:tc hMerge="1">
+                  <a:txBody>
+                    <a:bodyPr/>
+                    <a:lstStyle/>
+                    <a:p>
+                      <a:endParaRPr lang="en-US" sz="1200" dirty="0"/>
+                    </a:p>
+                  </a:txBody>
+                  <a:tcPr/>
+                </a:tc>
+                <a:tc hMerge="1">
+                  <a:txBody>
+                    <a:bodyPr/>
+                    <a:lstStyle/>
+                    <a:p>
+                      <a:endParaRPr lang="en-US" sz="1200" dirty="0"/>
+                    </a:p>
+                  </a:txBody>
+                  <a:tcPr/>
+                </a:tc>
+                <a:tc hMerge="1">
+                  <a:txBody>
+                    <a:bodyPr/>
+                    <a:lstStyle/>
+                    <a:p>
+                      <a:endParaRPr lang="en-US" sz="1200" dirty="0"/>
+                    </a:p>
+                  </a:txBody>
+                  <a:tcPr/>
+                </a:tc>
+                <a:tc hMerge="1">
+                  <a:txBody>
+                    <a:bodyPr/>
+                    <a:lstStyle/>
+                    <a:p>
+                      <a:endParaRPr lang="en-US" sz="1200" dirty="0"/>
+                    </a:p>
+                  </a:txBody>
+                  <a:tcPr/>
+                </a:tc>
+                <a:tc>
+                  <a:txBody>
+                    <a:bodyPr/>
+                    <a:lstStyle/>
+                    <a:p>
+                      <a:endParaRPr lang="en-US" sz="1200" dirty="0"/>
+                    </a:p>
+                  </a:txBody>
+                  <a:tcPr/>
+                </a:tc>
+                <a:tc>
+                  <a:txBody>
+                    <a:bodyPr/>
+                    <a:lstStyle/>
+                    <a:p>
+                      <a:endParaRPr lang="en-US" sz="1200" dirty="0"/>
+                    </a:p>
+                  </a:txBody>
+                  <a:tcPr/>
+                </a:tc>
+              </a:tr>
+              <a:tr h="370840">
+                <a:tc>
+                  <a:txBody>
+                    <a:bodyPr/>
+                    <a:lstStyle/>
+                    <a:p>
+                      <a:r>
+                        <a:rPr lang="en-US" sz="1200" dirty="0" smtClean="0"/>
+                        <a:t>Date Flagged</a:t>
+                      </a:r>
+                      <a:endParaRPr lang="en-US" sz="1200" dirty="0"/>
+                    </a:p>
+                  </a:txBody>
+                  <a:tcPr/>
+                </a:tc>
+                <a:tc>
+                  <a:txBody>
+                    <a:bodyPr/>
+                    <a:lstStyle/>
+                    <a:p>
+                      <a:r>
+                        <a:rPr lang="en-US" sz="1200" dirty="0" smtClean="0"/>
+                        <a:t>Date</a:t>
+                      </a:r>
+                      <a:endParaRPr lang="en-US" sz="1200" dirty="0"/>
+                    </a:p>
+                  </a:txBody>
+                  <a:tcPr/>
+                </a:tc>
+                <a:tc>
+                  <a:txBody>
+                    <a:bodyPr/>
+                    <a:lstStyle/>
+                    <a:p>
+                      <a:r>
+                        <a:rPr lang="en-US" sz="1200" dirty="0" smtClean="0"/>
+                        <a:t>Int. Ref No.</a:t>
+                      </a:r>
+                      <a:endParaRPr lang="en-US" sz="1200" dirty="0"/>
+                    </a:p>
+                  </a:txBody>
+                  <a:tcPr/>
+                </a:tc>
+                <a:tc>
+                  <a:txBody>
+                    <a:bodyPr/>
+                    <a:lstStyle/>
+                    <a:p>
+                      <a:r>
+                        <a:rPr lang="en-US" sz="1200" dirty="0" smtClean="0"/>
+                        <a:t>Payee</a:t>
+                      </a:r>
+                      <a:endParaRPr lang="en-US" sz="1200" dirty="0"/>
+                    </a:p>
+                  </a:txBody>
+                  <a:tcPr/>
+                </a:tc>
+                <a:tc>
+                  <a:txBody>
+                    <a:bodyPr/>
+                    <a:lstStyle/>
+                    <a:p>
+                      <a:r>
+                        <a:rPr lang="en-US" sz="1200" dirty="0" smtClean="0"/>
+                        <a:t>Card Number</a:t>
+                      </a:r>
+                      <a:endParaRPr lang="en-US" sz="1200" dirty="0"/>
+                    </a:p>
+                  </a:txBody>
+                  <a:tcPr/>
+                </a:tc>
+                <a:tc>
+                  <a:txBody>
+                    <a:bodyPr/>
+                    <a:lstStyle/>
+                    <a:p>
+                      <a:r>
+                        <a:rPr lang="en-US" sz="1200" dirty="0" smtClean="0"/>
+                        <a:t>Settlement Amount</a:t>
+                      </a:r>
+                      <a:endParaRPr lang="en-US" sz="1200" dirty="0"/>
+                    </a:p>
+                  </a:txBody>
+                  <a:tcPr/>
+                </a:tc>
+                <a:tc>
+                  <a:txBody>
+                    <a:bodyPr/>
+                    <a:lstStyle/>
+                    <a:p>
+                      <a:r>
+                        <a:rPr lang="en-US" sz="1200" dirty="0" smtClean="0"/>
+                        <a:t>Status</a:t>
+                      </a:r>
+                      <a:endParaRPr lang="en-US" sz="1200" dirty="0"/>
+                    </a:p>
+                  </a:txBody>
+                  <a:tcPr/>
+                </a:tc>
+                <a:tc>
+                  <a:txBody>
+                    <a:bodyPr/>
+                    <a:lstStyle/>
+                    <a:p>
+                      <a:r>
+                        <a:rPr lang="en-US" sz="1200" dirty="0" smtClean="0"/>
+                        <a:t>Status</a:t>
+                      </a:r>
+                      <a:r>
+                        <a:rPr lang="en-US" sz="1200" baseline="0" dirty="0" smtClean="0"/>
+                        <a:t> Updated</a:t>
+                      </a:r>
+                    </a:p>
+                    <a:p>
+                      <a:r>
+                        <a:rPr lang="en-US" sz="1200" baseline="0" dirty="0" smtClean="0"/>
+                        <a:t>Date</a:t>
+                      </a:r>
+                      <a:endParaRPr lang="en-US" sz="1200" dirty="0"/>
+                    </a:p>
+                  </a:txBody>
+                  <a:tcPr/>
+                </a:tc>
+              </a:tr>
+              <a:tr h="370840">
+                <a:tc>
+                  <a:txBody>
+                    <a:bodyPr/>
+                    <a:lstStyle/>
+                    <a:p>
+                      <a:endParaRPr lang="en-US" sz="1200" dirty="0"/>
+                    </a:p>
+                  </a:txBody>
+                  <a:tcPr/>
+                </a:tc>
+                <a:tc>
+                  <a:txBody>
+                    <a:bodyPr/>
+                    <a:lstStyle/>
+                    <a:p>
+                      <a:endParaRPr lang="en-US" sz="1200" dirty="0"/>
+                    </a:p>
+                  </a:txBody>
+                  <a:tcPr/>
+                </a:tc>
+                <a:tc>
+                  <a:txBody>
+                    <a:bodyPr/>
+                    <a:lstStyle/>
+                    <a:p>
+                      <a:endParaRPr lang="en-US" sz="1200" dirty="0"/>
+                    </a:p>
+                  </a:txBody>
+                  <a:tcPr/>
+                </a:tc>
+                <a:tc>
+                  <a:txBody>
+                    <a:bodyPr/>
+                    <a:lstStyle/>
+                    <a:p>
+                      <a:endParaRPr lang="en-US" sz="1200" dirty="0"/>
+                    </a:p>
+                  </a:txBody>
+                  <a:tcPr/>
+                </a:tc>
+                <a:tc>
+                  <a:txBody>
+                    <a:bodyPr/>
+                    <a:lstStyle/>
+                    <a:p>
+                      <a:endParaRPr lang="en-US" sz="1200" dirty="0"/>
+                    </a:p>
+                  </a:txBody>
+                  <a:tcPr/>
+                </a:tc>
+                <a:tc>
+                  <a:txBody>
+                    <a:bodyPr/>
+                    <a:lstStyle/>
+                    <a:p>
+                      <a:endParaRPr lang="en-US" sz="1200" dirty="0"/>
+                    </a:p>
+                  </a:txBody>
+                  <a:tcPr/>
+                </a:tc>
+                <a:tc>
+                  <a:txBody>
+                    <a:bodyPr/>
+                    <a:lstStyle/>
+                    <a:p>
+                      <a:r>
+                        <a:rPr lang="en-US" sz="1200" dirty="0" smtClean="0"/>
+                        <a:t>Bank Notified</a:t>
+                      </a:r>
+                      <a:endParaRPr lang="en-US" sz="1200" dirty="0"/>
+                    </a:p>
+                  </a:txBody>
+                  <a:tcPr/>
+                </a:tc>
+                <a:tc>
+                  <a:txBody>
+                    <a:bodyPr/>
+                    <a:lstStyle/>
+                    <a:p>
+                      <a:endParaRPr lang="en-US" sz="1200" dirty="0"/>
+                    </a:p>
+                  </a:txBody>
+                  <a:tcPr/>
+                </a:tc>
+              </a:tr>
+              <a:tr h="370840">
+                <a:tc>
+                  <a:txBody>
+                    <a:bodyPr/>
+                    <a:lstStyle/>
+                    <a:p>
+                      <a:endParaRPr lang="en-US" sz="1200" dirty="0"/>
+                    </a:p>
+                  </a:txBody>
+                  <a:tcPr/>
+                </a:tc>
+                <a:tc>
+                  <a:txBody>
+                    <a:bodyPr/>
+                    <a:lstStyle/>
+                    <a:p>
+                      <a:endParaRPr lang="en-US" sz="1200" dirty="0"/>
+                    </a:p>
+                  </a:txBody>
+                  <a:tcPr/>
+                </a:tc>
+                <a:tc>
+                  <a:txBody>
+                    <a:bodyPr/>
+                    <a:lstStyle/>
+                    <a:p>
+                      <a:endParaRPr lang="en-US" sz="1200" dirty="0"/>
+                    </a:p>
+                  </a:txBody>
+                  <a:tcPr/>
+                </a:tc>
+                <a:tc>
+                  <a:txBody>
+                    <a:bodyPr/>
+                    <a:lstStyle/>
+                    <a:p>
+                      <a:endParaRPr lang="en-US" sz="1200" dirty="0"/>
+                    </a:p>
+                  </a:txBody>
+                  <a:tcPr/>
+                </a:tc>
+                <a:tc>
+                  <a:txBody>
+                    <a:bodyPr/>
+                    <a:lstStyle/>
+                    <a:p>
+                      <a:endParaRPr lang="en-US" sz="1200" dirty="0"/>
+                    </a:p>
+                  </a:txBody>
+                  <a:tcPr/>
+                </a:tc>
+                <a:tc>
+                  <a:txBody>
+                    <a:bodyPr/>
+                    <a:lstStyle/>
+                    <a:p>
+                      <a:endParaRPr lang="en-US" sz="1200" dirty="0"/>
+                    </a:p>
+                  </a:txBody>
+                  <a:tcPr/>
+                </a:tc>
+                <a:tc>
+                  <a:txBody>
+                    <a:bodyPr/>
+                    <a:lstStyle/>
+                    <a:p>
+                      <a:r>
+                        <a:rPr lang="en-US" sz="1200" dirty="0" smtClean="0"/>
+                        <a:t>Paga Account</a:t>
+                      </a:r>
+                      <a:r>
+                        <a:rPr lang="en-US" sz="1200" baseline="0" dirty="0" smtClean="0"/>
+                        <a:t> Credited</a:t>
+                      </a:r>
+                      <a:endParaRPr lang="en-US" sz="1200" dirty="0"/>
+                    </a:p>
+                  </a:txBody>
+                  <a:tcPr/>
+                </a:tc>
+                <a:tc>
+                  <a:txBody>
+                    <a:bodyPr/>
+                    <a:lstStyle/>
+                    <a:p>
+                      <a:endParaRPr lang="en-US" sz="1200" dirty="0"/>
+                    </a:p>
+                  </a:txBody>
+                  <a:tcPr/>
+                </a:tc>
+              </a:tr>
+            </a:tbl>
+          </a:graphicData>
+        </a:graphic>
+      </p:graphicFrame>
+      <p:sp>
+        <p:nvSpPr>
+          <p:cNvPr id="4" name="TextBox 3"/>
+          <p:cNvSpPr txBox="1"/>
+          <p:nvPr/>
+        </p:nvSpPr>
+        <p:spPr>
+          <a:xfrm>
+            <a:off x="755576" y="4509120"/>
+            <a:ext cx="7128792" cy="1200329"/>
+          </a:xfrm>
+          <a:prstGeom prst="rect">
+            <a:avLst/>
+          </a:prstGeom>
+          <a:noFill/>
+        </p:spPr>
+        <p:txBody>
+          <a:bodyPr wrap="square" rtlCol="0">
+            <a:spAutoFit/>
+          </a:bodyPr>
+          <a:lstStyle/>
+          <a:p>
+            <a:pPr marL="342900" indent="-342900">
+              <a:buFont typeface="Arial" panose="020B0604020202020204" pitchFamily="34" charset="0"/>
+              <a:buChar char="•"/>
+            </a:pPr>
+            <a:r>
+              <a:rPr lang="en-US" sz="1200" dirty="0" smtClean="0"/>
+              <a:t>This screen will display all the card deposits marked for refund. </a:t>
+            </a:r>
+          </a:p>
+          <a:p>
+            <a:pPr marL="342900" indent="-342900">
+              <a:buFont typeface="Arial" panose="020B0604020202020204" pitchFamily="34" charset="0"/>
+              <a:buChar char="•"/>
+            </a:pPr>
+            <a:r>
+              <a:rPr lang="en-US" sz="1200" dirty="0" smtClean="0"/>
+              <a:t>The user can update the status by double selecting from a drop-down in the status column.</a:t>
+            </a:r>
+          </a:p>
+          <a:p>
+            <a:pPr marL="342900" indent="-342900">
+              <a:buFont typeface="Arial" panose="020B0604020202020204" pitchFamily="34" charset="0"/>
+              <a:buChar char="•"/>
+            </a:pPr>
+            <a:r>
+              <a:rPr lang="en-US" sz="1200" dirty="0" smtClean="0"/>
+              <a:t>We should be able to filter by Date Range</a:t>
+            </a:r>
+          </a:p>
+          <a:p>
+            <a:pPr marL="342900" indent="-342900">
+              <a:buFont typeface="Arial" panose="020B0604020202020204" pitchFamily="34" charset="0"/>
+              <a:buChar char="•"/>
+            </a:pPr>
+            <a:r>
+              <a:rPr lang="en-US" sz="1200" dirty="0" smtClean="0"/>
+              <a:t>We should be able to search for specific transactions</a:t>
+            </a:r>
+          </a:p>
+          <a:p>
+            <a:pPr marL="342900" indent="-342900">
+              <a:buFont typeface="Arial" panose="020B0604020202020204" pitchFamily="34" charset="0"/>
+              <a:buChar char="•"/>
+            </a:pPr>
+            <a:r>
+              <a:rPr lang="en-US" sz="1200" dirty="0" smtClean="0"/>
+              <a:t>We really ought to be able to see who the Paga Account Owner is</a:t>
+            </a:r>
+          </a:p>
+          <a:p>
+            <a:pPr marL="342900" indent="-342900">
+              <a:buFont typeface="Arial" panose="020B0604020202020204" pitchFamily="34" charset="0"/>
+              <a:buChar char="•"/>
+            </a:pPr>
+            <a:r>
+              <a:rPr lang="en-US" sz="1200" dirty="0" smtClean="0"/>
+              <a:t>There should be a way to export the data for reporting to the bank.</a:t>
+            </a:r>
+            <a:endParaRPr lang="en-US" sz="1200" dirty="0"/>
+          </a:p>
+        </p:txBody>
+      </p:sp>
+    </p:spTree>
+    <p:extLst>
+      <p:ext uri="{BB962C8B-B14F-4D97-AF65-F5344CB8AC3E}">
+        <p14:creationId xmlns:p14="http://schemas.microsoft.com/office/powerpoint/2010/main" val="3102582795"/>
       </p:ext>
     </p:extLst>
   </p:cSld>
@@ -7784,7 +9665,7 @@
       </p:sp>
       <p:sp>
         <p:nvSpPr>
-          <p:cNvPr id="11" name="AutoShape 50"/>
+          <p:cNvPr id="20" name="AutoShape 50"/>
           <p:cNvSpPr>
             <a:spLocks noChangeArrowheads="1"/>
           </p:cNvSpPr>
@@ -7796,396 +9677,7 @@
         </p:nvSpPr>
         <p:spPr bwMode="auto">
           <a:xfrm>
-            <a:off x="1115616" y="2277528"/>
-            <a:ext cx="1584176" cy="250697"/>
-          </a:xfrm>
-          <a:prstGeom prst="roundRect">
-            <a:avLst>
-              <a:gd name="adj" fmla="val 16667"/>
-            </a:avLst>
-          </a:prstGeom>
-          <a:gradFill rotWithShape="1">
-            <a:gsLst>
-              <a:gs pos="0">
-                <a:schemeClr val="bg1">
-                  <a:lumMod val="95000"/>
-                </a:schemeClr>
-              </a:gs>
-              <a:gs pos="100000">
-                <a:schemeClr val="bg1">
-                  <a:lumMod val="75000"/>
-                </a:schemeClr>
-              </a:gs>
-            </a:gsLst>
-            <a:lin ang="5400000"/>
-          </a:gradFill>
-          <a:ln w="9525">
-            <a:solidFill>
-              <a:schemeClr val="bg1">
-                <a:lumMod val="50000"/>
-              </a:schemeClr>
-            </a:solidFill>
-            <a:round/>
-            <a:headEnd/>
-            <a:tailEnd/>
-          </a:ln>
-        </p:spPr>
-        <p:txBody>
-          <a:bodyPr wrap="square" lIns="54000" tIns="36000" rIns="54000" bIns="36000" anchor="ctr">
-            <a:spAutoFit/>
-          </a:bodyPr>
-          <a:lstStyle/>
-          <a:p>
-            <a:pPr algn="ctr">
-              <a:defRPr/>
-            </a:pPr>
-            <a:r>
-              <a:rPr lang="en-US" sz="1000" dirty="0" smtClean="0">
-                <a:latin typeface="Tahoma" pitchFamily="34" charset="0"/>
-                <a:cs typeface="Tahoma" pitchFamily="34" charset="0"/>
-              </a:rPr>
-              <a:t>Go to Admin Portal</a:t>
-            </a:r>
-            <a:endParaRPr lang="en-US" sz="1000" dirty="0">
-              <a:latin typeface="Tahoma" pitchFamily="34" charset="0"/>
-              <a:cs typeface="Tahoma" pitchFamily="34" charset="0"/>
-            </a:endParaRPr>
-          </a:p>
-        </p:txBody>
-      </p:sp>
-      <p:sp>
-        <p:nvSpPr>
-          <p:cNvPr id="8" name="Line Callout 1 7"/>
-          <p:cNvSpPr/>
-          <p:nvPr/>
-        </p:nvSpPr>
-        <p:spPr>
-          <a:xfrm>
-            <a:off x="3563888" y="2551394"/>
-            <a:ext cx="2160240" cy="576064"/>
-          </a:xfrm>
-          <a:prstGeom prst="borderCallout1">
-            <a:avLst>
-              <a:gd name="adj1" fmla="val 18750"/>
-              <a:gd name="adj2" fmla="val -8333"/>
-              <a:gd name="adj3" fmla="val -27279"/>
-              <a:gd name="adj4" fmla="val -47178"/>
-            </a:avLst>
-          </a:prstGeom>
-        </p:spPr>
-        <p:style>
-          <a:lnRef idx="2">
-            <a:schemeClr val="accent1">
-              <a:shade val="50000"/>
-            </a:schemeClr>
-          </a:lnRef>
-          <a:fillRef idx="1">
-            <a:schemeClr val="accent1"/>
-          </a:fillRef>
-          <a:effectRef idx="0">
-            <a:schemeClr val="accent1"/>
-          </a:effectRef>
-          <a:fontRef idx="minor">
-            <a:schemeClr val="lt1"/>
-          </a:fontRef>
-        </p:style>
-        <p:txBody>
-          <a:bodyPr rtlCol="0" anchor="ctr"/>
-          <a:lstStyle/>
-          <a:p>
-            <a:r>
-              <a:rPr lang="en-US" sz="1200" dirty="0" smtClean="0"/>
-              <a:t>Opens Paga Admin Portal</a:t>
-            </a:r>
-          </a:p>
-          <a:p>
-            <a:pPr algn="ctr"/>
-            <a:endParaRPr lang="en-US" sz="1200" dirty="0"/>
-          </a:p>
-        </p:txBody>
-      </p:sp>
-      <p:graphicFrame>
-        <p:nvGraphicFramePr>
-          <p:cNvPr id="16" name="Table 15"/>
-          <p:cNvGraphicFramePr>
-            <a:graphicFrameLocks noGrp="1"/>
-          </p:cNvGraphicFramePr>
-          <p:nvPr>
-            <p:extLst>
-              <p:ext uri="{D42A27DB-BD31-4B8C-83A1-F6EECF244321}">
-                <p14:modId xmlns:p14="http://schemas.microsoft.com/office/powerpoint/2010/main" val="1281497718"/>
-              </p:ext>
-            </p:extLst>
-          </p:nvPr>
-        </p:nvGraphicFramePr>
-        <p:xfrm>
-          <a:off x="1115616" y="3385422"/>
-          <a:ext cx="6111319" cy="1112520"/>
-        </p:xfrm>
-        <a:graphic>
-          <a:graphicData uri="http://schemas.openxmlformats.org/drawingml/2006/table">
-            <a:tbl>
-              <a:tblPr firstRow="1" bandRow="1">
-                <a:tableStyleId>{073A0DAA-6AF3-43AB-8588-CEC1D06C72B9}</a:tableStyleId>
-              </a:tblPr>
-              <a:tblGrid>
-                <a:gridCol w="1219200"/>
-                <a:gridCol w="4892119"/>
-              </a:tblGrid>
-              <a:tr h="370840">
-                <a:tc>
-                  <a:txBody>
-                    <a:bodyPr/>
-                    <a:lstStyle/>
-                    <a:p>
-                      <a:r>
-                        <a:rPr lang="en-US" dirty="0" smtClean="0"/>
-                        <a:t>Date</a:t>
-                      </a:r>
-                      <a:endParaRPr lang="en-US" dirty="0"/>
-                    </a:p>
-                  </a:txBody>
-                  <a:tcPr/>
-                </a:tc>
-                <a:tc>
-                  <a:txBody>
-                    <a:bodyPr/>
-                    <a:lstStyle/>
-                    <a:p>
-                      <a:r>
-                        <a:rPr lang="en-US" dirty="0" smtClean="0"/>
-                        <a:t>Bank Statement File Name</a:t>
-                      </a:r>
-                      <a:endParaRPr lang="en-US" dirty="0"/>
-                    </a:p>
-                  </a:txBody>
-                  <a:tcPr/>
-                </a:tc>
-              </a:tr>
-              <a:tr h="370840">
-                <a:tc>
-                  <a:txBody>
-                    <a:bodyPr/>
-                    <a:lstStyle/>
-                    <a:p>
-                      <a:endParaRPr lang="en-US"/>
-                    </a:p>
-                  </a:txBody>
-                  <a:tcPr/>
-                </a:tc>
-                <a:tc>
-                  <a:txBody>
-                    <a:bodyPr/>
-                    <a:lstStyle/>
-                    <a:p>
-                      <a:endParaRPr lang="en-US" dirty="0"/>
-                    </a:p>
-                  </a:txBody>
-                  <a:tcPr/>
-                </a:tc>
-              </a:tr>
-              <a:tr h="370840">
-                <a:tc>
-                  <a:txBody>
-                    <a:bodyPr/>
-                    <a:lstStyle/>
-                    <a:p>
-                      <a:endParaRPr lang="en-US"/>
-                    </a:p>
-                  </a:txBody>
-                  <a:tcPr/>
-                </a:tc>
-                <a:tc>
-                  <a:txBody>
-                    <a:bodyPr/>
-                    <a:lstStyle/>
-                    <a:p>
-                      <a:endParaRPr lang="en-US" dirty="0"/>
-                    </a:p>
-                  </a:txBody>
-                  <a:tcPr/>
-                </a:tc>
-              </a:tr>
-            </a:tbl>
-          </a:graphicData>
-        </a:graphic>
-      </p:graphicFrame>
-      <p:graphicFrame>
-        <p:nvGraphicFramePr>
-          <p:cNvPr id="17" name="Table 16"/>
-          <p:cNvGraphicFramePr>
-            <a:graphicFrameLocks noGrp="1"/>
-          </p:cNvGraphicFramePr>
-          <p:nvPr>
-            <p:extLst>
-              <p:ext uri="{D42A27DB-BD31-4B8C-83A1-F6EECF244321}">
-                <p14:modId xmlns:p14="http://schemas.microsoft.com/office/powerpoint/2010/main" val="2116665203"/>
-              </p:ext>
-            </p:extLst>
-          </p:nvPr>
-        </p:nvGraphicFramePr>
-        <p:xfrm>
-          <a:off x="1115616" y="4753574"/>
-          <a:ext cx="6111319" cy="1112520"/>
-        </p:xfrm>
-        <a:graphic>
-          <a:graphicData uri="http://schemas.openxmlformats.org/drawingml/2006/table">
-            <a:tbl>
-              <a:tblPr firstRow="1" bandRow="1">
-                <a:tableStyleId>{073A0DAA-6AF3-43AB-8588-CEC1D06C72B9}</a:tableStyleId>
-              </a:tblPr>
-              <a:tblGrid>
-                <a:gridCol w="1219200"/>
-                <a:gridCol w="4892119"/>
-              </a:tblGrid>
-              <a:tr h="370840">
-                <a:tc>
-                  <a:txBody>
-                    <a:bodyPr/>
-                    <a:lstStyle/>
-                    <a:p>
-                      <a:r>
-                        <a:rPr lang="en-US" dirty="0" smtClean="0"/>
-                        <a:t>Date</a:t>
-                      </a:r>
-                      <a:endParaRPr lang="en-US" dirty="0"/>
-                    </a:p>
-                  </a:txBody>
-                  <a:tcPr/>
-                </a:tc>
-                <a:tc>
-                  <a:txBody>
-                    <a:bodyPr/>
-                    <a:lstStyle/>
-                    <a:p>
-                      <a:r>
-                        <a:rPr lang="en-US" dirty="0" smtClean="0"/>
-                        <a:t>General Ledger Detail Report File</a:t>
-                      </a:r>
-                      <a:r>
-                        <a:rPr lang="en-US" baseline="0" dirty="0" smtClean="0"/>
-                        <a:t> Name</a:t>
-                      </a:r>
-                      <a:endParaRPr lang="en-US" dirty="0"/>
-                    </a:p>
-                  </a:txBody>
-                  <a:tcPr/>
-                </a:tc>
-              </a:tr>
-              <a:tr h="370840">
-                <a:tc>
-                  <a:txBody>
-                    <a:bodyPr/>
-                    <a:lstStyle/>
-                    <a:p>
-                      <a:endParaRPr lang="en-US" dirty="0"/>
-                    </a:p>
-                  </a:txBody>
-                  <a:tcPr/>
-                </a:tc>
-                <a:tc>
-                  <a:txBody>
-                    <a:bodyPr/>
-                    <a:lstStyle/>
-                    <a:p>
-                      <a:endParaRPr lang="en-US" dirty="0"/>
-                    </a:p>
-                  </a:txBody>
-                  <a:tcPr/>
-                </a:tc>
-              </a:tr>
-              <a:tr h="370840">
-                <a:tc>
-                  <a:txBody>
-                    <a:bodyPr/>
-                    <a:lstStyle/>
-                    <a:p>
-                      <a:endParaRPr lang="en-US" dirty="0"/>
-                    </a:p>
-                  </a:txBody>
-                  <a:tcPr/>
-                </a:tc>
-                <a:tc>
-                  <a:txBody>
-                    <a:bodyPr/>
-                    <a:lstStyle/>
-                    <a:p>
-                      <a:endParaRPr lang="en-US" dirty="0"/>
-                    </a:p>
-                  </a:txBody>
-                  <a:tcPr/>
-                </a:tc>
-              </a:tr>
-            </a:tbl>
-          </a:graphicData>
-        </a:graphic>
-      </p:graphicFrame>
-      <p:sp>
-        <p:nvSpPr>
-          <p:cNvPr id="18" name="Line Callout 2 17"/>
-          <p:cNvSpPr/>
-          <p:nvPr/>
-        </p:nvSpPr>
-        <p:spPr>
-          <a:xfrm>
-            <a:off x="-540060" y="3745462"/>
-            <a:ext cx="1080120" cy="1800200"/>
-          </a:xfrm>
-          <a:prstGeom prst="borderCallout2">
-            <a:avLst>
-              <a:gd name="adj1" fmla="val 18751"/>
-              <a:gd name="adj2" fmla="val 111703"/>
-              <a:gd name="adj3" fmla="val 43768"/>
-              <a:gd name="adj4" fmla="val 134958"/>
-              <a:gd name="adj5" fmla="val 88998"/>
-              <a:gd name="adj6" fmla="val 117593"/>
-            </a:avLst>
-          </a:prstGeom>
-        </p:spPr>
-        <p:style>
-          <a:lnRef idx="2">
-            <a:schemeClr val="accent1">
-              <a:shade val="50000"/>
-            </a:schemeClr>
-          </a:lnRef>
-          <a:fillRef idx="1">
-            <a:schemeClr val="accent1"/>
-          </a:fillRef>
-          <a:effectRef idx="0">
-            <a:schemeClr val="accent1"/>
-          </a:effectRef>
-          <a:fontRef idx="minor">
-            <a:schemeClr val="lt1"/>
-          </a:fontRef>
-        </p:style>
-        <p:txBody>
-          <a:bodyPr rtlCol="0" anchor="ctr"/>
-          <a:lstStyle/>
-          <a:p>
-            <a:pPr algn="ctr"/>
-            <a:r>
-              <a:rPr lang="en-US" sz="1200" dirty="0" smtClean="0"/>
-              <a:t>These are filtered for the specific Account. Sorted by latest file first.</a:t>
-            </a:r>
-            <a:endParaRPr lang="en-US" sz="1200" dirty="0"/>
-          </a:p>
-        </p:txBody>
-      </p:sp>
-      <p:sp>
-        <p:nvSpPr>
-          <p:cNvPr id="20" name="AutoShape 50"/>
-          <p:cNvSpPr>
-            <a:spLocks noChangeArrowheads="1"/>
-          </p:cNvSpPr>
-          <p:nvPr>
-            <p:custDataLst>
-              <p:tags r:id="rId5"/>
-            </p:custDataLst>
-          </p:nvPr>
-        </p:nvSpPr>
-        <p:spPr bwMode="auto">
-          <a:xfrm>
-            <a:off x="7373023" y="3933056"/>
+            <a:off x="1112814" y="2496507"/>
             <a:ext cx="1584176" cy="420956"/>
           </a:xfrm>
           <a:prstGeom prst="roundRect">
@@ -8244,77 +9736,6 @@
       </p:sp>
       <p:sp>
         <p:nvSpPr>
-          <p:cNvPr id="21" name="AutoShape 50"/>
-          <p:cNvSpPr>
-            <a:spLocks noChangeArrowheads="1"/>
-          </p:cNvSpPr>
-          <p:nvPr>
-            <p:custDataLst>
-              <p:tags r:id="rId6"/>
-            </p:custDataLst>
-          </p:nvPr>
-        </p:nvSpPr>
-        <p:spPr bwMode="auto">
-          <a:xfrm>
-            <a:off x="7380312" y="5335184"/>
-            <a:ext cx="1584176" cy="420956"/>
-          </a:xfrm>
-          <a:prstGeom prst="roundRect">
-            <a:avLst>
-              <a:gd name="adj" fmla="val 16667"/>
-            </a:avLst>
-          </a:prstGeom>
-          <a:gradFill rotWithShape="1">
-            <a:gsLst>
-              <a:gs pos="0">
-                <a:schemeClr val="bg1">
-                  <a:lumMod val="95000"/>
-                </a:schemeClr>
-              </a:gs>
-              <a:gs pos="100000">
-                <a:schemeClr val="bg1">
-                  <a:lumMod val="75000"/>
-                </a:schemeClr>
-              </a:gs>
-            </a:gsLst>
-            <a:lin ang="5400000"/>
-          </a:gradFill>
-          <a:ln w="9525">
-            <a:solidFill>
-              <a:schemeClr val="bg1">
-                <a:lumMod val="50000"/>
-              </a:schemeClr>
-            </a:solidFill>
-            <a:round/>
-            <a:headEnd/>
-            <a:tailEnd/>
-          </a:ln>
-        </p:spPr>
-        <p:txBody>
-          <a:bodyPr wrap="square" lIns="54000" tIns="36000" rIns="54000" bIns="36000" anchor="ctr">
-            <a:spAutoFit/>
-          </a:bodyPr>
-          <a:lstStyle/>
-          <a:p>
-            <a:pPr algn="ctr">
-              <a:defRPr/>
-            </a:pPr>
-            <a:r>
-              <a:rPr lang="en-US" sz="1000" dirty="0" smtClean="0">
-                <a:latin typeface="Tahoma" pitchFamily="34" charset="0"/>
-                <a:cs typeface="Tahoma" pitchFamily="34" charset="0"/>
-              </a:rPr>
-              <a:t>Import Selected GL Report</a:t>
-            </a:r>
-            <a:endParaRPr lang="en-US" sz="1000" dirty="0">
-              <a:latin typeface="Tahoma" pitchFamily="34" charset="0"/>
-              <a:cs typeface="Tahoma" pitchFamily="34" charset="0"/>
-            </a:endParaRPr>
-          </a:p>
-        </p:txBody>
-      </p:sp>
-      <p:sp>
-        <p:nvSpPr>
           <p:cNvPr id="22" name="TextBox 21"/>
           <p:cNvSpPr txBox="1"/>
           <p:nvPr/>
@@ -8351,7 +9772,7 @@
           </p:cNvSpPr>
           <p:nvPr>
             <p:custDataLst>
-              <p:tags r:id="rId7"/>
+              <p:tags r:id="rId5"/>
             </p:custDataLst>
           </p:nvPr>
         </p:nvSpPr>
@@ -8544,100 +9965,13 @@
       </p:sp>
       <p:sp>
         <p:nvSpPr>
-          <p:cNvPr id="27" name="Dodecagon 26"/>
-          <p:cNvSpPr/>
-          <p:nvPr/>
-        </p:nvSpPr>
-        <p:spPr>
-          <a:xfrm>
-            <a:off x="7992380" y="3480906"/>
-            <a:ext cx="360040" cy="360040"/>
-          </a:xfrm>
-          <a:prstGeom prst="dodecagon">
-            <a:avLst/>
-          </a:prstGeom>
-        </p:spPr>
-        <p:style>
-          <a:lnRef idx="2">
-            <a:schemeClr val="accent1">
-              <a:shade val="50000"/>
-            </a:schemeClr>
-          </a:lnRef>
-          <a:fillRef idx="1">
-            <a:schemeClr val="accent1"/>
-          </a:fillRef>
-          <a:effectRef idx="0">
-            <a:schemeClr val="accent1"/>
-          </a:effectRef>
-          <a:fontRef idx="minor">
-            <a:schemeClr val="lt1"/>
-          </a:fontRef>
-        </p:style>
-        <p:txBody>
-          <a:bodyPr rtlCol="0" anchor="ctr"/>
-          <a:lstStyle/>
-          <a:p>
-            <a:pPr algn="ctr"/>
-            <a:r>
-              <a:rPr lang="en-US" sz="1600" dirty="0" smtClean="0"/>
-              <a:t>4</a:t>
-            </a:r>
-          </a:p>
-        </p:txBody>
-      </p:sp>
-      <p:sp>
-        <p:nvSpPr>
-          <p:cNvPr id="28" name="Dodecagon 27"/>
-          <p:cNvSpPr/>
-          <p:nvPr/>
-        </p:nvSpPr>
-        <p:spPr>
-          <a:xfrm>
-            <a:off x="7968585" y="4885431"/>
-            <a:ext cx="360040" cy="360040"/>
-          </a:xfrm>
-          <a:prstGeom prst="dodecagon">
-            <a:avLst/>
-          </a:prstGeom>
-        </p:spPr>
-        <p:style>
-          <a:lnRef idx="2">
-            <a:schemeClr val="accent1">
-              <a:shade val="50000"/>
-            </a:schemeClr>
-          </a:lnRef>
-          <a:fillRef idx="1">
-            <a:schemeClr val="accent1"/>
-          </a:fillRef>
-          <a:effectRef idx="0">
-            <a:schemeClr val="accent1"/>
-          </a:effectRef>
-          <a:fontRef idx="minor">
-            <a:schemeClr val="lt1"/>
-          </a:fontRef>
-        </p:style>
-        <p:txBody>
-          <a:bodyPr rtlCol="0" anchor="ctr"/>
-          <a:lstStyle/>
-          <a:p>
-            <a:pPr algn="ctr"/>
-            <a:r>
-              <a:rPr lang="en-US" sz="1600" dirty="0" smtClean="0"/>
-              <a:t>5</a:t>
-            </a:r>
-            <a:endParaRPr lang="en-US" sz="1600" dirty="0"/>
-          </a:p>
-        </p:txBody>
-      </p:sp>
-      <p:sp>
-        <p:nvSpPr>
           <p:cNvPr id="30" name="AutoShape 50"/>
           <p:cNvSpPr>
             <a:spLocks noChangeArrowheads="1"/>
           </p:cNvSpPr>
           <p:nvPr>
             <p:custDataLst>
-              <p:tags r:id="rId8"/>
+              <p:tags r:id="rId6"/>
             </p:custDataLst>
           </p:nvPr>
         </p:nvSpPr>
@@ -8745,6 +10079,775 @@
           </a:p>
         </p:txBody>
       </p:sp>
+      <p:sp>
+        <p:nvSpPr>
+          <p:cNvPr id="31" name="MouseClick"/>
+          <p:cNvSpPr/>
+          <p:nvPr>
+            <p:custDataLst>
+              <p:custData r:id="rId7"/>
+            </p:custDataLst>
+          </p:nvPr>
+        </p:nvSpPr>
+        <p:spPr>
+          <a:xfrm rot="20359169">
+            <a:off x="5177511" y="419078"/>
+            <a:ext cx="151053" cy="247694"/>
+          </a:xfrm>
+          <a:custGeom>
+            <a:avLst/>
+            <a:gdLst>
+              <a:gd name="connsiteX0" fmla="*/ 0 w 592890"/>
+              <a:gd name="connsiteY0" fmla="*/ 806746 h 997971"/>
+              <a:gd name="connsiteX1" fmla="*/ 296445 w 592890"/>
+              <a:gd name="connsiteY1" fmla="*/ 0 h 997971"/>
+              <a:gd name="connsiteX2" fmla="*/ 592890 w 592890"/>
+              <a:gd name="connsiteY2" fmla="*/ 806746 h 997971"/>
+              <a:gd name="connsiteX3" fmla="*/ 386188 w 592890"/>
+              <a:gd name="connsiteY3" fmla="*/ 806746 h 997971"/>
+              <a:gd name="connsiteX4" fmla="*/ 386188 w 592890"/>
+              <a:gd name="connsiteY4" fmla="*/ 997971 h 997971"/>
+              <a:gd name="connsiteX5" fmla="*/ 206702 w 592890"/>
+              <a:gd name="connsiteY5" fmla="*/ 997971 h 997971"/>
+              <a:gd name="connsiteX6" fmla="*/ 206702 w 592890"/>
+              <a:gd name="connsiteY6" fmla="*/ 806746 h 997971"/>
+              <a:gd name="connsiteX7" fmla="*/ 0 w 592890"/>
+              <a:gd name="connsiteY7" fmla="*/ 806746 h 997971"/>
+              <a:gd name="connsiteX0" fmla="*/ 0 w 592890"/>
+              <a:gd name="connsiteY0" fmla="*/ 806746 h 997971"/>
+              <a:gd name="connsiteX1" fmla="*/ 296445 w 592890"/>
+              <a:gd name="connsiteY1" fmla="*/ 0 h 997971"/>
+              <a:gd name="connsiteX2" fmla="*/ 592890 w 592890"/>
+              <a:gd name="connsiteY2" fmla="*/ 806746 h 997971"/>
+              <a:gd name="connsiteX3" fmla="*/ 386188 w 592890"/>
+              <a:gd name="connsiteY3" fmla="*/ 766438 h 997971"/>
+              <a:gd name="connsiteX4" fmla="*/ 386188 w 592890"/>
+              <a:gd name="connsiteY4" fmla="*/ 997971 h 997971"/>
+              <a:gd name="connsiteX5" fmla="*/ 206702 w 592890"/>
+              <a:gd name="connsiteY5" fmla="*/ 997971 h 997971"/>
+              <a:gd name="connsiteX6" fmla="*/ 206702 w 592890"/>
+              <a:gd name="connsiteY6" fmla="*/ 806746 h 997971"/>
+              <a:gd name="connsiteX7" fmla="*/ 0 w 592890"/>
+              <a:gd name="connsiteY7" fmla="*/ 806746 h 997971"/>
+              <a:gd name="connsiteX0" fmla="*/ 0 w 592890"/>
+              <a:gd name="connsiteY0" fmla="*/ 806746 h 997971"/>
+              <a:gd name="connsiteX1" fmla="*/ 296445 w 592890"/>
+              <a:gd name="connsiteY1" fmla="*/ 0 h 997971"/>
+              <a:gd name="connsiteX2" fmla="*/ 592890 w 592890"/>
+              <a:gd name="connsiteY2" fmla="*/ 806746 h 997971"/>
+              <a:gd name="connsiteX3" fmla="*/ 386188 w 592890"/>
+              <a:gd name="connsiteY3" fmla="*/ 766438 h 997971"/>
+              <a:gd name="connsiteX4" fmla="*/ 386188 w 592890"/>
+              <a:gd name="connsiteY4" fmla="*/ 997971 h 997971"/>
+              <a:gd name="connsiteX5" fmla="*/ 206702 w 592890"/>
+              <a:gd name="connsiteY5" fmla="*/ 997971 h 997971"/>
+              <a:gd name="connsiteX6" fmla="*/ 206702 w 592890"/>
+              <a:gd name="connsiteY6" fmla="*/ 764057 h 997971"/>
+              <a:gd name="connsiteX7" fmla="*/ 0 w 592890"/>
+              <a:gd name="connsiteY7" fmla="*/ 806746 h 997971"/>
+              <a:gd name="connsiteX0" fmla="*/ 0 w 592890"/>
+              <a:gd name="connsiteY0" fmla="*/ 806746 h 997971"/>
+              <a:gd name="connsiteX1" fmla="*/ 296445 w 592890"/>
+              <a:gd name="connsiteY1" fmla="*/ 0 h 997971"/>
+              <a:gd name="connsiteX2" fmla="*/ 592890 w 592890"/>
+              <a:gd name="connsiteY2" fmla="*/ 806746 h 997971"/>
+              <a:gd name="connsiteX3" fmla="*/ 386188 w 592890"/>
+              <a:gd name="connsiteY3" fmla="*/ 766438 h 997971"/>
+              <a:gd name="connsiteX4" fmla="*/ 386188 w 592890"/>
+              <a:gd name="connsiteY4" fmla="*/ 997971 h 997971"/>
+              <a:gd name="connsiteX5" fmla="*/ 206702 w 592890"/>
+              <a:gd name="connsiteY5" fmla="*/ 997971 h 997971"/>
+              <a:gd name="connsiteX6" fmla="*/ 206702 w 592890"/>
+              <a:gd name="connsiteY6" fmla="*/ 735333 h 997971"/>
+              <a:gd name="connsiteX7" fmla="*/ 0 w 592890"/>
+              <a:gd name="connsiteY7" fmla="*/ 806746 h 997971"/>
+              <a:gd name="connsiteX0" fmla="*/ 0 w 592890"/>
+              <a:gd name="connsiteY0" fmla="*/ 806746 h 997971"/>
+              <a:gd name="connsiteX1" fmla="*/ 296445 w 592890"/>
+              <a:gd name="connsiteY1" fmla="*/ 0 h 997971"/>
+              <a:gd name="connsiteX2" fmla="*/ 592890 w 592890"/>
+              <a:gd name="connsiteY2" fmla="*/ 806746 h 997971"/>
+              <a:gd name="connsiteX3" fmla="*/ 386188 w 592890"/>
+              <a:gd name="connsiteY3" fmla="*/ 730570 h 997971"/>
+              <a:gd name="connsiteX4" fmla="*/ 386188 w 592890"/>
+              <a:gd name="connsiteY4" fmla="*/ 997971 h 997971"/>
+              <a:gd name="connsiteX5" fmla="*/ 206702 w 592890"/>
+              <a:gd name="connsiteY5" fmla="*/ 997971 h 997971"/>
+              <a:gd name="connsiteX6" fmla="*/ 206702 w 592890"/>
+              <a:gd name="connsiteY6" fmla="*/ 735333 h 997971"/>
+              <a:gd name="connsiteX7" fmla="*/ 0 w 592890"/>
+              <a:gd name="connsiteY7" fmla="*/ 806746 h 997971"/>
+            </a:gdLst>
+            <a:ahLst/>
+            <a:cxnLst>
+              <a:cxn ang="0">
+                <a:pos x="connsiteX0" y="connsiteY0"/>
+              </a:cxn>
+              <a:cxn ang="0">
+                <a:pos x="connsiteX1" y="connsiteY1"/>
+              </a:cxn>
+              <a:cxn ang="0">
+                <a:pos x="connsiteX2" y="connsiteY2"/>
+              </a:cxn>
+              <a:cxn ang="0">
+                <a:pos x="connsiteX3" y="connsiteY3"/>
+              </a:cxn>
+              <a:cxn ang="0">
+                <a:pos x="connsiteX4" y="connsiteY4"/>
+              </a:cxn>
+              <a:cxn ang="0">
+                <a:pos x="connsiteX5" y="connsiteY5"/>
+              </a:cxn>
+              <a:cxn ang="0">
+                <a:pos x="connsiteX6" y="connsiteY6"/>
+              </a:cxn>
+              <a:cxn ang="0">
+                <a:pos x="connsiteX7" y="connsiteY7"/>
+              </a:cxn>
+            </a:cxnLst>
+            <a:rect l="l" t="t" r="r" b="b"/>
+            <a:pathLst>
+              <a:path w="592890" h="997971">
+                <a:moveTo>
+                  <a:pt x="0" y="806746"/>
+                </a:moveTo>
+                <a:lnTo>
+                  <a:pt x="296445" y="0"/>
+                </a:lnTo>
+                <a:lnTo>
+                  <a:pt x="592890" y="806746"/>
+                </a:lnTo>
+                <a:lnTo>
+                  <a:pt x="386188" y="730570"/>
+                </a:lnTo>
+                <a:lnTo>
+                  <a:pt x="386188" y="997971"/>
+                </a:lnTo>
+                <a:lnTo>
+                  <a:pt x="206702" y="997971"/>
+                </a:lnTo>
+                <a:lnTo>
+                  <a:pt x="206702" y="735333"/>
+                </a:lnTo>
+                <a:lnTo>
+                  <a:pt x="0" y="806746"/>
+                </a:lnTo>
+                <a:close/>
+              </a:path>
+            </a:pathLst>
+          </a:custGeom>
+          <a:solidFill>
+            <a:srgbClr val="FFFFFF"/>
+          </a:solidFill>
+          <a:ln w="3175">
+            <a:solidFill>
+              <a:srgbClr val="000000">
+                <a:lumMod val="85000"/>
+                <a:lumOff val="15000"/>
+              </a:srgbClr>
+            </a:solidFill>
+          </a:ln>
+          <a:effectLst>
+            <a:glow rad="139700">
+              <a:srgbClr val="F79646">
+                <a:satMod val="175000"/>
+                <a:alpha val="40000"/>
+              </a:srgbClr>
+            </a:glow>
+            <a:outerShdw blurRad="25400" dist="25400" dir="2040000" algn="tl" rotWithShape="0">
+              <a:prstClr val="black">
+                <a:alpha val="20000"/>
+              </a:prstClr>
+            </a:outerShdw>
+          </a:effectLst>
+        </p:spPr>
+        <p:style>
+          <a:lnRef idx="2">
+            <a:srgbClr val="4F81BD">
+              <a:shade val="50000"/>
+            </a:srgbClr>
+          </a:lnRef>
+          <a:fillRef idx="1">
+            <a:srgbClr val="4F81BD"/>
+          </a:fillRef>
+          <a:effectRef idx="0">
+            <a:srgbClr val="4F81BD"/>
+          </a:effectRef>
+          <a:fontRef idx="minor">
+            <a:srgbClr val="000000"/>
+          </a:fontRef>
+        </p:style>
+        <p:txBody>
+          <a:bodyPr lIns="97531" tIns="48766" rIns="97531" bIns="48766" rtlCol="0" anchor="ctr"/>
+          <a:lstStyle>
+            <a:defPPr>
+              <a:defRPr lang="en-US"/>
+            </a:defPPr>
+            <a:lvl1pPr marL="0" algn="l" defTabSz="914400" rtl="0" eaLnBrk="1" latinLnBrk="0" hangingPunct="1">
+              <a:defRPr sz="1800" kern="1200">
+                <a:solidFill>
+                  <a:srgbClr val="000000"/>
+                </a:solidFill>
+                <a:latin typeface="+mn-lt"/>
+                <a:ea typeface="+mn-ea"/>
+                <a:cs typeface="+mn-cs"/>
+              </a:defRPr>
+            </a:lvl1pPr>
+            <a:lvl2pPr marL="457200" algn="l" defTabSz="914400" rtl="0" eaLnBrk="1" latinLnBrk="0" hangingPunct="1">
+              <a:defRPr sz="1800" kern="1200">
+                <a:solidFill>
+                  <a:srgbClr val="000000"/>
+                </a:solidFill>
+                <a:latin typeface="+mn-lt"/>
+                <a:ea typeface="+mn-ea"/>
+                <a:cs typeface="+mn-cs"/>
+              </a:defRPr>
+            </a:lvl2pPr>
+            <a:lvl3pPr marL="914400" algn="l" defTabSz="914400" rtl="0" eaLnBrk="1" latinLnBrk="0" hangingPunct="1">
+              <a:defRPr sz="1800" kern="1200">
+                <a:solidFill>
+                  <a:srgbClr val="000000"/>
+                </a:solidFill>
+                <a:latin typeface="+mn-lt"/>
+                <a:ea typeface="+mn-ea"/>
+                <a:cs typeface="+mn-cs"/>
+              </a:defRPr>
+            </a:lvl3pPr>
+            <a:lvl4pPr marL="1371600" algn="l" defTabSz="914400" rtl="0" eaLnBrk="1" latinLnBrk="0" hangingPunct="1">
+              <a:defRPr sz="1800" kern="1200">
+                <a:solidFill>
+                  <a:srgbClr val="000000"/>
+                </a:solidFill>
+                <a:latin typeface="+mn-lt"/>
+                <a:ea typeface="+mn-ea"/>
+                <a:cs typeface="+mn-cs"/>
+              </a:defRPr>
+            </a:lvl4pPr>
+            <a:lvl5pPr marL="1828800" algn="l" defTabSz="914400" rtl="0" eaLnBrk="1" latinLnBrk="0" hangingPunct="1">
+              <a:defRPr sz="1800" kern="1200">
+                <a:solidFill>
+                  <a:srgbClr val="000000"/>
+                </a:solidFill>
+                <a:latin typeface="+mn-lt"/>
+                <a:ea typeface="+mn-ea"/>
+                <a:cs typeface="+mn-cs"/>
+              </a:defRPr>
+            </a:lvl5pPr>
+            <a:lvl6pPr marL="2286000" algn="l" defTabSz="914400" rtl="0" eaLnBrk="1" latinLnBrk="0" hangingPunct="1">
+              <a:defRPr sz="1800" kern="1200">
+                <a:solidFill>
+                  <a:srgbClr val="000000"/>
+                </a:solidFill>
+                <a:latin typeface="+mn-lt"/>
+                <a:ea typeface="+mn-ea"/>
+                <a:cs typeface="+mn-cs"/>
+              </a:defRPr>
+            </a:lvl6pPr>
+            <a:lvl7pPr marL="2743200" algn="l" defTabSz="914400" rtl="0" eaLnBrk="1" latinLnBrk="0" hangingPunct="1">
+              <a:defRPr sz="1800" kern="1200">
+                <a:solidFill>
+                  <a:srgbClr val="000000"/>
+                </a:solidFill>
+                <a:latin typeface="+mn-lt"/>
+                <a:ea typeface="+mn-ea"/>
+                <a:cs typeface="+mn-cs"/>
+              </a:defRPr>
+            </a:lvl7pPr>
+            <a:lvl8pPr marL="3200400" algn="l" defTabSz="914400" rtl="0" eaLnBrk="1" latinLnBrk="0" hangingPunct="1">
+              <a:defRPr sz="1800" kern="1200">
+                <a:solidFill>
+                  <a:srgbClr val="000000"/>
+                </a:solidFill>
+                <a:latin typeface="+mn-lt"/>
+                <a:ea typeface="+mn-ea"/>
+                <a:cs typeface="+mn-cs"/>
+              </a:defRPr>
+            </a:lvl8pPr>
+            <a:lvl9pPr marL="3657600" algn="l" defTabSz="914400" rtl="0" eaLnBrk="1" latinLnBrk="0" hangingPunct="1">
+              <a:defRPr sz="1800" kern="1200">
+                <a:solidFill>
+                  <a:srgbClr val="000000"/>
+                </a:solidFill>
+                <a:latin typeface="+mn-lt"/>
+                <a:ea typeface="+mn-ea"/>
+                <a:cs typeface="+mn-cs"/>
+              </a:defRPr>
+            </a:lvl9pPr>
+          </a:lstStyle>
+          <a:p>
+            <a:pPr algn="ctr"/>
+            <a:endParaRPr lang="en-US" dirty="0"/>
+          </a:p>
+        </p:txBody>
+      </p:sp>
+      <p:sp>
+        <p:nvSpPr>
+          <p:cNvPr id="32" name="MouseClick"/>
+          <p:cNvSpPr/>
+          <p:nvPr>
+            <p:custDataLst>
+              <p:custData r:id="rId8"/>
+            </p:custDataLst>
+          </p:nvPr>
+        </p:nvSpPr>
+        <p:spPr>
+          <a:xfrm rot="20359169">
+            <a:off x="1943773" y="1247753"/>
+            <a:ext cx="151053" cy="247694"/>
+          </a:xfrm>
+          <a:custGeom>
+            <a:avLst/>
+            <a:gdLst>
+              <a:gd name="connsiteX0" fmla="*/ 0 w 592890"/>
+              <a:gd name="connsiteY0" fmla="*/ 806746 h 997971"/>
+              <a:gd name="connsiteX1" fmla="*/ 296445 w 592890"/>
+              <a:gd name="connsiteY1" fmla="*/ 0 h 997971"/>
+              <a:gd name="connsiteX2" fmla="*/ 592890 w 592890"/>
+              <a:gd name="connsiteY2" fmla="*/ 806746 h 997971"/>
+              <a:gd name="connsiteX3" fmla="*/ 386188 w 592890"/>
+              <a:gd name="connsiteY3" fmla="*/ 806746 h 997971"/>
+              <a:gd name="connsiteX4" fmla="*/ 386188 w 592890"/>
+              <a:gd name="connsiteY4" fmla="*/ 997971 h 997971"/>
+              <a:gd name="connsiteX5" fmla="*/ 206702 w 592890"/>
+              <a:gd name="connsiteY5" fmla="*/ 997971 h 997971"/>
+              <a:gd name="connsiteX6" fmla="*/ 206702 w 592890"/>
+              <a:gd name="connsiteY6" fmla="*/ 806746 h 997971"/>
+              <a:gd name="connsiteX7" fmla="*/ 0 w 592890"/>
+              <a:gd name="connsiteY7" fmla="*/ 806746 h 997971"/>
+              <a:gd name="connsiteX0" fmla="*/ 0 w 592890"/>
+              <a:gd name="connsiteY0" fmla="*/ 806746 h 997971"/>
+              <a:gd name="connsiteX1" fmla="*/ 296445 w 592890"/>
+              <a:gd name="connsiteY1" fmla="*/ 0 h 997971"/>
+              <a:gd name="connsiteX2" fmla="*/ 592890 w 592890"/>
+              <a:gd name="connsiteY2" fmla="*/ 806746 h 997971"/>
+              <a:gd name="connsiteX3" fmla="*/ 386188 w 592890"/>
+              <a:gd name="connsiteY3" fmla="*/ 766438 h 997971"/>
+              <a:gd name="connsiteX4" fmla="*/ 386188 w 592890"/>
+              <a:gd name="connsiteY4" fmla="*/ 997971 h 997971"/>
+              <a:gd name="connsiteX5" fmla="*/ 206702 w 592890"/>
+              <a:gd name="connsiteY5" fmla="*/ 997971 h 997971"/>
+              <a:gd name="connsiteX6" fmla="*/ 206702 w 592890"/>
+              <a:gd name="connsiteY6" fmla="*/ 806746 h 997971"/>
+              <a:gd name="connsiteX7" fmla="*/ 0 w 592890"/>
+              <a:gd name="connsiteY7" fmla="*/ 806746 h 997971"/>
+              <a:gd name="connsiteX0" fmla="*/ 0 w 592890"/>
+              <a:gd name="connsiteY0" fmla="*/ 806746 h 997971"/>
+              <a:gd name="connsiteX1" fmla="*/ 296445 w 592890"/>
+              <a:gd name="connsiteY1" fmla="*/ 0 h 997971"/>
+              <a:gd name="connsiteX2" fmla="*/ 592890 w 592890"/>
+              <a:gd name="connsiteY2" fmla="*/ 806746 h 997971"/>
+              <a:gd name="connsiteX3" fmla="*/ 386188 w 592890"/>
+              <a:gd name="connsiteY3" fmla="*/ 766438 h 997971"/>
+              <a:gd name="connsiteX4" fmla="*/ 386188 w 592890"/>
+              <a:gd name="connsiteY4" fmla="*/ 997971 h 997971"/>
+              <a:gd name="connsiteX5" fmla="*/ 206702 w 592890"/>
+              <a:gd name="connsiteY5" fmla="*/ 997971 h 997971"/>
+              <a:gd name="connsiteX6" fmla="*/ 206702 w 592890"/>
+              <a:gd name="connsiteY6" fmla="*/ 764057 h 997971"/>
+              <a:gd name="connsiteX7" fmla="*/ 0 w 592890"/>
+              <a:gd name="connsiteY7" fmla="*/ 806746 h 997971"/>
+              <a:gd name="connsiteX0" fmla="*/ 0 w 592890"/>
+              <a:gd name="connsiteY0" fmla="*/ 806746 h 997971"/>
+              <a:gd name="connsiteX1" fmla="*/ 296445 w 592890"/>
+              <a:gd name="connsiteY1" fmla="*/ 0 h 997971"/>
+              <a:gd name="connsiteX2" fmla="*/ 592890 w 592890"/>
+              <a:gd name="connsiteY2" fmla="*/ 806746 h 997971"/>
+              <a:gd name="connsiteX3" fmla="*/ 386188 w 592890"/>
+              <a:gd name="connsiteY3" fmla="*/ 766438 h 997971"/>
+              <a:gd name="connsiteX4" fmla="*/ 386188 w 592890"/>
+              <a:gd name="connsiteY4" fmla="*/ 997971 h 997971"/>
+              <a:gd name="connsiteX5" fmla="*/ 206702 w 592890"/>
+              <a:gd name="connsiteY5" fmla="*/ 997971 h 997971"/>
+              <a:gd name="connsiteX6" fmla="*/ 206702 w 592890"/>
+              <a:gd name="connsiteY6" fmla="*/ 735333 h 997971"/>
+              <a:gd name="connsiteX7" fmla="*/ 0 w 592890"/>
+              <a:gd name="connsiteY7" fmla="*/ 806746 h 997971"/>
+              <a:gd name="connsiteX0" fmla="*/ 0 w 592890"/>
+              <a:gd name="connsiteY0" fmla="*/ 806746 h 997971"/>
+              <a:gd name="connsiteX1" fmla="*/ 296445 w 592890"/>
+              <a:gd name="connsiteY1" fmla="*/ 0 h 997971"/>
+              <a:gd name="connsiteX2" fmla="*/ 592890 w 592890"/>
+              <a:gd name="connsiteY2" fmla="*/ 806746 h 997971"/>
+              <a:gd name="connsiteX3" fmla="*/ 386188 w 592890"/>
+              <a:gd name="connsiteY3" fmla="*/ 730570 h 997971"/>
+              <a:gd name="connsiteX4" fmla="*/ 386188 w 592890"/>
+              <a:gd name="connsiteY4" fmla="*/ 997971 h 997971"/>
+              <a:gd name="connsiteX5" fmla="*/ 206702 w 592890"/>
+              <a:gd name="connsiteY5" fmla="*/ 997971 h 997971"/>
+              <a:gd name="connsiteX6" fmla="*/ 206702 w 592890"/>
+              <a:gd name="connsiteY6" fmla="*/ 735333 h 997971"/>
+              <a:gd name="connsiteX7" fmla="*/ 0 w 592890"/>
+              <a:gd name="connsiteY7" fmla="*/ 806746 h 997971"/>
+            </a:gdLst>
+            <a:ahLst/>
+            <a:cxnLst>
+              <a:cxn ang="0">
+                <a:pos x="connsiteX0" y="connsiteY0"/>
+              </a:cxn>
+              <a:cxn ang="0">
+                <a:pos x="connsiteX1" y="connsiteY1"/>
+              </a:cxn>
+              <a:cxn ang="0">
+                <a:pos x="connsiteX2" y="connsiteY2"/>
+              </a:cxn>
+              <a:cxn ang="0">
+                <a:pos x="connsiteX3" y="connsiteY3"/>
+              </a:cxn>
+              <a:cxn ang="0">
+                <a:pos x="connsiteX4" y="connsiteY4"/>
+              </a:cxn>
+              <a:cxn ang="0">
+                <a:pos x="connsiteX5" y="connsiteY5"/>
+              </a:cxn>
+              <a:cxn ang="0">
+                <a:pos x="connsiteX6" y="connsiteY6"/>
+              </a:cxn>
+              <a:cxn ang="0">
+                <a:pos x="connsiteX7" y="connsiteY7"/>
+              </a:cxn>
+            </a:cxnLst>
+            <a:rect l="l" t="t" r="r" b="b"/>
+            <a:pathLst>
+              <a:path w="592890" h="997971">
+                <a:moveTo>
+                  <a:pt x="0" y="806746"/>
+                </a:moveTo>
+                <a:lnTo>
+                  <a:pt x="296445" y="0"/>
+                </a:lnTo>
+                <a:lnTo>
+                  <a:pt x="592890" y="806746"/>
+                </a:lnTo>
+                <a:lnTo>
+                  <a:pt x="386188" y="730570"/>
+                </a:lnTo>
+                <a:lnTo>
+                  <a:pt x="386188" y="997971"/>
+                </a:lnTo>
+                <a:lnTo>
+                  <a:pt x="206702" y="997971"/>
+                </a:lnTo>
+                <a:lnTo>
+                  <a:pt x="206702" y="735333"/>
+                </a:lnTo>
+                <a:lnTo>
+                  <a:pt x="0" y="806746"/>
+                </a:lnTo>
+                <a:close/>
+              </a:path>
+            </a:pathLst>
+          </a:custGeom>
+          <a:solidFill>
+            <a:srgbClr val="FFFFFF"/>
+          </a:solidFill>
+          <a:ln w="3175">
+            <a:solidFill>
+              <a:srgbClr val="000000">
+                <a:lumMod val="85000"/>
+                <a:lumOff val="15000"/>
+              </a:srgbClr>
+            </a:solidFill>
+          </a:ln>
+          <a:effectLst>
+            <a:glow rad="139700">
+              <a:srgbClr val="F79646">
+                <a:satMod val="175000"/>
+                <a:alpha val="40000"/>
+              </a:srgbClr>
+            </a:glow>
+            <a:outerShdw blurRad="25400" dist="25400" dir="2040000" algn="tl" rotWithShape="0">
+              <a:prstClr val="black">
+                <a:alpha val="20000"/>
+              </a:prstClr>
+            </a:outerShdw>
+          </a:effectLst>
+        </p:spPr>
+        <p:style>
+          <a:lnRef idx="2">
+            <a:srgbClr val="4F81BD">
+              <a:shade val="50000"/>
+            </a:srgbClr>
+          </a:lnRef>
+          <a:fillRef idx="1">
+            <a:srgbClr val="4F81BD"/>
+          </a:fillRef>
+          <a:effectRef idx="0">
+            <a:srgbClr val="4F81BD"/>
+          </a:effectRef>
+          <a:fontRef idx="minor">
+            <a:srgbClr val="000000"/>
+          </a:fontRef>
+        </p:style>
+        <p:txBody>
+          <a:bodyPr lIns="97531" tIns="48766" rIns="97531" bIns="48766" rtlCol="0" anchor="ctr"/>
+          <a:lstStyle>
+            <a:defPPr>
+              <a:defRPr lang="en-US"/>
+            </a:defPPr>
+            <a:lvl1pPr marL="0" algn="l" defTabSz="914400" rtl="0" eaLnBrk="1" latinLnBrk="0" hangingPunct="1">
+              <a:defRPr sz="1800" kern="1200">
+                <a:solidFill>
+                  <a:srgbClr val="000000"/>
+                </a:solidFill>
+                <a:latin typeface="+mn-lt"/>
+                <a:ea typeface="+mn-ea"/>
+                <a:cs typeface="+mn-cs"/>
+              </a:defRPr>
+            </a:lvl1pPr>
+            <a:lvl2pPr marL="457200" algn="l" defTabSz="914400" rtl="0" eaLnBrk="1" latinLnBrk="0" hangingPunct="1">
+              <a:defRPr sz="1800" kern="1200">
+                <a:solidFill>
+                  <a:srgbClr val="000000"/>
+                </a:solidFill>
+                <a:latin typeface="+mn-lt"/>
+                <a:ea typeface="+mn-ea"/>
+                <a:cs typeface="+mn-cs"/>
+              </a:defRPr>
+            </a:lvl2pPr>
+            <a:lvl3pPr marL="914400" algn="l" defTabSz="914400" rtl="0" eaLnBrk="1" latinLnBrk="0" hangingPunct="1">
+              <a:defRPr sz="1800" kern="1200">
+                <a:solidFill>
+                  <a:srgbClr val="000000"/>
+                </a:solidFill>
+                <a:latin typeface="+mn-lt"/>
+                <a:ea typeface="+mn-ea"/>
+                <a:cs typeface="+mn-cs"/>
+              </a:defRPr>
+            </a:lvl3pPr>
+            <a:lvl4pPr marL="1371600" algn="l" defTabSz="914400" rtl="0" eaLnBrk="1" latinLnBrk="0" hangingPunct="1">
+              <a:defRPr sz="1800" kern="1200">
+                <a:solidFill>
+                  <a:srgbClr val="000000"/>
+                </a:solidFill>
+                <a:latin typeface="+mn-lt"/>
+                <a:ea typeface="+mn-ea"/>
+                <a:cs typeface="+mn-cs"/>
+              </a:defRPr>
+            </a:lvl4pPr>
+            <a:lvl5pPr marL="1828800" algn="l" defTabSz="914400" rtl="0" eaLnBrk="1" latinLnBrk="0" hangingPunct="1">
+              <a:defRPr sz="1800" kern="1200">
+                <a:solidFill>
+                  <a:srgbClr val="000000"/>
+                </a:solidFill>
+                <a:latin typeface="+mn-lt"/>
+                <a:ea typeface="+mn-ea"/>
+                <a:cs typeface="+mn-cs"/>
+              </a:defRPr>
+            </a:lvl5pPr>
+            <a:lvl6pPr marL="2286000" algn="l" defTabSz="914400" rtl="0" eaLnBrk="1" latinLnBrk="0" hangingPunct="1">
+              <a:defRPr sz="1800" kern="1200">
+                <a:solidFill>
+                  <a:srgbClr val="000000"/>
+                </a:solidFill>
+                <a:latin typeface="+mn-lt"/>
+                <a:ea typeface="+mn-ea"/>
+                <a:cs typeface="+mn-cs"/>
+              </a:defRPr>
+            </a:lvl6pPr>
+            <a:lvl7pPr marL="2743200" algn="l" defTabSz="914400" rtl="0" eaLnBrk="1" latinLnBrk="0" hangingPunct="1">
+              <a:defRPr sz="1800" kern="1200">
+                <a:solidFill>
+                  <a:srgbClr val="000000"/>
+                </a:solidFill>
+                <a:latin typeface="+mn-lt"/>
+                <a:ea typeface="+mn-ea"/>
+                <a:cs typeface="+mn-cs"/>
+              </a:defRPr>
+            </a:lvl7pPr>
+            <a:lvl8pPr marL="3200400" algn="l" defTabSz="914400" rtl="0" eaLnBrk="1" latinLnBrk="0" hangingPunct="1">
+              <a:defRPr sz="1800" kern="1200">
+                <a:solidFill>
+                  <a:srgbClr val="000000"/>
+                </a:solidFill>
+                <a:latin typeface="+mn-lt"/>
+                <a:ea typeface="+mn-ea"/>
+                <a:cs typeface="+mn-cs"/>
+              </a:defRPr>
+            </a:lvl8pPr>
+            <a:lvl9pPr marL="3657600" algn="l" defTabSz="914400" rtl="0" eaLnBrk="1" latinLnBrk="0" hangingPunct="1">
+              <a:defRPr sz="1800" kern="1200">
+                <a:solidFill>
+                  <a:srgbClr val="000000"/>
+                </a:solidFill>
+                <a:latin typeface="+mn-lt"/>
+                <a:ea typeface="+mn-ea"/>
+                <a:cs typeface="+mn-cs"/>
+              </a:defRPr>
+            </a:lvl9pPr>
+          </a:lstStyle>
+          <a:p>
+            <a:pPr algn="ctr"/>
+            <a:endParaRPr lang="en-US" dirty="0"/>
+          </a:p>
+        </p:txBody>
+      </p:sp>
+      <p:grpSp>
+        <p:nvGrpSpPr>
+          <p:cNvPr id="33" name="StickyNote"/>
+          <p:cNvGrpSpPr/>
+          <p:nvPr>
+            <p:custDataLst>
+              <p:custData r:id="rId9"/>
+            </p:custDataLst>
+          </p:nvPr>
+        </p:nvGrpSpPr>
+        <p:grpSpPr>
+          <a:xfrm>
+            <a:off x="2859088" y="2379776"/>
+            <a:ext cx="1371600" cy="1485673"/>
+            <a:chOff x="3886200" y="2629127"/>
+            <a:chExt cx="1371600" cy="1485673"/>
+          </a:xfrm>
+        </p:grpSpPr>
+        <p:sp>
+          <p:nvSpPr>
+            <p:cNvPr id="34" name="Content"/>
+            <p:cNvSpPr/>
+            <p:nvPr/>
+          </p:nvSpPr>
+          <p:spPr>
+            <a:xfrm>
+              <a:off x="3886200" y="2743200"/>
+              <a:ext cx="1371600" cy="1371600"/>
+            </a:xfrm>
+            <a:prstGeom prst="rect">
+              <a:avLst/>
+            </a:prstGeom>
+            <a:gradFill>
+              <a:gsLst>
+                <a:gs pos="100000">
+                  <a:srgbClr val="FFFF89"/>
+                </a:gs>
+                <a:gs pos="0">
+                  <a:srgbClr val="FFFF99"/>
+                </a:gs>
+              </a:gsLst>
+              <a:lin ang="5400000" scaled="0"/>
+            </a:gradFill>
+            <a:ln w="3175">
+              <a:solidFill>
+                <a:srgbClr val="FFFFFF">
+                  <a:lumMod val="50000"/>
+                </a:srgbClr>
+              </a:solidFill>
+            </a:ln>
+            <a:effectLst/>
+          </p:spPr>
+          <p:style>
+            <a:lnRef idx="2">
+              <a:srgbClr val="4F81BD">
+                <a:shade val="50000"/>
+              </a:srgbClr>
+            </a:lnRef>
+            <a:fillRef idx="1">
+              <a:srgbClr val="4F81BD"/>
+            </a:fillRef>
+            <a:effectRef idx="0">
+              <a:srgbClr val="4F81BD"/>
+            </a:effectRef>
+            <a:fontRef idx="minor">
+              <a:srgbClr val="000000"/>
+            </a:fontRef>
+          </p:style>
+          <p:txBody>
+            <a:bodyPr lIns="91440" tIns="137160" rIns="91440" bIns="45720" rtlCol="0" anchor="t" anchorCtr="0">
+              <a:normAutofit/>
+            </a:bodyPr>
+            <a:lstStyle/>
+            <a:p>
+              <a:r>
+                <a:rPr lang="en-US" sz="1200" dirty="0" smtClean="0">
+                  <a:solidFill>
+                    <a:sysClr val="windowText" lastClr="000000"/>
+                  </a:solidFill>
+                  <a:latin typeface="Segoe UI" pitchFamily="34" charset="0"/>
+                  <a:cs typeface="Segoe UI" pitchFamily="34" charset="0"/>
+                </a:rPr>
+                <a:t>Windows explorer file chooser</a:t>
+              </a:r>
+              <a:endParaRPr lang="en-US" sz="1200" dirty="0">
+                <a:solidFill>
+                  <a:sysClr val="windowText" lastClr="000000"/>
+                </a:solidFill>
+                <a:latin typeface="Segoe UI" pitchFamily="34" charset="0"/>
+                <a:cs typeface="Segoe UI" pitchFamily="34" charset="0"/>
+              </a:endParaRPr>
+            </a:p>
+          </p:txBody>
+        </p:sp>
+        <p:sp>
+          <p:nvSpPr>
+            <p:cNvPr id="35" name="Tape"/>
+            <p:cNvSpPr/>
+            <p:nvPr/>
+          </p:nvSpPr>
+          <p:spPr>
+            <a:xfrm rot="401918">
+              <a:off x="4290086" y="2629127"/>
+              <a:ext cx="563828" cy="215444"/>
+            </a:xfrm>
+            <a:prstGeom prst="rect">
+              <a:avLst/>
+            </a:prstGeom>
+            <a:solidFill>
+              <a:srgbClr val="C00000"/>
+            </a:solidFill>
+            <a:ln w="3175" cap="flat" cmpd="sng" algn="ctr">
+              <a:solidFill>
+                <a:srgbClr val="FFFFFF">
+                  <a:lumMod val="50000"/>
+                </a:srgbClr>
+              </a:solidFill>
+              <a:prstDash val="solid"/>
+            </a:ln>
+            <a:effectLst/>
+          </p:spPr>
+          <p:txBody>
+            <a:bodyPr rot="0" spcFirstLastPara="0" vertOverflow="overflow" horzOverflow="overflow" vert="horz" wrap="square" lIns="45720" tIns="45720" rIns="91440" bIns="45720" numCol="1" spcCol="0" rtlCol="0" fromWordArt="0" anchor="ctr" anchorCtr="0" forceAA="0" compatLnSpc="1">
+              <a:prstTxWarp prst="textNoShape">
+                <a:avLst/>
+              </a:prstTxWarp>
+              <a:noAutofit/>
+            </a:bodyPr>
+            <a:lstStyle/>
+            <a:p>
+              <a:pPr marL="0" marR="0" indent="0" algn="ctr" defTabSz="914400" eaLnBrk="1" fontAlgn="auto" latinLnBrk="0" hangingPunct="1">
+                <a:lnSpc>
+                  <a:spcPct val="100000"/>
+                </a:lnSpc>
+                <a:spcBef>
+                  <a:spcPts val="0"/>
+                </a:spcBef>
+                <a:spcAft>
+                  <a:spcPts val="0"/>
+                </a:spcAft>
+                <a:buClrTx/>
+                <a:buSzTx/>
+                <a:buFontTx/>
+                <a:buNone/>
+                <a:tabLst/>
+              </a:pPr>
+              <a:endParaRPr kumimoji="0" lang="en-US" sz="800" b="0" i="0" u="none" strike="noStrike" kern="0" cap="none" spc="0" normalizeH="0" baseline="0" noProof="0" dirty="0" smtClean="0">
+                <a:ln>
+                  <a:noFill/>
+                </a:ln>
+                <a:solidFill>
+                  <a:srgbClr val="000000">
+                    <a:lumMod val="75000"/>
+                    <a:lumOff val="25000"/>
+                  </a:srgbClr>
+                </a:solidFill>
+                <a:effectLst/>
+                <a:uLnTx/>
+                <a:uFillTx/>
+                <a:latin typeface="Segoe UI"/>
+                <a:ea typeface="+mn-ea"/>
+                <a:cs typeface="+mn-cs"/>
+              </a:endParaRPr>
+            </a:p>
+          </p:txBody>
+        </p:sp>
+      </p:grpSp>
     </p:spTree>
     <p:extLst>
       <p:ext uri="{BB962C8B-B14F-4D97-AF65-F5344CB8AC3E}">
@@ -8758,9 +10861,282 @@
   <p:timing>
     <p:tnLst>
       <p:par>
-        <p:cTn id="1" dur="indefinite" restart="never" nodeType="tmRoot"/>
+        <p:cTn id="1" dur="indefinite" restart="never" nodeType="tmRoot">
+          <p:childTnLst>
+            <p:seq concurrent="1" nextAc="seek">
+              <p:cTn id="2" dur="indefinite" nodeType="mainSeq">
+                <p:childTnLst>
+                  <p:par>
+                    <p:cTn id="3" fill="hold">
+                      <p:stCondLst>
+                        <p:cond delay="indefinite"/>
+                      </p:stCondLst>
+                      <p:childTnLst>
+                        <p:par>
+                          <p:cTn id="4" fill="hold">
+                            <p:stCondLst>
+                              <p:cond delay="0"/>
+                            </p:stCondLst>
+                            <p:childTnLst>
+                              <p:par>
+                                <p:cTn id="5" presetID="0" presetClass="path" presetSubtype="0" accel="50000" decel="50000" fill="hold" grpId="0" nodeType="clickEffect">
+                                  <p:stCondLst>
+                                    <p:cond delay="0"/>
+                                  </p:stCondLst>
+                                  <p:childTnLst>
+                                    <p:animMotion origin="layout" path="M 8.33333E-7 3.33333E-6 C -0.03299 0.00023 -0.06719 -0.0007 -0.09948 0.00115 C -0.12413 0.00277 -0.1441 0.00717 -0.16649 0.00995 C -0.25469 0.02152 -0.29219 0.03796 -0.34236 0.05856 C -0.35747 0.07152 -0.3658 0.08402 -0.3658 0.09768 " pathEditMode="relative" rAng="0" ptsTypes="AAAAA">
+                                      <p:cBhvr>
+                                        <p:cTn id="6" dur="2000" fill="hold"/>
+                                        <p:tgtEl>
+                                          <p:spTgt spid="31"/>
+                                        </p:tgtEl>
+                                        <p:attrNameLst>
+                                          <p:attrName>ppt_x</p:attrName>
+                                          <p:attrName>ppt_y</p:attrName>
+                                        </p:attrNameLst>
+                                      </p:cBhvr>
+                                      <p:rCtr x="-18299" y="4884"/>
+                                    </p:animMotion>
+                                  </p:childTnLst>
+                                </p:cTn>
+                              </p:par>
+                            </p:childTnLst>
+                          </p:cTn>
+                        </p:par>
+                        <p:par>
+                          <p:cTn id="7" fill="hold">
+                            <p:stCondLst>
+                              <p:cond delay="2000"/>
+                            </p:stCondLst>
+                            <p:childTnLst>
+                              <p:par>
+                                <p:cTn id="8" presetID="23" presetClass="exit" presetSubtype="32" fill="remove" grpId="1" nodeType="afterEffect">
+                                  <p:stCondLst>
+                                    <p:cond delay="0"/>
+                                  </p:stCondLst>
+                                  <p:childTnLst>
+                                    <p:anim calcmode="lin" valueType="num">
+                                      <p:cBhvr>
+                                        <p:cTn id="9" dur="100"/>
+                                        <p:tgtEl>
+                                          <p:spTgt spid="31"/>
+                                        </p:tgtEl>
+                                        <p:attrNameLst>
+                                          <p:attrName>ppt_w</p:attrName>
+                                        </p:attrNameLst>
+                                      </p:cBhvr>
+                                      <p:tavLst>
+                                        <p:tav tm="0">
+                                          <p:val>
+                                            <p:strVal val="ppt_w"/>
+                                          </p:val>
+                                        </p:tav>
+                                        <p:tav tm="100000">
+                                          <p:val>
+                                            <p:fltVal val="0"/>
+                                          </p:val>
+                                        </p:tav>
+                                      </p:tavLst>
+                                    </p:anim>
+                                    <p:anim calcmode="lin" valueType="num">
+                                      <p:cBhvr>
+                                        <p:cTn id="10" dur="100"/>
+                                        <p:tgtEl>
+                                          <p:spTgt spid="31"/>
+                                        </p:tgtEl>
+                                        <p:attrNameLst>
+                                          <p:attrName>ppt_h</p:attrName>
+                                        </p:attrNameLst>
+                                      </p:cBhvr>
+                                      <p:tavLst>
+                                        <p:tav tm="0">
+                                          <p:val>
+                                            <p:strVal val="ppt_h"/>
+                                          </p:val>
+                                        </p:tav>
+                                        <p:tav tm="100000">
+                                          <p:val>
+                                            <p:fltVal val="0"/>
+                                          </p:val>
+                                        </p:tav>
+                                      </p:tavLst>
+                                    </p:anim>
+                                    <p:set>
+                                      <p:cBhvr>
+                                        <p:cTn id="11" dur="1" fill="hold">
+                                          <p:stCondLst>
+                                            <p:cond delay="99"/>
+                                          </p:stCondLst>
+                                        </p:cTn>
+                                        <p:tgtEl>
+                                          <p:spTgt spid="31"/>
+                                        </p:tgtEl>
+                                        <p:attrNameLst>
+                                          <p:attrName>style.visibility</p:attrName>
+                                        </p:attrNameLst>
+                                      </p:cBhvr>
+                                      <p:to>
+                                        <p:strVal val="hidden"/>
+                                      </p:to>
+                                    </p:set>
+                                  </p:childTnLst>
+                                </p:cTn>
+                              </p:par>
+                            </p:childTnLst>
+                          </p:cTn>
+                        </p:par>
+                      </p:childTnLst>
+                    </p:cTn>
+                  </p:par>
+                  <p:par>
+                    <p:cTn id="12" fill="hold">
+                      <p:stCondLst>
+                        <p:cond delay="indefinite"/>
+                      </p:stCondLst>
+                      <p:childTnLst>
+                        <p:par>
+                          <p:cTn id="13" fill="hold">
+                            <p:stCondLst>
+                              <p:cond delay="0"/>
+                            </p:stCondLst>
+                            <p:childTnLst>
+                              <p:par>
+                                <p:cTn id="14" presetID="0" presetClass="path" presetSubtype="0" accel="50000" decel="50000" fill="hold" grpId="0" nodeType="clickEffect">
+                                  <p:stCondLst>
+                                    <p:cond delay="0"/>
+                                  </p:stCondLst>
+                                  <p:childTnLst>
+                                    <p:animMotion origin="layout" path="M -0.01216 -0.02315 C -0.01337 -0.02269 -0.01441 -0.02384 -0.01563 -0.02153 C -0.01632 -0.01968 -0.01702 -0.01435 -0.01771 -0.01088 C -0.02066 0.00324 -0.02188 0.02361 -0.02361 0.04884 C -0.02414 0.06481 -0.02431 0.08009 -0.02431 0.09699 " pathEditMode="relative" rAng="0" ptsTypes="AAAAA">
+                                      <p:cBhvr>
+                                        <p:cTn id="15" dur="2000" fill="hold"/>
+                                        <p:tgtEl>
+                                          <p:spTgt spid="32"/>
+                                        </p:tgtEl>
+                                        <p:attrNameLst>
+                                          <p:attrName>ppt_x</p:attrName>
+                                          <p:attrName>ppt_y</p:attrName>
+                                        </p:attrNameLst>
+                                      </p:cBhvr>
+                                      <p:rCtr x="-608" y="5995"/>
+                                    </p:animMotion>
+                                  </p:childTnLst>
+                                </p:cTn>
+                              </p:par>
+                            </p:childTnLst>
+                          </p:cTn>
+                        </p:par>
+                        <p:par>
+                          <p:cTn id="16" fill="hold">
+                            <p:stCondLst>
+                              <p:cond delay="2000"/>
+                            </p:stCondLst>
+                            <p:childTnLst>
+                              <p:par>
+                                <p:cTn id="17" presetID="23" presetClass="exit" presetSubtype="32" fill="remove" grpId="1" nodeType="afterEffect">
+                                  <p:stCondLst>
+                                    <p:cond delay="0"/>
+                                  </p:stCondLst>
+                                  <p:childTnLst>
+                                    <p:anim calcmode="lin" valueType="num">
+                                      <p:cBhvr>
+                                        <p:cTn id="18" dur="100"/>
+                                        <p:tgtEl>
+                                          <p:spTgt spid="32"/>
+                                        </p:tgtEl>
+                                        <p:attrNameLst>
+                                          <p:attrName>ppt_w</p:attrName>
+                                        </p:attrNameLst>
+                                      </p:cBhvr>
+                                      <p:tavLst>
+                                        <p:tav tm="0">
+                                          <p:val>
+                                            <p:strVal val="ppt_w"/>
+                                          </p:val>
+                                        </p:tav>
+                                        <p:tav tm="100000">
+                                          <p:val>
+                                            <p:fltVal val="0"/>
+                                          </p:val>
+                                        </p:tav>
+                                      </p:tavLst>
+                                    </p:anim>
+                                    <p:anim calcmode="lin" valueType="num">
+                                      <p:cBhvr>
+                                        <p:cTn id="19" dur="100"/>
+                                        <p:tgtEl>
+                                          <p:spTgt spid="32"/>
+                                        </p:tgtEl>
+                                        <p:attrNameLst>
+                                          <p:attrName>ppt_h</p:attrName>
+                                        </p:attrNameLst>
+                                      </p:cBhvr>
+                                      <p:tavLst>
+                                        <p:tav tm="0">
+                                          <p:val>
+                                            <p:strVal val="ppt_h"/>
+                                          </p:val>
+                                        </p:tav>
+                                        <p:tav tm="100000">
+                                          <p:val>
+                                            <p:fltVal val="0"/>
+                                          </p:val>
+                                        </p:tav>
+                                      </p:tavLst>
+                                    </p:anim>
+                                    <p:set>
+                                      <p:cBhvr>
+                                        <p:cTn id="20" dur="1" fill="hold">
+                                          <p:stCondLst>
+                                            <p:cond delay="99"/>
+                                          </p:stCondLst>
+                                        </p:cTn>
+                                        <p:tgtEl>
+                                          <p:spTgt spid="32"/>
+                                        </p:tgtEl>
+                                        <p:attrNameLst>
+                                          <p:attrName>style.visibility</p:attrName>
+                                        </p:attrNameLst>
+                                      </p:cBhvr>
+                                      <p:to>
+                                        <p:strVal val="hidden"/>
+                                      </p:to>
+                                    </p:set>
+                                  </p:childTnLst>
+                                </p:cTn>
+                              </p:par>
+                            </p:childTnLst>
+                          </p:cTn>
+                        </p:par>
+                      </p:childTnLst>
+                    </p:cTn>
+                  </p:par>
+                </p:childTnLst>
+              </p:cTn>
+              <p:prevCondLst>
+                <p:cond evt="onPrev" delay="0">
+                  <p:tgtEl>
+                    <p:sldTgt/>
+                  </p:tgtEl>
+                </p:cond>
+              </p:prevCondLst>
+              <p:nextCondLst>
+                <p:cond evt="onNext" delay="0">
+                  <p:tgtEl>
+                    <p:sldTgt/>
+                  </p:tgtEl>
+                </p:cond>
+              </p:nextCondLst>
+            </p:seq>
+          </p:childTnLst>
+        </p:cTn>
       </p:par>
     </p:tnLst>
+    <p:bldLst>
+      <p:bldP spid="31" grpId="0" animBg="1"/>
+      <p:bldP spid="31" grpId="1" animBg="1"/>
+      <p:bldP spid="32" grpId="0" animBg="1"/>
+      <p:bldP spid="32" grpId="1" animBg="1"/>
+    </p:bldLst>
   </p:timing>
 </p:sld>
 </file>
@@ -8784,30 +11160,31 @@
       </p:grpSpPr>
       <p:graphicFrame>
         <p:nvGraphicFramePr>
-          <p:cNvPr id="12" name="Table 11"/>
+          <p:cNvPr id="2" name="Table 1"/>
           <p:cNvGraphicFramePr>
             <a:graphicFrameLocks noGrp="1"/>
           </p:cNvGraphicFramePr>
           <p:nvPr>
             <p:extLst>
               <p:ext uri="{D42A27DB-BD31-4B8C-83A1-F6EECF244321}">
-                <p14:modId xmlns:p14="http://schemas.microsoft.com/office/powerpoint/2010/main" val="214301627"/>
+                <p14:modId xmlns:p14="http://schemas.microsoft.com/office/powerpoint/2010/main" val="4261659690"/>
               </p:ext>
             </p:extLst>
           </p:nvPr>
         </p:nvGraphicFramePr>
         <p:xfrm>
-          <a:off x="179512" y="862032"/>
-          <a:ext cx="1512168" cy="5648960"/>
+          <a:off x="683568" y="692696"/>
+          <a:ext cx="6111319" cy="1112520"/>
         </p:xfrm>
         <a:graphic>
           <a:graphicData uri="http://schemas.openxmlformats.org/drawingml/2006/table">
             <a:tbl>
               <a:tblPr firstRow="1" bandRow="1">
-                <a:tableStyleId>{5C22544A-7EE6-4342-B048-85BDC9FD1C3A}</a:tableStyleId>
+                <a:tableStyleId>{073A0DAA-6AF3-43AB-8588-CEC1D06C72B9}</a:tableStyleId>
               </a:tblPr>
               <a:tblGrid>
-                <a:gridCol w="1512168"/>
+                <a:gridCol w="1219200"/>
+                <a:gridCol w="4892119"/>
               </a:tblGrid>
               <a:tr h="370840">
                 <a:tc>
@@ -8816,9 +11193,24 @@
                     <a:lstStyle/>
                     <a:p>
                       <a:r>
-                        <a:rPr lang="en-US" sz="1200" dirty="0" smtClean="0"/>
-                        <a:t>Accounts</a:t>
-                      </a:r>
+                        <a:rPr lang="en-US" dirty="0" smtClean="0"/>
+                        <a:t>Date</a:t>
+                      </a:r>
+                      <a:endParaRPr lang="en-US" dirty="0"/>
+                    </a:p>
+                  </a:txBody>
+                  <a:tcPr/>
+                </a:tc>
+                <a:tc>
+                  <a:txBody>
+                    <a:bodyPr/>
+                    <a:lstStyle/>
+                    <a:p>
+                      <a:r>
+                        <a:rPr lang="en-US" dirty="0" smtClean="0"/>
+                        <a:t>Bank Statement File Name</a:t>
+                      </a:r>
+                      <a:endParaRPr lang="en-US" dirty="0"/>
                     </a:p>
                   </a:txBody>
                   <a:tcPr/>
@@ -8830,15 +11222,17 @@
                     <a:bodyPr/>
                     <a:lstStyle/>
                     <a:p>
-                      <a:r>
-                        <a:rPr lang="en-US" sz="1200" dirty="0" smtClean="0"/>
-                        <a:t>+ Cash</a:t>
-                      </a:r>
-                      <a:r>
-                        <a:rPr lang="en-US" sz="1200" baseline="0" dirty="0" smtClean="0"/>
-                        <a:t> Pool</a:t>
-                      </a:r>
-                      <a:endParaRPr lang="en-US" sz="1200" dirty="0" smtClean="0"/>
+                      <a:endParaRPr lang="en-US"/>
+                    </a:p>
+                  </a:txBody>
+                  <a:tcPr/>
+                </a:tc>
+                <a:tc>
+                  <a:txBody>
+                    <a:bodyPr/>
+                    <a:lstStyle/>
+                    <a:p>
+                      <a:endParaRPr lang="en-US" dirty="0"/>
                     </a:p>
                   </a:txBody>
                   <a:tcPr/>
@@ -8850,212 +11244,17 @@
                     <a:bodyPr/>
                     <a:lstStyle/>
                     <a:p>
-                      <a:pPr algn="r"/>
-                      <a:r>
-                        <a:rPr lang="en-US" sz="1200" dirty="0" smtClean="0"/>
-                        <a:t>GT Bank</a:t>
-                      </a:r>
-                    </a:p>
-                  </a:txBody>
-                  <a:tcPr/>
-                </a:tc>
-              </a:tr>
-              <a:tr h="370840">
-                <a:tc>
-                  <a:txBody>
-                    <a:bodyPr/>
-                    <a:lstStyle/>
-                    <a:p>
-                      <a:pPr algn="r"/>
-                      <a:r>
-                        <a:rPr lang="en-US" sz="1200" dirty="0" smtClean="0"/>
-                        <a:t>Skye</a:t>
-                      </a:r>
-                    </a:p>
-                  </a:txBody>
-                  <a:tcPr/>
-                </a:tc>
-              </a:tr>
-              <a:tr h="370840">
-                <a:tc>
-                  <a:txBody>
-                    <a:bodyPr/>
-                    <a:lstStyle/>
-                    <a:p>
-                      <a:pPr algn="r"/>
-                      <a:r>
-                        <a:rPr lang="en-US" sz="1200" dirty="0" smtClean="0"/>
-                        <a:t>First Bank</a:t>
-                      </a:r>
-                    </a:p>
-                  </a:txBody>
-                  <a:tcPr/>
-                </a:tc>
-              </a:tr>
-              <a:tr h="370840">
-                <a:tc>
-                  <a:txBody>
-                    <a:bodyPr/>
-                    <a:lstStyle/>
-                    <a:p>
-                      <a:pPr algn="r"/>
-                      <a:r>
-                        <a:rPr lang="en-US" sz="1200" dirty="0" smtClean="0"/>
-                        <a:t>UBA</a:t>
-                      </a:r>
-                    </a:p>
-                  </a:txBody>
-                  <a:tcPr/>
-                </a:tc>
-              </a:tr>
-              <a:tr h="370840">
-                <a:tc>
-                  <a:txBody>
-                    <a:bodyPr/>
-                    <a:lstStyle/>
-                    <a:p>
-                      <a:pPr algn="r"/>
-                      <a:r>
-                        <a:rPr lang="en-US" sz="1200" dirty="0" smtClean="0"/>
-                        <a:t>Zenith</a:t>
-                      </a:r>
-                    </a:p>
-                  </a:txBody>
-                  <a:tcPr/>
-                </a:tc>
-              </a:tr>
-              <a:tr h="370840">
-                <a:tc>
-                  <a:txBody>
-                    <a:bodyPr/>
-                    <a:lstStyle/>
-                    <a:p>
-                      <a:pPr algn="r"/>
-                      <a:r>
-                        <a:rPr lang="en-US" sz="1200" dirty="0" smtClean="0"/>
-                        <a:t>FCMB</a:t>
-                      </a:r>
-                    </a:p>
-                  </a:txBody>
-                  <a:tcPr/>
-                </a:tc>
-              </a:tr>
-              <a:tr h="370840">
-                <a:tc>
-                  <a:txBody>
-                    <a:bodyPr/>
-                    <a:lstStyle/>
-                    <a:p>
-                      <a:pPr algn="r"/>
-                      <a:r>
-                        <a:rPr lang="en-US" sz="1200" dirty="0" smtClean="0"/>
-                        <a:t>Diamond</a:t>
-                      </a:r>
-                      <a:r>
-                        <a:rPr lang="en-US" sz="1200" baseline="0" dirty="0" smtClean="0"/>
-                        <a:t> Bank</a:t>
-                      </a:r>
-                      <a:endParaRPr lang="en-US" sz="1200" dirty="0" smtClean="0"/>
-                    </a:p>
-                  </a:txBody>
-                  <a:tcPr/>
-                </a:tc>
-              </a:tr>
-              <a:tr h="370840">
-                <a:tc>
-                  <a:txBody>
-                    <a:bodyPr/>
-                    <a:lstStyle/>
-                    <a:p>
-                      <a:r>
-                        <a:rPr lang="en-US" sz="1200" dirty="0" smtClean="0"/>
-                        <a:t>+ Card Deposits</a:t>
-                      </a:r>
-                    </a:p>
-                  </a:txBody>
-                  <a:tcPr/>
-                </a:tc>
-              </a:tr>
-              <a:tr h="370840">
-                <a:tc>
-                  <a:txBody>
-                    <a:bodyPr/>
-                    <a:lstStyle/>
-                    <a:p>
-                      <a:pPr algn="r"/>
-                      <a:r>
-                        <a:rPr lang="en-US" sz="1200" dirty="0" err="1" smtClean="0"/>
-                        <a:t>InterSwitch</a:t>
-                      </a:r>
-                      <a:endParaRPr lang="en-US" sz="1200" dirty="0" smtClean="0"/>
-                    </a:p>
-                  </a:txBody>
-                  <a:tcPr/>
-                </a:tc>
-              </a:tr>
-              <a:tr h="370840">
-                <a:tc>
-                  <a:txBody>
-                    <a:bodyPr/>
-                    <a:lstStyle/>
-                    <a:p>
-                      <a:r>
-                        <a:rPr lang="en-US" sz="1200" dirty="0" smtClean="0"/>
-                        <a:t>+ Airtime</a:t>
-                      </a:r>
-                    </a:p>
-                  </a:txBody>
-                  <a:tcPr/>
-                </a:tc>
-              </a:tr>
-              <a:tr h="370840">
-                <a:tc>
-                  <a:txBody>
-                    <a:bodyPr/>
-                    <a:lstStyle/>
-                    <a:p>
-                      <a:pPr algn="r"/>
-                      <a:r>
-                        <a:rPr lang="en-US" sz="1200" dirty="0" smtClean="0"/>
-                        <a:t>Each Mobile</a:t>
-                      </a:r>
-                      <a:r>
-                        <a:rPr lang="en-US" sz="1200" baseline="0" dirty="0" smtClean="0"/>
-                        <a:t> Operator</a:t>
-                      </a:r>
-                      <a:endParaRPr lang="en-US" sz="1200" dirty="0" smtClean="0"/>
-                    </a:p>
-                  </a:txBody>
-                  <a:tcPr/>
-                </a:tc>
-              </a:tr>
-              <a:tr h="370840">
-                <a:tc>
-                  <a:txBody>
-                    <a:bodyPr/>
-                    <a:lstStyle/>
-                    <a:p>
-                      <a:pPr algn="l"/>
-                      <a:r>
-                        <a:rPr lang="en-US" sz="1200" dirty="0" smtClean="0"/>
-                        <a:t>+ Merchants</a:t>
-                      </a:r>
-                    </a:p>
-                  </a:txBody>
-                  <a:tcPr/>
-                </a:tc>
-              </a:tr>
-              <a:tr h="370840">
-                <a:tc>
-                  <a:txBody>
-                    <a:bodyPr/>
-                    <a:lstStyle/>
-                    <a:p>
-                      <a:pPr algn="r"/>
-                      <a:r>
-                        <a:rPr lang="en-US" sz="1200" dirty="0" smtClean="0"/>
-                        <a:t>Each Merchant</a:t>
-                      </a:r>
+                      <a:endParaRPr lang="en-US"/>
+                    </a:p>
+                  </a:txBody>
+                  <a:tcPr/>
+                </a:tc>
+                <a:tc>
+                  <a:txBody>
+                    <a:bodyPr/>
+                    <a:lstStyle/>
+                    <a:p>
+                      <a:endParaRPr lang="en-US" dirty="0"/>
                     </a:p>
                   </a:txBody>
                   <a:tcPr/>
@@ -9065,6 +11264,76 @@
           </a:graphicData>
         </a:graphic>
       </p:graphicFrame>
+      <p:sp>
+        <p:nvSpPr>
+          <p:cNvPr id="3" name="Rectangle 2"/>
+          <p:cNvSpPr/>
+          <p:nvPr/>
+        </p:nvSpPr>
+        <p:spPr>
+          <a:xfrm>
+            <a:off x="683568" y="116632"/>
+            <a:ext cx="1565685" cy="461665"/>
+          </a:xfrm>
+          <a:prstGeom prst="rect">
+            <a:avLst/>
+          </a:prstGeom>
+        </p:spPr>
+        <p:txBody>
+          <a:bodyPr wrap="none">
+            <a:spAutoFit/>
+          </a:bodyPr>
+          <a:lstStyle/>
+          <a:p>
+            <a:r>
+              <a:rPr lang="en-US" dirty="0" smtClean="0"/>
+              <a:t>View just </a:t>
+            </a:r>
+            <a:r>
+              <a:rPr lang="en-US" dirty="0" err="1" smtClean="0"/>
+              <a:t>i</a:t>
+            </a:r>
+            <a:endParaRPr lang="en-US" dirty="0"/>
+          </a:p>
+        </p:txBody>
+      </p:sp>
+    </p:spTree>
+    <p:extLst>
+      <p:ext uri="{BB962C8B-B14F-4D97-AF65-F5344CB8AC3E}">
+        <p14:creationId xmlns:p14="http://schemas.microsoft.com/office/powerpoint/2010/main" val="230235817"/>
+      </p:ext>
+    </p:extLst>
+  </p:cSld>
+  <p:clrMapOvr>
+    <a:masterClrMapping/>
+  </p:clrMapOvr>
+  <p:timing>
+    <p:tnLst>
+      <p:par>
+        <p:cTn id="1" dur="indefinite" restart="never" nodeType="tmRoot"/>
+      </p:par>
+    </p:tnLst>
+  </p:timing>
+</p:sld>
+</file>
+
+<file path=ppt/slides/slide4.xml><?xml version="1.0" encoding="utf-8"?>
+<p:sld xmlns:a="http://schemas.openxmlformats.org/drawingml/2006/main" xmlns:r="http://schemas.openxmlformats.org/officeDocument/2006/relationships" xmlns:p="http://schemas.openxmlformats.org/presentationml/2006/main">
+  <p:cSld>
+    <p:spTree>
+      <p:nvGrpSpPr>
+        <p:cNvPr id="1" name=""/>
+        <p:cNvGrpSpPr/>
+        <p:nvPr/>
+      </p:nvGrpSpPr>
+      <p:grpSpPr>
+        <a:xfrm>
+          <a:off x="0" y="0"/>
+          <a:ext cx="0" cy="0"/>
+          <a:chOff x="0" y="0"/>
+          <a:chExt cx="0" cy="0"/>
+        </a:xfrm>
+      </p:grpSpPr>
       <p:graphicFrame>
         <p:nvGraphicFramePr>
           <p:cNvPr id="13" name="Table 12"/>
@@ -9074,14 +11343,14 @@
           <p:nvPr>
             <p:extLst>
               <p:ext uri="{D42A27DB-BD31-4B8C-83A1-F6EECF244321}">
-                <p14:modId xmlns:p14="http://schemas.microsoft.com/office/powerpoint/2010/main" val="1488261473"/>
+                <p14:modId xmlns:p14="http://schemas.microsoft.com/office/powerpoint/2010/main" val="3746408587"/>
               </p:ext>
             </p:extLst>
           </p:nvPr>
         </p:nvGraphicFramePr>
         <p:xfrm>
-          <a:off x="1751586" y="862032"/>
-          <a:ext cx="7056783" cy="2630170"/>
+          <a:off x="467546" y="862032"/>
+          <a:ext cx="8340823" cy="2320925"/>
         </p:xfrm>
         <a:graphic>
           <a:graphicData uri="http://schemas.openxmlformats.org/drawingml/2006/table">
@@ -9090,15 +11359,15 @@
                 <a:tableStyleId>{5C22544A-7EE6-4342-B048-85BDC9FD1C3A}</a:tableStyleId>
               </a:tblPr>
               <a:tblGrid>
-                <a:gridCol w="784087"/>
-                <a:gridCol w="784087"/>
-                <a:gridCol w="784087"/>
-                <a:gridCol w="784087"/>
-                <a:gridCol w="784087"/>
-                <a:gridCol w="784087"/>
-                <a:gridCol w="552060"/>
-                <a:gridCol w="792088"/>
-                <a:gridCol w="1008113"/>
+                <a:gridCol w="926758"/>
+                <a:gridCol w="926758"/>
+                <a:gridCol w="926758"/>
+                <a:gridCol w="926758"/>
+                <a:gridCol w="926758"/>
+                <a:gridCol w="926758"/>
+                <a:gridCol w="652512"/>
+                <a:gridCol w="936215"/>
+                <a:gridCol w="1191548"/>
               </a:tblGrid>
               <a:tr h="370840">
                 <a:tc>
@@ -10444,7 +12713,7 @@
         </p:nvSpPr>
         <p:spPr>
           <a:xfrm>
-            <a:off x="-2148403" y="170625"/>
+            <a:off x="-1554687" y="141585"/>
             <a:ext cx="3614994" cy="461665"/>
           </a:xfrm>
           <a:prstGeom prst="rect">
@@ -10598,14 +12867,14 @@
           <p:nvPr>
             <p:extLst>
               <p:ext uri="{D42A27DB-BD31-4B8C-83A1-F6EECF244321}">
-                <p14:modId xmlns:p14="http://schemas.microsoft.com/office/powerpoint/2010/main" val="2101431187"/>
+                <p14:modId xmlns:p14="http://schemas.microsoft.com/office/powerpoint/2010/main" val="549737888"/>
               </p:ext>
             </p:extLst>
           </p:nvPr>
         </p:nvGraphicFramePr>
         <p:xfrm>
-          <a:off x="1780980" y="3861048"/>
-          <a:ext cx="7050396" cy="1483360"/>
+          <a:off x="402414" y="3393922"/>
+          <a:ext cx="8400728" cy="1198880"/>
         </p:xfrm>
         <a:graphic>
           <a:graphicData uri="http://schemas.openxmlformats.org/drawingml/2006/table">
@@ -10614,12 +12883,14 @@
                 <a:tableStyleId>{073A0DAA-6AF3-43AB-8588-CEC1D06C72B9}</a:tableStyleId>
               </a:tblPr>
               <a:tblGrid>
-                <a:gridCol w="1175066"/>
-                <a:gridCol w="1175066"/>
-                <a:gridCol w="1175066"/>
-                <a:gridCol w="1175066"/>
-                <a:gridCol w="1175066"/>
-                <a:gridCol w="1175066"/>
+                <a:gridCol w="1050091"/>
+                <a:gridCol w="1050091"/>
+                <a:gridCol w="1050091"/>
+                <a:gridCol w="1050091"/>
+                <a:gridCol w="1050091"/>
+                <a:gridCol w="1050091"/>
+                <a:gridCol w="1050091"/>
+                <a:gridCol w="1050091"/>
               </a:tblGrid>
               <a:tr h="370840">
                 <a:tc gridSpan="6">
@@ -10690,6 +12961,26 @@
                   </a:txBody>
                   <a:tcPr/>
                 </a:tc>
+                <a:tc>
+                  <a:txBody>
+                    <a:bodyPr/>
+                    <a:lstStyle/>
+                    <a:p>
+                      <a:endParaRPr lang="en-US" sz="1200" dirty="0"/>
+                    </a:p>
+                  </a:txBody>
+                  <a:tcPr/>
+                </a:tc>
+                <a:tc>
+                  <a:txBody>
+                    <a:bodyPr/>
+                    <a:lstStyle/>
+                    <a:p>
+                      <a:endParaRPr lang="en-US" sz="1200" dirty="0"/>
+                    </a:p>
+                  </a:txBody>
+                  <a:tcPr/>
+                </a:tc>
               </a:tr>
               <a:tr h="370840">
                 <a:tc>
@@ -10776,6 +13067,42 @@
                   </a:txBody>
                   <a:tcPr/>
                 </a:tc>
+                <a:tc>
+                  <a:txBody>
+                    <a:bodyPr/>
+                    <a:lstStyle/>
+                    <a:p>
+                      <a:r>
+                        <a:rPr lang="en-US" sz="1200" dirty="0" smtClean="0"/>
+                        <a:t>GL</a:t>
+                      </a:r>
+                      <a:r>
+                        <a:rPr lang="en-US" sz="1200" baseline="0" dirty="0" smtClean="0"/>
+                        <a:t> </a:t>
+                      </a:r>
+                      <a:r>
+                        <a:rPr lang="en-US" sz="1200" baseline="0" dirty="0" err="1" smtClean="0"/>
+                        <a:t>Trx</a:t>
+                      </a:r>
+                      <a:r>
+                        <a:rPr lang="en-US" sz="1200" baseline="0" dirty="0" smtClean="0"/>
+                        <a:t> Picker</a:t>
+                      </a:r>
+                      <a:endParaRPr lang="en-US" sz="1200" dirty="0"/>
+                    </a:p>
+                  </a:txBody>
+                  <a:tcPr/>
+                </a:tc>
+                <a:tc>
+                  <a:txBody>
+                    <a:bodyPr/>
+                    <a:lstStyle/>
+                    <a:p>
+                      <a:endParaRPr lang="en-US" sz="1200" dirty="0"/>
+                    </a:p>
+                  </a:txBody>
+                  <a:tcPr/>
+                </a:tc>
               </a:tr>
               <a:tr h="370840">
                 <a:tc>
@@ -10807,52 +13134,6 @@
                     <a:bodyPr/>
                     <a:lstStyle/>
                     <a:p>
-                      <a:endParaRPr lang="en-US" sz="1200" dirty="0"/>
-                    </a:p>
-                  </a:txBody>
-                  <a:tcPr/>
-                </a:tc>
-                <a:tc>
-                  <a:txBody>
-                    <a:bodyPr/>
-                    <a:lstStyle/>
-                    <a:p>
-                      <a:endParaRPr lang="en-US" sz="1200" dirty="0"/>
-                    </a:p>
-                  </a:txBody>
-                  <a:tcPr/>
-                </a:tc>
-                <a:tc>
-                  <a:txBody>
-                    <a:bodyPr/>
-                    <a:lstStyle/>
-                    <a:p>
-                      <a:endParaRPr lang="en-US" sz="1200" dirty="0"/>
-                    </a:p>
-                  </a:txBody>
-                  <a:tcPr/>
-                </a:tc>
-                <a:tc>
-                  <a:txBody>
-                    <a:bodyPr/>
-                    <a:lstStyle/>
-                    <a:p>
-                      <a:endParaRPr lang="en-US" sz="1200" dirty="0"/>
-                    </a:p>
-                  </a:txBody>
-                  <a:tcPr/>
-                </a:tc>
-              </a:tr>
-              <a:tr h="370840">
-                <a:tc>
-                  <a:txBody>
-                    <a:bodyPr/>
-                    <a:lstStyle/>
-                    <a:p>
-                      <a:r>
-                        <a:rPr lang="en-US" sz="1200" dirty="0" smtClean="0"/>
-                        <a:t>Matched</a:t>
-                      </a:r>
                       <a:endParaRPr lang="en-US" sz="1200" dirty="0"/>
                     </a:p>
                   </a:txBody>
@@ -10922,7 +13203,7 @@
           <p:nvPr/>
         </p:nvPicPr>
         <p:blipFill>
-          <a:blip r:embed="rId11">
+          <a:blip r:embed="rId21">
             <a:extLst>
               <a:ext uri="{28A0092B-C50C-407E-A947-70E740481C1C}">
                 <a14:useLocalDpi xmlns:a14="http://schemas.microsoft.com/office/drawing/2010/main" val="0"/>
@@ -11020,7 +13301,7 @@
           <p:nvPr/>
         </p:nvPicPr>
         <p:blipFill>
-          <a:blip r:embed="rId12"/>
+          <a:blip r:embed="rId22"/>
           <a:stretch>
             <a:fillRect/>
           </a:stretch>
@@ -11366,7 +13647,7 @@
           </p:nvPr>
         </p:nvPicPr>
         <p:blipFill>
-          <a:blip r:embed="rId13">
+          <a:blip r:embed="rId23">
             <a:extLst>
               <a:ext uri="{28A0092B-C50C-407E-A947-70E740481C1C}">
                 <a14:useLocalDpi xmlns:a14="http://schemas.microsoft.com/office/drawing/2010/main" val="0"/>
@@ -11481,7 +13762,7 @@
             <p:nvPr/>
           </p:nvPicPr>
           <p:blipFill>
-            <a:blip r:embed="rId14" cstate="print">
+            <a:blip r:embed="rId24" cstate="print">
               <a:extLst>
                 <a:ext uri="{28A0092B-C50C-407E-A947-70E740481C1C}">
                   <a14:useLocalDpi xmlns:a14="http://schemas.microsoft.com/office/drawing/2010/main" val="0"/>
@@ -11608,7 +13889,7 @@
             <p:nvPr/>
           </p:nvPicPr>
           <p:blipFill>
-            <a:blip r:embed="rId14" cstate="print">
+            <a:blip r:embed="rId24" cstate="print">
               <a:extLst>
                 <a:ext uri="{28A0092B-C50C-407E-A947-70E740481C1C}">
                   <a14:useLocalDpi xmlns:a14="http://schemas.microsoft.com/office/drawing/2010/main" val="0"/>
@@ -12091,6 +14372,2102 @@
           </p:txBody>
         </p:sp>
       </p:grpSp>
+      <p:grpSp>
+        <p:nvGrpSpPr>
+          <p:cNvPr id="37" name="StickyNote"/>
+          <p:cNvGrpSpPr/>
+          <p:nvPr>
+            <p:custDataLst>
+              <p:custData r:id="rId9"/>
+            </p:custDataLst>
+          </p:nvPr>
+        </p:nvGrpSpPr>
+        <p:grpSpPr>
+          <a:xfrm>
+            <a:off x="7620971" y="1940568"/>
+            <a:ext cx="1371600" cy="1371600"/>
+            <a:chOff x="4012924" y="2426350"/>
+            <a:chExt cx="1371600" cy="1371600"/>
+          </a:xfrm>
+        </p:grpSpPr>
+        <p:sp>
+          <p:nvSpPr>
+            <p:cNvPr id="38" name="Content"/>
+            <p:cNvSpPr/>
+            <p:nvPr/>
+          </p:nvSpPr>
+          <p:spPr>
+            <a:xfrm>
+              <a:off x="4012924" y="2426350"/>
+              <a:ext cx="1371600" cy="1371600"/>
+            </a:xfrm>
+            <a:prstGeom prst="rect">
+              <a:avLst/>
+            </a:prstGeom>
+            <a:gradFill>
+              <a:gsLst>
+                <a:gs pos="100000">
+                  <a:srgbClr val="FFFF89"/>
+                </a:gs>
+                <a:gs pos="0">
+                  <a:srgbClr val="FFFF99"/>
+                </a:gs>
+              </a:gsLst>
+              <a:lin ang="5400000" scaled="0"/>
+            </a:gradFill>
+            <a:ln w="3175">
+              <a:solidFill>
+                <a:srgbClr val="FFFFFF">
+                  <a:lumMod val="50000"/>
+                </a:srgbClr>
+              </a:solidFill>
+            </a:ln>
+            <a:effectLst/>
+          </p:spPr>
+          <p:style>
+            <a:lnRef idx="2">
+              <a:srgbClr val="4F81BD">
+                <a:shade val="50000"/>
+              </a:srgbClr>
+            </a:lnRef>
+            <a:fillRef idx="1">
+              <a:srgbClr val="4F81BD"/>
+            </a:fillRef>
+            <a:effectRef idx="0">
+              <a:srgbClr val="4F81BD"/>
+            </a:effectRef>
+            <a:fontRef idx="minor">
+              <a:srgbClr val="000000"/>
+            </a:fontRef>
+          </p:style>
+          <p:txBody>
+            <a:bodyPr lIns="91440" tIns="137160" rIns="91440" bIns="45720" rtlCol="0" anchor="t" anchorCtr="0">
+              <a:normAutofit/>
+            </a:bodyPr>
+            <a:lstStyle/>
+            <a:p>
+              <a:r>
+                <a:rPr lang="en-US" sz="1200" dirty="0" smtClean="0">
+                  <a:solidFill>
+                    <a:sysClr val="windowText" lastClr="000000"/>
+                  </a:solidFill>
+                  <a:latin typeface="Segoe UI" pitchFamily="34" charset="0"/>
+                  <a:cs typeface="Segoe UI" pitchFamily="34" charset="0"/>
+                </a:rPr>
+                <a:t>Details from file</a:t>
+              </a:r>
+              <a:endParaRPr lang="en-US" sz="1200" dirty="0">
+                <a:solidFill>
+                  <a:sysClr val="windowText" lastClr="000000"/>
+                </a:solidFill>
+                <a:latin typeface="Segoe UI" pitchFamily="34" charset="0"/>
+                <a:cs typeface="Segoe UI" pitchFamily="34" charset="0"/>
+              </a:endParaRPr>
+            </a:p>
+          </p:txBody>
+        </p:sp>
+        <p:sp>
+          <p:nvSpPr>
+            <p:cNvPr id="42" name="Tape"/>
+            <p:cNvSpPr/>
+            <p:nvPr/>
+          </p:nvSpPr>
+          <p:spPr>
+            <a:xfrm rot="401918">
+              <a:off x="4466655" y="2864557"/>
+              <a:ext cx="563828" cy="215444"/>
+            </a:xfrm>
+            <a:prstGeom prst="rect">
+              <a:avLst/>
+            </a:prstGeom>
+            <a:solidFill>
+              <a:srgbClr val="C00000"/>
+            </a:solidFill>
+            <a:ln w="3175" cap="flat" cmpd="sng" algn="ctr">
+              <a:solidFill>
+                <a:srgbClr val="FFFFFF">
+                  <a:lumMod val="50000"/>
+                </a:srgbClr>
+              </a:solidFill>
+              <a:prstDash val="solid"/>
+            </a:ln>
+            <a:effectLst/>
+          </p:spPr>
+          <p:txBody>
+            <a:bodyPr rot="0" spcFirstLastPara="0" vertOverflow="overflow" horzOverflow="overflow" vert="horz" wrap="square" lIns="45720" tIns="45720" rIns="91440" bIns="45720" numCol="1" spcCol="0" rtlCol="0" fromWordArt="0" anchor="ctr" anchorCtr="0" forceAA="0" compatLnSpc="1">
+              <a:prstTxWarp prst="textNoShape">
+                <a:avLst/>
+              </a:prstTxWarp>
+              <a:noAutofit/>
+            </a:bodyPr>
+            <a:lstStyle/>
+            <a:p>
+              <a:pPr marL="0" marR="0" indent="0" algn="ctr" defTabSz="914400" eaLnBrk="1" fontAlgn="auto" latinLnBrk="0" hangingPunct="1">
+                <a:lnSpc>
+                  <a:spcPct val="100000"/>
+                </a:lnSpc>
+                <a:spcBef>
+                  <a:spcPts val="0"/>
+                </a:spcBef>
+                <a:spcAft>
+                  <a:spcPts val="0"/>
+                </a:spcAft>
+                <a:buClrTx/>
+                <a:buSzTx/>
+                <a:buFontTx/>
+                <a:buNone/>
+                <a:tabLst/>
+              </a:pPr>
+              <a:endParaRPr kumimoji="0" lang="en-US" sz="800" b="0" i="0" u="none" strike="noStrike" kern="0" cap="none" spc="0" normalizeH="0" baseline="0" noProof="0" dirty="0" smtClean="0">
+                <a:ln>
+                  <a:noFill/>
+                </a:ln>
+                <a:solidFill>
+                  <a:srgbClr val="000000">
+                    <a:lumMod val="75000"/>
+                    <a:lumOff val="25000"/>
+                  </a:srgbClr>
+                </a:solidFill>
+                <a:effectLst/>
+                <a:uLnTx/>
+                <a:uFillTx/>
+                <a:latin typeface="Segoe UI"/>
+                <a:ea typeface="+mn-ea"/>
+                <a:cs typeface="+mn-cs"/>
+              </a:endParaRPr>
+            </a:p>
+          </p:txBody>
+        </p:sp>
+      </p:grpSp>
+      <p:graphicFrame>
+        <p:nvGraphicFramePr>
+          <p:cNvPr id="47" name="Table 46"/>
+          <p:cNvGraphicFramePr>
+            <a:graphicFrameLocks noGrp="1"/>
+          </p:cNvGraphicFramePr>
+          <p:nvPr>
+            <p:extLst>
+              <p:ext uri="{D42A27DB-BD31-4B8C-83A1-F6EECF244321}">
+                <p14:modId xmlns:p14="http://schemas.microsoft.com/office/powerpoint/2010/main" val="975549407"/>
+              </p:ext>
+            </p:extLst>
+          </p:nvPr>
+        </p:nvGraphicFramePr>
+        <p:xfrm>
+          <a:off x="403103" y="5023858"/>
+          <a:ext cx="7050396" cy="1483360"/>
+        </p:xfrm>
+        <a:graphic>
+          <a:graphicData uri="http://schemas.openxmlformats.org/drawingml/2006/table">
+            <a:tbl>
+              <a:tblPr firstRow="1" bandRow="1">
+                <a:tableStyleId>{073A0DAA-6AF3-43AB-8588-CEC1D06C72B9}</a:tableStyleId>
+              </a:tblPr>
+              <a:tblGrid>
+                <a:gridCol w="1175066"/>
+                <a:gridCol w="1175066"/>
+                <a:gridCol w="1175066"/>
+                <a:gridCol w="1175066"/>
+                <a:gridCol w="1175066"/>
+                <a:gridCol w="1175066"/>
+              </a:tblGrid>
+              <a:tr h="370840">
+                <a:tc gridSpan="6">
+                  <a:txBody>
+                    <a:bodyPr/>
+                    <a:lstStyle/>
+                    <a:p>
+                      <a:r>
+                        <a:rPr lang="en-US" sz="1200" dirty="0" smtClean="0"/>
+                        <a:t>Auto matched</a:t>
+                      </a:r>
+                      <a:r>
+                        <a:rPr lang="en-US" sz="1200" baseline="0" dirty="0" smtClean="0"/>
+                        <a:t> </a:t>
+                      </a:r>
+                      <a:r>
+                        <a:rPr lang="en-US" sz="1200" baseline="0" dirty="0" err="1" smtClean="0"/>
+                        <a:t>trx</a:t>
+                      </a:r>
+                      <a:endParaRPr lang="en-US" sz="1200" dirty="0"/>
+                    </a:p>
+                  </a:txBody>
+                  <a:tcPr/>
+                </a:tc>
+                <a:tc hMerge="1">
+                  <a:txBody>
+                    <a:bodyPr/>
+                    <a:lstStyle/>
+                    <a:p>
+                      <a:endParaRPr lang="en-US" sz="1200" dirty="0"/>
+                    </a:p>
+                  </a:txBody>
+                  <a:tcPr/>
+                </a:tc>
+                <a:tc hMerge="1">
+                  <a:txBody>
+                    <a:bodyPr/>
+                    <a:lstStyle/>
+                    <a:p>
+                      <a:endParaRPr lang="en-US" sz="1200" dirty="0"/>
+                    </a:p>
+                  </a:txBody>
+                  <a:tcPr/>
+                </a:tc>
+                <a:tc hMerge="1">
+                  <a:txBody>
+                    <a:bodyPr/>
+                    <a:lstStyle/>
+                    <a:p>
+                      <a:endParaRPr lang="en-US" sz="1200" dirty="0"/>
+                    </a:p>
+                  </a:txBody>
+                  <a:tcPr/>
+                </a:tc>
+                <a:tc hMerge="1">
+                  <a:txBody>
+                    <a:bodyPr/>
+                    <a:lstStyle/>
+                    <a:p>
+                      <a:endParaRPr lang="en-US" sz="1200" dirty="0"/>
+                    </a:p>
+                  </a:txBody>
+                  <a:tcPr/>
+                </a:tc>
+                <a:tc hMerge="1">
+                  <a:txBody>
+                    <a:bodyPr/>
+                    <a:lstStyle/>
+                    <a:p>
+                      <a:endParaRPr lang="en-US" sz="1200" dirty="0"/>
+                    </a:p>
+                  </a:txBody>
+                  <a:tcPr/>
+                </a:tc>
+              </a:tr>
+              <a:tr h="370840">
+                <a:tc>
+                  <a:txBody>
+                    <a:bodyPr/>
+                    <a:lstStyle/>
+                    <a:p>
+                      <a:r>
+                        <a:rPr lang="en-US" sz="1200" dirty="0" smtClean="0"/>
+                        <a:t>Status </a:t>
+                      </a:r>
+                      <a:endParaRPr lang="en-US" sz="1200" dirty="0"/>
+                    </a:p>
+                  </a:txBody>
+                  <a:tcPr/>
+                </a:tc>
+                <a:tc>
+                  <a:txBody>
+                    <a:bodyPr/>
+                    <a:lstStyle/>
+                    <a:p>
+                      <a:r>
+                        <a:rPr lang="en-US" sz="1200" dirty="0" smtClean="0"/>
+                        <a:t>Date</a:t>
+                      </a:r>
+                      <a:endParaRPr lang="en-US" sz="1200" dirty="0"/>
+                    </a:p>
+                  </a:txBody>
+                  <a:tcPr/>
+                </a:tc>
+                <a:tc>
+                  <a:txBody>
+                    <a:bodyPr/>
+                    <a:lstStyle/>
+                    <a:p>
+                      <a:r>
+                        <a:rPr lang="en-US" sz="1200" dirty="0" err="1" smtClean="0"/>
+                        <a:t>Num</a:t>
+                      </a:r>
+                      <a:endParaRPr lang="en-US" sz="1200" dirty="0"/>
+                    </a:p>
+                  </a:txBody>
+                  <a:tcPr/>
+                </a:tc>
+                <a:tc>
+                  <a:txBody>
+                    <a:bodyPr/>
+                    <a:lstStyle/>
+                    <a:p>
+                      <a:r>
+                        <a:rPr lang="en-US" sz="1200" dirty="0" smtClean="0"/>
+                        <a:t>Payee</a:t>
+                      </a:r>
+                      <a:endParaRPr lang="en-US" sz="1200" dirty="0"/>
+                    </a:p>
+                  </a:txBody>
+                  <a:tcPr/>
+                </a:tc>
+                <a:tc>
+                  <a:txBody>
+                    <a:bodyPr/>
+                    <a:lstStyle/>
+                    <a:p>
+                      <a:r>
+                        <a:rPr lang="en-US" sz="1200" dirty="0" smtClean="0"/>
+                        <a:t>Debit</a:t>
+                      </a:r>
+                      <a:endParaRPr lang="en-US" sz="1200" dirty="0"/>
+                    </a:p>
+                  </a:txBody>
+                  <a:tcPr/>
+                </a:tc>
+                <a:tc>
+                  <a:txBody>
+                    <a:bodyPr/>
+                    <a:lstStyle/>
+                    <a:p>
+                      <a:r>
+                        <a:rPr lang="en-US" sz="1200" dirty="0" smtClean="0"/>
+                        <a:t>Credit</a:t>
+                      </a:r>
+                      <a:endParaRPr lang="en-US" sz="1200" dirty="0"/>
+                    </a:p>
+                  </a:txBody>
+                  <a:tcPr/>
+                </a:tc>
+              </a:tr>
+              <a:tr h="370840">
+                <a:tc>
+                  <a:txBody>
+                    <a:bodyPr/>
+                    <a:lstStyle/>
+                    <a:p>
+                      <a:r>
+                        <a:rPr lang="en-US" sz="1200" dirty="0" smtClean="0"/>
+                        <a:t>New</a:t>
+                      </a:r>
+                      <a:endParaRPr lang="en-US" sz="1200" dirty="0"/>
+                    </a:p>
+                  </a:txBody>
+                  <a:tcPr/>
+                </a:tc>
+                <a:tc>
+                  <a:txBody>
+                    <a:bodyPr/>
+                    <a:lstStyle/>
+                    <a:p>
+                      <a:endParaRPr lang="en-US" sz="1200" dirty="0"/>
+                    </a:p>
+                  </a:txBody>
+                  <a:tcPr/>
+                </a:tc>
+                <a:tc>
+                  <a:txBody>
+                    <a:bodyPr/>
+                    <a:lstStyle/>
+                    <a:p>
+                      <a:endParaRPr lang="en-US" sz="1200" dirty="0"/>
+                    </a:p>
+                  </a:txBody>
+                  <a:tcPr/>
+                </a:tc>
+                <a:tc>
+                  <a:txBody>
+                    <a:bodyPr/>
+                    <a:lstStyle/>
+                    <a:p>
+                      <a:endParaRPr lang="en-US" sz="1200" dirty="0"/>
+                    </a:p>
+                  </a:txBody>
+                  <a:tcPr/>
+                </a:tc>
+                <a:tc>
+                  <a:txBody>
+                    <a:bodyPr/>
+                    <a:lstStyle/>
+                    <a:p>
+                      <a:endParaRPr lang="en-US" sz="1200" dirty="0"/>
+                    </a:p>
+                  </a:txBody>
+                  <a:tcPr/>
+                </a:tc>
+                <a:tc>
+                  <a:txBody>
+                    <a:bodyPr/>
+                    <a:lstStyle/>
+                    <a:p>
+                      <a:endParaRPr lang="en-US" sz="1200" dirty="0"/>
+                    </a:p>
+                  </a:txBody>
+                  <a:tcPr/>
+                </a:tc>
+              </a:tr>
+              <a:tr h="370840">
+                <a:tc>
+                  <a:txBody>
+                    <a:bodyPr/>
+                    <a:lstStyle/>
+                    <a:p>
+                      <a:r>
+                        <a:rPr lang="en-US" sz="1200" dirty="0" smtClean="0"/>
+                        <a:t>Matched</a:t>
+                      </a:r>
+                      <a:endParaRPr lang="en-US" sz="1200" dirty="0"/>
+                    </a:p>
+                  </a:txBody>
+                  <a:tcPr/>
+                </a:tc>
+                <a:tc>
+                  <a:txBody>
+                    <a:bodyPr/>
+                    <a:lstStyle/>
+                    <a:p>
+                      <a:endParaRPr lang="en-US" sz="1200" dirty="0"/>
+                    </a:p>
+                  </a:txBody>
+                  <a:tcPr/>
+                </a:tc>
+                <a:tc>
+                  <a:txBody>
+                    <a:bodyPr/>
+                    <a:lstStyle/>
+                    <a:p>
+                      <a:endParaRPr lang="en-US" sz="1200" dirty="0"/>
+                    </a:p>
+                  </a:txBody>
+                  <a:tcPr/>
+                </a:tc>
+                <a:tc>
+                  <a:txBody>
+                    <a:bodyPr/>
+                    <a:lstStyle/>
+                    <a:p>
+                      <a:endParaRPr lang="en-US" sz="1200" dirty="0"/>
+                    </a:p>
+                  </a:txBody>
+                  <a:tcPr/>
+                </a:tc>
+                <a:tc>
+                  <a:txBody>
+                    <a:bodyPr/>
+                    <a:lstStyle/>
+                    <a:p>
+                      <a:endParaRPr lang="en-US" sz="1200" dirty="0"/>
+                    </a:p>
+                  </a:txBody>
+                  <a:tcPr/>
+                </a:tc>
+                <a:tc>
+                  <a:txBody>
+                    <a:bodyPr/>
+                    <a:lstStyle/>
+                    <a:p>
+                      <a:endParaRPr lang="en-US" sz="1200" dirty="0"/>
+                    </a:p>
+                  </a:txBody>
+                  <a:tcPr/>
+                </a:tc>
+              </a:tr>
+            </a:tbl>
+          </a:graphicData>
+        </a:graphic>
+      </p:graphicFrame>
+      <p:grpSp>
+        <p:nvGrpSpPr>
+          <p:cNvPr id="48" name="CheckBoxUnchecked"/>
+          <p:cNvGrpSpPr/>
+          <p:nvPr>
+            <p:custDataLst>
+              <p:custData r:id="rId10"/>
+            </p:custDataLst>
+          </p:nvPr>
+        </p:nvGrpSpPr>
+        <p:grpSpPr>
+          <a:xfrm>
+            <a:off x="920629" y="4260834"/>
+            <a:ext cx="636718" cy="230832"/>
+            <a:chOff x="5179846" y="2087449"/>
+            <a:chExt cx="596732" cy="216403"/>
+          </a:xfrm>
+        </p:grpSpPr>
+        <p:sp>
+          <p:nvSpPr>
+            <p:cNvPr id="49" name="Content"/>
+            <p:cNvSpPr txBox="1">
+              <a:spLocks/>
+            </p:cNvSpPr>
+            <p:nvPr/>
+          </p:nvSpPr>
+          <p:spPr>
+            <a:xfrm>
+              <a:off x="5179851" y="2087449"/>
+              <a:ext cx="596727" cy="216403"/>
+            </a:xfrm>
+            <a:prstGeom prst="rect">
+              <a:avLst/>
+            </a:prstGeom>
+            <a:noFill/>
+          </p:spPr>
+          <p:txBody>
+            <a:bodyPr wrap="none" lIns="164592" tIns="18288" rIns="45720" bIns="27432" rtlCol="0" anchor="ctr" anchorCtr="0">
+              <a:spAutoFit/>
+            </a:bodyPr>
+            <a:lstStyle/>
+            <a:p>
+              <a:r>
+                <a:rPr lang="en-US" sz="1200" dirty="0" smtClean="0">
+                  <a:latin typeface="Segoe UI" pitchFamily="34" charset="0"/>
+                  <a:ea typeface="Segoe UI" pitchFamily="34" charset="0"/>
+                  <a:cs typeface="Segoe UI" pitchFamily="34" charset="0"/>
+                </a:rPr>
+                <a:t>Match</a:t>
+              </a:r>
+              <a:endParaRPr lang="en-US" sz="1200" dirty="0" smtClean="0">
+                <a:latin typeface="Segoe UI" pitchFamily="34" charset="0"/>
+                <a:ea typeface="Segoe UI" pitchFamily="34" charset="0"/>
+                <a:cs typeface="Segoe UI" pitchFamily="34" charset="0"/>
+              </a:endParaRPr>
+            </a:p>
+          </p:txBody>
+        </p:sp>
+        <p:sp>
+          <p:nvSpPr>
+            <p:cNvPr id="50" name="CheckBox"/>
+            <p:cNvSpPr>
+              <a:spLocks/>
+            </p:cNvSpPr>
+            <p:nvPr/>
+          </p:nvSpPr>
+          <p:spPr>
+            <a:xfrm>
+              <a:off x="5179846" y="2146834"/>
+              <a:ext cx="100012" cy="97631"/>
+            </a:xfrm>
+            <a:prstGeom prst="rect">
+              <a:avLst/>
+            </a:prstGeom>
+            <a:solidFill>
+              <a:srgbClr val="FFFFFF"/>
+            </a:solidFill>
+            <a:ln w="3175">
+              <a:solidFill>
+                <a:srgbClr val="FFFFFF">
+                  <a:lumMod val="65000"/>
+                </a:srgbClr>
+              </a:solidFill>
+            </a:ln>
+            <a:effectLst>
+              <a:innerShdw blurRad="63500">
+                <a:prstClr val="black">
+                  <a:alpha val="17000"/>
+                </a:prstClr>
+              </a:innerShdw>
+            </a:effectLst>
+          </p:spPr>
+          <p:style>
+            <a:lnRef idx="2">
+              <a:srgbClr val="4F81BD">
+                <a:shade val="50000"/>
+              </a:srgbClr>
+            </a:lnRef>
+            <a:fillRef idx="1">
+              <a:srgbClr val="4F81BD"/>
+            </a:fillRef>
+            <a:effectRef idx="0">
+              <a:srgbClr val="4F81BD"/>
+            </a:effectRef>
+            <a:fontRef idx="minor">
+              <a:srgbClr val="000000"/>
+            </a:fontRef>
+          </p:style>
+          <p:txBody>
+            <a:bodyPr rtlCol="0" anchor="ctr"/>
+            <a:lstStyle/>
+            <a:p>
+              <a:pPr algn="ctr"/>
+              <a:endParaRPr lang="en-US" dirty="0"/>
+            </a:p>
+          </p:txBody>
+        </p:sp>
+      </p:grpSp>
+      <p:grpSp>
+        <p:nvGrpSpPr>
+          <p:cNvPr id="51" name="DropdownBox"/>
+          <p:cNvGrpSpPr/>
+          <p:nvPr>
+            <p:custDataLst>
+              <p:custData r:id="rId11"/>
+            </p:custDataLst>
+          </p:nvPr>
+        </p:nvGrpSpPr>
+        <p:grpSpPr>
+          <a:xfrm>
+            <a:off x="6551528" y="4284489"/>
+            <a:ext cx="1097652" cy="228600"/>
+            <a:chOff x="4206978" y="3283791"/>
+            <a:chExt cx="1097652" cy="228600"/>
+          </a:xfrm>
+        </p:grpSpPr>
+        <p:sp>
+          <p:nvSpPr>
+            <p:cNvPr id="52" name="Content"/>
+            <p:cNvSpPr/>
+            <p:nvPr/>
+          </p:nvSpPr>
+          <p:spPr>
+            <a:xfrm>
+              <a:off x="4206978" y="3283791"/>
+              <a:ext cx="1097652" cy="228600"/>
+            </a:xfrm>
+            <a:prstGeom prst="rect">
+              <a:avLst/>
+            </a:prstGeom>
+            <a:solidFill>
+              <a:srgbClr val="FFFFFF"/>
+            </a:solidFill>
+            <a:ln w="3175">
+              <a:solidFill>
+                <a:srgbClr val="FFFFFF">
+                  <a:lumMod val="50000"/>
+                </a:srgbClr>
+              </a:solidFill>
+            </a:ln>
+          </p:spPr>
+          <p:style>
+            <a:lnRef idx="2">
+              <a:srgbClr val="4F81BD">
+                <a:shade val="50000"/>
+              </a:srgbClr>
+            </a:lnRef>
+            <a:fillRef idx="1">
+              <a:srgbClr val="4F81BD"/>
+            </a:fillRef>
+            <a:effectRef idx="0">
+              <a:srgbClr val="4F81BD"/>
+            </a:effectRef>
+            <a:fontRef idx="minor">
+              <a:srgbClr val="000000"/>
+            </a:fontRef>
+          </p:style>
+          <p:txBody>
+            <a:bodyPr lIns="45720" rIns="45720" rtlCol="0" anchor="ctr"/>
+            <a:lstStyle/>
+            <a:p>
+              <a:r>
+                <a:rPr lang="en-US" sz="1200" dirty="0" smtClean="0">
+                  <a:solidFill>
+                    <a:srgbClr val="000000"/>
+                  </a:solidFill>
+                  <a:latin typeface="Segoe UI" pitchFamily="34" charset="0"/>
+                  <a:ea typeface="Segoe UI" pitchFamily="34" charset="0"/>
+                  <a:cs typeface="Segoe UI" pitchFamily="34" charset="0"/>
+                </a:rPr>
+                <a:t>text</a:t>
+              </a:r>
+              <a:endParaRPr lang="en-US" sz="1200" dirty="0">
+                <a:solidFill>
+                  <a:srgbClr val="000000"/>
+                </a:solidFill>
+                <a:latin typeface="Segoe UI" pitchFamily="34" charset="0"/>
+                <a:ea typeface="Segoe UI" pitchFamily="34" charset="0"/>
+                <a:cs typeface="Segoe UI" pitchFamily="34" charset="0"/>
+              </a:endParaRPr>
+            </a:p>
+          </p:txBody>
+        </p:sp>
+        <p:sp>
+          <p:nvSpPr>
+            <p:cNvPr id="53" name="DownArrow"/>
+            <p:cNvSpPr>
+              <a:spLocks noChangeAspect="1"/>
+            </p:cNvSpPr>
+            <p:nvPr/>
+          </p:nvSpPr>
+          <p:spPr>
+            <a:xfrm rot="10800000">
+              <a:off x="4991710" y="3430199"/>
+              <a:ext cx="81307" cy="48767"/>
+            </a:xfrm>
+            <a:prstGeom prst="triangle">
+              <a:avLst/>
+            </a:prstGeom>
+            <a:solidFill>
+              <a:srgbClr val="FFFFFF">
+                <a:lumMod val="75000"/>
+              </a:srgbClr>
+            </a:solidFill>
+            <a:ln>
+              <a:noFill/>
+            </a:ln>
+          </p:spPr>
+          <p:style>
+            <a:lnRef idx="2">
+              <a:srgbClr val="4F81BD">
+                <a:shade val="50000"/>
+              </a:srgbClr>
+            </a:lnRef>
+            <a:fillRef idx="1">
+              <a:srgbClr val="4F81BD"/>
+            </a:fillRef>
+            <a:effectRef idx="0">
+              <a:srgbClr val="4F81BD"/>
+            </a:effectRef>
+            <a:fontRef idx="minor">
+              <a:srgbClr val="000000"/>
+            </a:fontRef>
+          </p:style>
+          <p:txBody>
+            <a:bodyPr wrap="square" rtlCol="0" anchor="ctr"/>
+            <a:lstStyle/>
+            <a:p>
+              <a:pPr algn="ctr"/>
+              <a:endParaRPr lang="en-US" sz="2400" dirty="0"/>
+            </a:p>
+          </p:txBody>
+        </p:sp>
+      </p:grpSp>
+      <p:sp>
+        <p:nvSpPr>
+          <p:cNvPr id="54" name="MouseClick"/>
+          <p:cNvSpPr/>
+          <p:nvPr>
+            <p:custDataLst>
+              <p:custData r:id="rId12"/>
+            </p:custDataLst>
+          </p:nvPr>
+        </p:nvSpPr>
+        <p:spPr>
+          <a:xfrm rot="20359169">
+            <a:off x="4399636" y="4738665"/>
+            <a:ext cx="151053" cy="247694"/>
+          </a:xfrm>
+          <a:custGeom>
+            <a:avLst/>
+            <a:gdLst>
+              <a:gd name="connsiteX0" fmla="*/ 0 w 592890"/>
+              <a:gd name="connsiteY0" fmla="*/ 806746 h 997971"/>
+              <a:gd name="connsiteX1" fmla="*/ 296445 w 592890"/>
+              <a:gd name="connsiteY1" fmla="*/ 0 h 997971"/>
+              <a:gd name="connsiteX2" fmla="*/ 592890 w 592890"/>
+              <a:gd name="connsiteY2" fmla="*/ 806746 h 997971"/>
+              <a:gd name="connsiteX3" fmla="*/ 386188 w 592890"/>
+              <a:gd name="connsiteY3" fmla="*/ 806746 h 997971"/>
+              <a:gd name="connsiteX4" fmla="*/ 386188 w 592890"/>
+              <a:gd name="connsiteY4" fmla="*/ 997971 h 997971"/>
+              <a:gd name="connsiteX5" fmla="*/ 206702 w 592890"/>
+              <a:gd name="connsiteY5" fmla="*/ 997971 h 997971"/>
+              <a:gd name="connsiteX6" fmla="*/ 206702 w 592890"/>
+              <a:gd name="connsiteY6" fmla="*/ 806746 h 997971"/>
+              <a:gd name="connsiteX7" fmla="*/ 0 w 592890"/>
+              <a:gd name="connsiteY7" fmla="*/ 806746 h 997971"/>
+              <a:gd name="connsiteX0" fmla="*/ 0 w 592890"/>
+              <a:gd name="connsiteY0" fmla="*/ 806746 h 997971"/>
+              <a:gd name="connsiteX1" fmla="*/ 296445 w 592890"/>
+              <a:gd name="connsiteY1" fmla="*/ 0 h 997971"/>
+              <a:gd name="connsiteX2" fmla="*/ 592890 w 592890"/>
+              <a:gd name="connsiteY2" fmla="*/ 806746 h 997971"/>
+              <a:gd name="connsiteX3" fmla="*/ 386188 w 592890"/>
+              <a:gd name="connsiteY3" fmla="*/ 766438 h 997971"/>
+              <a:gd name="connsiteX4" fmla="*/ 386188 w 592890"/>
+              <a:gd name="connsiteY4" fmla="*/ 997971 h 997971"/>
+              <a:gd name="connsiteX5" fmla="*/ 206702 w 592890"/>
+              <a:gd name="connsiteY5" fmla="*/ 997971 h 997971"/>
+              <a:gd name="connsiteX6" fmla="*/ 206702 w 592890"/>
+              <a:gd name="connsiteY6" fmla="*/ 806746 h 997971"/>
+              <a:gd name="connsiteX7" fmla="*/ 0 w 592890"/>
+              <a:gd name="connsiteY7" fmla="*/ 806746 h 997971"/>
+              <a:gd name="connsiteX0" fmla="*/ 0 w 592890"/>
+              <a:gd name="connsiteY0" fmla="*/ 806746 h 997971"/>
+              <a:gd name="connsiteX1" fmla="*/ 296445 w 592890"/>
+              <a:gd name="connsiteY1" fmla="*/ 0 h 997971"/>
+              <a:gd name="connsiteX2" fmla="*/ 592890 w 592890"/>
+              <a:gd name="connsiteY2" fmla="*/ 806746 h 997971"/>
+              <a:gd name="connsiteX3" fmla="*/ 386188 w 592890"/>
+              <a:gd name="connsiteY3" fmla="*/ 766438 h 997971"/>
+              <a:gd name="connsiteX4" fmla="*/ 386188 w 592890"/>
+              <a:gd name="connsiteY4" fmla="*/ 997971 h 997971"/>
+              <a:gd name="connsiteX5" fmla="*/ 206702 w 592890"/>
+              <a:gd name="connsiteY5" fmla="*/ 997971 h 997971"/>
+              <a:gd name="connsiteX6" fmla="*/ 206702 w 592890"/>
+              <a:gd name="connsiteY6" fmla="*/ 764057 h 997971"/>
+              <a:gd name="connsiteX7" fmla="*/ 0 w 592890"/>
+              <a:gd name="connsiteY7" fmla="*/ 806746 h 997971"/>
+              <a:gd name="connsiteX0" fmla="*/ 0 w 592890"/>
+              <a:gd name="connsiteY0" fmla="*/ 806746 h 997971"/>
+              <a:gd name="connsiteX1" fmla="*/ 296445 w 592890"/>
+              <a:gd name="connsiteY1" fmla="*/ 0 h 997971"/>
+              <a:gd name="connsiteX2" fmla="*/ 592890 w 592890"/>
+              <a:gd name="connsiteY2" fmla="*/ 806746 h 997971"/>
+              <a:gd name="connsiteX3" fmla="*/ 386188 w 592890"/>
+              <a:gd name="connsiteY3" fmla="*/ 766438 h 997971"/>
+              <a:gd name="connsiteX4" fmla="*/ 386188 w 592890"/>
+              <a:gd name="connsiteY4" fmla="*/ 997971 h 997971"/>
+              <a:gd name="connsiteX5" fmla="*/ 206702 w 592890"/>
+              <a:gd name="connsiteY5" fmla="*/ 997971 h 997971"/>
+              <a:gd name="connsiteX6" fmla="*/ 206702 w 592890"/>
+              <a:gd name="connsiteY6" fmla="*/ 735333 h 997971"/>
+              <a:gd name="connsiteX7" fmla="*/ 0 w 592890"/>
+              <a:gd name="connsiteY7" fmla="*/ 806746 h 997971"/>
+              <a:gd name="connsiteX0" fmla="*/ 0 w 592890"/>
+              <a:gd name="connsiteY0" fmla="*/ 806746 h 997971"/>
+              <a:gd name="connsiteX1" fmla="*/ 296445 w 592890"/>
+              <a:gd name="connsiteY1" fmla="*/ 0 h 997971"/>
+              <a:gd name="connsiteX2" fmla="*/ 592890 w 592890"/>
+              <a:gd name="connsiteY2" fmla="*/ 806746 h 997971"/>
+              <a:gd name="connsiteX3" fmla="*/ 386188 w 592890"/>
+              <a:gd name="connsiteY3" fmla="*/ 730570 h 997971"/>
+              <a:gd name="connsiteX4" fmla="*/ 386188 w 592890"/>
+              <a:gd name="connsiteY4" fmla="*/ 997971 h 997971"/>
+              <a:gd name="connsiteX5" fmla="*/ 206702 w 592890"/>
+              <a:gd name="connsiteY5" fmla="*/ 997971 h 997971"/>
+              <a:gd name="connsiteX6" fmla="*/ 206702 w 592890"/>
+              <a:gd name="connsiteY6" fmla="*/ 735333 h 997971"/>
+              <a:gd name="connsiteX7" fmla="*/ 0 w 592890"/>
+              <a:gd name="connsiteY7" fmla="*/ 806746 h 997971"/>
+            </a:gdLst>
+            <a:ahLst/>
+            <a:cxnLst>
+              <a:cxn ang="0">
+                <a:pos x="connsiteX0" y="connsiteY0"/>
+              </a:cxn>
+              <a:cxn ang="0">
+                <a:pos x="connsiteX1" y="connsiteY1"/>
+              </a:cxn>
+              <a:cxn ang="0">
+                <a:pos x="connsiteX2" y="connsiteY2"/>
+              </a:cxn>
+              <a:cxn ang="0">
+                <a:pos x="connsiteX3" y="connsiteY3"/>
+              </a:cxn>
+              <a:cxn ang="0">
+                <a:pos x="connsiteX4" y="connsiteY4"/>
+              </a:cxn>
+              <a:cxn ang="0">
+                <a:pos x="connsiteX5" y="connsiteY5"/>
+              </a:cxn>
+              <a:cxn ang="0">
+                <a:pos x="connsiteX6" y="connsiteY6"/>
+              </a:cxn>
+              <a:cxn ang="0">
+                <a:pos x="connsiteX7" y="connsiteY7"/>
+              </a:cxn>
+            </a:cxnLst>
+            <a:rect l="l" t="t" r="r" b="b"/>
+            <a:pathLst>
+              <a:path w="592890" h="997971">
+                <a:moveTo>
+                  <a:pt x="0" y="806746"/>
+                </a:moveTo>
+                <a:lnTo>
+                  <a:pt x="296445" y="0"/>
+                </a:lnTo>
+                <a:lnTo>
+                  <a:pt x="592890" y="806746"/>
+                </a:lnTo>
+                <a:lnTo>
+                  <a:pt x="386188" y="730570"/>
+                </a:lnTo>
+                <a:lnTo>
+                  <a:pt x="386188" y="997971"/>
+                </a:lnTo>
+                <a:lnTo>
+                  <a:pt x="206702" y="997971"/>
+                </a:lnTo>
+                <a:lnTo>
+                  <a:pt x="206702" y="735333"/>
+                </a:lnTo>
+                <a:lnTo>
+                  <a:pt x="0" y="806746"/>
+                </a:lnTo>
+                <a:close/>
+              </a:path>
+            </a:pathLst>
+          </a:custGeom>
+          <a:solidFill>
+            <a:srgbClr val="FFFFFF"/>
+          </a:solidFill>
+          <a:ln w="3175">
+            <a:solidFill>
+              <a:srgbClr val="000000">
+                <a:lumMod val="85000"/>
+                <a:lumOff val="15000"/>
+              </a:srgbClr>
+            </a:solidFill>
+          </a:ln>
+          <a:effectLst>
+            <a:glow rad="139700">
+              <a:srgbClr val="F79646">
+                <a:satMod val="175000"/>
+                <a:alpha val="40000"/>
+              </a:srgbClr>
+            </a:glow>
+            <a:outerShdw blurRad="25400" dist="25400" dir="2040000" algn="tl" rotWithShape="0">
+              <a:prstClr val="black">
+                <a:alpha val="20000"/>
+              </a:prstClr>
+            </a:outerShdw>
+          </a:effectLst>
+        </p:spPr>
+        <p:style>
+          <a:lnRef idx="2">
+            <a:srgbClr val="4F81BD">
+              <a:shade val="50000"/>
+            </a:srgbClr>
+          </a:lnRef>
+          <a:fillRef idx="1">
+            <a:srgbClr val="4F81BD"/>
+          </a:fillRef>
+          <a:effectRef idx="0">
+            <a:srgbClr val="4F81BD"/>
+          </a:effectRef>
+          <a:fontRef idx="minor">
+            <a:srgbClr val="000000"/>
+          </a:fontRef>
+        </p:style>
+        <p:txBody>
+          <a:bodyPr lIns="97531" tIns="48766" rIns="97531" bIns="48766" rtlCol="0" anchor="ctr"/>
+          <a:lstStyle>
+            <a:defPPr>
+              <a:defRPr lang="en-US"/>
+            </a:defPPr>
+            <a:lvl1pPr marL="0" algn="l" defTabSz="914400" rtl="0" eaLnBrk="1" latinLnBrk="0" hangingPunct="1">
+              <a:defRPr sz="1800" kern="1200">
+                <a:solidFill>
+                  <a:srgbClr val="000000"/>
+                </a:solidFill>
+                <a:latin typeface="+mn-lt"/>
+                <a:ea typeface="+mn-ea"/>
+                <a:cs typeface="+mn-cs"/>
+              </a:defRPr>
+            </a:lvl1pPr>
+            <a:lvl2pPr marL="457200" algn="l" defTabSz="914400" rtl="0" eaLnBrk="1" latinLnBrk="0" hangingPunct="1">
+              <a:defRPr sz="1800" kern="1200">
+                <a:solidFill>
+                  <a:srgbClr val="000000"/>
+                </a:solidFill>
+                <a:latin typeface="+mn-lt"/>
+                <a:ea typeface="+mn-ea"/>
+                <a:cs typeface="+mn-cs"/>
+              </a:defRPr>
+            </a:lvl2pPr>
+            <a:lvl3pPr marL="914400" algn="l" defTabSz="914400" rtl="0" eaLnBrk="1" latinLnBrk="0" hangingPunct="1">
+              <a:defRPr sz="1800" kern="1200">
+                <a:solidFill>
+                  <a:srgbClr val="000000"/>
+                </a:solidFill>
+                <a:latin typeface="+mn-lt"/>
+                <a:ea typeface="+mn-ea"/>
+                <a:cs typeface="+mn-cs"/>
+              </a:defRPr>
+            </a:lvl3pPr>
+            <a:lvl4pPr marL="1371600" algn="l" defTabSz="914400" rtl="0" eaLnBrk="1" latinLnBrk="0" hangingPunct="1">
+              <a:defRPr sz="1800" kern="1200">
+                <a:solidFill>
+                  <a:srgbClr val="000000"/>
+                </a:solidFill>
+                <a:latin typeface="+mn-lt"/>
+                <a:ea typeface="+mn-ea"/>
+                <a:cs typeface="+mn-cs"/>
+              </a:defRPr>
+            </a:lvl4pPr>
+            <a:lvl5pPr marL="1828800" algn="l" defTabSz="914400" rtl="0" eaLnBrk="1" latinLnBrk="0" hangingPunct="1">
+              <a:defRPr sz="1800" kern="1200">
+                <a:solidFill>
+                  <a:srgbClr val="000000"/>
+                </a:solidFill>
+                <a:latin typeface="+mn-lt"/>
+                <a:ea typeface="+mn-ea"/>
+                <a:cs typeface="+mn-cs"/>
+              </a:defRPr>
+            </a:lvl5pPr>
+            <a:lvl6pPr marL="2286000" algn="l" defTabSz="914400" rtl="0" eaLnBrk="1" latinLnBrk="0" hangingPunct="1">
+              <a:defRPr sz="1800" kern="1200">
+                <a:solidFill>
+                  <a:srgbClr val="000000"/>
+                </a:solidFill>
+                <a:latin typeface="+mn-lt"/>
+                <a:ea typeface="+mn-ea"/>
+                <a:cs typeface="+mn-cs"/>
+              </a:defRPr>
+            </a:lvl6pPr>
+            <a:lvl7pPr marL="2743200" algn="l" defTabSz="914400" rtl="0" eaLnBrk="1" latinLnBrk="0" hangingPunct="1">
+              <a:defRPr sz="1800" kern="1200">
+                <a:solidFill>
+                  <a:srgbClr val="000000"/>
+                </a:solidFill>
+                <a:latin typeface="+mn-lt"/>
+                <a:ea typeface="+mn-ea"/>
+                <a:cs typeface="+mn-cs"/>
+              </a:defRPr>
+            </a:lvl7pPr>
+            <a:lvl8pPr marL="3200400" algn="l" defTabSz="914400" rtl="0" eaLnBrk="1" latinLnBrk="0" hangingPunct="1">
+              <a:defRPr sz="1800" kern="1200">
+                <a:solidFill>
+                  <a:srgbClr val="000000"/>
+                </a:solidFill>
+                <a:latin typeface="+mn-lt"/>
+                <a:ea typeface="+mn-ea"/>
+                <a:cs typeface="+mn-cs"/>
+              </a:defRPr>
+            </a:lvl8pPr>
+            <a:lvl9pPr marL="3657600" algn="l" defTabSz="914400" rtl="0" eaLnBrk="1" latinLnBrk="0" hangingPunct="1">
+              <a:defRPr sz="1800" kern="1200">
+                <a:solidFill>
+                  <a:srgbClr val="000000"/>
+                </a:solidFill>
+                <a:latin typeface="+mn-lt"/>
+                <a:ea typeface="+mn-ea"/>
+                <a:cs typeface="+mn-cs"/>
+              </a:defRPr>
+            </a:lvl9pPr>
+          </a:lstStyle>
+          <a:p>
+            <a:pPr algn="ctr"/>
+            <a:endParaRPr lang="en-US" dirty="0"/>
+          </a:p>
+        </p:txBody>
+      </p:sp>
+      <p:grpSp>
+        <p:nvGrpSpPr>
+          <p:cNvPr id="55" name="StickyNote"/>
+          <p:cNvGrpSpPr/>
+          <p:nvPr>
+            <p:custDataLst>
+              <p:custData r:id="rId13"/>
+            </p:custDataLst>
+          </p:nvPr>
+        </p:nvGrpSpPr>
+        <p:grpSpPr>
+          <a:xfrm>
+            <a:off x="4994275" y="4576876"/>
+            <a:ext cx="1371600" cy="1485673"/>
+            <a:chOff x="3886200" y="2629127"/>
+            <a:chExt cx="1371600" cy="1485673"/>
+          </a:xfrm>
+        </p:grpSpPr>
+        <p:sp>
+          <p:nvSpPr>
+            <p:cNvPr id="56" name="Content"/>
+            <p:cNvSpPr/>
+            <p:nvPr/>
+          </p:nvSpPr>
+          <p:spPr>
+            <a:xfrm>
+              <a:off x="3886200" y="2743200"/>
+              <a:ext cx="1371600" cy="1371600"/>
+            </a:xfrm>
+            <a:prstGeom prst="rect">
+              <a:avLst/>
+            </a:prstGeom>
+            <a:gradFill>
+              <a:gsLst>
+                <a:gs pos="100000">
+                  <a:srgbClr val="FFFF89"/>
+                </a:gs>
+                <a:gs pos="0">
+                  <a:srgbClr val="FFFF99"/>
+                </a:gs>
+              </a:gsLst>
+              <a:lin ang="5400000" scaled="0"/>
+            </a:gradFill>
+            <a:ln w="3175">
+              <a:solidFill>
+                <a:srgbClr val="FFFFFF">
+                  <a:lumMod val="50000"/>
+                </a:srgbClr>
+              </a:solidFill>
+            </a:ln>
+            <a:effectLst/>
+          </p:spPr>
+          <p:style>
+            <a:lnRef idx="2">
+              <a:srgbClr val="4F81BD">
+                <a:shade val="50000"/>
+              </a:srgbClr>
+            </a:lnRef>
+            <a:fillRef idx="1">
+              <a:srgbClr val="4F81BD"/>
+            </a:fillRef>
+            <a:effectRef idx="0">
+              <a:srgbClr val="4F81BD"/>
+            </a:effectRef>
+            <a:fontRef idx="minor">
+              <a:srgbClr val="000000"/>
+            </a:fontRef>
+          </p:style>
+          <p:txBody>
+            <a:bodyPr lIns="91440" tIns="137160" rIns="91440" bIns="45720" rtlCol="0" anchor="t" anchorCtr="0">
+              <a:normAutofit/>
+            </a:bodyPr>
+            <a:lstStyle/>
+            <a:p>
+              <a:r>
+                <a:rPr lang="en-US" sz="1200" dirty="0" smtClean="0">
+                  <a:solidFill>
+                    <a:sysClr val="windowText" lastClr="000000"/>
+                  </a:solidFill>
+                  <a:latin typeface="Segoe UI" pitchFamily="34" charset="0"/>
+                  <a:cs typeface="Segoe UI" pitchFamily="34" charset="0"/>
+                </a:rPr>
+                <a:t>Choose the correct </a:t>
+              </a:r>
+              <a:r>
+                <a:rPr lang="en-US" sz="1200" dirty="0" err="1" smtClean="0">
+                  <a:solidFill>
+                    <a:sysClr val="windowText" lastClr="000000"/>
+                  </a:solidFill>
+                  <a:latin typeface="Segoe UI" pitchFamily="34" charset="0"/>
+                  <a:cs typeface="Segoe UI" pitchFamily="34" charset="0"/>
+                </a:rPr>
+                <a:t>trx</a:t>
+              </a:r>
+              <a:endParaRPr lang="en-US" sz="1200" dirty="0">
+                <a:solidFill>
+                  <a:sysClr val="windowText" lastClr="000000"/>
+                </a:solidFill>
+                <a:latin typeface="Segoe UI" pitchFamily="34" charset="0"/>
+                <a:cs typeface="Segoe UI" pitchFamily="34" charset="0"/>
+              </a:endParaRPr>
+            </a:p>
+          </p:txBody>
+        </p:sp>
+        <p:sp>
+          <p:nvSpPr>
+            <p:cNvPr id="57" name="Tape"/>
+            <p:cNvSpPr/>
+            <p:nvPr/>
+          </p:nvSpPr>
+          <p:spPr>
+            <a:xfrm rot="401918">
+              <a:off x="4290086" y="2629127"/>
+              <a:ext cx="563828" cy="215444"/>
+            </a:xfrm>
+            <a:prstGeom prst="rect">
+              <a:avLst/>
+            </a:prstGeom>
+            <a:solidFill>
+              <a:srgbClr val="C00000"/>
+            </a:solidFill>
+            <a:ln w="3175" cap="flat" cmpd="sng" algn="ctr">
+              <a:solidFill>
+                <a:srgbClr val="FFFFFF">
+                  <a:lumMod val="50000"/>
+                </a:srgbClr>
+              </a:solidFill>
+              <a:prstDash val="solid"/>
+            </a:ln>
+            <a:effectLst/>
+          </p:spPr>
+          <p:txBody>
+            <a:bodyPr rot="0" spcFirstLastPara="0" vertOverflow="overflow" horzOverflow="overflow" vert="horz" wrap="square" lIns="45720" tIns="45720" rIns="91440" bIns="45720" numCol="1" spcCol="0" rtlCol="0" fromWordArt="0" anchor="ctr" anchorCtr="0" forceAA="0" compatLnSpc="1">
+              <a:prstTxWarp prst="textNoShape">
+                <a:avLst/>
+              </a:prstTxWarp>
+              <a:noAutofit/>
+            </a:bodyPr>
+            <a:lstStyle/>
+            <a:p>
+              <a:pPr marL="0" marR="0" indent="0" algn="ctr" defTabSz="914400" eaLnBrk="1" fontAlgn="auto" latinLnBrk="0" hangingPunct="1">
+                <a:lnSpc>
+                  <a:spcPct val="100000"/>
+                </a:lnSpc>
+                <a:spcBef>
+                  <a:spcPts val="0"/>
+                </a:spcBef>
+                <a:spcAft>
+                  <a:spcPts val="0"/>
+                </a:spcAft>
+                <a:buClrTx/>
+                <a:buSzTx/>
+                <a:buFontTx/>
+                <a:buNone/>
+                <a:tabLst/>
+              </a:pPr>
+              <a:endParaRPr kumimoji="0" lang="en-US" sz="800" b="0" i="0" u="none" strike="noStrike" kern="0" cap="none" spc="0" normalizeH="0" baseline="0" noProof="0" dirty="0" smtClean="0">
+                <a:ln>
+                  <a:noFill/>
+                </a:ln>
+                <a:solidFill>
+                  <a:srgbClr val="000000">
+                    <a:lumMod val="75000"/>
+                    <a:lumOff val="25000"/>
+                  </a:srgbClr>
+                </a:solidFill>
+                <a:effectLst/>
+                <a:uLnTx/>
+                <a:uFillTx/>
+                <a:latin typeface="Segoe UI"/>
+                <a:ea typeface="+mn-ea"/>
+                <a:cs typeface="+mn-cs"/>
+              </a:endParaRPr>
+            </a:p>
+          </p:txBody>
+        </p:sp>
+      </p:grpSp>
+      <p:grpSp>
+        <p:nvGrpSpPr>
+          <p:cNvPr id="58" name="StickyNote"/>
+          <p:cNvGrpSpPr/>
+          <p:nvPr>
+            <p:custDataLst>
+              <p:custData r:id="rId14"/>
+            </p:custDataLst>
+          </p:nvPr>
+        </p:nvGrpSpPr>
+        <p:grpSpPr>
+          <a:xfrm>
+            <a:off x="6584950" y="427151"/>
+            <a:ext cx="1371600" cy="1485673"/>
+            <a:chOff x="3886200" y="2629127"/>
+            <a:chExt cx="1371600" cy="1485673"/>
+          </a:xfrm>
+        </p:grpSpPr>
+        <p:sp>
+          <p:nvSpPr>
+            <p:cNvPr id="59" name="Content"/>
+            <p:cNvSpPr/>
+            <p:nvPr/>
+          </p:nvSpPr>
+          <p:spPr>
+            <a:xfrm>
+              <a:off x="3886200" y="2743200"/>
+              <a:ext cx="1371600" cy="1371600"/>
+            </a:xfrm>
+            <a:prstGeom prst="rect">
+              <a:avLst/>
+            </a:prstGeom>
+            <a:gradFill>
+              <a:gsLst>
+                <a:gs pos="100000">
+                  <a:srgbClr val="FFFF89"/>
+                </a:gs>
+                <a:gs pos="0">
+                  <a:srgbClr val="FFFF99"/>
+                </a:gs>
+              </a:gsLst>
+              <a:lin ang="5400000" scaled="0"/>
+            </a:gradFill>
+            <a:ln w="3175">
+              <a:solidFill>
+                <a:srgbClr val="FFFFFF">
+                  <a:lumMod val="50000"/>
+                </a:srgbClr>
+              </a:solidFill>
+            </a:ln>
+            <a:effectLst/>
+          </p:spPr>
+          <p:style>
+            <a:lnRef idx="2">
+              <a:srgbClr val="4F81BD">
+                <a:shade val="50000"/>
+              </a:srgbClr>
+            </a:lnRef>
+            <a:fillRef idx="1">
+              <a:srgbClr val="4F81BD"/>
+            </a:fillRef>
+            <a:effectRef idx="0">
+              <a:srgbClr val="4F81BD"/>
+            </a:effectRef>
+            <a:fontRef idx="minor">
+              <a:srgbClr val="000000"/>
+            </a:fontRef>
+          </p:style>
+          <p:txBody>
+            <a:bodyPr lIns="91440" tIns="137160" rIns="91440" bIns="45720" rtlCol="0" anchor="t" anchorCtr="0">
+              <a:normAutofit/>
+            </a:bodyPr>
+            <a:lstStyle/>
+            <a:p>
+              <a:r>
+                <a:rPr lang="en-US" sz="1200" dirty="0" smtClean="0">
+                  <a:solidFill>
+                    <a:sysClr val="windowText" lastClr="000000"/>
+                  </a:solidFill>
+                  <a:latin typeface="Segoe UI" pitchFamily="34" charset="0"/>
+                  <a:cs typeface="Segoe UI" pitchFamily="34" charset="0"/>
+                </a:rPr>
+                <a:t>Whole GL </a:t>
+              </a:r>
+              <a:r>
+                <a:rPr lang="en-US" sz="1200" dirty="0" err="1" smtClean="0">
+                  <a:solidFill>
+                    <a:sysClr val="windowText" lastClr="000000"/>
+                  </a:solidFill>
+                  <a:latin typeface="Segoe UI" pitchFamily="34" charset="0"/>
+                  <a:cs typeface="Segoe UI" pitchFamily="34" charset="0"/>
+                </a:rPr>
+                <a:t>trx</a:t>
+              </a:r>
+              <a:r>
+                <a:rPr lang="en-US" sz="1200" dirty="0" smtClean="0">
+                  <a:solidFill>
+                    <a:sysClr val="windowText" lastClr="000000"/>
+                  </a:solidFill>
+                  <a:latin typeface="Segoe UI" pitchFamily="34" charset="0"/>
+                  <a:cs typeface="Segoe UI" pitchFamily="34" charset="0"/>
+                </a:rPr>
+                <a:t> table for multi-filter. Dropdown’s filtered by same criteria</a:t>
+              </a:r>
+              <a:endParaRPr lang="en-US" sz="1200" dirty="0">
+                <a:solidFill>
+                  <a:sysClr val="windowText" lastClr="000000"/>
+                </a:solidFill>
+                <a:latin typeface="Segoe UI" pitchFamily="34" charset="0"/>
+                <a:cs typeface="Segoe UI" pitchFamily="34" charset="0"/>
+              </a:endParaRPr>
+            </a:p>
+          </p:txBody>
+        </p:sp>
+        <p:sp>
+          <p:nvSpPr>
+            <p:cNvPr id="60" name="Tape"/>
+            <p:cNvSpPr/>
+            <p:nvPr/>
+          </p:nvSpPr>
+          <p:spPr>
+            <a:xfrm rot="401918">
+              <a:off x="4290086" y="2629127"/>
+              <a:ext cx="563828" cy="215444"/>
+            </a:xfrm>
+            <a:prstGeom prst="rect">
+              <a:avLst/>
+            </a:prstGeom>
+            <a:solidFill>
+              <a:srgbClr val="C00000"/>
+            </a:solidFill>
+            <a:ln w="3175" cap="flat" cmpd="sng" algn="ctr">
+              <a:solidFill>
+                <a:srgbClr val="FFFFFF">
+                  <a:lumMod val="50000"/>
+                </a:srgbClr>
+              </a:solidFill>
+              <a:prstDash val="solid"/>
+            </a:ln>
+            <a:effectLst/>
+          </p:spPr>
+          <p:txBody>
+            <a:bodyPr rot="0" spcFirstLastPara="0" vertOverflow="overflow" horzOverflow="overflow" vert="horz" wrap="square" lIns="45720" tIns="45720" rIns="91440" bIns="45720" numCol="1" spcCol="0" rtlCol="0" fromWordArt="0" anchor="ctr" anchorCtr="0" forceAA="0" compatLnSpc="1">
+              <a:prstTxWarp prst="textNoShape">
+                <a:avLst/>
+              </a:prstTxWarp>
+              <a:noAutofit/>
+            </a:bodyPr>
+            <a:lstStyle/>
+            <a:p>
+              <a:pPr marL="0" marR="0" indent="0" algn="ctr" defTabSz="914400" eaLnBrk="1" fontAlgn="auto" latinLnBrk="0" hangingPunct="1">
+                <a:lnSpc>
+                  <a:spcPct val="100000"/>
+                </a:lnSpc>
+                <a:spcBef>
+                  <a:spcPts val="0"/>
+                </a:spcBef>
+                <a:spcAft>
+                  <a:spcPts val="0"/>
+                </a:spcAft>
+                <a:buClrTx/>
+                <a:buSzTx/>
+                <a:buFontTx/>
+                <a:buNone/>
+                <a:tabLst/>
+              </a:pPr>
+              <a:endParaRPr kumimoji="0" lang="en-US" sz="800" b="0" i="0" u="none" strike="noStrike" kern="0" cap="none" spc="0" normalizeH="0" baseline="0" noProof="0" dirty="0" smtClean="0">
+                <a:ln>
+                  <a:noFill/>
+                </a:ln>
+                <a:solidFill>
+                  <a:srgbClr val="000000">
+                    <a:lumMod val="75000"/>
+                    <a:lumOff val="25000"/>
+                  </a:srgbClr>
+                </a:solidFill>
+                <a:effectLst/>
+                <a:uLnTx/>
+                <a:uFillTx/>
+                <a:latin typeface="Segoe UI"/>
+                <a:ea typeface="+mn-ea"/>
+                <a:cs typeface="+mn-cs"/>
+              </a:endParaRPr>
+            </a:p>
+          </p:txBody>
+        </p:sp>
+      </p:grpSp>
+      <p:sp>
+        <p:nvSpPr>
+          <p:cNvPr id="61" name="MouseClick"/>
+          <p:cNvSpPr/>
+          <p:nvPr>
+            <p:custDataLst>
+              <p:custData r:id="rId15"/>
+            </p:custDataLst>
+          </p:nvPr>
+        </p:nvSpPr>
+        <p:spPr>
+          <a:xfrm rot="20359169">
+            <a:off x="7309524" y="4483078"/>
+            <a:ext cx="151053" cy="247694"/>
+          </a:xfrm>
+          <a:custGeom>
+            <a:avLst/>
+            <a:gdLst>
+              <a:gd name="connsiteX0" fmla="*/ 0 w 592890"/>
+              <a:gd name="connsiteY0" fmla="*/ 806746 h 997971"/>
+              <a:gd name="connsiteX1" fmla="*/ 296445 w 592890"/>
+              <a:gd name="connsiteY1" fmla="*/ 0 h 997971"/>
+              <a:gd name="connsiteX2" fmla="*/ 592890 w 592890"/>
+              <a:gd name="connsiteY2" fmla="*/ 806746 h 997971"/>
+              <a:gd name="connsiteX3" fmla="*/ 386188 w 592890"/>
+              <a:gd name="connsiteY3" fmla="*/ 806746 h 997971"/>
+              <a:gd name="connsiteX4" fmla="*/ 386188 w 592890"/>
+              <a:gd name="connsiteY4" fmla="*/ 997971 h 997971"/>
+              <a:gd name="connsiteX5" fmla="*/ 206702 w 592890"/>
+              <a:gd name="connsiteY5" fmla="*/ 997971 h 997971"/>
+              <a:gd name="connsiteX6" fmla="*/ 206702 w 592890"/>
+              <a:gd name="connsiteY6" fmla="*/ 806746 h 997971"/>
+              <a:gd name="connsiteX7" fmla="*/ 0 w 592890"/>
+              <a:gd name="connsiteY7" fmla="*/ 806746 h 997971"/>
+              <a:gd name="connsiteX0" fmla="*/ 0 w 592890"/>
+              <a:gd name="connsiteY0" fmla="*/ 806746 h 997971"/>
+              <a:gd name="connsiteX1" fmla="*/ 296445 w 592890"/>
+              <a:gd name="connsiteY1" fmla="*/ 0 h 997971"/>
+              <a:gd name="connsiteX2" fmla="*/ 592890 w 592890"/>
+              <a:gd name="connsiteY2" fmla="*/ 806746 h 997971"/>
+              <a:gd name="connsiteX3" fmla="*/ 386188 w 592890"/>
+              <a:gd name="connsiteY3" fmla="*/ 766438 h 997971"/>
+              <a:gd name="connsiteX4" fmla="*/ 386188 w 592890"/>
+              <a:gd name="connsiteY4" fmla="*/ 997971 h 997971"/>
+              <a:gd name="connsiteX5" fmla="*/ 206702 w 592890"/>
+              <a:gd name="connsiteY5" fmla="*/ 997971 h 997971"/>
+              <a:gd name="connsiteX6" fmla="*/ 206702 w 592890"/>
+              <a:gd name="connsiteY6" fmla="*/ 806746 h 997971"/>
+              <a:gd name="connsiteX7" fmla="*/ 0 w 592890"/>
+              <a:gd name="connsiteY7" fmla="*/ 806746 h 997971"/>
+              <a:gd name="connsiteX0" fmla="*/ 0 w 592890"/>
+              <a:gd name="connsiteY0" fmla="*/ 806746 h 997971"/>
+              <a:gd name="connsiteX1" fmla="*/ 296445 w 592890"/>
+              <a:gd name="connsiteY1" fmla="*/ 0 h 997971"/>
+              <a:gd name="connsiteX2" fmla="*/ 592890 w 592890"/>
+              <a:gd name="connsiteY2" fmla="*/ 806746 h 997971"/>
+              <a:gd name="connsiteX3" fmla="*/ 386188 w 592890"/>
+              <a:gd name="connsiteY3" fmla="*/ 766438 h 997971"/>
+              <a:gd name="connsiteX4" fmla="*/ 386188 w 592890"/>
+              <a:gd name="connsiteY4" fmla="*/ 997971 h 997971"/>
+              <a:gd name="connsiteX5" fmla="*/ 206702 w 592890"/>
+              <a:gd name="connsiteY5" fmla="*/ 997971 h 997971"/>
+              <a:gd name="connsiteX6" fmla="*/ 206702 w 592890"/>
+              <a:gd name="connsiteY6" fmla="*/ 764057 h 997971"/>
+              <a:gd name="connsiteX7" fmla="*/ 0 w 592890"/>
+              <a:gd name="connsiteY7" fmla="*/ 806746 h 997971"/>
+              <a:gd name="connsiteX0" fmla="*/ 0 w 592890"/>
+              <a:gd name="connsiteY0" fmla="*/ 806746 h 997971"/>
+              <a:gd name="connsiteX1" fmla="*/ 296445 w 592890"/>
+              <a:gd name="connsiteY1" fmla="*/ 0 h 997971"/>
+              <a:gd name="connsiteX2" fmla="*/ 592890 w 592890"/>
+              <a:gd name="connsiteY2" fmla="*/ 806746 h 997971"/>
+              <a:gd name="connsiteX3" fmla="*/ 386188 w 592890"/>
+              <a:gd name="connsiteY3" fmla="*/ 766438 h 997971"/>
+              <a:gd name="connsiteX4" fmla="*/ 386188 w 592890"/>
+              <a:gd name="connsiteY4" fmla="*/ 997971 h 997971"/>
+              <a:gd name="connsiteX5" fmla="*/ 206702 w 592890"/>
+              <a:gd name="connsiteY5" fmla="*/ 997971 h 997971"/>
+              <a:gd name="connsiteX6" fmla="*/ 206702 w 592890"/>
+              <a:gd name="connsiteY6" fmla="*/ 735333 h 997971"/>
+              <a:gd name="connsiteX7" fmla="*/ 0 w 592890"/>
+              <a:gd name="connsiteY7" fmla="*/ 806746 h 997971"/>
+              <a:gd name="connsiteX0" fmla="*/ 0 w 592890"/>
+              <a:gd name="connsiteY0" fmla="*/ 806746 h 997971"/>
+              <a:gd name="connsiteX1" fmla="*/ 296445 w 592890"/>
+              <a:gd name="connsiteY1" fmla="*/ 0 h 997971"/>
+              <a:gd name="connsiteX2" fmla="*/ 592890 w 592890"/>
+              <a:gd name="connsiteY2" fmla="*/ 806746 h 997971"/>
+              <a:gd name="connsiteX3" fmla="*/ 386188 w 592890"/>
+              <a:gd name="connsiteY3" fmla="*/ 730570 h 997971"/>
+              <a:gd name="connsiteX4" fmla="*/ 386188 w 592890"/>
+              <a:gd name="connsiteY4" fmla="*/ 997971 h 997971"/>
+              <a:gd name="connsiteX5" fmla="*/ 206702 w 592890"/>
+              <a:gd name="connsiteY5" fmla="*/ 997971 h 997971"/>
+              <a:gd name="connsiteX6" fmla="*/ 206702 w 592890"/>
+              <a:gd name="connsiteY6" fmla="*/ 735333 h 997971"/>
+              <a:gd name="connsiteX7" fmla="*/ 0 w 592890"/>
+              <a:gd name="connsiteY7" fmla="*/ 806746 h 997971"/>
+            </a:gdLst>
+            <a:ahLst/>
+            <a:cxnLst>
+              <a:cxn ang="0">
+                <a:pos x="connsiteX0" y="connsiteY0"/>
+              </a:cxn>
+              <a:cxn ang="0">
+                <a:pos x="connsiteX1" y="connsiteY1"/>
+              </a:cxn>
+              <a:cxn ang="0">
+                <a:pos x="connsiteX2" y="connsiteY2"/>
+              </a:cxn>
+              <a:cxn ang="0">
+                <a:pos x="connsiteX3" y="connsiteY3"/>
+              </a:cxn>
+              <a:cxn ang="0">
+                <a:pos x="connsiteX4" y="connsiteY4"/>
+              </a:cxn>
+              <a:cxn ang="0">
+                <a:pos x="connsiteX5" y="connsiteY5"/>
+              </a:cxn>
+              <a:cxn ang="0">
+                <a:pos x="connsiteX6" y="connsiteY6"/>
+              </a:cxn>
+              <a:cxn ang="0">
+                <a:pos x="connsiteX7" y="connsiteY7"/>
+              </a:cxn>
+            </a:cxnLst>
+            <a:rect l="l" t="t" r="r" b="b"/>
+            <a:pathLst>
+              <a:path w="592890" h="997971">
+                <a:moveTo>
+                  <a:pt x="0" y="806746"/>
+                </a:moveTo>
+                <a:lnTo>
+                  <a:pt x="296445" y="0"/>
+                </a:lnTo>
+                <a:lnTo>
+                  <a:pt x="592890" y="806746"/>
+                </a:lnTo>
+                <a:lnTo>
+                  <a:pt x="386188" y="730570"/>
+                </a:lnTo>
+                <a:lnTo>
+                  <a:pt x="386188" y="997971"/>
+                </a:lnTo>
+                <a:lnTo>
+                  <a:pt x="206702" y="997971"/>
+                </a:lnTo>
+                <a:lnTo>
+                  <a:pt x="206702" y="735333"/>
+                </a:lnTo>
+                <a:lnTo>
+                  <a:pt x="0" y="806746"/>
+                </a:lnTo>
+                <a:close/>
+              </a:path>
+            </a:pathLst>
+          </a:custGeom>
+          <a:solidFill>
+            <a:srgbClr val="FFFFFF"/>
+          </a:solidFill>
+          <a:ln w="3175">
+            <a:solidFill>
+              <a:srgbClr val="000000">
+                <a:lumMod val="85000"/>
+                <a:lumOff val="15000"/>
+              </a:srgbClr>
+            </a:solidFill>
+          </a:ln>
+          <a:effectLst>
+            <a:glow rad="139700">
+              <a:srgbClr val="F79646">
+                <a:satMod val="175000"/>
+                <a:alpha val="40000"/>
+              </a:srgbClr>
+            </a:glow>
+            <a:outerShdw blurRad="25400" dist="25400" dir="2040000" algn="tl" rotWithShape="0">
+              <a:prstClr val="black">
+                <a:alpha val="20000"/>
+              </a:prstClr>
+            </a:outerShdw>
+          </a:effectLst>
+        </p:spPr>
+        <p:style>
+          <a:lnRef idx="2">
+            <a:srgbClr val="4F81BD">
+              <a:shade val="50000"/>
+            </a:srgbClr>
+          </a:lnRef>
+          <a:fillRef idx="1">
+            <a:srgbClr val="4F81BD"/>
+          </a:fillRef>
+          <a:effectRef idx="0">
+            <a:srgbClr val="4F81BD"/>
+          </a:effectRef>
+          <a:fontRef idx="minor">
+            <a:srgbClr val="000000"/>
+          </a:fontRef>
+        </p:style>
+        <p:txBody>
+          <a:bodyPr lIns="97531" tIns="48766" rIns="97531" bIns="48766" rtlCol="0" anchor="ctr"/>
+          <a:lstStyle>
+            <a:defPPr>
+              <a:defRPr lang="en-US"/>
+            </a:defPPr>
+            <a:lvl1pPr marL="0" algn="l" defTabSz="914400" rtl="0" eaLnBrk="1" latinLnBrk="0" hangingPunct="1">
+              <a:defRPr sz="1800" kern="1200">
+                <a:solidFill>
+                  <a:srgbClr val="000000"/>
+                </a:solidFill>
+                <a:latin typeface="+mn-lt"/>
+                <a:ea typeface="+mn-ea"/>
+                <a:cs typeface="+mn-cs"/>
+              </a:defRPr>
+            </a:lvl1pPr>
+            <a:lvl2pPr marL="457200" algn="l" defTabSz="914400" rtl="0" eaLnBrk="1" latinLnBrk="0" hangingPunct="1">
+              <a:defRPr sz="1800" kern="1200">
+                <a:solidFill>
+                  <a:srgbClr val="000000"/>
+                </a:solidFill>
+                <a:latin typeface="+mn-lt"/>
+                <a:ea typeface="+mn-ea"/>
+                <a:cs typeface="+mn-cs"/>
+              </a:defRPr>
+            </a:lvl2pPr>
+            <a:lvl3pPr marL="914400" algn="l" defTabSz="914400" rtl="0" eaLnBrk="1" latinLnBrk="0" hangingPunct="1">
+              <a:defRPr sz="1800" kern="1200">
+                <a:solidFill>
+                  <a:srgbClr val="000000"/>
+                </a:solidFill>
+                <a:latin typeface="+mn-lt"/>
+                <a:ea typeface="+mn-ea"/>
+                <a:cs typeface="+mn-cs"/>
+              </a:defRPr>
+            </a:lvl3pPr>
+            <a:lvl4pPr marL="1371600" algn="l" defTabSz="914400" rtl="0" eaLnBrk="1" latinLnBrk="0" hangingPunct="1">
+              <a:defRPr sz="1800" kern="1200">
+                <a:solidFill>
+                  <a:srgbClr val="000000"/>
+                </a:solidFill>
+                <a:latin typeface="+mn-lt"/>
+                <a:ea typeface="+mn-ea"/>
+                <a:cs typeface="+mn-cs"/>
+              </a:defRPr>
+            </a:lvl4pPr>
+            <a:lvl5pPr marL="1828800" algn="l" defTabSz="914400" rtl="0" eaLnBrk="1" latinLnBrk="0" hangingPunct="1">
+              <a:defRPr sz="1800" kern="1200">
+                <a:solidFill>
+                  <a:srgbClr val="000000"/>
+                </a:solidFill>
+                <a:latin typeface="+mn-lt"/>
+                <a:ea typeface="+mn-ea"/>
+                <a:cs typeface="+mn-cs"/>
+              </a:defRPr>
+            </a:lvl5pPr>
+            <a:lvl6pPr marL="2286000" algn="l" defTabSz="914400" rtl="0" eaLnBrk="1" latinLnBrk="0" hangingPunct="1">
+              <a:defRPr sz="1800" kern="1200">
+                <a:solidFill>
+                  <a:srgbClr val="000000"/>
+                </a:solidFill>
+                <a:latin typeface="+mn-lt"/>
+                <a:ea typeface="+mn-ea"/>
+                <a:cs typeface="+mn-cs"/>
+              </a:defRPr>
+            </a:lvl6pPr>
+            <a:lvl7pPr marL="2743200" algn="l" defTabSz="914400" rtl="0" eaLnBrk="1" latinLnBrk="0" hangingPunct="1">
+              <a:defRPr sz="1800" kern="1200">
+                <a:solidFill>
+                  <a:srgbClr val="000000"/>
+                </a:solidFill>
+                <a:latin typeface="+mn-lt"/>
+                <a:ea typeface="+mn-ea"/>
+                <a:cs typeface="+mn-cs"/>
+              </a:defRPr>
+            </a:lvl7pPr>
+            <a:lvl8pPr marL="3200400" algn="l" defTabSz="914400" rtl="0" eaLnBrk="1" latinLnBrk="0" hangingPunct="1">
+              <a:defRPr sz="1800" kern="1200">
+                <a:solidFill>
+                  <a:srgbClr val="000000"/>
+                </a:solidFill>
+                <a:latin typeface="+mn-lt"/>
+                <a:ea typeface="+mn-ea"/>
+                <a:cs typeface="+mn-cs"/>
+              </a:defRPr>
+            </a:lvl8pPr>
+            <a:lvl9pPr marL="3657600" algn="l" defTabSz="914400" rtl="0" eaLnBrk="1" latinLnBrk="0" hangingPunct="1">
+              <a:defRPr sz="1800" kern="1200">
+                <a:solidFill>
+                  <a:srgbClr val="000000"/>
+                </a:solidFill>
+                <a:latin typeface="+mn-lt"/>
+                <a:ea typeface="+mn-ea"/>
+                <a:cs typeface="+mn-cs"/>
+              </a:defRPr>
+            </a:lvl9pPr>
+          </a:lstStyle>
+          <a:p>
+            <a:pPr algn="ctr"/>
+            <a:endParaRPr lang="en-US" dirty="0"/>
+          </a:p>
+        </p:txBody>
+      </p:sp>
+      <p:grpSp>
+        <p:nvGrpSpPr>
+          <p:cNvPr id="62" name="CheckBoxUnchecked"/>
+          <p:cNvGrpSpPr/>
+          <p:nvPr>
+            <p:custDataLst>
+              <p:custData r:id="rId16"/>
+            </p:custDataLst>
+          </p:nvPr>
+        </p:nvGrpSpPr>
+        <p:grpSpPr>
+          <a:xfrm>
+            <a:off x="876580" y="5830081"/>
+            <a:ext cx="636718" cy="230832"/>
+            <a:chOff x="5179846" y="2087449"/>
+            <a:chExt cx="596732" cy="216403"/>
+          </a:xfrm>
+        </p:grpSpPr>
+        <p:sp>
+          <p:nvSpPr>
+            <p:cNvPr id="63" name="Content"/>
+            <p:cNvSpPr txBox="1">
+              <a:spLocks/>
+            </p:cNvSpPr>
+            <p:nvPr/>
+          </p:nvSpPr>
+          <p:spPr>
+            <a:xfrm>
+              <a:off x="5179851" y="2087449"/>
+              <a:ext cx="596727" cy="216403"/>
+            </a:xfrm>
+            <a:prstGeom prst="rect">
+              <a:avLst/>
+            </a:prstGeom>
+            <a:noFill/>
+          </p:spPr>
+          <p:txBody>
+            <a:bodyPr wrap="none" lIns="164592" tIns="18288" rIns="45720" bIns="27432" rtlCol="0" anchor="ctr" anchorCtr="0">
+              <a:spAutoFit/>
+            </a:bodyPr>
+            <a:lstStyle/>
+            <a:p>
+              <a:r>
+                <a:rPr lang="en-US" sz="1200" dirty="0" smtClean="0">
+                  <a:latin typeface="Segoe UI" pitchFamily="34" charset="0"/>
+                  <a:ea typeface="Segoe UI" pitchFamily="34" charset="0"/>
+                  <a:cs typeface="Segoe UI" pitchFamily="34" charset="0"/>
+                </a:rPr>
+                <a:t>Match</a:t>
+              </a:r>
+              <a:endParaRPr lang="en-US" sz="1200" dirty="0" smtClean="0">
+                <a:latin typeface="Segoe UI" pitchFamily="34" charset="0"/>
+                <a:ea typeface="Segoe UI" pitchFamily="34" charset="0"/>
+                <a:cs typeface="Segoe UI" pitchFamily="34" charset="0"/>
+              </a:endParaRPr>
+            </a:p>
+          </p:txBody>
+        </p:sp>
+        <p:sp>
+          <p:nvSpPr>
+            <p:cNvPr id="64" name="CheckBox"/>
+            <p:cNvSpPr>
+              <a:spLocks/>
+            </p:cNvSpPr>
+            <p:nvPr/>
+          </p:nvSpPr>
+          <p:spPr>
+            <a:xfrm>
+              <a:off x="5179846" y="2146834"/>
+              <a:ext cx="100012" cy="97631"/>
+            </a:xfrm>
+            <a:prstGeom prst="rect">
+              <a:avLst/>
+            </a:prstGeom>
+            <a:solidFill>
+              <a:srgbClr val="FFFFFF"/>
+            </a:solidFill>
+            <a:ln w="3175">
+              <a:solidFill>
+                <a:srgbClr val="FFFFFF">
+                  <a:lumMod val="65000"/>
+                </a:srgbClr>
+              </a:solidFill>
+            </a:ln>
+            <a:effectLst>
+              <a:innerShdw blurRad="63500">
+                <a:prstClr val="black">
+                  <a:alpha val="17000"/>
+                </a:prstClr>
+              </a:innerShdw>
+            </a:effectLst>
+          </p:spPr>
+          <p:style>
+            <a:lnRef idx="2">
+              <a:srgbClr val="4F81BD">
+                <a:shade val="50000"/>
+              </a:srgbClr>
+            </a:lnRef>
+            <a:fillRef idx="1">
+              <a:srgbClr val="4F81BD"/>
+            </a:fillRef>
+            <a:effectRef idx="0">
+              <a:srgbClr val="4F81BD"/>
+            </a:effectRef>
+            <a:fontRef idx="minor">
+              <a:srgbClr val="000000"/>
+            </a:fontRef>
+          </p:style>
+          <p:txBody>
+            <a:bodyPr rtlCol="0" anchor="ctr"/>
+            <a:lstStyle/>
+            <a:p>
+              <a:pPr algn="ctr"/>
+              <a:endParaRPr lang="en-US" dirty="0"/>
+            </a:p>
+          </p:txBody>
+        </p:sp>
+      </p:grpSp>
+      <p:sp>
+        <p:nvSpPr>
+          <p:cNvPr id="65" name="Content"/>
+          <p:cNvSpPr/>
+          <p:nvPr>
+            <p:custDataLst>
+              <p:custData r:id="rId17"/>
+            </p:custDataLst>
+          </p:nvPr>
+        </p:nvSpPr>
+        <p:spPr>
+          <a:xfrm>
+            <a:off x="7798912" y="4272938"/>
+            <a:ext cx="1106592" cy="345777"/>
+          </a:xfrm>
+          <a:prstGeom prst="roundRect">
+            <a:avLst/>
+          </a:prstGeom>
+          <a:solidFill>
+            <a:srgbClr val="FFFFFF">
+              <a:lumMod val="95000"/>
+            </a:srgbClr>
+          </a:solidFill>
+          <a:ln w="3175">
+            <a:solidFill>
+              <a:srgbClr val="000000">
+                <a:lumMod val="50000"/>
+                <a:lumOff val="50000"/>
+              </a:srgbClr>
+            </a:solidFill>
+          </a:ln>
+          <a:effectLst/>
+        </p:spPr>
+        <p:style>
+          <a:lnRef idx="2">
+            <a:srgbClr val="4F81BD">
+              <a:shade val="50000"/>
+            </a:srgbClr>
+          </a:lnRef>
+          <a:fillRef idx="1">
+            <a:srgbClr val="4F81BD"/>
+          </a:fillRef>
+          <a:effectRef idx="0">
+            <a:srgbClr val="4F81BD"/>
+          </a:effectRef>
+          <a:fontRef idx="minor">
+            <a:srgbClr val="000000"/>
+          </a:fontRef>
+        </p:style>
+        <p:txBody>
+          <a:bodyPr wrap="square" lIns="91440" tIns="0" rIns="91440" bIns="9144" rtlCol="0" anchor="ctr">
+            <a:noAutofit/>
+          </a:bodyPr>
+          <a:lstStyle/>
+          <a:p>
+            <a:pPr algn="ctr"/>
+            <a:r>
+              <a:rPr lang="en-US" sz="1200" dirty="0" smtClean="0">
+                <a:solidFill>
+                  <a:srgbClr val="000000"/>
+                </a:solidFill>
+                <a:latin typeface="Segoe UI" pitchFamily="34" charset="0"/>
+                <a:cs typeface="Segoe UI" pitchFamily="34" charset="0"/>
+              </a:rPr>
+              <a:t>Map account name</a:t>
+            </a:r>
+            <a:endParaRPr lang="en-US" sz="1200" dirty="0">
+              <a:solidFill>
+                <a:srgbClr val="000000"/>
+              </a:solidFill>
+              <a:latin typeface="Segoe UI" pitchFamily="34" charset="0"/>
+              <a:cs typeface="Segoe UI" pitchFamily="34" charset="0"/>
+            </a:endParaRPr>
+          </a:p>
+        </p:txBody>
+      </p:sp>
+      <p:grpSp>
+        <p:nvGrpSpPr>
+          <p:cNvPr id="66" name="StickyNote"/>
+          <p:cNvGrpSpPr/>
+          <p:nvPr>
+            <p:custDataLst>
+              <p:custData r:id="rId18"/>
+            </p:custDataLst>
+          </p:nvPr>
+        </p:nvGrpSpPr>
+        <p:grpSpPr>
+          <a:xfrm>
+            <a:off x="7561263" y="4681651"/>
+            <a:ext cx="1371600" cy="1485673"/>
+            <a:chOff x="3886200" y="2629127"/>
+            <a:chExt cx="1371600" cy="1485673"/>
+          </a:xfrm>
+        </p:grpSpPr>
+        <p:sp>
+          <p:nvSpPr>
+            <p:cNvPr id="67" name="Content"/>
+            <p:cNvSpPr/>
+            <p:nvPr/>
+          </p:nvSpPr>
+          <p:spPr>
+            <a:xfrm>
+              <a:off x="3886200" y="2743200"/>
+              <a:ext cx="1371600" cy="1371600"/>
+            </a:xfrm>
+            <a:prstGeom prst="rect">
+              <a:avLst/>
+            </a:prstGeom>
+            <a:gradFill>
+              <a:gsLst>
+                <a:gs pos="100000">
+                  <a:srgbClr val="FFFF89"/>
+                </a:gs>
+                <a:gs pos="0">
+                  <a:srgbClr val="FFFF99"/>
+                </a:gs>
+              </a:gsLst>
+              <a:lin ang="5400000" scaled="0"/>
+            </a:gradFill>
+            <a:ln w="3175">
+              <a:solidFill>
+                <a:srgbClr val="FFFFFF">
+                  <a:lumMod val="50000"/>
+                </a:srgbClr>
+              </a:solidFill>
+            </a:ln>
+            <a:effectLst/>
+          </p:spPr>
+          <p:style>
+            <a:lnRef idx="2">
+              <a:srgbClr val="4F81BD">
+                <a:shade val="50000"/>
+              </a:srgbClr>
+            </a:lnRef>
+            <a:fillRef idx="1">
+              <a:srgbClr val="4F81BD"/>
+            </a:fillRef>
+            <a:effectRef idx="0">
+              <a:srgbClr val="4F81BD"/>
+            </a:effectRef>
+            <a:fontRef idx="minor">
+              <a:srgbClr val="000000"/>
+            </a:fontRef>
+          </p:style>
+          <p:txBody>
+            <a:bodyPr lIns="91440" tIns="137160" rIns="91440" bIns="45720" rtlCol="0" anchor="t" anchorCtr="0">
+              <a:normAutofit/>
+            </a:bodyPr>
+            <a:lstStyle/>
+            <a:p>
+              <a:r>
+                <a:rPr lang="en-US" sz="1200" dirty="0" smtClean="0">
+                  <a:solidFill>
+                    <a:sysClr val="windowText" lastClr="000000"/>
+                  </a:solidFill>
+                  <a:latin typeface="Segoe UI" pitchFamily="34" charset="0"/>
+                  <a:cs typeface="Segoe UI" pitchFamily="34" charset="0"/>
+                </a:rPr>
+                <a:t>For use when the next </a:t>
+              </a:r>
+              <a:r>
+                <a:rPr lang="en-US" sz="1200" dirty="0" err="1" smtClean="0">
+                  <a:solidFill>
+                    <a:sysClr val="windowText" lastClr="000000"/>
+                  </a:solidFill>
+                  <a:latin typeface="Segoe UI" pitchFamily="34" charset="0"/>
+                  <a:cs typeface="Segoe UI" pitchFamily="34" charset="0"/>
+                </a:rPr>
+                <a:t>automatch</a:t>
+              </a:r>
+              <a:r>
+                <a:rPr lang="en-US" sz="1200" dirty="0" smtClean="0">
+                  <a:solidFill>
+                    <a:sysClr val="windowText" lastClr="000000"/>
+                  </a:solidFill>
+                  <a:latin typeface="Segoe UI" pitchFamily="34" charset="0"/>
+                  <a:cs typeface="Segoe UI" pitchFamily="34" charset="0"/>
+                </a:rPr>
+                <a:t> should use this account name</a:t>
+              </a:r>
+              <a:endParaRPr lang="en-US" sz="1200" dirty="0">
+                <a:solidFill>
+                  <a:sysClr val="windowText" lastClr="000000"/>
+                </a:solidFill>
+                <a:latin typeface="Segoe UI" pitchFamily="34" charset="0"/>
+                <a:cs typeface="Segoe UI" pitchFamily="34" charset="0"/>
+              </a:endParaRPr>
+            </a:p>
+          </p:txBody>
+        </p:sp>
+        <p:sp>
+          <p:nvSpPr>
+            <p:cNvPr id="68" name="Tape"/>
+            <p:cNvSpPr/>
+            <p:nvPr/>
+          </p:nvSpPr>
+          <p:spPr>
+            <a:xfrm rot="401918">
+              <a:off x="4290086" y="2629127"/>
+              <a:ext cx="563828" cy="215444"/>
+            </a:xfrm>
+            <a:prstGeom prst="rect">
+              <a:avLst/>
+            </a:prstGeom>
+            <a:solidFill>
+              <a:srgbClr val="C00000"/>
+            </a:solidFill>
+            <a:ln w="3175" cap="flat" cmpd="sng" algn="ctr">
+              <a:solidFill>
+                <a:srgbClr val="FFFFFF">
+                  <a:lumMod val="50000"/>
+                </a:srgbClr>
+              </a:solidFill>
+              <a:prstDash val="solid"/>
+            </a:ln>
+            <a:effectLst/>
+          </p:spPr>
+          <p:txBody>
+            <a:bodyPr rot="0" spcFirstLastPara="0" vertOverflow="overflow" horzOverflow="overflow" vert="horz" wrap="square" lIns="45720" tIns="45720" rIns="91440" bIns="45720" numCol="1" spcCol="0" rtlCol="0" fromWordArt="0" anchor="ctr" anchorCtr="0" forceAA="0" compatLnSpc="1">
+              <a:prstTxWarp prst="textNoShape">
+                <a:avLst/>
+              </a:prstTxWarp>
+              <a:noAutofit/>
+            </a:bodyPr>
+            <a:lstStyle/>
+            <a:p>
+              <a:pPr marL="0" marR="0" indent="0" algn="ctr" defTabSz="914400" eaLnBrk="1" fontAlgn="auto" latinLnBrk="0" hangingPunct="1">
+                <a:lnSpc>
+                  <a:spcPct val="100000"/>
+                </a:lnSpc>
+                <a:spcBef>
+                  <a:spcPts val="0"/>
+                </a:spcBef>
+                <a:spcAft>
+                  <a:spcPts val="0"/>
+                </a:spcAft>
+                <a:buClrTx/>
+                <a:buSzTx/>
+                <a:buFontTx/>
+                <a:buNone/>
+                <a:tabLst/>
+              </a:pPr>
+              <a:endParaRPr kumimoji="0" lang="en-US" sz="800" b="0" i="0" u="none" strike="noStrike" kern="0" cap="none" spc="0" normalizeH="0" baseline="0" noProof="0" dirty="0" smtClean="0">
+                <a:ln>
+                  <a:noFill/>
+                </a:ln>
+                <a:solidFill>
+                  <a:srgbClr val="000000">
+                    <a:lumMod val="75000"/>
+                    <a:lumOff val="25000"/>
+                  </a:srgbClr>
+                </a:solidFill>
+                <a:effectLst/>
+                <a:uLnTx/>
+                <a:uFillTx/>
+                <a:latin typeface="Segoe UI"/>
+                <a:ea typeface="+mn-ea"/>
+                <a:cs typeface="+mn-cs"/>
+              </a:endParaRPr>
+            </a:p>
+          </p:txBody>
+        </p:sp>
+      </p:grpSp>
     </p:spTree>
     <p:extLst>
       <p:ext uri="{BB962C8B-B14F-4D97-AF65-F5344CB8AC3E}">
@@ -12104,14 +16481,287 @@
   <p:timing>
     <p:tnLst>
       <p:par>
-        <p:cTn id="1" dur="indefinite" restart="never" nodeType="tmRoot"/>
+        <p:cTn id="1" dur="indefinite" restart="never" nodeType="tmRoot">
+          <p:childTnLst>
+            <p:seq concurrent="1" nextAc="seek">
+              <p:cTn id="2" dur="indefinite" nodeType="mainSeq">
+                <p:childTnLst>
+                  <p:par>
+                    <p:cTn id="3" fill="hold">
+                      <p:stCondLst>
+                        <p:cond delay="indefinite"/>
+                      </p:stCondLst>
+                      <p:childTnLst>
+                        <p:par>
+                          <p:cTn id="4" fill="hold">
+                            <p:stCondLst>
+                              <p:cond delay="0"/>
+                            </p:stCondLst>
+                            <p:childTnLst>
+                              <p:par>
+                                <p:cTn id="5" presetID="0" presetClass="path" presetSubtype="0" accel="50000" decel="50000" fill="hold" grpId="0" nodeType="clickEffect">
+                                  <p:stCondLst>
+                                    <p:cond delay="0"/>
+                                  </p:stCondLst>
+                                  <p:childTnLst>
+                                    <p:animMotion origin="layout" path="M 2.77778E-7 2.22222E-6 C 0.02726 -0.00047 0.05538 0.00023 0.08212 -0.00093 C 0.10243 -0.00209 0.1191 -0.00486 0.1375 -0.00672 C 0.21059 -0.01412 0.24149 -0.02477 0.28316 -0.0382 C 0.29566 -0.04676 0.3026 -0.05463 0.3026 -0.06343 " pathEditMode="relative" rAng="0" ptsTypes="AAAAA">
+                                      <p:cBhvr>
+                                        <p:cTn id="6" dur="2000" fill="hold"/>
+                                        <p:tgtEl>
+                                          <p:spTgt spid="54"/>
+                                        </p:tgtEl>
+                                        <p:attrNameLst>
+                                          <p:attrName>ppt_x</p:attrName>
+                                          <p:attrName>ppt_y</p:attrName>
+                                        </p:attrNameLst>
+                                      </p:cBhvr>
+                                      <p:rCtr x="15122" y="-3171"/>
+                                    </p:animMotion>
+                                  </p:childTnLst>
+                                </p:cTn>
+                              </p:par>
+                            </p:childTnLst>
+                          </p:cTn>
+                        </p:par>
+                        <p:par>
+                          <p:cTn id="7" fill="hold">
+                            <p:stCondLst>
+                              <p:cond delay="2000"/>
+                            </p:stCondLst>
+                            <p:childTnLst>
+                              <p:par>
+                                <p:cTn id="8" presetID="23" presetClass="exit" presetSubtype="32" fill="remove" grpId="1" nodeType="afterEffect">
+                                  <p:stCondLst>
+                                    <p:cond delay="0"/>
+                                  </p:stCondLst>
+                                  <p:childTnLst>
+                                    <p:anim calcmode="lin" valueType="num">
+                                      <p:cBhvr>
+                                        <p:cTn id="9" dur="100"/>
+                                        <p:tgtEl>
+                                          <p:spTgt spid="54"/>
+                                        </p:tgtEl>
+                                        <p:attrNameLst>
+                                          <p:attrName>ppt_w</p:attrName>
+                                        </p:attrNameLst>
+                                      </p:cBhvr>
+                                      <p:tavLst>
+                                        <p:tav tm="0">
+                                          <p:val>
+                                            <p:strVal val="ppt_w"/>
+                                          </p:val>
+                                        </p:tav>
+                                        <p:tav tm="100000">
+                                          <p:val>
+                                            <p:fltVal val="0"/>
+                                          </p:val>
+                                        </p:tav>
+                                      </p:tavLst>
+                                    </p:anim>
+                                    <p:anim calcmode="lin" valueType="num">
+                                      <p:cBhvr>
+                                        <p:cTn id="10" dur="100"/>
+                                        <p:tgtEl>
+                                          <p:spTgt spid="54"/>
+                                        </p:tgtEl>
+                                        <p:attrNameLst>
+                                          <p:attrName>ppt_h</p:attrName>
+                                        </p:attrNameLst>
+                                      </p:cBhvr>
+                                      <p:tavLst>
+                                        <p:tav tm="0">
+                                          <p:val>
+                                            <p:strVal val="ppt_h"/>
+                                          </p:val>
+                                        </p:tav>
+                                        <p:tav tm="100000">
+                                          <p:val>
+                                            <p:fltVal val="0"/>
+                                          </p:val>
+                                        </p:tav>
+                                      </p:tavLst>
+                                    </p:anim>
+                                    <p:set>
+                                      <p:cBhvr>
+                                        <p:cTn id="11" dur="1" fill="hold">
+                                          <p:stCondLst>
+                                            <p:cond delay="99"/>
+                                          </p:stCondLst>
+                                        </p:cTn>
+                                        <p:tgtEl>
+                                          <p:spTgt spid="54"/>
+                                        </p:tgtEl>
+                                        <p:attrNameLst>
+                                          <p:attrName>style.visibility</p:attrName>
+                                        </p:attrNameLst>
+                                      </p:cBhvr>
+                                      <p:to>
+                                        <p:strVal val="hidden"/>
+                                      </p:to>
+                                    </p:set>
+                                  </p:childTnLst>
+                                </p:cTn>
+                              </p:par>
+                            </p:childTnLst>
+                          </p:cTn>
+                        </p:par>
+                      </p:childTnLst>
+                    </p:cTn>
+                  </p:par>
+                  <p:par>
+                    <p:cTn id="12" fill="hold">
+                      <p:stCondLst>
+                        <p:cond delay="indefinite"/>
+                      </p:stCondLst>
+                      <p:childTnLst>
+                        <p:par>
+                          <p:cTn id="13" fill="hold">
+                            <p:stCondLst>
+                              <p:cond delay="0"/>
+                            </p:stCondLst>
+                            <p:childTnLst>
+                              <p:par>
+                                <p:cTn id="14" presetID="0" presetClass="path" presetSubtype="0" accel="50000" decel="50000" fill="hold" grpId="0" nodeType="clickEffect">
+                                  <p:stCondLst>
+                                    <p:cond delay="0"/>
+                                  </p:stCondLst>
+                                  <p:childTnLst>
+                                    <p:animMotion origin="layout" path="M -0.01562 -0.02616 C -0.00625 -0.025 0.00365 -0.02801 0.01302 -0.02199 C 0.02014 -0.01713 0.02587 -0.00371 0.03247 0.00532 C 0.05782 0.0412 0.06875 0.09282 0.08316 0.1574 C 0.08768 0.19814 0.09011 0.23703 0.09011 0.27963 " pathEditMode="relative" rAng="0" ptsTypes="AAAAA">
+                                      <p:cBhvr>
+                                        <p:cTn id="15" dur="2000" fill="hold"/>
+                                        <p:tgtEl>
+                                          <p:spTgt spid="61"/>
+                                        </p:tgtEl>
+                                        <p:attrNameLst>
+                                          <p:attrName>ppt_x</p:attrName>
+                                          <p:attrName>ppt_y</p:attrName>
+                                        </p:attrNameLst>
+                                      </p:cBhvr>
+                                      <p:rCtr x="5278" y="15278"/>
+                                    </p:animMotion>
+                                  </p:childTnLst>
+                                </p:cTn>
+                              </p:par>
+                            </p:childTnLst>
+                          </p:cTn>
+                        </p:par>
+                        <p:par>
+                          <p:cTn id="16" fill="hold">
+                            <p:stCondLst>
+                              <p:cond delay="2000"/>
+                            </p:stCondLst>
+                            <p:childTnLst>
+                              <p:par>
+                                <p:cTn id="17" presetID="23" presetClass="exit" presetSubtype="32" fill="remove" grpId="1" nodeType="afterEffect">
+                                  <p:stCondLst>
+                                    <p:cond delay="0"/>
+                                  </p:stCondLst>
+                                  <p:childTnLst>
+                                    <p:anim calcmode="lin" valueType="num">
+                                      <p:cBhvr>
+                                        <p:cTn id="18" dur="100"/>
+                                        <p:tgtEl>
+                                          <p:spTgt spid="61"/>
+                                        </p:tgtEl>
+                                        <p:attrNameLst>
+                                          <p:attrName>ppt_w</p:attrName>
+                                        </p:attrNameLst>
+                                      </p:cBhvr>
+                                      <p:tavLst>
+                                        <p:tav tm="0">
+                                          <p:val>
+                                            <p:strVal val="ppt_w"/>
+                                          </p:val>
+                                        </p:tav>
+                                        <p:tav tm="100000">
+                                          <p:val>
+                                            <p:fltVal val="0"/>
+                                          </p:val>
+                                        </p:tav>
+                                      </p:tavLst>
+                                    </p:anim>
+                                    <p:anim calcmode="lin" valueType="num">
+                                      <p:cBhvr>
+                                        <p:cTn id="19" dur="100"/>
+                                        <p:tgtEl>
+                                          <p:spTgt spid="61"/>
+                                        </p:tgtEl>
+                                        <p:attrNameLst>
+                                          <p:attrName>ppt_h</p:attrName>
+                                        </p:attrNameLst>
+                                      </p:cBhvr>
+                                      <p:tavLst>
+                                        <p:tav tm="0">
+                                          <p:val>
+                                            <p:strVal val="ppt_h"/>
+                                          </p:val>
+                                        </p:tav>
+                                        <p:tav tm="100000">
+                                          <p:val>
+                                            <p:fltVal val="0"/>
+                                          </p:val>
+                                        </p:tav>
+                                      </p:tavLst>
+                                    </p:anim>
+                                    <p:set>
+                                      <p:cBhvr>
+                                        <p:cTn id="20" dur="1" fill="hold">
+                                          <p:stCondLst>
+                                            <p:cond delay="99"/>
+                                          </p:stCondLst>
+                                        </p:cTn>
+                                        <p:tgtEl>
+                                          <p:spTgt spid="61"/>
+                                        </p:tgtEl>
+                                        <p:attrNameLst>
+                                          <p:attrName>style.visibility</p:attrName>
+                                        </p:attrNameLst>
+                                      </p:cBhvr>
+                                      <p:to>
+                                        <p:strVal val="hidden"/>
+                                      </p:to>
+                                    </p:set>
+                                  </p:childTnLst>
+                                </p:cTn>
+                              </p:par>
+                            </p:childTnLst>
+                          </p:cTn>
+                        </p:par>
+                      </p:childTnLst>
+                    </p:cTn>
+                  </p:par>
+                </p:childTnLst>
+              </p:cTn>
+              <p:prevCondLst>
+                <p:cond evt="onPrev" delay="0">
+                  <p:tgtEl>
+                    <p:sldTgt/>
+                  </p:tgtEl>
+                </p:cond>
+              </p:prevCondLst>
+              <p:nextCondLst>
+                <p:cond evt="onNext" delay="0">
+                  <p:tgtEl>
+                    <p:sldTgt/>
+                  </p:tgtEl>
+                </p:cond>
+              </p:nextCondLst>
+            </p:seq>
+          </p:childTnLst>
+        </p:cTn>
       </p:par>
     </p:tnLst>
+    <p:bldLst>
+      <p:bldP spid="54" grpId="0" animBg="1"/>
+      <p:bldP spid="54" grpId="1" animBg="1"/>
+      <p:bldP spid="61" grpId="0" animBg="1"/>
+      <p:bldP spid="61" grpId="1" animBg="1"/>
+    </p:bldLst>
   </p:timing>
 </p:sld>
 </file>
 
-<file path=ppt/slides/slide4.xml><?xml version="1.0" encoding="utf-8"?>
+<file path=ppt/slides/slide5.xml><?xml version="1.0" encoding="utf-8"?>
 <p:sld xmlns:a="http://schemas.openxmlformats.org/drawingml/2006/main" xmlns:r="http://schemas.openxmlformats.org/officeDocument/2006/relationships" xmlns:p="http://schemas.openxmlformats.org/presentationml/2006/main">
   <p:cSld>
     <p:spTree>
@@ -12271,7 +16921,7 @@
 </p:sld>
 </file>
 
-<file path=ppt/slides/slide5.xml><?xml version="1.0" encoding="utf-8"?>
+<file path=ppt/slides/slide6.xml><?xml version="1.0" encoding="utf-8"?>
 <p:sld xmlns:a="http://schemas.openxmlformats.org/drawingml/2006/main" xmlns:r="http://schemas.openxmlformats.org/officeDocument/2006/relationships" xmlns:p="http://schemas.openxmlformats.org/presentationml/2006/main">
   <p:cSld>
     <p:spTree>
@@ -15353,7 +20003,7 @@
 </p:sld>
 </file>
 
-<file path=ppt/slides/slide6.xml><?xml version="1.0" encoding="utf-8"?>
+<file path=ppt/slides/slide7.xml><?xml version="1.0" encoding="utf-8"?>
 <p:sld xmlns:a="http://schemas.openxmlformats.org/drawingml/2006/main" xmlns:r="http://schemas.openxmlformats.org/officeDocument/2006/relationships" xmlns:p="http://schemas.openxmlformats.org/presentationml/2006/main">
   <p:cSld>
     <p:spTree>
@@ -18036,7 +22686,7 @@
 </p:sld>
 </file>
 
-<file path=ppt/slides/slide7.xml><?xml version="1.0" encoding="utf-8"?>
+<file path=ppt/slides/slide8.xml><?xml version="1.0" encoding="utf-8"?>
 <p:sld xmlns:a="http://schemas.openxmlformats.org/drawingml/2006/main" xmlns:r="http://schemas.openxmlformats.org/officeDocument/2006/relationships" xmlns:p="http://schemas.openxmlformats.org/presentationml/2006/main">
   <p:cSld>
     <p:spTree>
@@ -19942,7 +24592,7 @@
 </p:sld>
 </file>
 
-<file path=ppt/slides/slide8.xml><?xml version="1.0" encoding="utf-8"?>
+<file path=ppt/slides/slide9.xml><?xml version="1.0" encoding="utf-8"?>
 <p:sld xmlns:a="http://schemas.openxmlformats.org/drawingml/2006/main" xmlns:r="http://schemas.openxmlformats.org/officeDocument/2006/relationships" xmlns:p="http://schemas.openxmlformats.org/presentationml/2006/main">
   <p:cSld>
     <p:spTree>
@@ -21538,581 +26188,6 @@
 </p:sld>
 </file>
 
-<file path=ppt/slides/slide9.xml><?xml version="1.0" encoding="utf-8"?>
-<p:sld xmlns:a="http://schemas.openxmlformats.org/drawingml/2006/main" xmlns:r="http://schemas.openxmlformats.org/officeDocument/2006/relationships" xmlns:p="http://schemas.openxmlformats.org/presentationml/2006/main">
-  <p:cSld>
-    <p:spTree>
-      <p:nvGrpSpPr>
-        <p:cNvPr id="1" name=""/>
-        <p:cNvGrpSpPr/>
-        <p:nvPr/>
-      </p:nvGrpSpPr>
-      <p:grpSpPr>
-        <a:xfrm>
-          <a:off x="0" y="0"/>
-          <a:ext cx="0" cy="0"/>
-          <a:chOff x="0" y="0"/>
-          <a:chExt cx="0" cy="0"/>
-        </a:xfrm>
-      </p:grpSpPr>
-      <p:sp>
-        <p:nvSpPr>
-          <p:cNvPr id="2" name="TextBox 1"/>
-          <p:cNvSpPr txBox="1"/>
-          <p:nvPr/>
-        </p:nvSpPr>
-        <p:spPr>
-          <a:xfrm>
-            <a:off x="395536" y="332656"/>
-            <a:ext cx="4414991" cy="461665"/>
-          </a:xfrm>
-          <a:prstGeom prst="rect">
-            <a:avLst/>
-          </a:prstGeom>
-          <a:noFill/>
-        </p:spPr>
-        <p:txBody>
-          <a:bodyPr wrap="none" rtlCol="0">
-            <a:spAutoFit/>
-          </a:bodyPr>
-          <a:lstStyle/>
-          <a:p>
-            <a:r>
-              <a:rPr lang="en-US" dirty="0" smtClean="0"/>
-              <a:t>Manage Card Deposit Refunds</a:t>
-            </a:r>
-            <a:endParaRPr lang="en-US" dirty="0"/>
-          </a:p>
-        </p:txBody>
-      </p:sp>
-      <p:graphicFrame>
-        <p:nvGraphicFramePr>
-          <p:cNvPr id="3" name="Table 2"/>
-          <p:cNvGraphicFramePr>
-            <a:graphicFrameLocks noGrp="1"/>
-          </p:cNvGraphicFramePr>
-          <p:nvPr>
-            <p:extLst>
-              <p:ext uri="{D42A27DB-BD31-4B8C-83A1-F6EECF244321}">
-                <p14:modId xmlns:p14="http://schemas.microsoft.com/office/powerpoint/2010/main" val="220536979"/>
-              </p:ext>
-            </p:extLst>
-          </p:nvPr>
-        </p:nvGraphicFramePr>
-        <p:xfrm>
-          <a:off x="407470" y="1412776"/>
-          <a:ext cx="7776864" cy="2108200"/>
-        </p:xfrm>
-        <a:graphic>
-          <a:graphicData uri="http://schemas.openxmlformats.org/drawingml/2006/table">
-            <a:tbl>
-              <a:tblPr firstRow="1" bandRow="1">
-                <a:tableStyleId>{073A0DAA-6AF3-43AB-8588-CEC1D06C72B9}</a:tableStyleId>
-              </a:tblPr>
-              <a:tblGrid>
-                <a:gridCol w="972108"/>
-                <a:gridCol w="972108"/>
-                <a:gridCol w="972108"/>
-                <a:gridCol w="972108"/>
-                <a:gridCol w="972108"/>
-                <a:gridCol w="972108"/>
-                <a:gridCol w="972108"/>
-                <a:gridCol w="972108"/>
-              </a:tblGrid>
-              <a:tr h="370840">
-                <a:tc gridSpan="6">
-                  <a:txBody>
-                    <a:bodyPr/>
-                    <a:lstStyle/>
-                    <a:p>
-                      <a:r>
-                        <a:rPr lang="en-US" sz="1200" dirty="0" smtClean="0"/>
-                        <a:t>Card Deposit Refund Tracking</a:t>
-                      </a:r>
-                      <a:endParaRPr lang="en-US" sz="1200" dirty="0"/>
-                    </a:p>
-                  </a:txBody>
-                  <a:tcPr/>
-                </a:tc>
-                <a:tc hMerge="1">
-                  <a:txBody>
-                    <a:bodyPr/>
-                    <a:lstStyle/>
-                    <a:p>
-                      <a:endParaRPr lang="en-US" sz="1200" dirty="0"/>
-                    </a:p>
-                  </a:txBody>
-                  <a:tcPr/>
-                </a:tc>
-                <a:tc hMerge="1">
-                  <a:txBody>
-                    <a:bodyPr/>
-                    <a:lstStyle/>
-                    <a:p>
-                      <a:endParaRPr lang="en-US" sz="1200" dirty="0"/>
-                    </a:p>
-                  </a:txBody>
-                  <a:tcPr/>
-                </a:tc>
-                <a:tc hMerge="1">
-                  <a:txBody>
-                    <a:bodyPr/>
-                    <a:lstStyle/>
-                    <a:p>
-                      <a:endParaRPr lang="en-US" sz="1200" dirty="0"/>
-                    </a:p>
-                  </a:txBody>
-                  <a:tcPr/>
-                </a:tc>
-                <a:tc hMerge="1">
-                  <a:txBody>
-                    <a:bodyPr/>
-                    <a:lstStyle/>
-                    <a:p>
-                      <a:endParaRPr lang="en-US" sz="1200" dirty="0"/>
-                    </a:p>
-                  </a:txBody>
-                  <a:tcPr/>
-                </a:tc>
-                <a:tc hMerge="1">
-                  <a:txBody>
-                    <a:bodyPr/>
-                    <a:lstStyle/>
-                    <a:p>
-                      <a:endParaRPr lang="en-US" sz="1200" dirty="0"/>
-                    </a:p>
-                  </a:txBody>
-                  <a:tcPr/>
-                </a:tc>
-                <a:tc>
-                  <a:txBody>
-                    <a:bodyPr/>
-                    <a:lstStyle/>
-                    <a:p>
-                      <a:endParaRPr lang="en-US" sz="1200" dirty="0"/>
-                    </a:p>
-                  </a:txBody>
-                  <a:tcPr/>
-                </a:tc>
-                <a:tc>
-                  <a:txBody>
-                    <a:bodyPr/>
-                    <a:lstStyle/>
-                    <a:p>
-                      <a:endParaRPr lang="en-US" sz="1200" dirty="0"/>
-                    </a:p>
-                  </a:txBody>
-                  <a:tcPr/>
-                </a:tc>
-              </a:tr>
-              <a:tr h="370840">
-                <a:tc>
-                  <a:txBody>
-                    <a:bodyPr/>
-                    <a:lstStyle/>
-                    <a:p>
-                      <a:r>
-                        <a:rPr lang="en-US" sz="1200" dirty="0" smtClean="0"/>
-                        <a:t>Date Flagged</a:t>
-                      </a:r>
-                      <a:endParaRPr lang="en-US" sz="1200" dirty="0"/>
-                    </a:p>
-                  </a:txBody>
-                  <a:tcPr/>
-                </a:tc>
-                <a:tc>
-                  <a:txBody>
-                    <a:bodyPr/>
-                    <a:lstStyle/>
-                    <a:p>
-                      <a:r>
-                        <a:rPr lang="en-US" sz="1200" dirty="0" smtClean="0"/>
-                        <a:t>Date</a:t>
-                      </a:r>
-                      <a:endParaRPr lang="en-US" sz="1200" dirty="0"/>
-                    </a:p>
-                  </a:txBody>
-                  <a:tcPr/>
-                </a:tc>
-                <a:tc>
-                  <a:txBody>
-                    <a:bodyPr/>
-                    <a:lstStyle/>
-                    <a:p>
-                      <a:r>
-                        <a:rPr lang="en-US" sz="1200" dirty="0" smtClean="0"/>
-                        <a:t>Int. Ref No.</a:t>
-                      </a:r>
-                      <a:endParaRPr lang="en-US" sz="1200" dirty="0"/>
-                    </a:p>
-                  </a:txBody>
-                  <a:tcPr/>
-                </a:tc>
-                <a:tc>
-                  <a:txBody>
-                    <a:bodyPr/>
-                    <a:lstStyle/>
-                    <a:p>
-                      <a:r>
-                        <a:rPr lang="en-US" sz="1200" dirty="0" smtClean="0"/>
-                        <a:t>Payee</a:t>
-                      </a:r>
-                      <a:endParaRPr lang="en-US" sz="1200" dirty="0"/>
-                    </a:p>
-                  </a:txBody>
-                  <a:tcPr/>
-                </a:tc>
-                <a:tc>
-                  <a:txBody>
-                    <a:bodyPr/>
-                    <a:lstStyle/>
-                    <a:p>
-                      <a:r>
-                        <a:rPr lang="en-US" sz="1200" dirty="0" smtClean="0"/>
-                        <a:t>Card Number</a:t>
-                      </a:r>
-                      <a:endParaRPr lang="en-US" sz="1200" dirty="0"/>
-                    </a:p>
-                  </a:txBody>
-                  <a:tcPr/>
-                </a:tc>
-                <a:tc>
-                  <a:txBody>
-                    <a:bodyPr/>
-                    <a:lstStyle/>
-                    <a:p>
-                      <a:r>
-                        <a:rPr lang="en-US" sz="1200" dirty="0" smtClean="0"/>
-                        <a:t>Settlement Amount</a:t>
-                      </a:r>
-                      <a:endParaRPr lang="en-US" sz="1200" dirty="0"/>
-                    </a:p>
-                  </a:txBody>
-                  <a:tcPr/>
-                </a:tc>
-                <a:tc>
-                  <a:txBody>
-                    <a:bodyPr/>
-                    <a:lstStyle/>
-                    <a:p>
-                      <a:r>
-                        <a:rPr lang="en-US" sz="1200" dirty="0" smtClean="0"/>
-                        <a:t>Status</a:t>
-                      </a:r>
-                      <a:endParaRPr lang="en-US" sz="1200" dirty="0"/>
-                    </a:p>
-                  </a:txBody>
-                  <a:tcPr/>
-                </a:tc>
-                <a:tc>
-                  <a:txBody>
-                    <a:bodyPr/>
-                    <a:lstStyle/>
-                    <a:p>
-                      <a:r>
-                        <a:rPr lang="en-US" sz="1200" dirty="0" smtClean="0"/>
-                        <a:t>Status</a:t>
-                      </a:r>
-                      <a:r>
-                        <a:rPr lang="en-US" sz="1200" baseline="0" dirty="0" smtClean="0"/>
-                        <a:t> Updated</a:t>
-                      </a:r>
-                    </a:p>
-                    <a:p>
-                      <a:r>
-                        <a:rPr lang="en-US" sz="1200" baseline="0" dirty="0" smtClean="0"/>
-                        <a:t>Date</a:t>
-                      </a:r>
-                      <a:endParaRPr lang="en-US" sz="1200" dirty="0"/>
-                    </a:p>
-                  </a:txBody>
-                  <a:tcPr/>
-                </a:tc>
-              </a:tr>
-              <a:tr h="370840">
-                <a:tc>
-                  <a:txBody>
-                    <a:bodyPr/>
-                    <a:lstStyle/>
-                    <a:p>
-                      <a:endParaRPr lang="en-US" sz="1200" dirty="0"/>
-                    </a:p>
-                  </a:txBody>
-                  <a:tcPr/>
-                </a:tc>
-                <a:tc>
-                  <a:txBody>
-                    <a:bodyPr/>
-                    <a:lstStyle/>
-                    <a:p>
-                      <a:endParaRPr lang="en-US" sz="1200" dirty="0"/>
-                    </a:p>
-                  </a:txBody>
-                  <a:tcPr/>
-                </a:tc>
-                <a:tc>
-                  <a:txBody>
-                    <a:bodyPr/>
-                    <a:lstStyle/>
-                    <a:p>
-                      <a:endParaRPr lang="en-US" sz="1200" dirty="0"/>
-                    </a:p>
-                  </a:txBody>
-                  <a:tcPr/>
-                </a:tc>
-                <a:tc>
-                  <a:txBody>
-                    <a:bodyPr/>
-                    <a:lstStyle/>
-                    <a:p>
-                      <a:endParaRPr lang="en-US" sz="1200" dirty="0"/>
-                    </a:p>
-                  </a:txBody>
-                  <a:tcPr/>
-                </a:tc>
-                <a:tc>
-                  <a:txBody>
-                    <a:bodyPr/>
-                    <a:lstStyle/>
-                    <a:p>
-                      <a:endParaRPr lang="en-US" sz="1200" dirty="0"/>
-                    </a:p>
-                  </a:txBody>
-                  <a:tcPr/>
-                </a:tc>
-                <a:tc>
-                  <a:txBody>
-                    <a:bodyPr/>
-                    <a:lstStyle/>
-                    <a:p>
-                      <a:endParaRPr lang="en-US" sz="1200" dirty="0"/>
-                    </a:p>
-                  </a:txBody>
-                  <a:tcPr/>
-                </a:tc>
-                <a:tc>
-                  <a:txBody>
-                    <a:bodyPr/>
-                    <a:lstStyle/>
-                    <a:p>
-                      <a:r>
-                        <a:rPr lang="en-US" sz="1200" dirty="0" smtClean="0"/>
-                        <a:t>Bank Notified</a:t>
-                      </a:r>
-                      <a:endParaRPr lang="en-US" sz="1200" dirty="0"/>
-                    </a:p>
-                  </a:txBody>
-                  <a:tcPr/>
-                </a:tc>
-                <a:tc>
-                  <a:txBody>
-                    <a:bodyPr/>
-                    <a:lstStyle/>
-                    <a:p>
-                      <a:endParaRPr lang="en-US" sz="1200" dirty="0"/>
-                    </a:p>
-                  </a:txBody>
-                  <a:tcPr/>
-                </a:tc>
-              </a:tr>
-              <a:tr h="370840">
-                <a:tc>
-                  <a:txBody>
-                    <a:bodyPr/>
-                    <a:lstStyle/>
-                    <a:p>
-                      <a:endParaRPr lang="en-US" sz="1200" dirty="0"/>
-                    </a:p>
-                  </a:txBody>
-                  <a:tcPr/>
-                </a:tc>
-                <a:tc>
-                  <a:txBody>
-                    <a:bodyPr/>
-                    <a:lstStyle/>
-                    <a:p>
-                      <a:endParaRPr lang="en-US" sz="1200" dirty="0"/>
-                    </a:p>
-                  </a:txBody>
-                  <a:tcPr/>
-                </a:tc>
-                <a:tc>
-                  <a:txBody>
-                    <a:bodyPr/>
-                    <a:lstStyle/>
-                    <a:p>
-                      <a:endParaRPr lang="en-US" sz="1200" dirty="0"/>
-                    </a:p>
-                  </a:txBody>
-                  <a:tcPr/>
-                </a:tc>
-                <a:tc>
-                  <a:txBody>
-                    <a:bodyPr/>
-                    <a:lstStyle/>
-                    <a:p>
-                      <a:endParaRPr lang="en-US" sz="1200" dirty="0"/>
-                    </a:p>
-                  </a:txBody>
-                  <a:tcPr/>
-                </a:tc>
-                <a:tc>
-                  <a:txBody>
-                    <a:bodyPr/>
-                    <a:lstStyle/>
-                    <a:p>
-                      <a:endParaRPr lang="en-US" sz="1200" dirty="0"/>
-                    </a:p>
-                  </a:txBody>
-                  <a:tcPr/>
-                </a:tc>
-                <a:tc>
-                  <a:txBody>
-                    <a:bodyPr/>
-                    <a:lstStyle/>
-                    <a:p>
-                      <a:endParaRPr lang="en-US" sz="1200" dirty="0"/>
-                    </a:p>
-                  </a:txBody>
-                  <a:tcPr/>
-                </a:tc>
-                <a:tc>
-                  <a:txBody>
-                    <a:bodyPr/>
-                    <a:lstStyle/>
-                    <a:p>
-                      <a:r>
-                        <a:rPr lang="en-US" sz="1200" dirty="0" smtClean="0"/>
-                        <a:t>Paga Account</a:t>
-                      </a:r>
-                      <a:r>
-                        <a:rPr lang="en-US" sz="1200" baseline="0" dirty="0" smtClean="0"/>
-                        <a:t> Credited</a:t>
-                      </a:r>
-                      <a:endParaRPr lang="en-US" sz="1200" dirty="0"/>
-                    </a:p>
-                  </a:txBody>
-                  <a:tcPr/>
-                </a:tc>
-                <a:tc>
-                  <a:txBody>
-                    <a:bodyPr/>
-                    <a:lstStyle/>
-                    <a:p>
-                      <a:endParaRPr lang="en-US" sz="1200" dirty="0"/>
-                    </a:p>
-                  </a:txBody>
-                  <a:tcPr/>
-                </a:tc>
-              </a:tr>
-            </a:tbl>
-          </a:graphicData>
-        </a:graphic>
-      </p:graphicFrame>
-      <p:sp>
-        <p:nvSpPr>
-          <p:cNvPr id="4" name="TextBox 3"/>
-          <p:cNvSpPr txBox="1"/>
-          <p:nvPr/>
-        </p:nvSpPr>
-        <p:spPr>
-          <a:xfrm>
-            <a:off x="755576" y="4509120"/>
-            <a:ext cx="7128792" cy="1200329"/>
-          </a:xfrm>
-          <a:prstGeom prst="rect">
-            <a:avLst/>
-          </a:prstGeom>
-          <a:noFill/>
-        </p:spPr>
-        <p:txBody>
-          <a:bodyPr wrap="square" rtlCol="0">
-            <a:spAutoFit/>
-          </a:bodyPr>
-          <a:lstStyle/>
-          <a:p>
-            <a:pPr marL="342900" indent="-342900">
-              <a:buFont typeface="Arial" panose="020B0604020202020204" pitchFamily="34" charset="0"/>
-              <a:buChar char="•"/>
-            </a:pPr>
-            <a:r>
-              <a:rPr lang="en-US" sz="1200" dirty="0" smtClean="0"/>
-              <a:t>This screen will display all the card deposits marked for refund. </a:t>
-            </a:r>
-          </a:p>
-          <a:p>
-            <a:pPr marL="342900" indent="-342900">
-              <a:buFont typeface="Arial" panose="020B0604020202020204" pitchFamily="34" charset="0"/>
-              <a:buChar char="•"/>
-            </a:pPr>
-            <a:r>
-              <a:rPr lang="en-US" sz="1200" dirty="0" smtClean="0"/>
-              <a:t>The user can update the status by double selecting from a drop-down in the status column.</a:t>
-            </a:r>
-          </a:p>
-          <a:p>
-            <a:pPr marL="342900" indent="-342900">
-              <a:buFont typeface="Arial" panose="020B0604020202020204" pitchFamily="34" charset="0"/>
-              <a:buChar char="•"/>
-            </a:pPr>
-            <a:r>
-              <a:rPr lang="en-US" sz="1200" dirty="0" smtClean="0"/>
-              <a:t>We should be able to filter by Date Range</a:t>
-            </a:r>
-          </a:p>
-          <a:p>
-            <a:pPr marL="342900" indent="-342900">
-              <a:buFont typeface="Arial" panose="020B0604020202020204" pitchFamily="34" charset="0"/>
-              <a:buChar char="•"/>
-            </a:pPr>
-            <a:r>
-              <a:rPr lang="en-US" sz="1200" dirty="0" smtClean="0"/>
-              <a:t>We should be able to search for specific transactions</a:t>
-            </a:r>
-          </a:p>
-          <a:p>
-            <a:pPr marL="342900" indent="-342900">
-              <a:buFont typeface="Arial" panose="020B0604020202020204" pitchFamily="34" charset="0"/>
-              <a:buChar char="•"/>
-            </a:pPr>
-            <a:r>
-              <a:rPr lang="en-US" sz="1200" dirty="0" smtClean="0"/>
-              <a:t>We really ought to be able to see who the Paga Account Owner is</a:t>
-            </a:r>
-          </a:p>
-          <a:p>
-            <a:pPr marL="342900" indent="-342900">
-              <a:buFont typeface="Arial" panose="020B0604020202020204" pitchFamily="34" charset="0"/>
-              <a:buChar char="•"/>
-            </a:pPr>
-            <a:r>
-              <a:rPr lang="en-US" sz="1200" dirty="0" smtClean="0"/>
-              <a:t>There should be a way to export the data for reporting to the bank.</a:t>
-            </a:r>
-            <a:endParaRPr lang="en-US" sz="1200" dirty="0"/>
-          </a:p>
-        </p:txBody>
-      </p:sp>
-    </p:spTree>
-    <p:extLst>
-      <p:ext uri="{BB962C8B-B14F-4D97-AF65-F5344CB8AC3E}">
-        <p14:creationId xmlns:p14="http://schemas.microsoft.com/office/powerpoint/2010/main" val="3102582795"/>
-      </p:ext>
-    </p:extLst>
-  </p:cSld>
-  <p:clrMapOvr>
-    <a:masterClrMapping/>
-  </p:clrMapOvr>
-  <p:timing>
-    <p:tnLst>
-      <p:par>
-        <p:cTn id="1" dur="indefinite" restart="never" nodeType="tmRoot"/>
-      </p:par>
-    </p:tnLst>
-  </p:timing>
-</p:sld>
-</file>
-
 <file path=ppt/tags/tag1.xml><?xml version="1.0" encoding="utf-8"?>
 <p:tagLst xmlns:a="http://schemas.openxmlformats.org/drawingml/2006/main" xmlns:r="http://schemas.openxmlformats.org/officeDocument/2006/relationships" xmlns:p="http://schemas.openxmlformats.org/presentationml/2006/main">
   <p:tag name="DVSHAPEID" val="W2e1KxTVtphxPfiXq5BKma"/>
@@ -22137,12 +26212,6 @@
 </p:tagLst>
 </file>
 
-<file path=ppt/tags/tag13.xml><?xml version="1.0" encoding="utf-8"?>
-<p:tagLst xmlns:a="http://schemas.openxmlformats.org/drawingml/2006/main" xmlns:r="http://schemas.openxmlformats.org/officeDocument/2006/relationships" xmlns:p="http://schemas.openxmlformats.org/presentationml/2006/main">
-  <p:tag name="DVSHAPEID" val="W2e1KxTVtphxPfiXq5BKma"/>
-</p:tagLst>
-</file>
-
 <file path=ppt/tags/tag2.xml><?xml version="1.0" encoding="utf-8"?>
 <p:tagLst xmlns:a="http://schemas.openxmlformats.org/drawingml/2006/main" xmlns:r="http://schemas.openxmlformats.org/officeDocument/2006/relationships" xmlns:p="http://schemas.openxmlformats.org/presentationml/2006/main">
   <p:tag name="DVSHAPEID" val="W2e1KxTVtphxPfiXq5BKma"/>
@@ -22151,19 +26220,19 @@
 
 <file path=ppt/tags/tag3.xml><?xml version="1.0" encoding="utf-8"?>
 <p:tagLst xmlns:a="http://schemas.openxmlformats.org/drawingml/2006/main" xmlns:r="http://schemas.openxmlformats.org/officeDocument/2006/relationships" xmlns:p="http://schemas.openxmlformats.org/presentationml/2006/main">
-  <p:tag name="DVSHAPEID" val="DzViVkaeEntMwfMqTk9RlF"/>
+  <p:tag name="DVSHAPEID" val="W2e1KxTVtphxPfiXq5BKma"/>
 </p:tagLst>
 </file>
 
 <file path=ppt/tags/tag4.xml><?xml version="1.0" encoding="utf-8"?>
 <p:tagLst xmlns:a="http://schemas.openxmlformats.org/drawingml/2006/main" xmlns:r="http://schemas.openxmlformats.org/officeDocument/2006/relationships" xmlns:p="http://schemas.openxmlformats.org/presentationml/2006/main">
-  <p:tag name="DVSHAPEID" val="YwfAmM3JAzQEji30wpeqUN"/>
+  <p:tag name="DVSHAPEID" val="DzViVkaeEntMwfMqTk9RlF"/>
 </p:tagLst>
 </file>
 
 <file path=ppt/tags/tag5.xml><?xml version="1.0" encoding="utf-8"?>
 <p:tagLst xmlns:a="http://schemas.openxmlformats.org/drawingml/2006/main" xmlns:r="http://schemas.openxmlformats.org/officeDocument/2006/relationships" xmlns:p="http://schemas.openxmlformats.org/presentationml/2006/main">
-  <p:tag name="DVSHAPEID" val="W2e1KxTVtphxPfiXq5BKma"/>
+  <p:tag name="DVSHAPEID" val="YwfAmM3JAzQEji30wpeqUN"/>
 </p:tagLst>
 </file>
 
@@ -23172,31 +27241,31 @@
 
 <file path=customXml/item1.xml><?xml version="1.0" encoding="utf-8"?>
 <Control xmlns="http://schemas.microsoft.com/VisualStudio/2011/storyboarding/control">
-  <Id Name="System.Storyboarding.WindowsAppIcons.Filter" Revision="1" Stencil="System.Storyboarding.WindowsAppIcons" StencilVersion="0.1"/>
+  <Id Name="System.Storyboarding.Annotation.AnimatedRectangleCallout" Revision="1" Stencil="System.Storyboarding.Annotation" StencilVersion="0.1"/>
 </Control>
 </file>
 
 <file path=customXml/item10.xml><?xml version="1.0" encoding="utf-8"?>
 <Control xmlns="http://schemas.microsoft.com/VisualStudio/2011/storyboarding/control">
-  <Id Name="03ad4d9b-4b9d-44ba-9033-0000952eba9d" RevisionId="77940bd2-b573-4b5a-acef-50d9302aaf3c" Stencil="172d6d98-e5c9-42e9-a209-79f7a94bbd38" StencilRevisionId="00000000-0000-0000-0000-000000000000" StencilVersion="0.0"/>
+  <Id Name="System.Storyboarding.Common.ScrollbarVertical" Revision="1" Stencil="System.Storyboarding.Common" StencilVersion="0.1"/>
 </Control>
 </file>
 
 <file path=customXml/item11.xml><?xml version="1.0" encoding="utf-8"?>
 <Control xmlns="http://schemas.microsoft.com/VisualStudio/2011/storyboarding/control">
-  <Id Name="System.Storyboarding.WindowsApps.WindowsAppsEditBox" Revision="1" Stencil="System.Storyboarding.WindowsApps" StencilVersion="0.1"/>
+  <Id Name="System.Storyboarding.Annotation.AnimatedRectangleCallout" Revision="1" Stencil="System.Storyboarding.Annotation" StencilVersion="0.1"/>
 </Control>
 </file>
 
 <file path=customXml/item12.xml><?xml version="1.0" encoding="utf-8"?>
 <Control xmlns="http://schemas.microsoft.com/VisualStudio/2011/storyboarding/control">
-  <Id Name="System.Storyboarding.WindowsAppIcons.Search" Revision="1" Stencil="System.Storyboarding.WindowsAppIcons" StencilVersion="0.1"/>
+  <Id Name="System.Storyboarding.Common.CheckBoxChecked" Revision="1" Stencil="System.Storyboarding.Common" StencilVersion="0.1"/>
 </Control>
 </file>
 
 <file path=customXml/item13.xml><?xml version="1.0" encoding="utf-8"?>
 <Control xmlns="http://schemas.microsoft.com/VisualStudio/2011/storyboarding/control">
-  <Id Name="System.Storyboarding.Common.DatePicker" Revision="1" Stencil="System.Storyboarding.Common" StencilVersion="0.1"/>
+  <Id Name="System.Storyboarding.WindowsApps.WindowsAppsEditBox" Revision="1" Stencil="System.Storyboarding.WindowsApps" StencilVersion="0.1"/>
 </Control>
 </file>
 
@@ -23208,31 +27277,31 @@
 
 <file path=customXml/item15.xml><?xml version="1.0" encoding="utf-8"?>
 <Control xmlns="http://schemas.microsoft.com/VisualStudio/2011/storyboarding/control">
-  <Id Name="2af01176-85ee-4929-8d41-a331980c979e" RevisionId="be170569-95d9-41cc-85ac-d2bbd0fbf029" Stencil="172d6d98-e5c9-42e9-a209-79f7a94bbd38" StencilRevisionId="00000000-0000-0000-0000-000000000000" StencilVersion="0.0"/>
+  <Id Name="System.Storyboarding.Annotation.StickyNote" Revision="1" Stencil="System.Storyboarding.Annotation" StencilVersion="0.1"/>
 </Control>
 </file>
 
 <file path=customXml/item16.xml><?xml version="1.0" encoding="utf-8"?>
 <Control xmlns="http://schemas.microsoft.com/VisualStudio/2011/storyboarding/control">
-  <Id Name="System.Storyboarding.WindowsAppIcons.Save" Revision="1" Stencil="System.Storyboarding.WindowsAppIcons" StencilVersion="0.1"/>
+  <Id Name="System.Storyboarding.WindowsApps.WindowsAppsEditBox" Revision="1" Stencil="System.Storyboarding.WindowsApps" StencilVersion="0.1"/>
 </Control>
 </file>
 
 <file path=customXml/item17.xml><?xml version="1.0" encoding="utf-8"?>
 <Control xmlns="http://schemas.microsoft.com/VisualStudio/2011/storyboarding/control">
-  <Id Name="System.Storyboarding.Common.CheckBoxUnchecked" Revision="1" Stencil="System.Storyboarding.Common" StencilVersion="0.1"/>
+  <Id Name="System.Storyboarding.WindowsAppIcons.Search" Revision="1" Stencil="System.Storyboarding.WindowsAppIcons" StencilVersion="0.1"/>
 </Control>
 </file>
 
 <file path=customXml/item18.xml><?xml version="1.0" encoding="utf-8"?>
 <Control xmlns="http://schemas.microsoft.com/VisualStudio/2011/storyboarding/control">
-  <Id Name="System.Storyboarding.WindowsApps.WindowsAppsEditBox" Revision="1" Stencil="System.Storyboarding.WindowsApps" StencilVersion="0.1"/>
+  <Id Name="System.Storyboarding.Common.ScrollbarVertical" Revision="1" Stencil="System.Storyboarding.Common" StencilVersion="0.1"/>
 </Control>
 </file>
 
 <file path=customXml/item19.xml><?xml version="1.0" encoding="utf-8"?>
 <Control xmlns="http://schemas.microsoft.com/VisualStudio/2011/storyboarding/control">
-  <Id Name="System.Storyboarding.Annotation.AnimatedRectangleCallout" Revision="1" Stencil="System.Storyboarding.Annotation" StencilVersion="0.1"/>
+  <Id Name="System.Storyboarding.WindowsApps.WindowsAppsEditBox" Revision="1" Stencil="System.Storyboarding.WindowsApps" StencilVersion="0.1"/>
 </Control>
 </file>
 
@@ -23244,103 +27313,103 @@
 
 <file path=customXml/item20.xml><?xml version="1.0" encoding="utf-8"?>
 <Control xmlns="http://schemas.microsoft.com/VisualStudio/2011/storyboarding/control">
-  <Id Name="System.Storyboarding.Common.DatePicker" Revision="1" Stencil="System.Storyboarding.Common" StencilVersion="0.1"/>
+  <Id Name="System.Storyboarding.WindowsApps.WindowsAppsComboBox" Revision="1" Stencil="System.Storyboarding.WindowsApps" StencilVersion="0.1"/>
 </Control>
 </file>
 
 <file path=customXml/item21.xml><?xml version="1.0" encoding="utf-8"?>
 <Control xmlns="http://schemas.microsoft.com/VisualStudio/2011/storyboarding/control">
-  <Id Name="03ad4d9b-4b9d-44ba-9033-0000952eba9d" RevisionId="77940bd2-b573-4b5a-acef-50d9302aaf3c" Stencil="172d6d98-e5c9-42e9-a209-79f7a94bbd38" StencilRevisionId="00000000-0000-0000-0000-000000000000" StencilVersion="0.0"/>
+  <Id Name="System.Storyboarding.Annotation.AnimatedRectangleCallout" Revision="1" Stencil="System.Storyboarding.Annotation" StencilVersion="0.1"/>
 </Control>
 </file>
 
 <file path=customXml/item22.xml><?xml version="1.0" encoding="utf-8"?>
 <Control xmlns="http://schemas.microsoft.com/VisualStudio/2011/storyboarding/control">
-  <Id Name="System.Storyboarding.Annotation.StickyNote" Revision="1" Stencil="System.Storyboarding.Annotation" StencilVersion="0.1"/>
+  <Id Name="System.Storyboarding.WindowsAppIcons.Search" Revision="1" Stencil="System.Storyboarding.WindowsAppIcons" StencilVersion="0.1"/>
 </Control>
 </file>
 
 <file path=customXml/item23.xml><?xml version="1.0" encoding="utf-8"?>
 <Control xmlns="http://schemas.microsoft.com/VisualStudio/2011/storyboarding/control">
-  <Id Name="System.Storyboarding.Annotation.StickyNote" Revision="1" Stencil="System.Storyboarding.Annotation" StencilVersion="0.1"/>
+  <Id Name="System.Storyboarding.Common.CheckBoxUnchecked" Revision="1" Stencil="System.Storyboarding.Common" StencilVersion="0.1"/>
 </Control>
 </file>
 
 <file path=customXml/item24.xml><?xml version="1.0" encoding="utf-8"?>
 <Control xmlns="http://schemas.microsoft.com/VisualStudio/2011/storyboarding/control">
-  <Id Name="System.Storyboarding.WindowsApps.WindowsAppsEditBox" Revision="1" Stencil="System.Storyboarding.WindowsApps" StencilVersion="0.1"/>
+  <Id Name="System.Storyboarding.Annotation.StickyNote" Revision="1" Stencil="System.Storyboarding.Annotation" StencilVersion="0.1"/>
 </Control>
 </file>
 
 <file path=customXml/item25.xml><?xml version="1.0" encoding="utf-8"?>
 <Control xmlns="http://schemas.microsoft.com/VisualStudio/2011/storyboarding/control">
-  <Id Name="System.Storyboarding.Annotation.StickyNote" Revision="1" Stencil="System.Storyboarding.Annotation" StencilVersion="0.1"/>
+  <Id Name="System.Storyboarding.Annotation.AnimatedRectangleCallout" Revision="1" Stencil="System.Storyboarding.Annotation" StencilVersion="0.1"/>
 </Control>
 </file>
 
 <file path=customXml/item26.xml><?xml version="1.0" encoding="utf-8"?>
 <Control xmlns="http://schemas.microsoft.com/VisualStudio/2011/storyboarding/control">
-  <Id Name="2af01176-85ee-4929-8d41-a331980c979e" RevisionId="be170569-95d9-41cc-85ac-d2bbd0fbf029" Stencil="172d6d98-e5c9-42e9-a209-79f7a94bbd38" StencilRevisionId="00000000-0000-0000-0000-000000000000" StencilVersion="0.0"/>
+  <Id Name="System.Storyboarding.Common.CheckBoxChecked" Revision="1" Stencil="System.Storyboarding.Common" StencilVersion="0.1"/>
 </Control>
 </file>
 
 <file path=customXml/item27.xml><?xml version="1.0" encoding="utf-8"?>
 <Control xmlns="http://schemas.microsoft.com/VisualStudio/2011/storyboarding/control">
-  <Id Name="System.Storyboarding.WindowsApps.WindowsAppsEditBox" Revision="1" Stencil="System.Storyboarding.WindowsApps" StencilVersion="0.1"/>
+  <Id Name="System.Storyboarding.Common.DatePicker" Revision="1" Stencil="System.Storyboarding.Common" StencilVersion="0.1"/>
 </Control>
 </file>
 
 <file path=customXml/item28.xml><?xml version="1.0" encoding="utf-8"?>
 <Control xmlns="http://schemas.microsoft.com/VisualStudio/2011/storyboarding/control">
-  <Id Name="System.Storyboarding.WindowsAppIcons.Save" Revision="1" Stencil="System.Storyboarding.WindowsAppIcons" StencilVersion="0.1"/>
+  <Id Name="System.Storyboarding.WindowsApps.WindowsAppsEditBox" Revision="1" Stencil="System.Storyboarding.WindowsApps" StencilVersion="0.1"/>
 </Control>
 </file>
 
 <file path=customXml/item29.xml><?xml version="1.0" encoding="utf-8"?>
 <Control xmlns="http://schemas.microsoft.com/VisualStudio/2011/storyboarding/control">
-  <Id Name="System.Storyboarding.Common.DatePicker" Revision="1" Stencil="System.Storyboarding.Common" StencilVersion="0.1"/>
+  <Id Name="System.Storyboarding.WindowsAppIcons.Filter" Revision="1" Stencil="System.Storyboarding.WindowsAppIcons" StencilVersion="0.1"/>
 </Control>
 </file>
 
 <file path=customXml/item3.xml><?xml version="1.0" encoding="utf-8"?>
 <Control xmlns="http://schemas.microsoft.com/VisualStudio/2011/storyboarding/control">
-  <Id Name="System.Storyboarding.Annotation.AnimatedRectangleCallout" Revision="1" Stencil="System.Storyboarding.Annotation" StencilVersion="0.1"/>
+  <Id Name="System.Storyboarding.WindowsAppIcons.Save" Revision="1" Stencil="System.Storyboarding.WindowsAppIcons" StencilVersion="0.1"/>
 </Control>
 </file>
 
 <file path=customXml/item30.xml><?xml version="1.0" encoding="utf-8"?>
 <Control xmlns="http://schemas.microsoft.com/VisualStudio/2011/storyboarding/control">
-  <Id Name="System.Storyboarding.WindowsAppIcons.Search" Revision="1" Stencil="System.Storyboarding.WindowsAppIcons" StencilVersion="0.1"/>
+  <Id Name="System.Storyboarding.WindowsApps.WindowsAppsEditBox" Revision="1" Stencil="System.Storyboarding.WindowsApps" StencilVersion="0.1"/>
 </Control>
 </file>
 
 <file path=customXml/item31.xml><?xml version="1.0" encoding="utf-8"?>
 <Control xmlns="http://schemas.microsoft.com/VisualStudio/2011/storyboarding/control">
-  <Id Name="System.Storyboarding.Annotation.StickyNote" Revision="1" Stencil="System.Storyboarding.Annotation" StencilVersion="0.1"/>
+  <Id Name="2af01176-85ee-4929-8d41-a331980c979e" RevisionId="be170569-95d9-41cc-85ac-d2bbd0fbf029" Stencil="172d6d98-e5c9-42e9-a209-79f7a94bbd38" StencilRevisionId="00000000-0000-0000-0000-000000000000" StencilVersion="0.0"/>
 </Control>
 </file>
 
 <file path=customXml/item32.xml><?xml version="1.0" encoding="utf-8"?>
 <Control xmlns="http://schemas.microsoft.com/VisualStudio/2011/storyboarding/control">
-  <Id Name="System.Storyboarding.WindowsApps.WindowsAppsComboBox" Revision="1" Stencil="System.Storyboarding.WindowsApps" StencilVersion="0.1"/>
+  <Id Name="System.Storyboarding.Annotation.StickyNote" Revision="1" Stencil="System.Storyboarding.Annotation" StencilVersion="0.1"/>
 </Control>
 </file>
 
 <file path=customXml/item33.xml><?xml version="1.0" encoding="utf-8"?>
 <Control xmlns="http://schemas.microsoft.com/VisualStudio/2011/storyboarding/control">
-  <Id Name="System.Storyboarding.Annotation.AnimatedRectangleCallout" Revision="1" Stencil="System.Storyboarding.Annotation" StencilVersion="0.1"/>
+  <Id Name="System.Storyboarding.WindowsAppIcons.Save" Revision="1" Stencil="System.Storyboarding.WindowsAppIcons" StencilVersion="0.1"/>
 </Control>
 </file>
 
 <file path=customXml/item34.xml><?xml version="1.0" encoding="utf-8"?>
 <Control xmlns="http://schemas.microsoft.com/VisualStudio/2011/storyboarding/control">
-  <Id Name="System.Storyboarding.WindowsApps.WindowsAppsEditBox" Revision="1" Stencil="System.Storyboarding.WindowsApps" StencilVersion="0.1"/>
+  <Id Name="System.Storyboarding.Annotation.StickyNote" Revision="1" Stencil="System.Storyboarding.Annotation" StencilVersion="0.1"/>
 </Control>
 </file>
 
 <file path=customXml/item35.xml><?xml version="1.0" encoding="utf-8"?>
 <Control xmlns="http://schemas.microsoft.com/VisualStudio/2011/storyboarding/control">
-  <Id Name="System.Storyboarding.Common.ScrollbarVertical" Revision="1" Stencil="System.Storyboarding.Common" StencilVersion="0.1"/>
+  <Id Name="03ad4d9b-4b9d-44ba-9033-0000952eba9d" RevisionId="77940bd2-b573-4b5a-acef-50d9302aaf3c" Stencil="172d6d98-e5c9-42e9-a209-79f7a94bbd38" StencilRevisionId="00000000-0000-0000-0000-000000000000" StencilVersion="0.0"/>
 </Control>
 </file>
 
@@ -23352,43 +27421,43 @@
 
 <file path=customXml/item37.xml><?xml version="1.0" encoding="utf-8"?>
 <Control xmlns="http://schemas.microsoft.com/VisualStudio/2011/storyboarding/control">
-  <Id Name="System.Storyboarding.WindowsDesktop.Group" Revision="1" Stencil="System.Storyboarding.WindowsDesktop" StencilVersion="0.1"/>
+  <Id Name="f7a94b64-51d6-472a-8bb4-f2cc047935d1" RevisionId="4b37df06-a36b-4383-9074-55517f1335fc" Stencil="172d6d98-e5c9-42e9-a209-79f7a94bbd38" StencilRevisionId="00000000-0000-0000-0000-000000000000" StencilVersion="0.0"/>
 </Control>
 </file>
 
 <file path=customXml/item38.xml><?xml version="1.0" encoding="utf-8"?>
 <Control xmlns="http://schemas.microsoft.com/VisualStudio/2011/storyboarding/control">
-  <Id Name="System.Storyboarding.Common.CheckBoxChecked" Revision="1" Stencil="System.Storyboarding.Common" StencilVersion="0.1"/>
+  <Id Name="System.Storyboarding.Common.DatePicker" Revision="1" Stencil="System.Storyboarding.Common" StencilVersion="0.1"/>
 </Control>
 </file>
 
 <file path=customXml/item39.xml><?xml version="1.0" encoding="utf-8"?>
 <Control xmlns="http://schemas.microsoft.com/VisualStudio/2011/storyboarding/control">
-  <Id Name="System.Storyboarding.WindowsDesktop.Group" Revision="1" Stencil="System.Storyboarding.WindowsDesktop" StencilVersion="0.1"/>
+  <Id Name="System.Storyboarding.WindowsApps.WindowsAppsEditBox" Revision="1" Stencil="System.Storyboarding.WindowsApps" StencilVersion="0.1"/>
 </Control>
 </file>
 
 <file path=customXml/item4.xml><?xml version="1.0" encoding="utf-8"?>
 <Control xmlns="http://schemas.microsoft.com/VisualStudio/2011/storyboarding/control">
-  <Id Name="System.Storyboarding.Common.CheckBoxChecked" Revision="1" Stencil="System.Storyboarding.Common" StencilVersion="0.1"/>
+  <Id Name="System.Storyboarding.Common.DatePicker" Revision="1" Stencil="System.Storyboarding.Common" StencilVersion="0.1"/>
 </Control>
 </file>
 
 <file path=customXml/item40.xml><?xml version="1.0" encoding="utf-8"?>
 <Control xmlns="http://schemas.microsoft.com/VisualStudio/2011/storyboarding/control">
-  <Id Name="f7a94b64-51d6-472a-8bb4-f2cc047935d1" RevisionId="4b37df06-a36b-4383-9074-55517f1335fc" Stencil="172d6d98-e5c9-42e9-a209-79f7a94bbd38" StencilRevisionId="00000000-0000-0000-0000-000000000000" StencilVersion="0.0"/>
+  <Id Name="2af01176-85ee-4929-8d41-a331980c979e" RevisionId="be170569-95d9-41cc-85ac-d2bbd0fbf029" Stencil="172d6d98-e5c9-42e9-a209-79f7a94bbd38" StencilRevisionId="00000000-0000-0000-0000-000000000000" StencilVersion="0.0"/>
 </Control>
 </file>
 
 <file path=customXml/item41.xml><?xml version="1.0" encoding="utf-8"?>
 <Control xmlns="http://schemas.microsoft.com/VisualStudio/2011/storyboarding/control">
-  <Id Name="System.Storyboarding.WindowsApps.WindowsAppsEditBox" Revision="1" Stencil="System.Storyboarding.WindowsApps" StencilVersion="0.1"/>
+  <Id Name="System.Storyboarding.WindowsDesktop.Group" Revision="1" Stencil="System.Storyboarding.WindowsDesktop" StencilVersion="0.1"/>
 </Control>
 </file>
 
 <file path=customXml/item42.xml><?xml version="1.0" encoding="utf-8"?>
 <Control xmlns="http://schemas.microsoft.com/VisualStudio/2011/storyboarding/control">
-  <Id Name="System.Storyboarding.WindowsApps.WindowsAppsEditBox" Revision="1" Stencil="System.Storyboarding.WindowsApps" StencilVersion="0.1"/>
+  <Id Name="03ad4d9b-4b9d-44ba-9033-0000952eba9d" RevisionId="77940bd2-b573-4b5a-acef-50d9302aaf3c" Stencil="172d6d98-e5c9-42e9-a209-79f7a94bbd38" StencilRevisionId="00000000-0000-0000-0000-000000000000" StencilVersion="0.0"/>
 </Control>
 </file>
 
@@ -23400,13 +27469,103 @@
 
 <file path=customXml/item44.xml><?xml version="1.0" encoding="utf-8"?>
 <Control xmlns="http://schemas.microsoft.com/VisualStudio/2011/storyboarding/control">
-  <Id Name="f7a94b64-51d6-472a-8bb4-f2cc047935d1" RevisionId="4b37df06-a36b-4383-9074-55517f1335fc" Stencil="172d6d98-e5c9-42e9-a209-79f7a94bbd38" StencilRevisionId="00000000-0000-0000-0000-000000000000" StencilVersion="0.0"/>
+  <Id Name="System.Storyboarding.WindowsApps.WindowsAppsEditBox" Revision="1" Stencil="System.Storyboarding.WindowsApps" StencilVersion="0.1"/>
+</Control>
+</file>
+
+<file path=customXml/item45.xml><?xml version="1.0" encoding="utf-8"?>
+<Control xmlns="http://schemas.microsoft.com/VisualStudio/2011/storyboarding/control">
+  <Id Name="System.Storyboarding.Common.MouseClick" Revision="1" Stencil="System.Storyboarding.Common" StencilVersion="0.1"/>
+</Control>
+</file>
+
+<file path=customXml/item46.xml><?xml version="1.0" encoding="utf-8"?>
+<Control xmlns="http://schemas.microsoft.com/VisualStudio/2011/storyboarding/control">
+  <Id Name="System.Storyboarding.Annotation.StickyNote" Revision="1" Stencil="System.Storyboarding.Annotation" StencilVersion="0.1"/>
+</Control>
+</file>
+
+<file path=customXml/item47.xml><?xml version="1.0" encoding="utf-8"?>
+<Control xmlns="http://schemas.microsoft.com/VisualStudio/2011/storyboarding/control">
+  <Id Name="System.Storyboarding.Common.MouseClick" Revision="1" Stencil="System.Storyboarding.Common" StencilVersion="0.1"/>
+</Control>
+</file>
+
+<file path=customXml/item48.xml><?xml version="1.0" encoding="utf-8"?>
+<Control xmlns="http://schemas.microsoft.com/VisualStudio/2011/storyboarding/control">
+  <Id Name="System.Storyboarding.Annotation.StickyNote" Revision="1" Stencil="System.Storyboarding.Annotation" StencilVersion="0.1"/>
+</Control>
+</file>
+
+<file path=customXml/item49.xml><?xml version="1.0" encoding="utf-8"?>
+<Control xmlns="http://schemas.microsoft.com/VisualStudio/2011/storyboarding/control">
+  <Id Name="System.Storyboarding.Common.MouseClick" Revision="1" Stencil="System.Storyboarding.Common" StencilVersion="0.1"/>
 </Control>
 </file>
 
 <file path=customXml/item5.xml><?xml version="1.0" encoding="utf-8"?>
 <Control xmlns="http://schemas.microsoft.com/VisualStudio/2011/storyboarding/control">
-  <Id Name="System.Storyboarding.Common.ScrollbarVertical" Revision="1" Stencil="System.Storyboarding.Common" StencilVersion="0.1"/>
+  <Id Name="System.Storyboarding.WindowsApps.WindowsAppsEditBox" Revision="1" Stencil="System.Storyboarding.WindowsApps" StencilVersion="0.1"/>
+</Control>
+</file>
+
+<file path=customXml/item50.xml><?xml version="1.0" encoding="utf-8"?>
+<Control xmlns="http://schemas.microsoft.com/VisualStudio/2011/storyboarding/control">
+  <Id Name="System.Storyboarding.Common.MouseClick" Revision="1" Stencil="System.Storyboarding.Common" StencilVersion="0.1"/>
+</Control>
+</file>
+
+<file path=customXml/item51.xml><?xml version="1.0" encoding="utf-8"?>
+<Control xmlns="http://schemas.microsoft.com/VisualStudio/2011/storyboarding/control">
+  <Id Name="System.Storyboarding.Annotation.StickyNote" Revision="1" Stencil="System.Storyboarding.Annotation" StencilVersion="0.1"/>
+</Control>
+</file>
+
+<file path=customXml/item52.xml><?xml version="1.0" encoding="utf-8"?>
+<Control xmlns="http://schemas.microsoft.com/VisualStudio/2011/storyboarding/control">
+  <Id Name="System.Storyboarding.Annotation.StickyNote" Revision="1" Stencil="System.Storyboarding.Annotation" StencilVersion="0.1"/>
+</Control>
+</file>
+
+<file path=customXml/item53.xml><?xml version="1.0" encoding="utf-8"?>
+<Control xmlns="http://schemas.microsoft.com/VisualStudio/2011/storyboarding/control">
+  <Id Name="System.Storyboarding.Common.CheckBoxUnchecked" Revision="1" Stencil="System.Storyboarding.Common" StencilVersion="0.1"/>
+</Control>
+</file>
+
+<file path=customXml/item54.xml><?xml version="1.0" encoding="utf-8"?>
+<Control xmlns="http://schemas.microsoft.com/VisualStudio/2011/storyboarding/control">
+  <Id Name="System.Storyboarding.Common.DropdownBox" Revision="1" Stencil="System.Storyboarding.Common" StencilVersion="0.1"/>
+</Control>
+</file>
+
+<file path=customXml/item55.xml><?xml version="1.0" encoding="utf-8"?>
+<Control xmlns="http://schemas.microsoft.com/VisualStudio/2011/storyboarding/control">
+  <Id Name="System.Storyboarding.Common.MouseClick" Revision="1" Stencil="System.Storyboarding.Common" StencilVersion="0.1"/>
+</Control>
+</file>
+
+<file path=customXml/item56.xml><?xml version="1.0" encoding="utf-8"?>
+<Control xmlns="http://schemas.microsoft.com/VisualStudio/2011/storyboarding/control">
+  <Id Name="System.Storyboarding.Annotation.StickyNote" Revision="1" Stencil="System.Storyboarding.Annotation" StencilVersion="0.1"/>
+</Control>
+</file>
+
+<file path=customXml/item57.xml><?xml version="1.0" encoding="utf-8"?>
+<Control xmlns="http://schemas.microsoft.com/VisualStudio/2011/storyboarding/control">
+  <Id Name="System.Storyboarding.Annotation.StickyNote" Revision="1" Stencil="System.Storyboarding.Annotation" StencilVersion="0.1"/>
+</Control>
+</file>
+
+<file path=customXml/item58.xml><?xml version="1.0" encoding="utf-8"?>
+<Control xmlns="http://schemas.microsoft.com/VisualStudio/2011/storyboarding/control">
+  <Id Name="System.Storyboarding.Common.MouseClick" Revision="1" Stencil="System.Storyboarding.Common" StencilVersion="0.1"/>
+</Control>
+</file>
+
+<file path=customXml/item59.xml><?xml version="1.0" encoding="utf-8"?>
+<Control xmlns="http://schemas.microsoft.com/VisualStudio/2011/storyboarding/control">
+  <Id Name="System.Storyboarding.Common.CheckBoxUnchecked" Revision="1" Stencil="System.Storyboarding.Common" StencilVersion="0.1"/>
 </Control>
 </file>
 
@@ -23416,26 +27575,38 @@
 </Control>
 </file>
 
+<file path=customXml/item60.xml><?xml version="1.0" encoding="utf-8"?>
+<Control xmlns="http://schemas.microsoft.com/VisualStudio/2011/storyboarding/control">
+  <Id Name="System.Storyboarding.Common.Button" Revision="1" Stencil="System.Storyboarding.Common" StencilVersion="0.1"/>
+</Control>
+</file>
+
+<file path=customXml/item61.xml><?xml version="1.0" encoding="utf-8"?>
+<Control xmlns="http://schemas.microsoft.com/VisualStudio/2011/storyboarding/control">
+  <Id Name="System.Storyboarding.Annotation.StickyNote" Revision="1" Stencil="System.Storyboarding.Annotation" StencilVersion="0.1"/>
+</Control>
+</file>
+
 <file path=customXml/item7.xml><?xml version="1.0" encoding="utf-8"?>
 <Control xmlns="http://schemas.microsoft.com/VisualStudio/2011/storyboarding/control">
-  <Id Name="System.Storyboarding.Annotation.AnimatedRectangleCallout" Revision="1" Stencil="System.Storyboarding.Annotation" StencilVersion="0.1"/>
+  <Id Name="System.Storyboarding.WindowsApps.WindowsAppsComboBox" Revision="1" Stencil="System.Storyboarding.WindowsApps" StencilVersion="0.1"/>
 </Control>
 </file>
 
 <file path=customXml/item8.xml><?xml version="1.0" encoding="utf-8"?>
 <Control xmlns="http://schemas.microsoft.com/VisualStudio/2011/storyboarding/control">
-  <Id Name="System.Storyboarding.WindowsApps.WindowsAppsComboBox" Revision="1" Stencil="System.Storyboarding.WindowsApps" StencilVersion="0.1"/>
+  <Id Name="System.Storyboarding.WindowsDesktop.Group" Revision="1" Stencil="System.Storyboarding.WindowsDesktop" StencilVersion="0.1"/>
 </Control>
 </file>
 
 <file path=customXml/item9.xml><?xml version="1.0" encoding="utf-8"?>
 <Control xmlns="http://schemas.microsoft.com/VisualStudio/2011/storyboarding/control">
-  <Id Name="System.Storyboarding.WindowsApps.WindowsAppsEditBox" Revision="1" Stencil="System.Storyboarding.WindowsApps" StencilVersion="0.1"/>
+  <Id Name="f7a94b64-51d6-472a-8bb4-f2cc047935d1" RevisionId="4b37df06-a36b-4383-9074-55517f1335fc" Stencil="172d6d98-e5c9-42e9-a209-79f7a94bbd38" StencilRevisionId="00000000-0000-0000-0000-000000000000" StencilVersion="0.0"/>
 </Control>
 </file>
 
 <file path=customXml/itemProps1.xml><?xml version="1.0" encoding="utf-8"?>
-<ds:datastoreItem xmlns:ds="http://schemas.openxmlformats.org/officeDocument/2006/customXml" ds:itemID="{B0273885-341F-462A-A3D2-EB18E7C12B15}">
+<ds:datastoreItem xmlns:ds="http://schemas.openxmlformats.org/officeDocument/2006/customXml" ds:itemID="{73258906-5B90-4F9D-843C-5ADD1287EE53}">
   <ds:schemaRefs>
     <ds:schemaRef ds:uri="http://schemas.microsoft.com/VisualStudio/2011/storyboarding/control"/>
   </ds:schemaRefs>
@@ -23443,7 +27614,7 @@
 </file>
 
 <file path=customXml/itemProps10.xml><?xml version="1.0" encoding="utf-8"?>
-<ds:datastoreItem xmlns:ds="http://schemas.openxmlformats.org/officeDocument/2006/customXml" ds:itemID="{6090C64C-C352-4038-A71D-A3C89F9ECB15}">
+<ds:datastoreItem xmlns:ds="http://schemas.openxmlformats.org/officeDocument/2006/customXml" ds:itemID="{F89AE9EA-6036-4D28-9121-37D44922D0F5}">
   <ds:schemaRefs>
     <ds:schemaRef ds:uri="http://schemas.microsoft.com/VisualStudio/2011/storyboarding/control"/>
   </ds:schemaRefs>
@@ -23451,7 +27622,7 @@
 </file>
 
 <file path=customXml/itemProps11.xml><?xml version="1.0" encoding="utf-8"?>
-<ds:datastoreItem xmlns:ds="http://schemas.openxmlformats.org/officeDocument/2006/customXml" ds:itemID="{15CD1028-5137-452F-BAD5-3BB93B44D55D}">
+<ds:datastoreItem xmlns:ds="http://schemas.openxmlformats.org/officeDocument/2006/customXml" ds:itemID="{11C33365-CEEA-4B7B-9395-9553AD6320F7}">
   <ds:schemaRefs>
     <ds:schemaRef ds:uri="http://schemas.microsoft.com/VisualStudio/2011/storyboarding/control"/>
   </ds:schemaRefs>
@@ -23459,7 +27630,7 @@
 </file>
 
 <file path=customXml/itemProps12.xml><?xml version="1.0" encoding="utf-8"?>
-<ds:datastoreItem xmlns:ds="http://schemas.openxmlformats.org/officeDocument/2006/customXml" ds:itemID="{E600EE04-8BD9-4784-99F5-2819D436EF6F}">
+<ds:datastoreItem xmlns:ds="http://schemas.openxmlformats.org/officeDocument/2006/customXml" ds:itemID="{F7B2038E-CD36-4E5C-9495-7CB99E8BEC09}">
   <ds:schemaRefs>
     <ds:schemaRef ds:uri="http://schemas.microsoft.com/VisualStudio/2011/storyboarding/control"/>
   </ds:schemaRefs>
@@ -23467,7 +27638,7 @@
 </file>
 
 <file path=customXml/itemProps13.xml><?xml version="1.0" encoding="utf-8"?>
-<ds:datastoreItem xmlns:ds="http://schemas.openxmlformats.org/officeDocument/2006/customXml" ds:itemID="{B6264D59-F002-44C9-8E3B-BCC427475F6C}">
+<ds:datastoreItem xmlns:ds="http://schemas.openxmlformats.org/officeDocument/2006/customXml" ds:itemID="{B8D388F9-F664-4C87-974C-7A1E6B9CD7CD}">
   <ds:schemaRefs>
     <ds:schemaRef ds:uri="http://schemas.microsoft.com/VisualStudio/2011/storyboarding/control"/>
   </ds:schemaRefs>
@@ -23483,7 +27654,7 @@
 </file>
 
 <file path=customXml/itemProps15.xml><?xml version="1.0" encoding="utf-8"?>
-<ds:datastoreItem xmlns:ds="http://schemas.openxmlformats.org/officeDocument/2006/customXml" ds:itemID="{D5217FB4-7C36-404C-B8C0-89B1C48778AE}">
+<ds:datastoreItem xmlns:ds="http://schemas.openxmlformats.org/officeDocument/2006/customXml" ds:itemID="{7416464E-8551-42D6-B6EB-33E82126C8C1}">
   <ds:schemaRefs>
     <ds:schemaRef ds:uri="http://schemas.microsoft.com/VisualStudio/2011/storyboarding/control"/>
   </ds:schemaRefs>
@@ -23491,7 +27662,7 @@
 </file>
 
 <file path=customXml/itemProps16.xml><?xml version="1.0" encoding="utf-8"?>
-<ds:datastoreItem xmlns:ds="http://schemas.openxmlformats.org/officeDocument/2006/customXml" ds:itemID="{1A85E73C-9BE8-4062-997F-4CAE0C255006}">
+<ds:datastoreItem xmlns:ds="http://schemas.openxmlformats.org/officeDocument/2006/customXml" ds:itemID="{0909C5DE-EB0D-464A-8C30-AC8168945B16}">
   <ds:schemaRefs>
     <ds:schemaRef ds:uri="http://schemas.microsoft.com/VisualStudio/2011/storyboarding/control"/>
   </ds:schemaRefs>
@@ -23499,7 +27670,7 @@
 </file>
 
 <file path=customXml/itemProps17.xml><?xml version="1.0" encoding="utf-8"?>
-<ds:datastoreItem xmlns:ds="http://schemas.openxmlformats.org/officeDocument/2006/customXml" ds:itemID="{D71D3424-4636-469B-A8BA-E9AB6145E82C}">
+<ds:datastoreItem xmlns:ds="http://schemas.openxmlformats.org/officeDocument/2006/customXml" ds:itemID="{F4ED7C87-B6C1-4398-921C-6C1FDFBC2F12}">
   <ds:schemaRefs>
     <ds:schemaRef ds:uri="http://schemas.microsoft.com/VisualStudio/2011/storyboarding/control"/>
   </ds:schemaRefs>
@@ -23507,7 +27678,7 @@
 </file>
 
 <file path=customXml/itemProps18.xml><?xml version="1.0" encoding="utf-8"?>
-<ds:datastoreItem xmlns:ds="http://schemas.openxmlformats.org/officeDocument/2006/customXml" ds:itemID="{A5488CF7-C05E-41FE-86C4-195AC108C9BA}">
+<ds:datastoreItem xmlns:ds="http://schemas.openxmlformats.org/officeDocument/2006/customXml" ds:itemID="{914D39F0-13C3-468F-9078-CF1ED7F441C1}">
   <ds:schemaRefs>
     <ds:schemaRef ds:uri="http://schemas.microsoft.com/VisualStudio/2011/storyboarding/control"/>
   </ds:schemaRefs>
@@ -23515,7 +27686,7 @@
 </file>
 
 <file path=customXml/itemProps19.xml><?xml version="1.0" encoding="utf-8"?>
-<ds:datastoreItem xmlns:ds="http://schemas.openxmlformats.org/officeDocument/2006/customXml" ds:itemID="{11C33365-CEEA-4B7B-9395-9553AD6320F7}">
+<ds:datastoreItem xmlns:ds="http://schemas.openxmlformats.org/officeDocument/2006/customXml" ds:itemID="{A3650C13-256B-4C2A-890A-A31C00DF7823}">
   <ds:schemaRefs>
     <ds:schemaRef ds:uri="http://schemas.microsoft.com/VisualStudio/2011/storyboarding/control"/>
   </ds:schemaRefs>
@@ -23531,6 +27702,62 @@
 </file>
 
 <file path=customXml/itemProps20.xml><?xml version="1.0" encoding="utf-8"?>
+<ds:datastoreItem xmlns:ds="http://schemas.openxmlformats.org/officeDocument/2006/customXml" ds:itemID="{671B2219-7BB9-410E-8E61-FAF513D1D6E4}">
+  <ds:schemaRefs>
+    <ds:schemaRef ds:uri="http://schemas.microsoft.com/VisualStudio/2011/storyboarding/control"/>
+  </ds:schemaRefs>
+</ds:datastoreItem>
+</file>
+
+<file path=customXml/itemProps21.xml><?xml version="1.0" encoding="utf-8"?>
+<ds:datastoreItem xmlns:ds="http://schemas.openxmlformats.org/officeDocument/2006/customXml" ds:itemID="{D041A205-8782-453A-9DA5-BCD6307F604C}">
+  <ds:schemaRefs>
+    <ds:schemaRef ds:uri="http://schemas.microsoft.com/VisualStudio/2011/storyboarding/control"/>
+  </ds:schemaRefs>
+</ds:datastoreItem>
+</file>
+
+<file path=customXml/itemProps22.xml><?xml version="1.0" encoding="utf-8"?>
+<ds:datastoreItem xmlns:ds="http://schemas.openxmlformats.org/officeDocument/2006/customXml" ds:itemID="{E600EE04-8BD9-4784-99F5-2819D436EF6F}">
+  <ds:schemaRefs>
+    <ds:schemaRef ds:uri="http://schemas.microsoft.com/VisualStudio/2011/storyboarding/control"/>
+  </ds:schemaRefs>
+</ds:datastoreItem>
+</file>
+
+<file path=customXml/itemProps23.xml><?xml version="1.0" encoding="utf-8"?>
+<ds:datastoreItem xmlns:ds="http://schemas.openxmlformats.org/officeDocument/2006/customXml" ds:itemID="{D71D3424-4636-469B-A8BA-E9AB6145E82C}">
+  <ds:schemaRefs>
+    <ds:schemaRef ds:uri="http://schemas.microsoft.com/VisualStudio/2011/storyboarding/control"/>
+  </ds:schemaRefs>
+</ds:datastoreItem>
+</file>
+
+<file path=customXml/itemProps24.xml><?xml version="1.0" encoding="utf-8"?>
+<ds:datastoreItem xmlns:ds="http://schemas.openxmlformats.org/officeDocument/2006/customXml" ds:itemID="{18316B09-4A43-4F44-9599-C21C29C8D0F9}">
+  <ds:schemaRefs>
+    <ds:schemaRef ds:uri="http://schemas.microsoft.com/VisualStudio/2011/storyboarding/control"/>
+  </ds:schemaRefs>
+</ds:datastoreItem>
+</file>
+
+<file path=customXml/itemProps25.xml><?xml version="1.0" encoding="utf-8"?>
+<ds:datastoreItem xmlns:ds="http://schemas.openxmlformats.org/officeDocument/2006/customXml" ds:itemID="{D77F9BE1-E5DE-43BF-B0C5-DD18A05CBE05}">
+  <ds:schemaRefs>
+    <ds:schemaRef ds:uri="http://schemas.microsoft.com/VisualStudio/2011/storyboarding/control"/>
+  </ds:schemaRefs>
+</ds:datastoreItem>
+</file>
+
+<file path=customXml/itemProps26.xml><?xml version="1.0" encoding="utf-8"?>
+<ds:datastoreItem xmlns:ds="http://schemas.openxmlformats.org/officeDocument/2006/customXml" ds:itemID="{2C03665D-061C-437D-A364-6607BBD4CECC}">
+  <ds:schemaRefs>
+    <ds:schemaRef ds:uri="http://schemas.microsoft.com/VisualStudio/2011/storyboarding/control"/>
+  </ds:schemaRefs>
+</ds:datastoreItem>
+</file>
+
+<file path=customXml/itemProps27.xml><?xml version="1.0" encoding="utf-8"?>
 <ds:datastoreItem xmlns:ds="http://schemas.openxmlformats.org/officeDocument/2006/customXml" ds:itemID="{075698AD-C9E8-493A-B6B1-D397B0A80F13}">
   <ds:schemaRefs>
     <ds:schemaRef ds:uri="http://schemas.microsoft.com/VisualStudio/2011/storyboarding/control"/>
@@ -23538,7 +27765,135 @@
 </ds:datastoreItem>
 </file>
 
-<file path=customXml/itemProps21.xml><?xml version="1.0" encoding="utf-8"?>
+<file path=customXml/itemProps28.xml><?xml version="1.0" encoding="utf-8"?>
+<ds:datastoreItem xmlns:ds="http://schemas.openxmlformats.org/officeDocument/2006/customXml" ds:itemID="{FBB57F93-A30D-4334-B6B4-BA4B6C0CB304}">
+  <ds:schemaRefs>
+    <ds:schemaRef ds:uri="http://schemas.microsoft.com/VisualStudio/2011/storyboarding/control"/>
+  </ds:schemaRefs>
+</ds:datastoreItem>
+</file>
+
+<file path=customXml/itemProps29.xml><?xml version="1.0" encoding="utf-8"?>
+<ds:datastoreItem xmlns:ds="http://schemas.openxmlformats.org/officeDocument/2006/customXml" ds:itemID="{B0273885-341F-462A-A3D2-EB18E7C12B15}">
+  <ds:schemaRefs>
+    <ds:schemaRef ds:uri="http://schemas.microsoft.com/VisualStudio/2011/storyboarding/control"/>
+  </ds:schemaRefs>
+</ds:datastoreItem>
+</file>
+
+<file path=customXml/itemProps3.xml><?xml version="1.0" encoding="utf-8"?>
+<ds:datastoreItem xmlns:ds="http://schemas.openxmlformats.org/officeDocument/2006/customXml" ds:itemID="{1A85E73C-9BE8-4062-997F-4CAE0C255006}">
+  <ds:schemaRefs>
+    <ds:schemaRef ds:uri="http://schemas.microsoft.com/VisualStudio/2011/storyboarding/control"/>
+  </ds:schemaRefs>
+</ds:datastoreItem>
+</file>
+
+<file path=customXml/itemProps30.xml><?xml version="1.0" encoding="utf-8"?>
+<ds:datastoreItem xmlns:ds="http://schemas.openxmlformats.org/officeDocument/2006/customXml" ds:itemID="{84D473BB-BA7F-4027-9C4E-A00D65AC41B0}">
+  <ds:schemaRefs>
+    <ds:schemaRef ds:uri="http://schemas.microsoft.com/VisualStudio/2011/storyboarding/control"/>
+  </ds:schemaRefs>
+</ds:datastoreItem>
+</file>
+
+<file path=customXml/itemProps31.xml><?xml version="1.0" encoding="utf-8"?>
+<ds:datastoreItem xmlns:ds="http://schemas.openxmlformats.org/officeDocument/2006/customXml" ds:itemID="{D5217FB4-7C36-404C-B8C0-89B1C48778AE}">
+  <ds:schemaRefs>
+    <ds:schemaRef ds:uri="http://schemas.microsoft.com/VisualStudio/2011/storyboarding/control"/>
+  </ds:schemaRefs>
+</ds:datastoreItem>
+</file>
+
+<file path=customXml/itemProps32.xml><?xml version="1.0" encoding="utf-8"?>
+<ds:datastoreItem xmlns:ds="http://schemas.openxmlformats.org/officeDocument/2006/customXml" ds:itemID="{8B371429-EF57-48DB-88FB-1618CBF6AA32}">
+  <ds:schemaRefs>
+    <ds:schemaRef ds:uri="http://schemas.microsoft.com/VisualStudio/2011/storyboarding/control"/>
+  </ds:schemaRefs>
+</ds:datastoreItem>
+</file>
+
+<file path=customXml/itemProps33.xml><?xml version="1.0" encoding="utf-8"?>
+<ds:datastoreItem xmlns:ds="http://schemas.openxmlformats.org/officeDocument/2006/customXml" ds:itemID="{D47B9877-8121-4A5C-8672-EBAD68E41FC8}">
+  <ds:schemaRefs>
+    <ds:schemaRef ds:uri="http://schemas.microsoft.com/VisualStudio/2011/storyboarding/control"/>
+  </ds:schemaRefs>
+</ds:datastoreItem>
+</file>
+
+<file path=customXml/itemProps34.xml><?xml version="1.0" encoding="utf-8"?>
+<ds:datastoreItem xmlns:ds="http://schemas.openxmlformats.org/officeDocument/2006/customXml" ds:itemID="{A241BFA6-927C-4EF6-8003-57E10DB61ABD}">
+  <ds:schemaRefs>
+    <ds:schemaRef ds:uri="http://schemas.microsoft.com/VisualStudio/2011/storyboarding/control"/>
+  </ds:schemaRefs>
+</ds:datastoreItem>
+</file>
+
+<file path=customXml/itemProps35.xml><?xml version="1.0" encoding="utf-8"?>
+<ds:datastoreItem xmlns:ds="http://schemas.openxmlformats.org/officeDocument/2006/customXml" ds:itemID="{6090C64C-C352-4038-A71D-A3C89F9ECB15}">
+  <ds:schemaRefs>
+    <ds:schemaRef ds:uri="http://schemas.microsoft.com/VisualStudio/2011/storyboarding/control"/>
+  </ds:schemaRefs>
+</ds:datastoreItem>
+</file>
+
+<file path=customXml/itemProps36.xml><?xml version="1.0" encoding="utf-8"?>
+<ds:datastoreItem xmlns:ds="http://schemas.openxmlformats.org/officeDocument/2006/customXml" ds:itemID="{126EFAD7-375C-454A-8434-49558D790875}">
+  <ds:schemaRefs>
+    <ds:schemaRef ds:uri="http://schemas.microsoft.com/VisualStudio/2011/storyboarding/control"/>
+  </ds:schemaRefs>
+</ds:datastoreItem>
+</file>
+
+<file path=customXml/itemProps37.xml><?xml version="1.0" encoding="utf-8"?>
+<ds:datastoreItem xmlns:ds="http://schemas.openxmlformats.org/officeDocument/2006/customXml" ds:itemID="{EB310673-AE6D-457F-B065-E26CB97B2FBC}">
+  <ds:schemaRefs>
+    <ds:schemaRef ds:uri="http://schemas.microsoft.com/VisualStudio/2011/storyboarding/control"/>
+  </ds:schemaRefs>
+</ds:datastoreItem>
+</file>
+
+<file path=customXml/itemProps38.xml><?xml version="1.0" encoding="utf-8"?>
+<ds:datastoreItem xmlns:ds="http://schemas.openxmlformats.org/officeDocument/2006/customXml" ds:itemID="{B6264D59-F002-44C9-8E3B-BCC427475F6C}">
+  <ds:schemaRefs>
+    <ds:schemaRef ds:uri="http://schemas.microsoft.com/VisualStudio/2011/storyboarding/control"/>
+  </ds:schemaRefs>
+</ds:datastoreItem>
+</file>
+
+<file path=customXml/itemProps39.xml><?xml version="1.0" encoding="utf-8"?>
+<ds:datastoreItem xmlns:ds="http://schemas.openxmlformats.org/officeDocument/2006/customXml" ds:itemID="{A5488CF7-C05E-41FE-86C4-195AC108C9BA}">
+  <ds:schemaRefs>
+    <ds:schemaRef ds:uri="http://schemas.microsoft.com/VisualStudio/2011/storyboarding/control"/>
+  </ds:schemaRefs>
+</ds:datastoreItem>
+</file>
+
+<file path=customXml/itemProps4.xml><?xml version="1.0" encoding="utf-8"?>
+<ds:datastoreItem xmlns:ds="http://schemas.openxmlformats.org/officeDocument/2006/customXml" ds:itemID="{5A4D65C3-0019-4CD6-A56C-AB596FC47CB6}">
+  <ds:schemaRefs>
+    <ds:schemaRef ds:uri="http://schemas.microsoft.com/VisualStudio/2011/storyboarding/control"/>
+  </ds:schemaRefs>
+</ds:datastoreItem>
+</file>
+
+<file path=customXml/itemProps40.xml><?xml version="1.0" encoding="utf-8"?>
+<ds:datastoreItem xmlns:ds="http://schemas.openxmlformats.org/officeDocument/2006/customXml" ds:itemID="{1FF35713-C734-4162-A7A2-5AA54D882D4D}">
+  <ds:schemaRefs>
+    <ds:schemaRef ds:uri="http://schemas.microsoft.com/VisualStudio/2011/storyboarding/control"/>
+  </ds:schemaRefs>
+</ds:datastoreItem>
+</file>
+
+<file path=customXml/itemProps41.xml><?xml version="1.0" encoding="utf-8"?>
+<ds:datastoreItem xmlns:ds="http://schemas.openxmlformats.org/officeDocument/2006/customXml" ds:itemID="{26C4A927-1BBC-493C-B118-8C5F5B4EE2FD}">
+  <ds:schemaRefs>
+    <ds:schemaRef ds:uri="http://schemas.microsoft.com/VisualStudio/2011/storyboarding/control"/>
+  </ds:schemaRefs>
+</ds:datastoreItem>
+</file>
+
+<file path=customXml/itemProps42.xml><?xml version="1.0" encoding="utf-8"?>
 <ds:datastoreItem xmlns:ds="http://schemas.openxmlformats.org/officeDocument/2006/customXml" ds:itemID="{EB713E7C-7146-48D2-BEA2-BBB31A5A0441}">
   <ds:schemaRefs>
     <ds:schemaRef ds:uri="http://schemas.microsoft.com/VisualStudio/2011/storyboarding/control"/>
@@ -23546,23 +27901,151 @@
 </ds:datastoreItem>
 </file>
 
-<file path=customXml/itemProps22.xml><?xml version="1.0" encoding="utf-8"?>
-<ds:datastoreItem xmlns:ds="http://schemas.openxmlformats.org/officeDocument/2006/customXml" ds:itemID="{7416464E-8551-42D6-B6EB-33E82126C8C1}">
+<file path=customXml/itemProps43.xml><?xml version="1.0" encoding="utf-8"?>
+<ds:datastoreItem xmlns:ds="http://schemas.openxmlformats.org/officeDocument/2006/customXml" ds:itemID="{C440B9D1-59F5-4E93-99BA-31F612705752}">
   <ds:schemaRefs>
     <ds:schemaRef ds:uri="http://schemas.microsoft.com/VisualStudio/2011/storyboarding/control"/>
   </ds:schemaRefs>
 </ds:datastoreItem>
 </file>
 
-<file path=customXml/itemProps23.xml><?xml version="1.0" encoding="utf-8"?>
-<ds:datastoreItem xmlns:ds="http://schemas.openxmlformats.org/officeDocument/2006/customXml" ds:itemID="{8B371429-EF57-48DB-88FB-1618CBF6AA32}">
+<file path=customXml/itemProps44.xml><?xml version="1.0" encoding="utf-8"?>
+<ds:datastoreItem xmlns:ds="http://schemas.openxmlformats.org/officeDocument/2006/customXml" ds:itemID="{959A000C-E585-439F-B645-BFCCB3A28948}">
   <ds:schemaRefs>
     <ds:schemaRef ds:uri="http://schemas.microsoft.com/VisualStudio/2011/storyboarding/control"/>
   </ds:schemaRefs>
 </ds:datastoreItem>
 </file>
 
-<file path=customXml/itemProps24.xml><?xml version="1.0" encoding="utf-8"?>
+<file path=customXml/itemProps45.xml><?xml version="1.0" encoding="utf-8"?>
+<ds:datastoreItem xmlns:ds="http://schemas.openxmlformats.org/officeDocument/2006/customXml" ds:itemID="{F8AFF19F-7F47-41F2-9CBE-1C4EBEC57D8B}">
+  <ds:schemaRefs>
+    <ds:schemaRef ds:uri="http://schemas.microsoft.com/VisualStudio/2011/storyboarding/control"/>
+  </ds:schemaRefs>
+</ds:datastoreItem>
+</file>
+
+<file path=customXml/itemProps46.xml><?xml version="1.0" encoding="utf-8"?>
+<ds:datastoreItem xmlns:ds="http://schemas.openxmlformats.org/officeDocument/2006/customXml" ds:itemID="{FD0575AA-0D0A-4B5A-B60F-307F5E2CFE30}">
+  <ds:schemaRefs>
+    <ds:schemaRef ds:uri="http://schemas.microsoft.com/VisualStudio/2011/storyboarding/control"/>
+  </ds:schemaRefs>
+</ds:datastoreItem>
+</file>
+
+<file path=customXml/itemProps47.xml><?xml version="1.0" encoding="utf-8"?>
+<ds:datastoreItem xmlns:ds="http://schemas.openxmlformats.org/officeDocument/2006/customXml" ds:itemID="{500E0626-BCEA-44DC-BD1D-2299F30AA12E}">
+  <ds:schemaRefs>
+    <ds:schemaRef ds:uri="http://schemas.microsoft.com/VisualStudio/2011/storyboarding/control"/>
+  </ds:schemaRefs>
+</ds:datastoreItem>
+</file>
+
+<file path=customXml/itemProps48.xml><?xml version="1.0" encoding="utf-8"?>
+<ds:datastoreItem xmlns:ds="http://schemas.openxmlformats.org/officeDocument/2006/customXml" ds:itemID="{8E6B8AC5-E396-4D7D-BA25-F55160169A13}">
+  <ds:schemaRefs>
+    <ds:schemaRef ds:uri="http://schemas.microsoft.com/VisualStudio/2011/storyboarding/control"/>
+  </ds:schemaRefs>
+</ds:datastoreItem>
+</file>
+
+<file path=customXml/itemProps49.xml><?xml version="1.0" encoding="utf-8"?>
+<ds:datastoreItem xmlns:ds="http://schemas.openxmlformats.org/officeDocument/2006/customXml" ds:itemID="{E2784C72-F319-425E-ADD1-4B61A988E071}">
+  <ds:schemaRefs>
+    <ds:schemaRef ds:uri="http://schemas.microsoft.com/VisualStudio/2011/storyboarding/control"/>
+  </ds:schemaRefs>
+</ds:datastoreItem>
+</file>
+
+<file path=customXml/itemProps5.xml><?xml version="1.0" encoding="utf-8"?>
+<ds:datastoreItem xmlns:ds="http://schemas.openxmlformats.org/officeDocument/2006/customXml" ds:itemID="{15CD1028-5137-452F-BAD5-3BB93B44D55D}">
+  <ds:schemaRefs>
+    <ds:schemaRef ds:uri="http://schemas.microsoft.com/VisualStudio/2011/storyboarding/control"/>
+  </ds:schemaRefs>
+</ds:datastoreItem>
+</file>
+
+<file path=customXml/itemProps50.xml><?xml version="1.0" encoding="utf-8"?>
+<ds:datastoreItem xmlns:ds="http://schemas.openxmlformats.org/officeDocument/2006/customXml" ds:itemID="{B4DC0CDB-71E3-44E0-9653-C82CA13C9771}">
+  <ds:schemaRefs>
+    <ds:schemaRef ds:uri="http://schemas.microsoft.com/VisualStudio/2011/storyboarding/control"/>
+  </ds:schemaRefs>
+</ds:datastoreItem>
+</file>
+
+<file path=customXml/itemProps51.xml><?xml version="1.0" encoding="utf-8"?>
+<ds:datastoreItem xmlns:ds="http://schemas.openxmlformats.org/officeDocument/2006/customXml" ds:itemID="{301480B0-FB01-4225-ACA5-F90F1194B7A0}">
+  <ds:schemaRefs>
+    <ds:schemaRef ds:uri="http://schemas.microsoft.com/VisualStudio/2011/storyboarding/control"/>
+  </ds:schemaRefs>
+</ds:datastoreItem>
+</file>
+
+<file path=customXml/itemProps52.xml><?xml version="1.0" encoding="utf-8"?>
+<ds:datastoreItem xmlns:ds="http://schemas.openxmlformats.org/officeDocument/2006/customXml" ds:itemID="{C52AA1A0-BCE4-4B41-B598-586CFA539D52}">
+  <ds:schemaRefs>
+    <ds:schemaRef ds:uri="http://schemas.microsoft.com/VisualStudio/2011/storyboarding/control"/>
+  </ds:schemaRefs>
+</ds:datastoreItem>
+</file>
+
+<file path=customXml/itemProps53.xml><?xml version="1.0" encoding="utf-8"?>
+<ds:datastoreItem xmlns:ds="http://schemas.openxmlformats.org/officeDocument/2006/customXml" ds:itemID="{EE187EA4-FE24-4F75-90DA-36387348BD6D}">
+  <ds:schemaRefs>
+    <ds:schemaRef ds:uri="http://schemas.microsoft.com/VisualStudio/2011/storyboarding/control"/>
+  </ds:schemaRefs>
+</ds:datastoreItem>
+</file>
+
+<file path=customXml/itemProps54.xml><?xml version="1.0" encoding="utf-8"?>
+<ds:datastoreItem xmlns:ds="http://schemas.openxmlformats.org/officeDocument/2006/customXml" ds:itemID="{ED91B8E3-F743-4F2E-B17C-8A536BA42444}">
+  <ds:schemaRefs>
+    <ds:schemaRef ds:uri="http://schemas.microsoft.com/VisualStudio/2011/storyboarding/control"/>
+  </ds:schemaRefs>
+</ds:datastoreItem>
+</file>
+
+<file path=customXml/itemProps55.xml><?xml version="1.0" encoding="utf-8"?>
+<ds:datastoreItem xmlns:ds="http://schemas.openxmlformats.org/officeDocument/2006/customXml" ds:itemID="{4EA27EE1-D330-4562-9F2C-7779570C6AFE}">
+  <ds:schemaRefs>
+    <ds:schemaRef ds:uri="http://schemas.microsoft.com/VisualStudio/2011/storyboarding/control"/>
+  </ds:schemaRefs>
+</ds:datastoreItem>
+</file>
+
+<file path=customXml/itemProps56.xml><?xml version="1.0" encoding="utf-8"?>
+<ds:datastoreItem xmlns:ds="http://schemas.openxmlformats.org/officeDocument/2006/customXml" ds:itemID="{E8E39889-12DB-4CB5-9BAC-53D281350144}">
+  <ds:schemaRefs>
+    <ds:schemaRef ds:uri="http://schemas.microsoft.com/VisualStudio/2011/storyboarding/control"/>
+  </ds:schemaRefs>
+</ds:datastoreItem>
+</file>
+
+<file path=customXml/itemProps57.xml><?xml version="1.0" encoding="utf-8"?>
+<ds:datastoreItem xmlns:ds="http://schemas.openxmlformats.org/officeDocument/2006/customXml" ds:itemID="{23D02E9A-0F2A-4D6C-855C-3BCFF8A64138}">
+  <ds:schemaRefs>
+    <ds:schemaRef ds:uri="http://schemas.microsoft.com/VisualStudio/2011/storyboarding/control"/>
+  </ds:schemaRefs>
+</ds:datastoreItem>
+</file>
+
+<file path=customXml/itemProps58.xml><?xml version="1.0" encoding="utf-8"?>
+<ds:datastoreItem xmlns:ds="http://schemas.openxmlformats.org/officeDocument/2006/customXml" ds:itemID="{683C6511-5538-4BFF-BCCE-6277A9DBC602}">
+  <ds:schemaRefs>
+    <ds:schemaRef ds:uri="http://schemas.microsoft.com/VisualStudio/2011/storyboarding/control"/>
+  </ds:schemaRefs>
+</ds:datastoreItem>
+</file>
+
+<file path=customXml/itemProps59.xml><?xml version="1.0" encoding="utf-8"?>
+<ds:datastoreItem xmlns:ds="http://schemas.openxmlformats.org/officeDocument/2006/customXml" ds:itemID="{255E33F8-8F33-4784-8E69-9AC0841A0ADA}">
+  <ds:schemaRefs>
+    <ds:schemaRef ds:uri="http://schemas.microsoft.com/VisualStudio/2011/storyboarding/control"/>
+  </ds:schemaRefs>
+</ds:datastoreItem>
+</file>
+
+<file path=customXml/itemProps6.xml><?xml version="1.0" encoding="utf-8"?>
 <ds:datastoreItem xmlns:ds="http://schemas.openxmlformats.org/officeDocument/2006/customXml" ds:itemID="{1C1B10A8-4A1C-4B72-8E86-6F825E2955B1}">
   <ds:schemaRefs>
     <ds:schemaRef ds:uri="http://schemas.microsoft.com/VisualStudio/2011/storyboarding/control"/>
@@ -23570,71 +28053,23 @@
 </ds:datastoreItem>
 </file>
 
-<file path=customXml/itemProps25.xml><?xml version="1.0" encoding="utf-8"?>
-<ds:datastoreItem xmlns:ds="http://schemas.openxmlformats.org/officeDocument/2006/customXml" ds:itemID="{18316B09-4A43-4F44-9599-C21C29C8D0F9}">
+<file path=customXml/itemProps60.xml><?xml version="1.0" encoding="utf-8"?>
+<ds:datastoreItem xmlns:ds="http://schemas.openxmlformats.org/officeDocument/2006/customXml" ds:itemID="{8839CFF5-45B2-48E1-9CCF-1B08FC4345E2}">
   <ds:schemaRefs>
     <ds:schemaRef ds:uri="http://schemas.microsoft.com/VisualStudio/2011/storyboarding/control"/>
   </ds:schemaRefs>
 </ds:datastoreItem>
 </file>
 
-<file path=customXml/itemProps26.xml><?xml version="1.0" encoding="utf-8"?>
-<ds:datastoreItem xmlns:ds="http://schemas.openxmlformats.org/officeDocument/2006/customXml" ds:itemID="{1FF35713-C734-4162-A7A2-5AA54D882D4D}">
+<file path=customXml/itemProps61.xml><?xml version="1.0" encoding="utf-8"?>
+<ds:datastoreItem xmlns:ds="http://schemas.openxmlformats.org/officeDocument/2006/customXml" ds:itemID="{00E122AC-F362-4C4E-B7BC-18CE57531677}">
   <ds:schemaRefs>
     <ds:schemaRef ds:uri="http://schemas.microsoft.com/VisualStudio/2011/storyboarding/control"/>
   </ds:schemaRefs>
 </ds:datastoreItem>
 </file>
 
-<file path=customXml/itemProps27.xml><?xml version="1.0" encoding="utf-8"?>
-<ds:datastoreItem xmlns:ds="http://schemas.openxmlformats.org/officeDocument/2006/customXml" ds:itemID="{0909C5DE-EB0D-464A-8C30-AC8168945B16}">
-  <ds:schemaRefs>
-    <ds:schemaRef ds:uri="http://schemas.microsoft.com/VisualStudio/2011/storyboarding/control"/>
-  </ds:schemaRefs>
-</ds:datastoreItem>
-</file>
-
-<file path=customXml/itemProps28.xml><?xml version="1.0" encoding="utf-8"?>
-<ds:datastoreItem xmlns:ds="http://schemas.openxmlformats.org/officeDocument/2006/customXml" ds:itemID="{D47B9877-8121-4A5C-8672-EBAD68E41FC8}">
-  <ds:schemaRefs>
-    <ds:schemaRef ds:uri="http://schemas.microsoft.com/VisualStudio/2011/storyboarding/control"/>
-  </ds:schemaRefs>
-</ds:datastoreItem>
-</file>
-
-<file path=customXml/itemProps29.xml><?xml version="1.0" encoding="utf-8"?>
-<ds:datastoreItem xmlns:ds="http://schemas.openxmlformats.org/officeDocument/2006/customXml" ds:itemID="{5A4D65C3-0019-4CD6-A56C-AB596FC47CB6}">
-  <ds:schemaRefs>
-    <ds:schemaRef ds:uri="http://schemas.microsoft.com/VisualStudio/2011/storyboarding/control"/>
-  </ds:schemaRefs>
-</ds:datastoreItem>
-</file>
-
-<file path=customXml/itemProps3.xml><?xml version="1.0" encoding="utf-8"?>
-<ds:datastoreItem xmlns:ds="http://schemas.openxmlformats.org/officeDocument/2006/customXml" ds:itemID="{D041A205-8782-453A-9DA5-BCD6307F604C}">
-  <ds:schemaRefs>
-    <ds:schemaRef ds:uri="http://schemas.microsoft.com/VisualStudio/2011/storyboarding/control"/>
-  </ds:schemaRefs>
-</ds:datastoreItem>
-</file>
-
-<file path=customXml/itemProps30.xml><?xml version="1.0" encoding="utf-8"?>
-<ds:datastoreItem xmlns:ds="http://schemas.openxmlformats.org/officeDocument/2006/customXml" ds:itemID="{F4ED7C87-B6C1-4398-921C-6C1FDFBC2F12}">
-  <ds:schemaRefs>
-    <ds:schemaRef ds:uri="http://schemas.microsoft.com/VisualStudio/2011/storyboarding/control"/>
-  </ds:schemaRefs>
-</ds:datastoreItem>
-</file>
-
-<file path=customXml/itemProps31.xml><?xml version="1.0" encoding="utf-8"?>
-<ds:datastoreItem xmlns:ds="http://schemas.openxmlformats.org/officeDocument/2006/customXml" ds:itemID="{126EFAD7-375C-454A-8434-49558D790875}">
-  <ds:schemaRefs>
-    <ds:schemaRef ds:uri="http://schemas.microsoft.com/VisualStudio/2011/storyboarding/control"/>
-  </ds:schemaRefs>
-</ds:datastoreItem>
-</file>
-
-<file path=customXml/itemProps32.xml><?xml version="1.0" encoding="utf-8"?>
+<file path=customXml/itemProps7.xml><?xml version="1.0" encoding="utf-8"?>
 <ds:datastoreItem xmlns:ds="http://schemas.openxmlformats.org/officeDocument/2006/customXml" ds:itemID="{D5E218A4-BD81-4546-A030-4D062A9D32A0}">
   <ds:schemaRefs>
     <ds:schemaRef ds:uri="http://schemas.microsoft.com/VisualStudio/2011/storyboarding/control"/>
@@ -23642,39 +28077,7 @@
 </ds:datastoreItem>
 </file>
 
-<file path=customXml/itemProps33.xml><?xml version="1.0" encoding="utf-8"?>
-<ds:datastoreItem xmlns:ds="http://schemas.openxmlformats.org/officeDocument/2006/customXml" ds:itemID="{D77F9BE1-E5DE-43BF-B0C5-DD18A05CBE05}">
-  <ds:schemaRefs>
-    <ds:schemaRef ds:uri="http://schemas.microsoft.com/VisualStudio/2011/storyboarding/control"/>
-  </ds:schemaRefs>
-</ds:datastoreItem>
-</file>
-
-<file path=customXml/itemProps34.xml><?xml version="1.0" encoding="utf-8"?>
-<ds:datastoreItem xmlns:ds="http://schemas.openxmlformats.org/officeDocument/2006/customXml" ds:itemID="{C440B9D1-59F5-4E93-99BA-31F612705752}">
-  <ds:schemaRefs>
-    <ds:schemaRef ds:uri="http://schemas.microsoft.com/VisualStudio/2011/storyboarding/control"/>
-  </ds:schemaRefs>
-</ds:datastoreItem>
-</file>
-
-<file path=customXml/itemProps35.xml><?xml version="1.0" encoding="utf-8"?>
-<ds:datastoreItem xmlns:ds="http://schemas.openxmlformats.org/officeDocument/2006/customXml" ds:itemID="{914D39F0-13C3-468F-9078-CF1ED7F441C1}">
-  <ds:schemaRefs>
-    <ds:schemaRef ds:uri="http://schemas.microsoft.com/VisualStudio/2011/storyboarding/control"/>
-  </ds:schemaRefs>
-</ds:datastoreItem>
-</file>
-
-<file path=customXml/itemProps36.xml><?xml version="1.0" encoding="utf-8"?>
-<ds:datastoreItem xmlns:ds="http://schemas.openxmlformats.org/officeDocument/2006/customXml" ds:itemID="{A241BFA6-927C-4EF6-8003-57E10DB61ABD}">
-  <ds:schemaRefs>
-    <ds:schemaRef ds:uri="http://schemas.microsoft.com/VisualStudio/2011/storyboarding/control"/>
-  </ds:schemaRefs>
-</ds:datastoreItem>
-</file>
-
-<file path=customXml/itemProps37.xml><?xml version="1.0" encoding="utf-8"?>
+<file path=customXml/itemProps8.xml><?xml version="1.0" encoding="utf-8"?>
 <ds:datastoreItem xmlns:ds="http://schemas.openxmlformats.org/officeDocument/2006/customXml" ds:itemID="{B0904329-59C2-44A5-AFEA-401E295AF044}">
   <ds:schemaRefs>
     <ds:schemaRef ds:uri="http://schemas.microsoft.com/VisualStudio/2011/storyboarding/control"/>
@@ -23682,106 +28085,10 @@
 </ds:datastoreItem>
 </file>
 
-<file path=customXml/itemProps38.xml><?xml version="1.0" encoding="utf-8"?>
-<ds:datastoreItem xmlns:ds="http://schemas.openxmlformats.org/officeDocument/2006/customXml" ds:itemID="{2C03665D-061C-437D-A364-6607BBD4CECC}">
-  <ds:schemaRefs>
-    <ds:schemaRef ds:uri="http://schemas.microsoft.com/VisualStudio/2011/storyboarding/control"/>
-  </ds:schemaRefs>
-</ds:datastoreItem>
-</file>
-
-<file path=customXml/itemProps39.xml><?xml version="1.0" encoding="utf-8"?>
-<ds:datastoreItem xmlns:ds="http://schemas.openxmlformats.org/officeDocument/2006/customXml" ds:itemID="{26C4A927-1BBC-493C-B118-8C5F5B4EE2FD}">
-  <ds:schemaRefs>
-    <ds:schemaRef ds:uri="http://schemas.microsoft.com/VisualStudio/2011/storyboarding/control"/>
-  </ds:schemaRefs>
-</ds:datastoreItem>
-</file>
-
-<file path=customXml/itemProps4.xml><?xml version="1.0" encoding="utf-8"?>
-<ds:datastoreItem xmlns:ds="http://schemas.openxmlformats.org/officeDocument/2006/customXml" ds:itemID="{F7B2038E-CD36-4E5C-9495-7CB99E8BEC09}">
-  <ds:schemaRefs>
-    <ds:schemaRef ds:uri="http://schemas.microsoft.com/VisualStudio/2011/storyboarding/control"/>
-  </ds:schemaRefs>
-</ds:datastoreItem>
-</file>
-
-<file path=customXml/itemProps40.xml><?xml version="1.0" encoding="utf-8"?>
+<file path=customXml/itemProps9.xml><?xml version="1.0" encoding="utf-8"?>
 <ds:datastoreItem xmlns:ds="http://schemas.openxmlformats.org/officeDocument/2006/customXml" ds:itemID="{73CF1057-C731-45E3-ABF5-D83CE428C19D}">
   <ds:schemaRefs>
     <ds:schemaRef ds:uri="http://schemas.microsoft.com/VisualStudio/2011/storyboarding/control"/>
   </ds:schemaRefs>
 </ds:datastoreItem>
-</file>
-
-<file path=customXml/itemProps41.xml><?xml version="1.0" encoding="utf-8"?>
-<ds:datastoreItem xmlns:ds="http://schemas.openxmlformats.org/officeDocument/2006/customXml" ds:itemID="{FBB57F93-A30D-4334-B6B4-BA4B6C0CB304}">
-  <ds:schemaRefs>
-    <ds:schemaRef ds:uri="http://schemas.microsoft.com/VisualStudio/2011/storyboarding/control"/>
-  </ds:schemaRefs>
-</ds:datastoreItem>
-</file>
-
-<file path=customXml/itemProps42.xml><?xml version="1.0" encoding="utf-8"?>
-<ds:datastoreItem xmlns:ds="http://schemas.openxmlformats.org/officeDocument/2006/customXml" ds:itemID="{959A000C-E585-439F-B645-BFCCB3A28948}">
-  <ds:schemaRefs>
-    <ds:schemaRef ds:uri="http://schemas.microsoft.com/VisualStudio/2011/storyboarding/control"/>
-  </ds:schemaRefs>
-</ds:datastoreItem>
-</file>
-
-<file path=customXml/itemProps43.xml><?xml version="1.0" encoding="utf-8"?>
-<ds:datastoreItem xmlns:ds="http://schemas.openxmlformats.org/officeDocument/2006/customXml" ds:itemID="{A3650C13-256B-4C2A-890A-A31C00DF7823}">
-  <ds:schemaRefs>
-    <ds:schemaRef ds:uri="http://schemas.microsoft.com/VisualStudio/2011/storyboarding/control"/>
-  </ds:schemaRefs>
-</ds:datastoreItem>
-</file>
-
-<file path=customXml/itemProps44.xml><?xml version="1.0" encoding="utf-8"?>
-<ds:datastoreItem xmlns:ds="http://schemas.openxmlformats.org/officeDocument/2006/customXml" ds:itemID="{EB310673-AE6D-457F-B065-E26CB97B2FBC}">
-  <ds:schemaRefs>
-    <ds:schemaRef ds:uri="http://schemas.microsoft.com/VisualStudio/2011/storyboarding/control"/>
-  </ds:schemaRefs>
-</ds:datastoreItem>
-</file>
-
-<file path=customXml/itemProps5.xml><?xml version="1.0" encoding="utf-8"?>
-<ds:datastoreItem xmlns:ds="http://schemas.openxmlformats.org/officeDocument/2006/customXml" ds:itemID="{F89AE9EA-6036-4D28-9121-37D44922D0F5}">
-  <ds:schemaRefs>
-    <ds:schemaRef ds:uri="http://schemas.microsoft.com/VisualStudio/2011/storyboarding/control"/>
-  </ds:schemaRefs>
-</ds:datastoreItem>
-</file>
-
-<file path=customXml/itemProps6.xml><?xml version="1.0" encoding="utf-8"?>
-<ds:datastoreItem xmlns:ds="http://schemas.openxmlformats.org/officeDocument/2006/customXml" ds:itemID="{84D473BB-BA7F-4027-9C4E-A00D65AC41B0}">
-  <ds:schemaRefs>
-    <ds:schemaRef ds:uri="http://schemas.microsoft.com/VisualStudio/2011/storyboarding/control"/>
-  </ds:schemaRefs>
-</ds:datastoreItem>
-</file>
-
-<file path=customXml/itemProps7.xml><?xml version="1.0" encoding="utf-8"?>
-<ds:datastoreItem xmlns:ds="http://schemas.openxmlformats.org/officeDocument/2006/customXml" ds:itemID="{73258906-5B90-4F9D-843C-5ADD1287EE53}">
-  <ds:schemaRefs>
-    <ds:schemaRef ds:uri="http://schemas.microsoft.com/VisualStudio/2011/storyboarding/control"/>
-  </ds:schemaRefs>
-</ds:datastoreItem>
-</file>
-
-<file path=customXml/itemProps8.xml><?xml version="1.0" encoding="utf-8"?>
-<ds:datastoreItem xmlns:ds="http://schemas.openxmlformats.org/officeDocument/2006/customXml" ds:itemID="{671B2219-7BB9-410E-8E61-FAF513D1D6E4}">
-  <ds:schemaRefs>
-    <ds:schemaRef ds:uri="http://schemas.microsoft.com/VisualStudio/2011/storyboarding/control"/>
-  </ds:schemaRefs>
-</ds:datastoreItem>
-</file>
-
-<file path=customXml/itemProps9.xml><?xml version="1.0" encoding="utf-8"?>
-<ds:datastoreItem xmlns:ds="http://schemas.openxmlformats.org/officeDocument/2006/customXml" ds:itemID="{B8D388F9-F664-4C87-974C-7A1E6B9CD7CD}">
-  <ds:schemaRefs>
-    <ds:schemaRef ds:uri="http://schemas.microsoft.com/VisualStudio/2011/storyboarding/control"/>
-  </ds:schemaRefs>
-</ds:datastoreItem>
 </file>